--- a/PPT FWD TNSDC 2025 (1).pptx
+++ b/PPT FWD TNSDC 2025 (1).pptx
@@ -144,7 +144,7 @@
       </p:grpSpPr>
       <p:sp>
         <p:nvSpPr>
-          <p:cNvPr id="1048705" name="Header Placeholder 1"/>
+          <p:cNvPr id="1048694" name="Header Placeholder 1"/>
           <p:cNvSpPr>
             <a:spLocks noGrp="1"/>
           </p:cNvSpPr>
@@ -173,7 +173,7 @@
       </p:sp>
       <p:sp>
         <p:nvSpPr>
-          <p:cNvPr id="1048706" name="Date Placeholder 2"/>
+          <p:cNvPr id="1048695" name="Date Placeholder 2"/>
           <p:cNvSpPr>
             <a:spLocks noGrp="1"/>
           </p:cNvSpPr>
@@ -206,7 +206,7 @@
       </p:sp>
       <p:sp>
         <p:nvSpPr>
-          <p:cNvPr id="1048707" name="Slide Image Placeholder 3"/>
+          <p:cNvPr id="1048696" name="Slide Image Placeholder 3"/>
           <p:cNvSpPr>
             <a:spLocks noChangeAspect="1" noRot="1" noGrp="1"/>
           </p:cNvSpPr>
@@ -236,7 +236,7 @@
       </p:sp>
       <p:sp>
         <p:nvSpPr>
-          <p:cNvPr id="1048708" name="Notes Placeholder 4"/>
+          <p:cNvPr id="1048697" name="Notes Placeholder 4"/>
           <p:cNvSpPr>
             <a:spLocks noGrp="1"/>
           </p:cNvSpPr>
@@ -293,7 +293,7 @@
       </p:sp>
       <p:sp>
         <p:nvSpPr>
-          <p:cNvPr id="1048709" name="Footer Placeholder 5"/>
+          <p:cNvPr id="1048698" name="Footer Placeholder 5"/>
           <p:cNvSpPr>
             <a:spLocks noGrp="1"/>
           </p:cNvSpPr>
@@ -322,7 +322,7 @@
       </p:sp>
       <p:sp>
         <p:nvSpPr>
-          <p:cNvPr id="1048710" name="Slide Number Placeholder 6"/>
+          <p:cNvPr id="1048699" name="Slide Number Placeholder 6"/>
           <p:cNvSpPr>
             <a:spLocks noGrp="1"/>
           </p:cNvSpPr>
@@ -456,7 +456,7 @@
   <p:cSld>
     <p:spTree>
       <p:nvGrpSpPr>
-        <p:cNvPr id="28" name=""/>
+        <p:cNvPr id="29" name=""/>
         <p:cNvGrpSpPr/>
         <p:nvPr/>
       </p:nvGrpSpPr>
@@ -547,7 +547,7 @@
       </p:grpSpPr>
       <p:sp>
         <p:nvSpPr>
-          <p:cNvPr id="1048612" name="Holder 2"/>
+          <p:cNvPr id="1048608" name="Holder 2"/>
           <p:cNvSpPr>
             <a:spLocks noGrp="1"/>
           </p:cNvSpPr>
@@ -582,7 +582,7 @@
       </p:sp>
       <p:sp>
         <p:nvSpPr>
-          <p:cNvPr id="1048613" name="Holder 3"/>
+          <p:cNvPr id="1048609" name="Holder 3"/>
           <p:cNvSpPr>
             <a:spLocks noGrp="1"/>
           </p:cNvSpPr>
@@ -606,7 +606,7 @@
       </p:sp>
       <p:sp>
         <p:nvSpPr>
-          <p:cNvPr id="1048614" name="Holder 4"/>
+          <p:cNvPr id="1048610" name="Holder 4"/>
           <p:cNvSpPr>
             <a:spLocks noGrp="1"/>
           </p:cNvSpPr>
@@ -633,7 +633,7 @@
       </p:sp>
       <p:sp>
         <p:nvSpPr>
-          <p:cNvPr id="1048615" name="Holder 5"/>
+          <p:cNvPr id="1048611" name="Holder 5"/>
           <p:cNvSpPr>
             <a:spLocks noGrp="1"/>
           </p:cNvSpPr>
@@ -666,7 +666,7 @@
       </p:sp>
       <p:sp>
         <p:nvSpPr>
-          <p:cNvPr id="1048616" name="Holder 6"/>
+          <p:cNvPr id="1048612" name="Holder 6"/>
           <p:cNvSpPr>
             <a:spLocks noGrp="1"/>
           </p:cNvSpPr>
@@ -732,7 +732,7 @@
       </p:grpSpPr>
       <p:sp>
         <p:nvSpPr>
-          <p:cNvPr id="1048691" name="Holder 2"/>
+          <p:cNvPr id="1048680" name="Holder 2"/>
           <p:cNvSpPr>
             <a:spLocks noGrp="1"/>
           </p:cNvSpPr>
@@ -759,7 +759,7 @@
       </p:sp>
       <p:sp>
         <p:nvSpPr>
-          <p:cNvPr id="1048692" name="Holder 3"/>
+          <p:cNvPr id="1048681" name="Holder 3"/>
           <p:cNvSpPr>
             <a:spLocks noGrp="1"/>
           </p:cNvSpPr>
@@ -775,7 +775,7 @@
       </p:sp>
       <p:sp>
         <p:nvSpPr>
-          <p:cNvPr id="1048693" name="Holder 4"/>
+          <p:cNvPr id="1048682" name="Holder 4"/>
           <p:cNvSpPr>
             <a:spLocks noGrp="1"/>
           </p:cNvSpPr>
@@ -802,7 +802,7 @@
       </p:sp>
       <p:sp>
         <p:nvSpPr>
-          <p:cNvPr id="1048694" name="Holder 5"/>
+          <p:cNvPr id="1048683" name="Holder 5"/>
           <p:cNvSpPr>
             <a:spLocks noGrp="1"/>
           </p:cNvSpPr>
@@ -835,7 +835,7 @@
       </p:sp>
       <p:sp>
         <p:nvSpPr>
-          <p:cNvPr id="1048695" name="Holder 6"/>
+          <p:cNvPr id="1048684" name="Holder 6"/>
           <p:cNvSpPr>
             <a:spLocks noGrp="1"/>
           </p:cNvSpPr>
@@ -901,7 +901,7 @@
       </p:grpSpPr>
       <p:sp>
         <p:nvSpPr>
-          <p:cNvPr id="1048696" name="Holder 2"/>
+          <p:cNvPr id="1048685" name="Holder 2"/>
           <p:cNvSpPr>
             <a:spLocks noGrp="1"/>
           </p:cNvSpPr>
@@ -928,7 +928,7 @@
       </p:sp>
       <p:sp>
         <p:nvSpPr>
-          <p:cNvPr id="1048697" name="Holder 3"/>
+          <p:cNvPr id="1048686" name="Holder 3"/>
           <p:cNvSpPr>
             <a:spLocks noGrp="1"/>
           </p:cNvSpPr>
@@ -952,7 +952,7 @@
       </p:sp>
       <p:sp>
         <p:nvSpPr>
-          <p:cNvPr id="1048698" name="Holder 4"/>
+          <p:cNvPr id="1048687" name="Holder 4"/>
           <p:cNvSpPr>
             <a:spLocks noGrp="1"/>
           </p:cNvSpPr>
@@ -976,7 +976,7 @@
       </p:sp>
       <p:sp>
         <p:nvSpPr>
-          <p:cNvPr id="1048699" name="Holder 5"/>
+          <p:cNvPr id="1048688" name="Holder 5"/>
           <p:cNvSpPr>
             <a:spLocks noGrp="1"/>
           </p:cNvSpPr>
@@ -1003,7 +1003,7 @@
       </p:sp>
       <p:sp>
         <p:nvSpPr>
-          <p:cNvPr id="1048700" name="Holder 6"/>
+          <p:cNvPr id="1048689" name="Holder 6"/>
           <p:cNvSpPr>
             <a:spLocks noGrp="1"/>
           </p:cNvSpPr>
@@ -1036,7 +1036,7 @@
       </p:sp>
       <p:sp>
         <p:nvSpPr>
-          <p:cNvPr id="1048701" name="Holder 7"/>
+          <p:cNvPr id="1048690" name="Holder 7"/>
           <p:cNvSpPr>
             <a:spLocks noGrp="1"/>
           </p:cNvSpPr>
@@ -1088,7 +1088,7 @@
   <p:cSld name="Title Only">
     <p:spTree>
       <p:nvGrpSpPr>
-        <p:cNvPr id="19" name=""/>
+        <p:cNvPr id="18" name=""/>
         <p:cNvGrpSpPr/>
         <p:nvPr/>
       </p:nvGrpSpPr>
@@ -1255,7 +1255,7 @@
       </p:grpSpPr>
       <p:sp>
         <p:nvSpPr>
-          <p:cNvPr id="1048702" name="Holder 2"/>
+          <p:cNvPr id="1048691" name="Holder 2"/>
           <p:cNvSpPr>
             <a:spLocks noGrp="1"/>
           </p:cNvSpPr>
@@ -1282,7 +1282,7 @@
       </p:sp>
       <p:sp>
         <p:nvSpPr>
-          <p:cNvPr id="1048703" name="Holder 3"/>
+          <p:cNvPr id="1048692" name="Holder 3"/>
           <p:cNvSpPr>
             <a:spLocks noGrp="1"/>
           </p:cNvSpPr>
@@ -1315,7 +1315,7 @@
       </p:sp>
       <p:sp>
         <p:nvSpPr>
-          <p:cNvPr id="1048704" name="Holder 4"/>
+          <p:cNvPr id="1048693" name="Holder 4"/>
           <p:cNvSpPr>
             <a:spLocks noGrp="1"/>
           </p:cNvSpPr>
@@ -1375,7 +1375,7 @@
     </p:bg>
     <p:spTree>
       <p:nvGrpSpPr>
-        <p:cNvPr id="13" name=""/>
+        <p:cNvPr id="12" name=""/>
         <p:cNvGrpSpPr/>
         <p:nvPr/>
       </p:nvGrpSpPr>
@@ -2171,7 +2171,7 @@
   <p:cSld>
     <p:spTree>
       <p:nvGrpSpPr>
-        <p:cNvPr id="25" name=""/>
+        <p:cNvPr id="26" name=""/>
         <p:cNvGrpSpPr/>
         <p:nvPr/>
       </p:nvGrpSpPr>
@@ -2185,7 +2185,7 @@
       </p:grpSpPr>
       <p:grpSp>
         <p:nvGrpSpPr>
-          <p:cNvPr id="26" name="object 2"/>
+          <p:cNvPr id="27" name="object 2"/>
           <p:cNvGrpSpPr/>
           <p:nvPr/>
         </p:nvGrpSpPr>
@@ -2455,7 +2455,7 @@
       </p:sp>
       <p:pic>
         <p:nvPicPr>
-          <p:cNvPr id="2097156" name="object 9"/>
+          <p:cNvPr id="2097157" name="object 9"/>
           <p:cNvPicPr>
             <a:picLocks/>
           </p:cNvPicPr>
@@ -2517,8 +2517,8 @@
         </p:nvSpPr>
         <p:spPr>
           <a:xfrm>
-            <a:off x="190499" y="2662946"/>
-            <a:ext cx="10934414" cy="2529840"/>
+            <a:off x="692837" y="3314150"/>
+            <a:ext cx="11632624" cy="2123440"/>
           </a:xfrm>
           <a:prstGeom prst="rect"/>
           <a:noFill/>
@@ -2534,35 +2534,15 @@
             </a:r>
             <a:r>
               <a:rPr altLang="en-GB" dirty="0" sz="2400" lang="en-US"/>
-              <a:t>S</a:t>
+              <a:t>P</a:t>
             </a:r>
             <a:r>
               <a:rPr altLang="en-GB" dirty="0" sz="2400" lang="en-US"/>
-              <a:t>U</a:t>
+              <a:t>R</a:t>
             </a:r>
             <a:r>
               <a:rPr altLang="en-GB" dirty="0" sz="2400" lang="en-US"/>
-              <a:t>G</a:t>
-            </a:r>
-            <a:r>
-              <a:rPr altLang="en-GB" dirty="0" sz="2400" lang="en-US"/>
-              <a:t>A</a:t>
-            </a:r>
-            <a:r>
-              <a:rPr altLang="en-GB" dirty="0" sz="2400" lang="en-US"/>
-              <a:t>N</a:t>
-            </a:r>
-            <a:r>
-              <a:rPr altLang="en-GB" dirty="0" sz="2400" lang="en-US"/>
-              <a:t>T</a:t>
-            </a:r>
-            <a:r>
-              <a:rPr altLang="en-GB" dirty="0" sz="2400" lang="en-US"/>
-              <a:t>H</a:t>
-            </a:r>
-            <a:r>
-              <a:rPr altLang="en-GB" dirty="0" sz="2400" lang="en-US"/>
-              <a:t>I</a:t>
+              <a:t>IYA</a:t>
             </a:r>
             <a:r>
               <a:rPr altLang="en-GB" dirty="0" sz="2400" lang="en-US"/>
@@ -2570,7 +2550,7 @@
             </a:r>
             <a:r>
               <a:rPr altLang="en-GB" dirty="0" sz="2400" lang="en-US"/>
-              <a:t>A</a:t>
+              <a:t>P</a:t>
             </a:r>
             <a:endParaRPr altLang="en-US" lang="zh-CN"/>
           </a:p>
@@ -2609,11 +2589,11 @@
             </a:r>
             <a:r>
               <a:rPr altLang="en-GB" dirty="0" sz="2400" lang="en-US"/>
-              <a:t>1</a:t>
+              <a:t>0</a:t>
             </a:r>
             <a:r>
               <a:rPr altLang="en-GB" dirty="0" sz="2400" lang="en-US"/>
-              <a:t>8</a:t>
+              <a:t>5</a:t>
             </a:r>
             <a:r>
               <a:rPr altLang="en-GB" dirty="0" sz="2400" lang="en-US"/>
@@ -2621,11 +2601,11 @@
             </a:r>
             <a:r>
               <a:rPr altLang="en-GB" dirty="0" sz="2400" lang="en-US"/>
-              <a:t>2</a:t>
+              <a:t>0</a:t>
             </a:r>
             <a:r>
               <a:rPr altLang="en-GB" dirty="0" sz="2400" lang="en-US"/>
-              <a:t>5</a:t>
+              <a:t>1</a:t>
             </a:r>
             <a:r>
               <a:rPr altLang="en-GB" dirty="0" sz="2400" lang="en-US"/>
@@ -2641,31 +2621,11 @@
             </a:r>
             <a:r>
               <a:rPr altLang="en-GB" dirty="0" sz="2400" lang="en-US"/>
-              <a:t>5</a:t>
+              <a:t>4</a:t>
             </a:r>
             <a:r>
               <a:rPr altLang="en-GB" dirty="0" sz="2400" lang="en-US"/>
-              <a:t>9</a:t>
-            </a:r>
-            <a:r>
-              <a:rPr altLang="en-GB" dirty="0" sz="2400" lang="en-US"/>
-              <a:t>A</a:t>
-            </a:r>
-            <a:r>
-              <a:rPr altLang="en-GB" dirty="0" sz="2400" lang="en-US"/>
-              <a:t>N</a:t>
-            </a:r>
-            <a:r>
-              <a:rPr altLang="en-GB" dirty="0" sz="2400" lang="en-US"/>
-              <a:t>D</a:t>
-            </a:r>
-            <a:r>
-              <a:rPr altLang="en-GB" dirty="0" sz="2400" lang="en-US"/>
-              <a:t> </a:t>
-            </a:r>
-            <a:r>
-              <a:rPr altLang="en-GB" dirty="0" sz="2400" lang="en-US"/>
-              <a:t>8A72A8DBDE983599B2C49665ECCED351</a:t>
+              <a:t>2</a:t>
             </a:r>
             <a:endParaRPr dirty="0" sz="2400" lang="en-US">
               <a:cs typeface="Calibri"/>
@@ -2911,7 +2871,7 @@
   <p:cSld>
     <p:spTree>
       <p:nvGrpSpPr>
-        <p:cNvPr id="21" name=""/>
+        <p:cNvPr id="19" name=""/>
         <p:cNvGrpSpPr/>
         <p:nvPr/>
       </p:nvGrpSpPr>
@@ -2925,7 +2885,7 @@
       </p:grpSpPr>
       <p:sp>
         <p:nvSpPr>
-          <p:cNvPr id="1048601" name="object 2"/>
+          <p:cNvPr id="1048595" name="object 2"/>
           <p:cNvSpPr txBox="1"/>
           <p:nvPr/>
         </p:nvSpPr>
@@ -3095,7 +3055,7 @@
       </p:sp>
       <p:sp>
         <p:nvSpPr>
-          <p:cNvPr id="1048602" name="object 3"/>
+          <p:cNvPr id="1048596" name="object 3"/>
           <p:cNvSpPr/>
           <p:nvPr/>
         </p:nvSpPr>
@@ -3140,7 +3100,7 @@
       </p:sp>
       <p:sp>
         <p:nvSpPr>
-          <p:cNvPr id="1048603" name="object 4"/>
+          <p:cNvPr id="1048597" name="object 4"/>
           <p:cNvSpPr/>
           <p:nvPr/>
         </p:nvSpPr>
@@ -3185,7 +3145,7 @@
       </p:sp>
       <p:sp>
         <p:nvSpPr>
-          <p:cNvPr id="1048604" name="object 5"/>
+          <p:cNvPr id="1048598" name="object 5"/>
           <p:cNvSpPr/>
           <p:nvPr/>
         </p:nvSpPr>
@@ -3230,7 +3190,7 @@
       </p:sp>
       <p:pic>
         <p:nvPicPr>
-          <p:cNvPr id="2097153" name="object 6"/>
+          <p:cNvPr id="2097152" name="object 6"/>
           <p:cNvPicPr>
             <a:picLocks/>
           </p:cNvPicPr>
@@ -3252,7 +3212,7 @@
       </p:pic>
       <p:sp>
         <p:nvSpPr>
-          <p:cNvPr id="1048605" name="object 7"/>
+          <p:cNvPr id="1048599" name="object 7"/>
           <p:cNvSpPr txBox="1">
             <a:spLocks noGrp="1"/>
           </p:cNvSpPr>
@@ -3290,7 +3250,7 @@
       </p:sp>
       <p:sp>
         <p:nvSpPr>
-          <p:cNvPr id="1048606" name="object 8"/>
+          <p:cNvPr id="1048600" name="object 8"/>
           <p:cNvSpPr txBox="1"/>
           <p:nvPr/>
         </p:nvSpPr>
@@ -3333,7 +3293,7 @@
       </p:sp>
       <p:sp>
         <p:nvSpPr>
-          <p:cNvPr id="1048607" name="TextBox 8"/>
+          <p:cNvPr id="1048601" name="TextBox 8"/>
           <p:cNvSpPr txBox="1"/>
           <p:nvPr/>
         </p:nvSpPr>
@@ -3371,29 +3331,6 @@
           </a:p>
         </p:txBody>
       </p:sp>
-      <p:pic>
-        <p:nvPicPr>
-          <p:cNvPr id="2097154" name=""/>
-          <p:cNvPicPr>
-            <a:picLocks/>
-          </p:cNvPicPr>
-          <p:nvPr/>
-        </p:nvPicPr>
-        <p:blipFill>
-          <a:blip xmlns:r="http://schemas.openxmlformats.org/officeDocument/2006/relationships" r:embed="rId2"/>
-          <a:srcRect l="0" t="18190" r="0" b="14565"/>
-          <a:stretch>
-            <a:fillRect/>
-          </a:stretch>
-        </p:blipFill>
-        <p:spPr>
-          <a:xfrm rot="357">
-            <a:off x="2695021" y="1971761"/>
-            <a:ext cx="5874986" cy="4228032"/>
-          </a:xfrm>
-          <a:prstGeom prst="rect"/>
-        </p:spPr>
-      </p:pic>
     </p:spTree>
   </p:cSld>
   <p:clrMapOvr>
@@ -3407,7 +3344,7 @@
   <p:cSld>
     <p:spTree>
       <p:nvGrpSpPr>
-        <p:cNvPr id="20" name=""/>
+        <p:cNvPr id="21" name=""/>
         <p:cNvGrpSpPr/>
         <p:nvPr/>
       </p:nvGrpSpPr>
@@ -3421,7 +3358,7 @@
       </p:grpSpPr>
       <p:sp>
         <p:nvSpPr>
-          <p:cNvPr id="1048595" name="object 3"/>
+          <p:cNvPr id="1048602" name="object 3"/>
           <p:cNvSpPr/>
           <p:nvPr/>
         </p:nvSpPr>
@@ -3466,7 +3403,7 @@
       </p:sp>
       <p:sp>
         <p:nvSpPr>
-          <p:cNvPr id="1048596" name="object 4"/>
+          <p:cNvPr id="1048603" name="object 4"/>
           <p:cNvSpPr/>
           <p:nvPr/>
         </p:nvSpPr>
@@ -3511,7 +3448,7 @@
       </p:sp>
       <p:sp>
         <p:nvSpPr>
-          <p:cNvPr id="1048597" name="object 5"/>
+          <p:cNvPr id="1048604" name="object 5"/>
           <p:cNvSpPr/>
           <p:nvPr/>
         </p:nvSpPr>
@@ -3556,7 +3493,7 @@
       </p:sp>
       <p:pic>
         <p:nvPicPr>
-          <p:cNvPr id="2097152" name="object 6"/>
+          <p:cNvPr id="2097153" name="object 6"/>
           <p:cNvPicPr>
             <a:picLocks/>
           </p:cNvPicPr>
@@ -3578,7 +3515,7 @@
       </p:pic>
       <p:sp>
         <p:nvSpPr>
-          <p:cNvPr id="1048598" name="object 7"/>
+          <p:cNvPr id="1048605" name="object 7"/>
           <p:cNvSpPr txBox="1">
             <a:spLocks noGrp="1"/>
           </p:cNvSpPr>
@@ -3616,7 +3553,7 @@
       </p:sp>
       <p:sp>
         <p:nvSpPr>
-          <p:cNvPr id="1048599" name="object 9"/>
+          <p:cNvPr id="1048606" name="object 9"/>
           <p:cNvSpPr txBox="1"/>
           <p:nvPr/>
         </p:nvSpPr>
@@ -3657,40 +3594,6 @@
           </a:p>
         </p:txBody>
       </p:sp>
-      <p:sp>
-        <p:nvSpPr>
-          <p:cNvPr id="1048600" name=""/>
-          <p:cNvSpPr txBox="1"/>
-          <p:nvPr/>
-        </p:nvSpPr>
-        <p:spPr>
-          <a:xfrm>
-            <a:off x="1003338" y="2059939"/>
-            <a:ext cx="8807412" cy="2910840"/>
-          </a:xfrm>
-          <a:prstGeom prst="rect"/>
-        </p:spPr>
-        <p:txBody>
-          <a:bodyPr rtlCol="0" wrap="square">
-            <a:spAutoFit/>
-          </a:bodyPr>
-          <a:p>
-            <a:r>
-              <a:rPr sz="2800" lang="en-GB">
-                <a:solidFill>
-                  <a:srgbClr val="000000"/>
-                </a:solidFill>
-              </a:rPr>
-              <a:t>JavaScript frameworks and libraries simplify web development by making code more organized, efficient, and scalable. They help build dynamic, responsive, and user-friendly applications faster. Choosing the right tool depends on your project needs.</a:t>
-            </a:r>
-            <a:endParaRPr sz="2800" lang="en-GB">
-              <a:solidFill>
-                <a:srgbClr val="000000"/>
-              </a:solidFill>
-            </a:endParaRPr>
-          </a:p>
-        </p:txBody>
-      </p:sp>
     </p:spTree>
   </p:cSld>
   <p:clrMapOvr>
@@ -3704,7 +3607,7 @@
   <p:cSld>
     <p:spTree>
       <p:nvGrpSpPr>
-        <p:cNvPr id="29" name=""/>
+        <p:cNvPr id="30" name=""/>
         <p:cNvGrpSpPr/>
         <p:nvPr/>
       </p:nvGrpSpPr>
@@ -3760,105 +3663,105 @@
           <a:bodyPr bIns="0" lIns="0" rIns="0" rtlCol="0" tIns="0" wrap="square"/>
           <a:p>
             <a:pPr algn="ctr"/>
-            <a:endParaRPr b="1" dirty="0" sz="30000">
+            <a:endParaRPr dirty="0">
               <a:latin typeface="Times New Roman" panose="02020603050405020304" pitchFamily="18" charset="0"/>
               <a:cs typeface="Times New Roman" panose="02020603050405020304" pitchFamily="18" charset="0"/>
             </a:endParaRPr>
           </a:p>
           <a:p>
             <a:pPr algn="ctr"/>
-            <a:endParaRPr b="1" dirty="0" sz="30000">
+            <a:endParaRPr dirty="0">
               <a:latin typeface="Times New Roman" panose="02020603050405020304" pitchFamily="18" charset="0"/>
               <a:cs typeface="Times New Roman" panose="02020603050405020304" pitchFamily="18" charset="0"/>
             </a:endParaRPr>
           </a:p>
           <a:p>
             <a:pPr algn="ctr"/>
-            <a:endParaRPr b="1" dirty="0" sz="30000">
+            <a:endParaRPr dirty="0">
               <a:latin typeface="Times New Roman" panose="02020603050405020304" pitchFamily="18" charset="0"/>
               <a:cs typeface="Times New Roman" panose="02020603050405020304" pitchFamily="18" charset="0"/>
             </a:endParaRPr>
           </a:p>
           <a:p>
             <a:pPr algn="ctr"/>
-            <a:endParaRPr b="1" dirty="0" sz="30000">
+            <a:endParaRPr dirty="0">
               <a:latin typeface="Times New Roman" panose="02020603050405020304" pitchFamily="18" charset="0"/>
               <a:cs typeface="Times New Roman" panose="02020603050405020304" pitchFamily="18" charset="0"/>
             </a:endParaRPr>
           </a:p>
           <a:p>
             <a:pPr algn="ctr"/>
-            <a:endParaRPr b="1" dirty="0" sz="30000">
+            <a:endParaRPr dirty="0">
               <a:latin typeface="Times New Roman" panose="02020603050405020304" pitchFamily="18" charset="0"/>
               <a:cs typeface="Times New Roman" panose="02020603050405020304" pitchFamily="18" charset="0"/>
             </a:endParaRPr>
           </a:p>
           <a:p>
             <a:pPr algn="ctr"/>
-            <a:endParaRPr b="1" dirty="0" sz="30000">
+            <a:endParaRPr dirty="0">
               <a:latin typeface="Times New Roman" panose="02020603050405020304" pitchFamily="18" charset="0"/>
               <a:cs typeface="Times New Roman" panose="02020603050405020304" pitchFamily="18" charset="0"/>
             </a:endParaRPr>
           </a:p>
           <a:p>
             <a:pPr algn="ctr"/>
-            <a:endParaRPr b="1" dirty="0" sz="30000">
+            <a:endParaRPr dirty="0">
               <a:latin typeface="Times New Roman" panose="02020603050405020304" pitchFamily="18" charset="0"/>
               <a:cs typeface="Times New Roman" panose="02020603050405020304" pitchFamily="18" charset="0"/>
             </a:endParaRPr>
           </a:p>
           <a:p>
             <a:pPr algn="ctr"/>
-            <a:endParaRPr b="1" dirty="0" sz="30000">
+            <a:endParaRPr dirty="0">
               <a:latin typeface="Times New Roman" panose="02020603050405020304" pitchFamily="18" charset="0"/>
               <a:cs typeface="Times New Roman" panose="02020603050405020304" pitchFamily="18" charset="0"/>
             </a:endParaRPr>
           </a:p>
           <a:p>
             <a:pPr algn="ctr"/>
-            <a:endParaRPr b="1" dirty="0" sz="30000">
+            <a:endParaRPr dirty="0">
               <a:latin typeface="Times New Roman" panose="02020603050405020304" pitchFamily="18" charset="0"/>
               <a:cs typeface="Times New Roman" panose="02020603050405020304" pitchFamily="18" charset="0"/>
             </a:endParaRPr>
           </a:p>
           <a:p>
             <a:pPr algn="ctr"/>
-            <a:endParaRPr b="1" dirty="0" sz="30000">
+            <a:endParaRPr dirty="0">
               <a:latin typeface="Times New Roman" panose="02020603050405020304" pitchFamily="18" charset="0"/>
               <a:cs typeface="Times New Roman" panose="02020603050405020304" pitchFamily="18" charset="0"/>
             </a:endParaRPr>
           </a:p>
           <a:p>
             <a:pPr algn="ctr"/>
-            <a:endParaRPr b="1" dirty="0" sz="30000">
+            <a:endParaRPr dirty="0">
               <a:latin typeface="Times New Roman" panose="02020603050405020304" pitchFamily="18" charset="0"/>
               <a:cs typeface="Times New Roman" panose="02020603050405020304" pitchFamily="18" charset="0"/>
             </a:endParaRPr>
           </a:p>
           <a:p>
             <a:pPr algn="ctr"/>
-            <a:endParaRPr b="1" dirty="0" sz="30000">
+            <a:endParaRPr dirty="0">
               <a:latin typeface="Times New Roman" panose="02020603050405020304" pitchFamily="18" charset="0"/>
               <a:cs typeface="Times New Roman" panose="02020603050405020304" pitchFamily="18" charset="0"/>
             </a:endParaRPr>
           </a:p>
           <a:p>
             <a:pPr algn="ctr"/>
-            <a:endParaRPr b="1" dirty="0" sz="30000">
+            <a:endParaRPr dirty="0">
               <a:latin typeface="Times New Roman" panose="02020603050405020304" pitchFamily="18" charset="0"/>
               <a:cs typeface="Times New Roman" panose="02020603050405020304" pitchFamily="18" charset="0"/>
             </a:endParaRPr>
           </a:p>
           <a:p>
             <a:pPr algn="ctr"/>
-            <a:endParaRPr b="1" dirty="0" sz="30000">
+            <a:endParaRPr dirty="0">
               <a:latin typeface="Times New Roman" panose="02020603050405020304" pitchFamily="18" charset="0"/>
               <a:cs typeface="Times New Roman" panose="02020603050405020304" pitchFamily="18" charset="0"/>
             </a:endParaRPr>
           </a:p>
           <a:p>
             <a:pPr algn="ctr"/>
-            <a:endParaRPr b="1" dirty="0">
+            <a:endParaRPr dirty="0">
               <a:latin typeface="Times New Roman" panose="02020603050405020304" pitchFamily="18" charset="0"/>
               <a:cs typeface="Times New Roman" panose="02020603050405020304" pitchFamily="18" charset="0"/>
             </a:endParaRPr>
@@ -3867,7 +3770,7 @@
       </p:sp>
       <p:grpSp>
         <p:nvGrpSpPr>
-          <p:cNvPr id="30" name="object 3"/>
+          <p:cNvPr id="31" name="object 3"/>
           <p:cNvGrpSpPr/>
           <p:nvPr/>
         </p:nvGrpSpPr>
@@ -4504,7 +4407,7 @@
       </p:sp>
       <p:grpSp>
         <p:nvGrpSpPr>
-          <p:cNvPr id="31" name="object 18"/>
+          <p:cNvPr id="32" name="object 18"/>
           <p:cNvGrpSpPr/>
           <p:nvPr/>
         </p:nvGrpSpPr>
@@ -4518,7 +4421,7 @@
         </p:grpSpPr>
         <p:pic>
           <p:nvPicPr>
-            <p:cNvPr id="2097157" name="object 19"/>
+            <p:cNvPr id="2097158" name="object 19"/>
             <p:cNvPicPr>
               <a:picLocks/>
             </p:cNvPicPr>
@@ -4540,7 +4443,7 @@
         </p:pic>
         <p:pic>
           <p:nvPicPr>
-            <p:cNvPr id="2097158" name="object 20"/>
+            <p:cNvPr id="2097159" name="object 20"/>
             <p:cNvPicPr>
               <a:picLocks/>
             </p:cNvPicPr>
@@ -4595,104 +4498,6 @@
           </a:p>
         </p:txBody>
       </p:sp>
-      <p:sp>
-        <p:nvSpPr>
-          <p:cNvPr id="1048648" name=""/>
-          <p:cNvSpPr txBox="1"/>
-          <p:nvPr/>
-        </p:nvSpPr>
-        <p:spPr>
-          <a:xfrm>
-            <a:off x="1454759" y="3078480"/>
-            <a:ext cx="11987706" cy="701040"/>
-          </a:xfrm>
-          <a:prstGeom prst="rect"/>
-        </p:spPr>
-        <p:txBody>
-          <a:bodyPr rtlCol="0" wrap="square">
-            <a:spAutoFit/>
-          </a:bodyPr>
-          <a:p>
-            <a:r>
-              <a:rPr altLang="en-GB" sz="3600" lang="en-US">
-                <a:solidFill>
-                  <a:srgbClr val="0000FF"/>
-                </a:solidFill>
-              </a:rPr>
-              <a:t>J</a:t>
-            </a:r>
-            <a:r>
-              <a:rPr altLang="en-GB" sz="3600" lang="en-US">
-                <a:solidFill>
-                  <a:srgbClr val="0000FF"/>
-                </a:solidFill>
-              </a:rPr>
-              <a:t>a</a:t>
-            </a:r>
-            <a:r>
-              <a:rPr altLang="en-GB" sz="3600" lang="en-US">
-                <a:solidFill>
-                  <a:srgbClr val="0000FF"/>
-                </a:solidFill>
-              </a:rPr>
-              <a:t>v</a:t>
-            </a:r>
-            <a:r>
-              <a:rPr altLang="en-GB" sz="3600" lang="en-US">
-                <a:solidFill>
-                  <a:srgbClr val="0000FF"/>
-                </a:solidFill>
-              </a:rPr>
-              <a:t>a</a:t>
-            </a:r>
-            <a:r>
-              <a:rPr altLang="en-GB" sz="3600" lang="en-US">
-                <a:solidFill>
-                  <a:srgbClr val="0000FF"/>
-                </a:solidFill>
-              </a:rPr>
-              <a:t>s</a:t>
-            </a:r>
-            <a:r>
-              <a:rPr altLang="en-GB" sz="3600" lang="en-US">
-                <a:solidFill>
-                  <a:srgbClr val="0000FF"/>
-                </a:solidFill>
-              </a:rPr>
-              <a:t>cript </a:t>
-            </a:r>
-            <a:r>
-              <a:rPr altLang="en-GB" sz="3600" lang="en-US">
-                <a:solidFill>
-                  <a:srgbClr val="0000FF"/>
-                </a:solidFill>
-              </a:rPr>
-              <a:t>framework </a:t>
-            </a:r>
-            <a:r>
-              <a:rPr altLang="en-GB" sz="3600" lang="en-US">
-                <a:solidFill>
-                  <a:srgbClr val="0000FF"/>
-                </a:solidFill>
-              </a:rPr>
-              <a:t>and </a:t>
-            </a:r>
-            <a:r>
-              <a:rPr altLang="en-GB" sz="3600" lang="en-US">
-                <a:solidFill>
-                  <a:srgbClr val="0000FF"/>
-                </a:solidFill>
-              </a:rPr>
-              <a:t>liabraries </a:t>
-            </a:r>
-            <a:endParaRPr sz="2800" lang="en-GB">
-              <a:solidFill>
-                <a:srgbClr val="000000"/>
-              </a:solidFill>
-            </a:endParaRPr>
-          </a:p>
-        </p:txBody>
-      </p:sp>
     </p:spTree>
   </p:cSld>
   <p:clrMapOvr>
@@ -4706,7 +4511,7 @@
   <p:cSld>
     <p:spTree>
       <p:nvGrpSpPr>
-        <p:cNvPr id="32" name=""/>
+        <p:cNvPr id="33" name=""/>
         <p:cNvGrpSpPr/>
         <p:nvPr/>
       </p:nvGrpSpPr>
@@ -4720,7 +4525,7 @@
       </p:grpSpPr>
       <p:sp>
         <p:nvSpPr>
-          <p:cNvPr id="1048649" name="object 2"/>
+          <p:cNvPr id="1048648" name="object 2"/>
           <p:cNvSpPr/>
           <p:nvPr/>
         </p:nvSpPr>
@@ -4767,7 +4572,7 @@
       </p:sp>
       <p:grpSp>
         <p:nvGrpSpPr>
-          <p:cNvPr id="33" name="object 3"/>
+          <p:cNvPr id="34" name="object 3"/>
           <p:cNvGrpSpPr/>
           <p:nvPr/>
         </p:nvGrpSpPr>
@@ -4781,7 +4586,7 @@
         </p:grpSpPr>
         <p:sp>
           <p:nvSpPr>
-            <p:cNvPr id="1048650" name="object 4"/>
+            <p:cNvPr id="1048649" name="object 4"/>
             <p:cNvSpPr/>
             <p:nvPr/>
           </p:nvSpPr>
@@ -4818,7 +4623,7 @@
         </p:sp>
         <p:sp>
           <p:nvSpPr>
-            <p:cNvPr id="1048651" name="object 5"/>
+            <p:cNvPr id="1048650" name="object 5"/>
             <p:cNvSpPr/>
             <p:nvPr/>
           </p:nvSpPr>
@@ -4855,7 +4660,7 @@
         </p:sp>
         <p:sp>
           <p:nvSpPr>
-            <p:cNvPr id="1048652" name="object 6"/>
+            <p:cNvPr id="1048651" name="object 6"/>
             <p:cNvSpPr/>
             <p:nvPr/>
           </p:nvSpPr>
@@ -4902,7 +4707,7 @@
         </p:sp>
         <p:sp>
           <p:nvSpPr>
-            <p:cNvPr id="1048653" name="object 7"/>
+            <p:cNvPr id="1048652" name="object 7"/>
             <p:cNvSpPr/>
             <p:nvPr/>
           </p:nvSpPr>
@@ -4949,7 +4754,7 @@
         </p:sp>
         <p:sp>
           <p:nvSpPr>
-            <p:cNvPr id="1048654" name="object 8"/>
+            <p:cNvPr id="1048653" name="object 8"/>
             <p:cNvSpPr/>
             <p:nvPr/>
           </p:nvSpPr>
@@ -4993,7 +4798,7 @@
         </p:sp>
         <p:sp>
           <p:nvSpPr>
-            <p:cNvPr id="1048655" name="object 9"/>
+            <p:cNvPr id="1048654" name="object 9"/>
             <p:cNvSpPr/>
             <p:nvPr/>
           </p:nvSpPr>
@@ -5040,7 +4845,7 @@
         </p:sp>
         <p:sp>
           <p:nvSpPr>
-            <p:cNvPr id="1048656" name="object 10"/>
+            <p:cNvPr id="1048655" name="object 10"/>
             <p:cNvSpPr/>
             <p:nvPr/>
           </p:nvSpPr>
@@ -5087,7 +4892,7 @@
         </p:sp>
         <p:sp>
           <p:nvSpPr>
-            <p:cNvPr id="1048657" name="object 11"/>
+            <p:cNvPr id="1048656" name="object 11"/>
             <p:cNvSpPr/>
             <p:nvPr/>
           </p:nvSpPr>
@@ -5134,7 +4939,7 @@
         </p:sp>
         <p:sp>
           <p:nvSpPr>
-            <p:cNvPr id="1048658" name="object 12"/>
+            <p:cNvPr id="1048657" name="object 12"/>
             <p:cNvSpPr/>
             <p:nvPr/>
           </p:nvSpPr>
@@ -5179,7 +4984,7 @@
       </p:grpSp>
       <p:sp>
         <p:nvSpPr>
-          <p:cNvPr id="1048659" name="object 13"/>
+          <p:cNvPr id="1048658" name="object 13"/>
           <p:cNvSpPr/>
           <p:nvPr/>
         </p:nvSpPr>
@@ -5223,7 +5028,7 @@
       </p:sp>
       <p:sp>
         <p:nvSpPr>
-          <p:cNvPr id="1048660" name="object 14"/>
+          <p:cNvPr id="1048659" name="object 14"/>
           <p:cNvSpPr txBox="1"/>
           <p:nvPr/>
         </p:nvSpPr>
@@ -5393,7 +5198,7 @@
       </p:sp>
       <p:sp>
         <p:nvSpPr>
-          <p:cNvPr id="1048661" name="object 15"/>
+          <p:cNvPr id="1048660" name="object 15"/>
           <p:cNvSpPr/>
           <p:nvPr/>
         </p:nvSpPr>
@@ -5498,7 +5303,7 @@
       </p:sp>
       <p:sp>
         <p:nvSpPr>
-          <p:cNvPr id="1048662" name="object 16"/>
+          <p:cNvPr id="1048661" name="object 16"/>
           <p:cNvSpPr/>
           <p:nvPr/>
         </p:nvSpPr>
@@ -5663,7 +5468,7 @@
       </p:sp>
       <p:pic>
         <p:nvPicPr>
-          <p:cNvPr id="2097159" name="object 17"/>
+          <p:cNvPr id="2097160" name="object 17"/>
           <p:cNvPicPr>
             <a:picLocks/>
           </p:cNvPicPr>
@@ -5685,7 +5490,7 @@
       </p:pic>
       <p:grpSp>
         <p:nvGrpSpPr>
-          <p:cNvPr id="34" name="object 18"/>
+          <p:cNvPr id="35" name="object 18"/>
           <p:cNvGrpSpPr/>
           <p:nvPr/>
         </p:nvGrpSpPr>
@@ -5699,7 +5504,7 @@
         </p:grpSpPr>
         <p:pic>
           <p:nvPicPr>
-            <p:cNvPr id="2097160" name="object 19"/>
+            <p:cNvPr id="2097161" name="object 19"/>
             <p:cNvPicPr>
               <a:picLocks/>
             </p:cNvPicPr>
@@ -5721,7 +5526,7 @@
         </p:pic>
         <p:pic>
           <p:nvPicPr>
-            <p:cNvPr id="2097161" name="object 20"/>
+            <p:cNvPr id="2097162" name="object 20"/>
             <p:cNvPicPr>
               <a:picLocks/>
             </p:cNvPicPr>
@@ -5744,7 +5549,7 @@
       </p:grpSp>
       <p:sp>
         <p:nvSpPr>
-          <p:cNvPr id="1048663" name="object 21"/>
+          <p:cNvPr id="1048662" name="object 21"/>
           <p:cNvSpPr txBox="1">
             <a:spLocks noGrp="1"/>
           </p:cNvSpPr>
@@ -5797,7 +5602,7 @@
       </p:sp>
       <p:sp>
         <p:nvSpPr>
-          <p:cNvPr id="1048664" name="object 22"/>
+          <p:cNvPr id="1048663" name="object 22"/>
           <p:cNvSpPr txBox="1">
             <a:spLocks noGrp="1"/>
           </p:cNvSpPr>
@@ -5831,7 +5636,7 @@
       </p:sp>
       <p:sp>
         <p:nvSpPr>
-          <p:cNvPr id="1048665" name="TextBox 22"/>
+          <p:cNvPr id="1048664" name="TextBox 22"/>
           <p:cNvSpPr txBox="1"/>
           <p:nvPr/>
         </p:nvSpPr>
@@ -6081,7 +5886,7 @@
   <p:cSld>
     <p:spTree>
       <p:nvGrpSpPr>
-        <p:cNvPr id="35" name=""/>
+        <p:cNvPr id="36" name=""/>
         <p:cNvGrpSpPr/>
         <p:nvPr/>
       </p:nvGrpSpPr>
@@ -6095,7 +5900,7 @@
       </p:grpSpPr>
       <p:grpSp>
         <p:nvGrpSpPr>
-          <p:cNvPr id="36" name="object 2"/>
+          <p:cNvPr id="37" name="object 2"/>
           <p:cNvGrpSpPr/>
           <p:nvPr/>
         </p:nvGrpSpPr>
@@ -6109,7 +5914,7 @@
         </p:grpSpPr>
         <p:sp>
           <p:nvSpPr>
-            <p:cNvPr id="1048666" name="object 3"/>
+            <p:cNvPr id="1048665" name="object 3"/>
             <p:cNvSpPr/>
             <p:nvPr/>
           </p:nvSpPr>
@@ -6154,7 +5959,7 @@
         </p:sp>
         <p:sp>
           <p:nvSpPr>
-            <p:cNvPr id="1048667" name="object 4"/>
+            <p:cNvPr id="1048666" name="object 4"/>
             <p:cNvSpPr/>
             <p:nvPr/>
           </p:nvSpPr>
@@ -6199,7 +6004,7 @@
         </p:sp>
         <p:pic>
           <p:nvPicPr>
-            <p:cNvPr id="2097162" name="object 5"/>
+            <p:cNvPr id="2097163" name="object 5"/>
             <p:cNvPicPr>
               <a:picLocks/>
             </p:cNvPicPr>
@@ -6222,7 +6027,7 @@
       </p:grpSp>
       <p:sp>
         <p:nvSpPr>
-          <p:cNvPr id="1048668" name="object 6"/>
+          <p:cNvPr id="1048667" name="object 6"/>
           <p:cNvSpPr/>
           <p:nvPr/>
         </p:nvSpPr>
@@ -6267,7 +6072,7 @@
       </p:sp>
       <p:sp>
         <p:nvSpPr>
-          <p:cNvPr id="1048669" name="object 7"/>
+          <p:cNvPr id="1048668" name="object 7"/>
           <p:cNvSpPr txBox="1">
             <a:spLocks noGrp="1"/>
           </p:cNvSpPr>
@@ -6356,7 +6161,7 @@
       </p:sp>
       <p:pic>
         <p:nvPicPr>
-          <p:cNvPr id="2097163" name="object 8"/>
+          <p:cNvPr id="2097164" name="object 8"/>
           <p:cNvPicPr>
             <a:picLocks/>
           </p:cNvPicPr>
@@ -6378,7 +6183,7 @@
       </p:pic>
       <p:sp>
         <p:nvSpPr>
-          <p:cNvPr id="1048670" name="object 10"/>
+          <p:cNvPr id="1048669" name="object 10"/>
           <p:cNvSpPr txBox="1">
             <a:spLocks noGrp="1"/>
           </p:cNvSpPr>
@@ -6410,56 +6215,6 @@
           </a:p>
         </p:txBody>
       </p:sp>
-      <p:sp>
-        <p:nvSpPr>
-          <p:cNvPr id="1048671" name=""/>
-          <p:cNvSpPr txBox="1"/>
-          <p:nvPr/>
-        </p:nvSpPr>
-        <p:spPr>
-          <a:xfrm rot="6919">
-            <a:off x="376521" y="1921191"/>
-            <a:ext cx="9429890" cy="4320540"/>
-          </a:xfrm>
-          <a:prstGeom prst="rect"/>
-        </p:spPr>
-        <p:txBody>
-          <a:bodyPr rtlCol="0" wrap="square">
-            <a:spAutoFit/>
-          </a:bodyPr>
-          <a:p>
-            <a:r>
-              <a:rPr altLang="en-GB" sz="2800" lang="en-US">
-                <a:solidFill>
-                  <a:srgbClr val="000000"/>
-                </a:solidFill>
-              </a:rPr>
-              <a:t>*“Modern web applications demand rich interactivity, high performan</a:t>
-            </a:r>
-            <a:r>
-              <a:rPr altLang="en-GB" sz="2800" lang="en-US">
-                <a:solidFill>
-                  <a:srgbClr val="000000"/>
-                </a:solidFill>
-              </a:rPr>
-              <a:t>c</a:t>
-            </a:r>
-            <a:r>
-              <a:rPr altLang="en-GB" sz="2800" lang="en-US">
-                <a:solidFill>
-                  <a:srgbClr val="000000"/>
-                </a:solidFill>
-              </a:rPr>
-              <a:t>e, and maintainable code. Traditional JavaScript, while powerful, becomes complex and hard to manage as application size grows. Developers face challenges like state management, DOM manipulation, and component reusability. This project explores how JavaScript frameworks and libraries (such as React, Angular, Vue, and jQuery) solve these challenges, streamline development, and improve user experience.”*</a:t>
-            </a:r>
-            <a:endParaRPr sz="2800" lang="en-GB">
-              <a:solidFill>
-                <a:srgbClr val="000000"/>
-              </a:solidFill>
-            </a:endParaRPr>
-          </a:p>
-        </p:txBody>
-      </p:sp>
     </p:spTree>
   </p:cSld>
   <p:clrMapOvr>
@@ -6473,7 +6228,7 @@
   <p:cSld>
     <p:spTree>
       <p:nvGrpSpPr>
-        <p:cNvPr id="37" name=""/>
+        <p:cNvPr id="38" name=""/>
         <p:cNvGrpSpPr/>
         <p:nvPr/>
       </p:nvGrpSpPr>
@@ -6487,21 +6242,21 @@
       </p:grpSpPr>
       <p:grpSp>
         <p:nvGrpSpPr>
-          <p:cNvPr id="38" name="object 2"/>
+          <p:cNvPr id="39" name="object 2"/>
           <p:cNvGrpSpPr/>
           <p:nvPr/>
         </p:nvGrpSpPr>
         <p:grpSpPr>
           <a:xfrm>
-            <a:off x="9586531" y="0"/>
-            <a:ext cx="3533775" cy="5333999"/>
-            <a:chOff x="8338609" y="742951"/>
-            <a:chExt cx="3533775" cy="5333999"/>
+            <a:off x="8658225" y="2647950"/>
+            <a:ext cx="3533775" cy="3810000"/>
+            <a:chOff x="8658225" y="2647950"/>
+            <a:chExt cx="3533775" cy="3810000"/>
           </a:xfrm>
         </p:grpSpPr>
         <p:sp>
           <p:nvSpPr>
-            <p:cNvPr id="1048672" name="object 3"/>
+            <p:cNvPr id="1048670" name="object 3"/>
             <p:cNvSpPr/>
             <p:nvPr/>
           </p:nvSpPr>
@@ -6546,7 +6301,7 @@
         </p:sp>
         <p:sp>
           <p:nvSpPr>
-            <p:cNvPr id="1048673" name="object 4"/>
+            <p:cNvPr id="1048671" name="object 4"/>
             <p:cNvSpPr/>
             <p:nvPr/>
           </p:nvSpPr>
@@ -6591,7 +6346,7 @@
         </p:sp>
         <p:pic>
           <p:nvPicPr>
-            <p:cNvPr id="2097164" name="object 5"/>
+            <p:cNvPr id="2097165" name="object 5"/>
             <p:cNvPicPr>
               <a:picLocks/>
             </p:cNvPicPr>
@@ -6605,7 +6360,7 @@
           </p:blipFill>
           <p:spPr>
             <a:xfrm>
-              <a:off x="8338609" y="742951"/>
+              <a:off x="8658225" y="2647950"/>
               <a:ext cx="3533775" cy="3810000"/>
             </a:xfrm>
             <a:prstGeom prst="rect"/>
@@ -6614,7 +6369,7 @@
       </p:grpSp>
       <p:sp>
         <p:nvSpPr>
-          <p:cNvPr id="1048674" name="object 6"/>
+          <p:cNvPr id="1048672" name="object 6"/>
           <p:cNvSpPr/>
           <p:nvPr/>
         </p:nvSpPr>
@@ -6659,7 +6414,7 @@
       </p:sp>
       <p:sp>
         <p:nvSpPr>
-          <p:cNvPr id="1048675" name="object 7"/>
+          <p:cNvPr id="1048673" name="object 7"/>
           <p:cNvSpPr txBox="1">
             <a:spLocks noGrp="1"/>
           </p:cNvSpPr>
@@ -6704,7 +6459,7 @@
       </p:sp>
       <p:pic>
         <p:nvPicPr>
-          <p:cNvPr id="2097165" name="object 8"/>
+          <p:cNvPr id="2097166" name="object 8"/>
           <p:cNvPicPr>
             <a:picLocks/>
           </p:cNvPicPr>
@@ -6726,7 +6481,7 @@
       </p:pic>
       <p:sp>
         <p:nvSpPr>
-          <p:cNvPr id="1048676" name="object 10"/>
+          <p:cNvPr id="1048674" name="object 10"/>
           <p:cNvSpPr txBox="1">
             <a:spLocks noGrp="1"/>
           </p:cNvSpPr>
@@ -6758,74 +6513,6 @@
           </a:p>
         </p:txBody>
       </p:sp>
-      <p:sp>
-        <p:nvSpPr>
-          <p:cNvPr id="1048677" name=""/>
-          <p:cNvSpPr txBox="1"/>
-          <p:nvPr/>
-        </p:nvSpPr>
-        <p:spPr>
-          <a:xfrm>
-            <a:off x="1466667" y="2013266"/>
-            <a:ext cx="8682404" cy="2440941"/>
-          </a:xfrm>
-          <a:prstGeom prst="rect"/>
-        </p:spPr>
-        <p:txBody>
-          <a:bodyPr rtlCol="0" wrap="square">
-            <a:spAutoFit/>
-          </a:bodyPr>
-          <a:p>
-            <a:r>
-              <a:rPr altLang="en-GB" sz="2800" lang="en-US">
-                <a:solidFill>
-                  <a:srgbClr val="000000"/>
-                </a:solidFill>
-              </a:rPr>
-              <a:t>This project focuses on exploring popular JavaScript frameworks and libraries that simplify and accelerate web development. It highlights the need for structured, efficient, and scalable code in modern web applications.</a:t>
-            </a:r>
-            <a:endParaRPr sz="2800" lang="en-GB">
-              <a:solidFill>
-                <a:srgbClr val="000000"/>
-              </a:solidFill>
-            </a:endParaRPr>
-          </a:p>
-        </p:txBody>
-      </p:sp>
-      <p:sp>
-        <p:nvSpPr>
-          <p:cNvPr id="1048678" name=""/>
-          <p:cNvSpPr txBox="1"/>
-          <p:nvPr/>
-        </p:nvSpPr>
-        <p:spPr>
-          <a:xfrm>
-            <a:off x="1466667" y="4684078"/>
-            <a:ext cx="8330044" cy="1971040"/>
-          </a:xfrm>
-          <a:prstGeom prst="rect"/>
-        </p:spPr>
-        <p:txBody>
-          <a:bodyPr rtlCol="0" wrap="square">
-            <a:spAutoFit/>
-          </a:bodyPr>
-          <a:p>
-            <a:r>
-              <a:rPr sz="2800" lang="en-GB">
-                <a:solidFill>
-                  <a:srgbClr val="000000"/>
-                </a:solidFill>
-              </a:rPr>
-              <a:t>The project provides a comparative study of key frameworks and libraries such as React, Angular, Vue.js, and jQuery—analyzing their core features, use cases, advantages, and limitations.</a:t>
-            </a:r>
-            <a:endParaRPr sz="2800" lang="en-GB">
-              <a:solidFill>
-                <a:srgbClr val="000000"/>
-              </a:solidFill>
-            </a:endParaRPr>
-          </a:p>
-        </p:txBody>
-      </p:sp>
     </p:spTree>
   </p:cSld>
   <p:clrMapOvr>
@@ -6835,945 +6522,6 @@
 </file>
 
 <file path=ppt/slides/slide6.xml><?xml version="1.0" encoding="utf-8"?>
-<p:sld xmlns:a="http://schemas.openxmlformats.org/drawingml/2006/main" xmlns:r="http://schemas.openxmlformats.org/officeDocument/2006/relationships" xmlns:p="http://schemas.openxmlformats.org/presentationml/2006/main">
-  <p:cSld>
-    <p:spTree>
-      <p:nvGrpSpPr>
-        <p:cNvPr id="39" name=""/>
-        <p:cNvGrpSpPr/>
-        <p:nvPr/>
-      </p:nvGrpSpPr>
-      <p:grpSpPr>
-        <a:xfrm>
-          <a:off x="0" y="0"/>
-          <a:ext cx="0" cy="0"/>
-          <a:chOff x="0" y="0"/>
-          <a:chExt cx="0" cy="0"/>
-        </a:xfrm>
-      </p:grpSpPr>
-      <p:sp>
-        <p:nvSpPr>
-          <p:cNvPr id="1048679" name="object 2"/>
-          <p:cNvSpPr/>
-          <p:nvPr/>
-        </p:nvSpPr>
-        <p:spPr>
-          <a:xfrm>
-            <a:off x="9353550" y="5362575"/>
-            <a:ext cx="457200" cy="457200"/>
-          </a:xfrm>
-          <a:custGeom>
-            <a:avLst/>
-            <a:ahLst/>
-            <a:rect l="l" t="t" r="r" b="b"/>
-            <a:pathLst>
-              <a:path w="457200" h="457200">
-                <a:moveTo>
-                  <a:pt x="457200" y="0"/>
-                </a:moveTo>
-                <a:lnTo>
-                  <a:pt x="0" y="0"/>
-                </a:lnTo>
-                <a:lnTo>
-                  <a:pt x="0" y="457200"/>
-                </a:lnTo>
-                <a:lnTo>
-                  <a:pt x="457200" y="457200"/>
-                </a:lnTo>
-                <a:lnTo>
-                  <a:pt x="457200" y="0"/>
-                </a:lnTo>
-                <a:close/>
-              </a:path>
-            </a:pathLst>
-          </a:custGeom>
-          <a:solidFill>
-            <a:srgbClr val="42AF51"/>
-          </a:solidFill>
-        </p:spPr>
-        <p:txBody>
-          <a:bodyPr bIns="0" lIns="0" rIns="0" rtlCol="0" tIns="0" wrap="square"/>
-          <a:p/>
-        </p:txBody>
-      </p:sp>
-      <p:sp>
-        <p:nvSpPr>
-          <p:cNvPr id="1048680" name="object 3"/>
-          <p:cNvSpPr/>
-          <p:nvPr/>
-        </p:nvSpPr>
-        <p:spPr>
-          <a:xfrm>
-            <a:off x="6696075" y="1695450"/>
-            <a:ext cx="314325" cy="323850"/>
-          </a:xfrm>
-          <a:custGeom>
-            <a:avLst/>
-            <a:ahLst/>
-            <a:rect l="l" t="t" r="r" b="b"/>
-            <a:pathLst>
-              <a:path w="314325" h="323850">
-                <a:moveTo>
-                  <a:pt x="314325" y="0"/>
-                </a:moveTo>
-                <a:lnTo>
-                  <a:pt x="0" y="0"/>
-                </a:lnTo>
-                <a:lnTo>
-                  <a:pt x="0" y="323850"/>
-                </a:lnTo>
-                <a:lnTo>
-                  <a:pt x="314325" y="323850"/>
-                </a:lnTo>
-                <a:lnTo>
-                  <a:pt x="314325" y="0"/>
-                </a:lnTo>
-                <a:close/>
-              </a:path>
-            </a:pathLst>
-          </a:custGeom>
-          <a:solidFill>
-            <a:srgbClr val="2D83C3"/>
-          </a:solidFill>
-        </p:spPr>
-        <p:txBody>
-          <a:bodyPr bIns="0" lIns="0" rIns="0" rtlCol="0" tIns="0" wrap="square"/>
-          <a:p/>
-        </p:txBody>
-      </p:sp>
-      <p:sp>
-        <p:nvSpPr>
-          <p:cNvPr id="1048681" name="object 4"/>
-          <p:cNvSpPr/>
-          <p:nvPr/>
-        </p:nvSpPr>
-        <p:spPr>
-          <a:xfrm>
-            <a:off x="9353550" y="5895975"/>
-            <a:ext cx="180975" cy="180975"/>
-          </a:xfrm>
-          <a:custGeom>
-            <a:avLst/>
-            <a:ahLst/>
-            <a:rect l="l" t="t" r="r" b="b"/>
-            <a:pathLst>
-              <a:path w="180975" h="180975">
-                <a:moveTo>
-                  <a:pt x="180975" y="0"/>
-                </a:moveTo>
-                <a:lnTo>
-                  <a:pt x="0" y="0"/>
-                </a:lnTo>
-                <a:lnTo>
-                  <a:pt x="0" y="180975"/>
-                </a:lnTo>
-                <a:lnTo>
-                  <a:pt x="180975" y="180975"/>
-                </a:lnTo>
-                <a:lnTo>
-                  <a:pt x="180975" y="0"/>
-                </a:lnTo>
-                <a:close/>
-              </a:path>
-            </a:pathLst>
-          </a:custGeom>
-          <a:solidFill>
-            <a:srgbClr val="2D936B"/>
-          </a:solidFill>
-        </p:spPr>
-        <p:txBody>
-          <a:bodyPr bIns="0" lIns="0" rIns="0" rtlCol="0" tIns="0" wrap="square"/>
-          <a:p/>
-        </p:txBody>
-      </p:sp>
-      <p:sp>
-        <p:nvSpPr>
-          <p:cNvPr id="1048682" name="object 5"/>
-          <p:cNvSpPr txBox="1">
-            <a:spLocks noGrp="1"/>
-          </p:cNvSpPr>
-          <p:nvPr>
-            <p:ph type="title"/>
-          </p:nvPr>
-        </p:nvSpPr>
-        <p:spPr>
-          <a:xfrm>
-            <a:off x="699452" y="891793"/>
-            <a:ext cx="5014595" cy="1108710"/>
-          </a:xfrm>
-          <a:prstGeom prst="rect"/>
-        </p:spPr>
-        <p:txBody>
-          <a:bodyPr bIns="0" lIns="0" rIns="0" rtlCol="0" tIns="16510" vert="horz" wrap="square">
-            <a:spAutoFit/>
-          </a:bodyPr>
-          <a:p>
-            <a:pPr marL="12700">
-              <a:lnSpc>
-                <a:spcPct val="100000"/>
-              </a:lnSpc>
-              <a:spcBef>
-                <a:spcPts val="130"/>
-              </a:spcBef>
-            </a:pPr>
-            <a:r>
-              <a:rPr dirty="0" sz="3200" spc="25"/>
-              <a:t>W</a:t>
-            </a:r>
-            <a:r>
-              <a:rPr dirty="0" sz="3200" spc="-20"/>
-              <a:t>H</a:t>
-            </a:r>
-            <a:r>
-              <a:rPr dirty="0" sz="3200" spc="20"/>
-              <a:t>O</a:t>
-            </a:r>
-            <a:r>
-              <a:rPr dirty="0" sz="3200" spc="-235"/>
-              <a:t> </a:t>
-            </a:r>
-            <a:r>
-              <a:rPr dirty="0" sz="3200" spc="-10"/>
-              <a:t>AR</a:t>
-            </a:r>
-            <a:r>
-              <a:rPr dirty="0" sz="3200" spc="15"/>
-              <a:t>E</a:t>
-            </a:r>
-            <a:r>
-              <a:rPr dirty="0" sz="3200" spc="-35"/>
-              <a:t> </a:t>
-            </a:r>
-            <a:r>
-              <a:rPr dirty="0" sz="3200" spc="-10"/>
-              <a:t>T</a:t>
-            </a:r>
-            <a:r>
-              <a:rPr dirty="0" sz="3200" spc="-15"/>
-              <a:t>H</a:t>
-            </a:r>
-            <a:r>
-              <a:rPr dirty="0" sz="3200" spc="15"/>
-              <a:t>E</a:t>
-            </a:r>
-            <a:r>
-              <a:rPr dirty="0" sz="3200" spc="-35"/>
-              <a:t> </a:t>
-            </a:r>
-            <a:r>
-              <a:rPr dirty="0" sz="3200" spc="-20"/>
-              <a:t>E</a:t>
-            </a:r>
-            <a:r>
-              <a:rPr dirty="0" sz="3200" spc="30"/>
-              <a:t>N</a:t>
-            </a:r>
-            <a:r>
-              <a:rPr dirty="0" sz="3200" spc="15"/>
-              <a:t>D</a:t>
-            </a:r>
-            <a:r>
-              <a:rPr dirty="0" sz="3200" spc="-45"/>
-              <a:t> </a:t>
-            </a:r>
-            <a:r>
-              <a:rPr dirty="0" sz="3200"/>
-              <a:t>U</a:t>
-            </a:r>
-            <a:r>
-              <a:rPr dirty="0" sz="3200" spc="10"/>
-              <a:t>S</a:t>
-            </a:r>
-            <a:r>
-              <a:rPr dirty="0" sz="3200" spc="-25"/>
-              <a:t>E</a:t>
-            </a:r>
-            <a:r>
-              <a:rPr dirty="0" sz="3200" spc="-10"/>
-              <a:t>R</a:t>
-            </a:r>
-            <a:r>
-              <a:rPr dirty="0" sz="3200" spc="5"/>
-              <a:t>S?</a:t>
-            </a:r>
-            <a:endParaRPr sz="3200"/>
-          </a:p>
-        </p:txBody>
-      </p:sp>
-      <p:pic>
-        <p:nvPicPr>
-          <p:cNvPr id="2097166" name="object 6"/>
-          <p:cNvPicPr>
-            <a:picLocks/>
-          </p:cNvPicPr>
-          <p:nvPr/>
-        </p:nvPicPr>
-        <p:blipFill>
-          <a:blip xmlns:r="http://schemas.openxmlformats.org/officeDocument/2006/relationships" r:embed="rId1" cstate="print"/>
-          <a:stretch>
-            <a:fillRect/>
-          </a:stretch>
-        </p:blipFill>
-        <p:spPr>
-          <a:xfrm>
-            <a:off x="723900" y="6172200"/>
-            <a:ext cx="2181225" cy="485775"/>
-          </a:xfrm>
-          <a:prstGeom prst="rect"/>
-        </p:spPr>
-      </p:pic>
-      <p:sp>
-        <p:nvSpPr>
-          <p:cNvPr id="1048683" name="object 8"/>
-          <p:cNvSpPr txBox="1">
-            <a:spLocks noGrp="1"/>
-          </p:cNvSpPr>
-          <p:nvPr>
-            <p:ph type="sldNum" sz="quarter" idx="7"/>
-          </p:nvPr>
-        </p:nvSpPr>
-        <p:spPr>
-          <a:prstGeom prst="rect"/>
-        </p:spPr>
-        <p:txBody>
-          <a:bodyPr bIns="0" lIns="0" rIns="0" rtlCol="0" tIns="6985" vert="horz" wrap="square">
-            <a:spAutoFit/>
-          </a:bodyPr>
-          <a:p>
-            <a:pPr marL="38100">
-              <a:lnSpc>
-                <a:spcPct val="100000"/>
-              </a:lnSpc>
-              <a:spcBef>
-                <a:spcPts val="55"/>
-              </a:spcBef>
-            </a:pPr>
-            <a:fld id="{81D60167-4931-47E6-BA6A-407CBD079E47}" type="slidenum">
-              <a:rPr dirty="0" spc="10"/>
-              <a:t>6</a:t>
-            </a:fld>
-            <a:endParaRPr dirty="0" spc="10"/>
-          </a:p>
-        </p:txBody>
-      </p:sp>
-      <p:sp>
-        <p:nvSpPr>
-          <p:cNvPr id="1048684" name=""/>
-          <p:cNvSpPr txBox="1"/>
-          <p:nvPr/>
-        </p:nvSpPr>
-        <p:spPr>
-          <a:xfrm rot="9658">
-            <a:off x="730612" y="2054551"/>
-            <a:ext cx="9268131" cy="4790440"/>
-          </a:xfrm>
-          <a:prstGeom prst="rect"/>
-        </p:spPr>
-        <p:txBody>
-          <a:bodyPr rtlCol="0" wrap="square">
-            <a:spAutoFit/>
-          </a:bodyPr>
-          <a:p>
-            <a:r>
-              <a:rPr altLang="en-GB" sz="2800" lang="en-US">
-                <a:solidFill>
-                  <a:srgbClr val="0000FF"/>
-                </a:solidFill>
-              </a:rPr>
-              <a:t>W</a:t>
-            </a:r>
-            <a:r>
-              <a:rPr altLang="en-GB" sz="2800" lang="en-US">
-                <a:solidFill>
-                  <a:srgbClr val="0000FF"/>
-                </a:solidFill>
-              </a:rPr>
-              <a:t>e</a:t>
-            </a:r>
-            <a:r>
-              <a:rPr altLang="en-GB" sz="2800" lang="en-US">
-                <a:solidFill>
-                  <a:srgbClr val="0000FF"/>
-                </a:solidFill>
-              </a:rPr>
-              <a:t>b</a:t>
-            </a:r>
-            <a:r>
-              <a:rPr altLang="en-GB" sz="2800" lang="en-US">
-                <a:solidFill>
-                  <a:srgbClr val="0000FF"/>
-                </a:solidFill>
-              </a:rPr>
-              <a:t> </a:t>
-            </a:r>
-            <a:r>
-              <a:rPr altLang="en-GB" sz="2800" lang="en-US">
-                <a:solidFill>
-                  <a:srgbClr val="0000FF"/>
-                </a:solidFill>
-              </a:rPr>
-              <a:t>d</a:t>
-            </a:r>
-            <a:r>
-              <a:rPr altLang="en-GB" sz="2800" lang="en-US">
-                <a:solidFill>
-                  <a:srgbClr val="0000FF"/>
-                </a:solidFill>
-              </a:rPr>
-              <a:t>e</a:t>
-            </a:r>
-            <a:r>
-              <a:rPr altLang="en-GB" sz="2800" lang="en-US">
-                <a:solidFill>
-                  <a:srgbClr val="0000FF"/>
-                </a:solidFill>
-              </a:rPr>
-              <a:t>v</a:t>
-            </a:r>
-            <a:r>
-              <a:rPr altLang="en-GB" sz="2800" lang="en-US">
-                <a:solidFill>
-                  <a:srgbClr val="0000FF"/>
-                </a:solidFill>
-              </a:rPr>
-              <a:t>eloper</a:t>
-            </a:r>
-            <a:r>
-              <a:rPr altLang="en-GB" sz="2800" lang="en-US">
-                <a:solidFill>
-                  <a:srgbClr val="0000FF"/>
-                </a:solidFill>
-              </a:rPr>
-              <a:t>s</a:t>
-            </a:r>
-            <a:r>
-              <a:rPr altLang="en-GB" sz="2800" lang="en-US">
-                <a:solidFill>
-                  <a:srgbClr val="0000FF"/>
-                </a:solidFill>
-              </a:rPr>
-              <a:t>:</a:t>
-            </a:r>
-            <a:endParaRPr sz="2800" lang="en-GB">
-              <a:solidFill>
-                <a:srgbClr val="000000"/>
-              </a:solidFill>
-            </a:endParaRPr>
-          </a:p>
-          <a:p>
-            <a:r>
-              <a:rPr altLang="en-GB" sz="2800" lang="en-US">
-                <a:solidFill>
-                  <a:srgbClr val="0000FF"/>
-                </a:solidFill>
-              </a:rPr>
-              <a:t> </a:t>
-            </a:r>
-            <a:r>
-              <a:rPr altLang="en-GB" sz="2800" lang="en-US">
-                <a:solidFill>
-                  <a:srgbClr val="0000FF"/>
-                </a:solidFill>
-              </a:rPr>
-              <a:t> </a:t>
-            </a:r>
-            <a:r>
-              <a:rPr altLang="en-GB" sz="2800" lang="en-US">
-                <a:solidFill>
-                  <a:srgbClr val="0000FF"/>
-                </a:solidFill>
-              </a:rPr>
-              <a:t> </a:t>
-            </a:r>
-            <a:r>
-              <a:rPr altLang="en-GB" sz="2800" lang="en-US">
-                <a:solidFill>
-                  <a:srgbClr val="0000FF"/>
-                </a:solidFill>
-              </a:rPr>
-              <a:t> </a:t>
-            </a:r>
-            <a:r>
-              <a:rPr altLang="en-GB" sz="2800" lang="en-US">
-                <a:solidFill>
-                  <a:srgbClr val="0000FF"/>
-                </a:solidFill>
-              </a:rPr>
-              <a:t> </a:t>
-            </a:r>
-            <a:r>
-              <a:rPr altLang="en-GB" sz="2800" lang="en-US">
-                <a:solidFill>
-                  <a:srgbClr val="0000FF"/>
-                </a:solidFill>
-              </a:rPr>
-              <a:t> </a:t>
-            </a:r>
-            <a:r>
-              <a:rPr altLang="en-GB" sz="2800" lang="en-US">
-                <a:solidFill>
-                  <a:srgbClr val="0000FF"/>
-                </a:solidFill>
-              </a:rPr>
-              <a:t> </a:t>
-            </a:r>
-            <a:r>
-              <a:rPr altLang="en-GB" sz="2800" lang="en-US">
-                <a:solidFill>
-                  <a:srgbClr val="0000FF"/>
-                </a:solidFill>
-              </a:rPr>
-              <a:t> </a:t>
-            </a:r>
-            <a:r>
-              <a:rPr altLang="en-GB" sz="2800" lang="en-US">
-                <a:solidFill>
-                  <a:srgbClr val="0000FF"/>
-                </a:solidFill>
-              </a:rPr>
-              <a:t> </a:t>
-            </a:r>
-            <a:r>
-              <a:rPr altLang="en-GB" sz="2800" lang="en-US">
-                <a:solidFill>
-                  <a:srgbClr val="0000FF"/>
-                </a:solidFill>
-              </a:rPr>
-              <a:t> </a:t>
-            </a:r>
-            <a:r>
-              <a:rPr sz="2800" lang="en-GB">
-                <a:solidFill>
-                  <a:srgbClr val="000000"/>
-                </a:solidFill>
-              </a:rPr>
-              <a:t>They use these tools to build interactive, efficient, and maintainable web applications.
-</a:t>
-            </a:r>
-            <a:r>
-              <a:rPr altLang="en-GB" sz="2800" lang="en-US">
-                <a:solidFill>
-                  <a:srgbClr val="0000FF"/>
-                </a:solidFill>
-              </a:rPr>
-              <a:t>B</a:t>
-            </a:r>
-            <a:r>
-              <a:rPr altLang="en-GB" sz="2800" lang="en-US">
-                <a:solidFill>
-                  <a:srgbClr val="0000FF"/>
-                </a:solidFill>
-              </a:rPr>
-              <a:t>u</a:t>
-            </a:r>
-            <a:r>
-              <a:rPr altLang="en-GB" sz="2800" lang="en-US">
-                <a:solidFill>
-                  <a:srgbClr val="0000FF"/>
-                </a:solidFill>
-              </a:rPr>
-              <a:t>s</a:t>
-            </a:r>
-            <a:r>
-              <a:rPr altLang="en-GB" sz="2800" lang="en-US">
-                <a:solidFill>
-                  <a:srgbClr val="0000FF"/>
-                </a:solidFill>
-              </a:rPr>
-              <a:t>inesses</a:t>
-            </a:r>
-            <a:r>
-              <a:rPr altLang="en-GB" sz="2800" lang="en-US">
-                <a:solidFill>
-                  <a:srgbClr val="0000FF"/>
-                </a:solidFill>
-              </a:rPr>
-              <a:t> a</a:t>
-            </a:r>
-            <a:r>
-              <a:rPr altLang="en-GB" sz="2800" lang="en-US">
-                <a:solidFill>
-                  <a:srgbClr val="0000FF"/>
-                </a:solidFill>
-              </a:rPr>
-              <a:t>n</a:t>
-            </a:r>
-            <a:r>
-              <a:rPr altLang="en-GB" sz="2800" lang="en-US">
-                <a:solidFill>
-                  <a:srgbClr val="0000FF"/>
-                </a:solidFill>
-              </a:rPr>
-              <a:t>d</a:t>
-            </a:r>
-            <a:r>
-              <a:rPr altLang="en-GB" sz="2800" lang="en-US">
-                <a:solidFill>
-                  <a:srgbClr val="0000FF"/>
-                </a:solidFill>
-              </a:rPr>
-              <a:t> o</a:t>
-            </a:r>
-            <a:r>
-              <a:rPr altLang="en-GB" sz="2800" lang="en-US">
-                <a:solidFill>
-                  <a:srgbClr val="0000FF"/>
-                </a:solidFill>
-              </a:rPr>
-              <a:t>r</a:t>
-            </a:r>
-            <a:r>
-              <a:rPr altLang="en-GB" sz="2800" lang="en-US">
-                <a:solidFill>
-                  <a:srgbClr val="0000FF"/>
-                </a:solidFill>
-              </a:rPr>
-              <a:t>ganisations</a:t>
-            </a:r>
-            <a:r>
-              <a:rPr altLang="en-GB" sz="2800" lang="en-US">
-                <a:solidFill>
-                  <a:srgbClr val="0000FF"/>
-                </a:solidFill>
-              </a:rPr>
-              <a:t>:</a:t>
-            </a:r>
-            <a:endParaRPr sz="2800" lang="en-GB">
-              <a:solidFill>
-                <a:srgbClr val="000000"/>
-              </a:solidFill>
-            </a:endParaRPr>
-          </a:p>
-          <a:p>
-            <a:r>
-              <a:rPr altLang="en-GB" sz="2800" lang="en-US">
-                <a:solidFill>
-                  <a:srgbClr val="0000FF"/>
-                </a:solidFill>
-              </a:rPr>
-              <a:t> </a:t>
-            </a:r>
-            <a:r>
-              <a:rPr altLang="en-GB" sz="2800" lang="en-US">
-                <a:solidFill>
-                  <a:srgbClr val="0000FF"/>
-                </a:solidFill>
-              </a:rPr>
-              <a:t> </a:t>
-            </a:r>
-            <a:r>
-              <a:rPr altLang="en-GB" sz="2800" lang="en-US">
-                <a:solidFill>
-                  <a:srgbClr val="0000FF"/>
-                </a:solidFill>
-              </a:rPr>
-              <a:t> </a:t>
-            </a:r>
-            <a:r>
-              <a:rPr altLang="en-GB" sz="2800" lang="en-US">
-                <a:solidFill>
-                  <a:srgbClr val="0000FF"/>
-                </a:solidFill>
-              </a:rPr>
-              <a:t> </a:t>
-            </a:r>
-            <a:r>
-              <a:rPr altLang="en-GB" sz="2800" lang="en-US">
-                <a:solidFill>
-                  <a:srgbClr val="0000FF"/>
-                </a:solidFill>
-              </a:rPr>
-              <a:t> </a:t>
-            </a:r>
-            <a:r>
-              <a:rPr altLang="en-GB" sz="2800" lang="en-US">
-                <a:solidFill>
-                  <a:srgbClr val="0000FF"/>
-                </a:solidFill>
-              </a:rPr>
-              <a:t> </a:t>
-            </a:r>
-            <a:r>
-              <a:rPr altLang="en-GB" sz="2800" lang="en-US">
-                <a:solidFill>
-                  <a:srgbClr val="0000FF"/>
-                </a:solidFill>
-              </a:rPr>
-              <a:t> </a:t>
-            </a:r>
-            <a:r>
-              <a:rPr altLang="en-GB" sz="2800" lang="en-US">
-                <a:solidFill>
-                  <a:srgbClr val="0000FF"/>
-                </a:solidFill>
-              </a:rPr>
-              <a:t> </a:t>
-            </a:r>
-            <a:r>
-              <a:rPr altLang="en-GB" sz="2800" lang="en-US">
-                <a:solidFill>
-                  <a:srgbClr val="0000FF"/>
-                </a:solidFill>
-              </a:rPr>
-              <a:t> </a:t>
-            </a:r>
-            <a:r>
-              <a:rPr altLang="en-GB" sz="2800" lang="en-US">
-                <a:solidFill>
-                  <a:srgbClr val="0000FF"/>
-                </a:solidFill>
-              </a:rPr>
-              <a:t> </a:t>
-            </a:r>
-            <a:r>
-              <a:rPr sz="2800" lang="en-GB">
-                <a:solidFill>
-                  <a:srgbClr val="000000"/>
-                </a:solidFill>
-              </a:rPr>
-              <a:t>They benefit from faster development cycles and better user experiences on their websites or web apps.
-</a:t>
-            </a:r>
-            <a:r>
-              <a:rPr altLang="en-GB" sz="2800" lang="en-US">
-                <a:solidFill>
-                  <a:srgbClr val="0000FF"/>
-                </a:solidFill>
-              </a:rPr>
-              <a:t>W</a:t>
-            </a:r>
-            <a:r>
-              <a:rPr altLang="en-GB" sz="2800" lang="en-US">
-                <a:solidFill>
-                  <a:srgbClr val="0000FF"/>
-                </a:solidFill>
-              </a:rPr>
-              <a:t>e</a:t>
-            </a:r>
-            <a:r>
-              <a:rPr altLang="en-GB" sz="2800" lang="en-US">
-                <a:solidFill>
-                  <a:srgbClr val="0000FF"/>
-                </a:solidFill>
-              </a:rPr>
-              <a:t>b</a:t>
-            </a:r>
-            <a:r>
-              <a:rPr altLang="en-GB" sz="2800" lang="en-US">
-                <a:solidFill>
-                  <a:srgbClr val="0000FF"/>
-                </a:solidFill>
-              </a:rPr>
-              <a:t>s</a:t>
-            </a:r>
-            <a:r>
-              <a:rPr altLang="en-GB" sz="2800" lang="en-US">
-                <a:solidFill>
-                  <a:srgbClr val="0000FF"/>
-                </a:solidFill>
-              </a:rPr>
-              <a:t>ite</a:t>
-            </a:r>
-            <a:r>
-              <a:rPr altLang="en-GB" sz="2800" lang="en-US">
-                <a:solidFill>
-                  <a:srgbClr val="0000FF"/>
-                </a:solidFill>
-              </a:rPr>
-              <a:t> v</a:t>
-            </a:r>
-            <a:r>
-              <a:rPr altLang="en-GB" sz="2800" lang="en-US">
-                <a:solidFill>
-                  <a:srgbClr val="0000FF"/>
-                </a:solidFill>
-              </a:rPr>
-              <a:t>i</a:t>
-            </a:r>
-            <a:r>
-              <a:rPr altLang="en-GB" sz="2800" lang="en-US">
-                <a:solidFill>
-                  <a:srgbClr val="0000FF"/>
-                </a:solidFill>
-              </a:rPr>
-              <a:t>s</a:t>
-            </a:r>
-            <a:r>
-              <a:rPr altLang="en-GB" sz="2800" lang="en-US">
-                <a:solidFill>
-                  <a:srgbClr val="0000FF"/>
-                </a:solidFill>
-              </a:rPr>
-              <a:t>itors</a:t>
-            </a:r>
-            <a:r>
-              <a:rPr altLang="en-GB" sz="2800" lang="en-US">
-                <a:solidFill>
-                  <a:srgbClr val="0000FF"/>
-                </a:solidFill>
-              </a:rPr>
-              <a:t>/</a:t>
-            </a:r>
-            <a:r>
-              <a:rPr altLang="en-GB" sz="2800" lang="en-US">
-                <a:solidFill>
-                  <a:srgbClr val="0000FF"/>
-                </a:solidFill>
-              </a:rPr>
-              <a:t>u</a:t>
-            </a:r>
-            <a:r>
-              <a:rPr altLang="en-GB" sz="2800" lang="en-US">
-                <a:solidFill>
-                  <a:srgbClr val="0000FF"/>
-                </a:solidFill>
-              </a:rPr>
-              <a:t>s</a:t>
-            </a:r>
-            <a:r>
-              <a:rPr altLang="en-GB" sz="2800" lang="en-US">
-                <a:solidFill>
-                  <a:srgbClr val="0000FF"/>
-                </a:solidFill>
-              </a:rPr>
-              <a:t>e</a:t>
-            </a:r>
-            <a:r>
-              <a:rPr altLang="en-GB" sz="2800" lang="en-US">
-                <a:solidFill>
-                  <a:srgbClr val="0000FF"/>
-                </a:solidFill>
-              </a:rPr>
-              <a:t>r</a:t>
-            </a:r>
-            <a:r>
-              <a:rPr altLang="en-GB" sz="2800" lang="en-US">
-                <a:solidFill>
-                  <a:srgbClr val="0000FF"/>
-                </a:solidFill>
-              </a:rPr>
-              <a:t>s</a:t>
-            </a:r>
-            <a:r>
-              <a:rPr altLang="en-GB" sz="2800" lang="en-US">
-                <a:solidFill>
-                  <a:srgbClr val="0000FF"/>
-                </a:solidFill>
-              </a:rPr>
-              <a:t>:</a:t>
-            </a:r>
-            <a:endParaRPr sz="2800" lang="en-GB">
-              <a:solidFill>
-                <a:srgbClr val="000000"/>
-              </a:solidFill>
-            </a:endParaRPr>
-          </a:p>
-          <a:p>
-            <a:r>
-              <a:rPr altLang="en-GB" sz="2800" lang="en-US">
-                <a:solidFill>
-                  <a:srgbClr val="0000FF"/>
-                </a:solidFill>
-              </a:rPr>
-              <a:t> </a:t>
-            </a:r>
-            <a:r>
-              <a:rPr altLang="en-GB" sz="2800" lang="en-US">
-                <a:solidFill>
-                  <a:srgbClr val="0000FF"/>
-                </a:solidFill>
-              </a:rPr>
-              <a:t> </a:t>
-            </a:r>
-            <a:r>
-              <a:rPr altLang="en-GB" sz="2800" lang="en-US">
-                <a:solidFill>
-                  <a:srgbClr val="0000FF"/>
-                </a:solidFill>
-              </a:rPr>
-              <a:t> </a:t>
-            </a:r>
-            <a:r>
-              <a:rPr altLang="en-GB" sz="2800" lang="en-US">
-                <a:solidFill>
-                  <a:srgbClr val="0000FF"/>
-                </a:solidFill>
-              </a:rPr>
-              <a:t> </a:t>
-            </a:r>
-            <a:r>
-              <a:rPr altLang="en-GB" sz="2800" lang="en-US">
-                <a:solidFill>
-                  <a:srgbClr val="0000FF"/>
-                </a:solidFill>
-              </a:rPr>
-              <a:t> </a:t>
-            </a:r>
-            <a:r>
-              <a:rPr altLang="en-GB" sz="2800" lang="en-US">
-                <a:solidFill>
-                  <a:srgbClr val="0000FF"/>
-                </a:solidFill>
-              </a:rPr>
-              <a:t> </a:t>
-            </a:r>
-            <a:r>
-              <a:rPr altLang="en-GB" sz="2800" lang="en-US">
-                <a:solidFill>
-                  <a:srgbClr val="0000FF"/>
-                </a:solidFill>
-              </a:rPr>
-              <a:t> </a:t>
-            </a:r>
-            <a:r>
-              <a:rPr altLang="en-GB" sz="2800" lang="en-US">
-                <a:solidFill>
-                  <a:srgbClr val="0000FF"/>
-                </a:solidFill>
-              </a:rPr>
-              <a:t> </a:t>
-            </a:r>
-            <a:r>
-              <a:rPr altLang="en-GB" sz="2800" lang="en-US">
-                <a:solidFill>
-                  <a:srgbClr val="0000FF"/>
-                </a:solidFill>
-              </a:rPr>
-              <a:t> </a:t>
-            </a:r>
-            <a:r>
-              <a:rPr altLang="en-GB" sz="2800" lang="en-US">
-                <a:solidFill>
-                  <a:srgbClr val="0000FF"/>
-                </a:solidFill>
-              </a:rPr>
-              <a:t> </a:t>
-            </a:r>
-            <a:r>
-              <a:rPr sz="2800" lang="en-GB">
-                <a:solidFill>
-                  <a:srgbClr val="000000"/>
-                </a:solidFill>
-              </a:rPr>
-              <a:t>They experience improved performance, responsiveness, and richer interfaces powered by these frameworks.</a:t>
-            </a:r>
-            <a:endParaRPr sz="2800" lang="en-GB">
-              <a:solidFill>
-                <a:srgbClr val="000000"/>
-              </a:solidFill>
-            </a:endParaRPr>
-          </a:p>
-        </p:txBody>
-      </p:sp>
-    </p:spTree>
-  </p:cSld>
-  <p:clrMapOvr>
-    <a:masterClrMapping/>
-  </p:clrMapOvr>
-</p:sld>
-</file>
-
-<file path=ppt/slides/slide7.xml><?xml version="1.0" encoding="utf-8"?>
 <p:sld xmlns:a="http://schemas.openxmlformats.org/drawingml/2006/main" xmlns:r="http://schemas.openxmlformats.org/officeDocument/2006/relationships" xmlns:p="http://schemas.openxmlformats.org/presentationml/2006/main">
   <p:cSld>
     <p:spTree>
@@ -7790,9 +6538,258 @@
           <a:chExt cx="0" cy="0"/>
         </a:xfrm>
       </p:grpSpPr>
+      <p:sp>
+        <p:nvSpPr>
+          <p:cNvPr id="1048675" name="object 2"/>
+          <p:cNvSpPr/>
+          <p:nvPr/>
+        </p:nvSpPr>
+        <p:spPr>
+          <a:xfrm>
+            <a:off x="9353550" y="5362575"/>
+            <a:ext cx="457200" cy="457200"/>
+          </a:xfrm>
+          <a:custGeom>
+            <a:avLst/>
+            <a:ahLst/>
+            <a:rect l="l" t="t" r="r" b="b"/>
+            <a:pathLst>
+              <a:path w="457200" h="457200">
+                <a:moveTo>
+                  <a:pt x="457200" y="0"/>
+                </a:moveTo>
+                <a:lnTo>
+                  <a:pt x="0" y="0"/>
+                </a:lnTo>
+                <a:lnTo>
+                  <a:pt x="0" y="457200"/>
+                </a:lnTo>
+                <a:lnTo>
+                  <a:pt x="457200" y="457200"/>
+                </a:lnTo>
+                <a:lnTo>
+                  <a:pt x="457200" y="0"/>
+                </a:lnTo>
+                <a:close/>
+              </a:path>
+            </a:pathLst>
+          </a:custGeom>
+          <a:solidFill>
+            <a:srgbClr val="42AF51"/>
+          </a:solidFill>
+        </p:spPr>
+        <p:txBody>
+          <a:bodyPr bIns="0" lIns="0" rIns="0" rtlCol="0" tIns="0" wrap="square"/>
+          <a:p/>
+        </p:txBody>
+      </p:sp>
+      <p:sp>
+        <p:nvSpPr>
+          <p:cNvPr id="1048676" name="object 3"/>
+          <p:cNvSpPr/>
+          <p:nvPr/>
+        </p:nvSpPr>
+        <p:spPr>
+          <a:xfrm>
+            <a:off x="6696075" y="1695450"/>
+            <a:ext cx="314325" cy="323850"/>
+          </a:xfrm>
+          <a:custGeom>
+            <a:avLst/>
+            <a:ahLst/>
+            <a:rect l="l" t="t" r="r" b="b"/>
+            <a:pathLst>
+              <a:path w="314325" h="323850">
+                <a:moveTo>
+                  <a:pt x="314325" y="0"/>
+                </a:moveTo>
+                <a:lnTo>
+                  <a:pt x="0" y="0"/>
+                </a:lnTo>
+                <a:lnTo>
+                  <a:pt x="0" y="323850"/>
+                </a:lnTo>
+                <a:lnTo>
+                  <a:pt x="314325" y="323850"/>
+                </a:lnTo>
+                <a:lnTo>
+                  <a:pt x="314325" y="0"/>
+                </a:lnTo>
+                <a:close/>
+              </a:path>
+            </a:pathLst>
+          </a:custGeom>
+          <a:solidFill>
+            <a:srgbClr val="2D83C3"/>
+          </a:solidFill>
+        </p:spPr>
+        <p:txBody>
+          <a:bodyPr bIns="0" lIns="0" rIns="0" rtlCol="0" tIns="0" wrap="square"/>
+          <a:p/>
+        </p:txBody>
+      </p:sp>
+      <p:sp>
+        <p:nvSpPr>
+          <p:cNvPr id="1048677" name="object 4"/>
+          <p:cNvSpPr/>
+          <p:nvPr/>
+        </p:nvSpPr>
+        <p:spPr>
+          <a:xfrm>
+            <a:off x="9353550" y="5895975"/>
+            <a:ext cx="180975" cy="180975"/>
+          </a:xfrm>
+          <a:custGeom>
+            <a:avLst/>
+            <a:ahLst/>
+            <a:rect l="l" t="t" r="r" b="b"/>
+            <a:pathLst>
+              <a:path w="180975" h="180975">
+                <a:moveTo>
+                  <a:pt x="180975" y="0"/>
+                </a:moveTo>
+                <a:lnTo>
+                  <a:pt x="0" y="0"/>
+                </a:lnTo>
+                <a:lnTo>
+                  <a:pt x="0" y="180975"/>
+                </a:lnTo>
+                <a:lnTo>
+                  <a:pt x="180975" y="180975"/>
+                </a:lnTo>
+                <a:lnTo>
+                  <a:pt x="180975" y="0"/>
+                </a:lnTo>
+                <a:close/>
+              </a:path>
+            </a:pathLst>
+          </a:custGeom>
+          <a:solidFill>
+            <a:srgbClr val="2D936B"/>
+          </a:solidFill>
+        </p:spPr>
+        <p:txBody>
+          <a:bodyPr bIns="0" lIns="0" rIns="0" rtlCol="0" tIns="0" wrap="square"/>
+          <a:p/>
+        </p:txBody>
+      </p:sp>
+      <p:sp>
+        <p:nvSpPr>
+          <p:cNvPr id="1048678" name="object 5"/>
+          <p:cNvSpPr txBox="1">
+            <a:spLocks noGrp="1"/>
+          </p:cNvSpPr>
+          <p:nvPr>
+            <p:ph type="title"/>
+          </p:nvPr>
+        </p:nvSpPr>
+        <p:spPr>
+          <a:xfrm>
+            <a:off x="699452" y="891793"/>
+            <a:ext cx="5014595" cy="1108710"/>
+          </a:xfrm>
+          <a:prstGeom prst="rect"/>
+        </p:spPr>
+        <p:txBody>
+          <a:bodyPr bIns="0" lIns="0" rIns="0" rtlCol="0" tIns="16510" vert="horz" wrap="square">
+            <a:spAutoFit/>
+          </a:bodyPr>
+          <a:p>
+            <a:pPr marL="12700">
+              <a:lnSpc>
+                <a:spcPct val="100000"/>
+              </a:lnSpc>
+              <a:spcBef>
+                <a:spcPts val="130"/>
+              </a:spcBef>
+            </a:pPr>
+            <a:r>
+              <a:rPr dirty="0" sz="3200" spc="25"/>
+              <a:t>W</a:t>
+            </a:r>
+            <a:r>
+              <a:rPr dirty="0" sz="3200" spc="-20"/>
+              <a:t>H</a:t>
+            </a:r>
+            <a:r>
+              <a:rPr dirty="0" sz="3200" spc="20"/>
+              <a:t>O</a:t>
+            </a:r>
+            <a:r>
+              <a:rPr dirty="0" sz="3200" spc="-235"/>
+              <a:t> </a:t>
+            </a:r>
+            <a:r>
+              <a:rPr dirty="0" sz="3200" spc="-10"/>
+              <a:t>AR</a:t>
+            </a:r>
+            <a:r>
+              <a:rPr dirty="0" sz="3200" spc="15"/>
+              <a:t>E</a:t>
+            </a:r>
+            <a:r>
+              <a:rPr dirty="0" sz="3200" spc="-35"/>
+              <a:t> </a:t>
+            </a:r>
+            <a:r>
+              <a:rPr dirty="0" sz="3200" spc="-10"/>
+              <a:t>T</a:t>
+            </a:r>
+            <a:r>
+              <a:rPr dirty="0" sz="3200" spc="-15"/>
+              <a:t>H</a:t>
+            </a:r>
+            <a:r>
+              <a:rPr dirty="0" sz="3200" spc="15"/>
+              <a:t>E</a:t>
+            </a:r>
+            <a:r>
+              <a:rPr dirty="0" sz="3200" spc="-35"/>
+              <a:t> </a:t>
+            </a:r>
+            <a:r>
+              <a:rPr dirty="0" sz="3200" spc="-20"/>
+              <a:t>E</a:t>
+            </a:r>
+            <a:r>
+              <a:rPr dirty="0" sz="3200" spc="30"/>
+              <a:t>N</a:t>
+            </a:r>
+            <a:r>
+              <a:rPr dirty="0" sz="3200" spc="15"/>
+              <a:t>D</a:t>
+            </a:r>
+            <a:r>
+              <a:rPr dirty="0" sz="3200" spc="-45"/>
+              <a:t> </a:t>
+            </a:r>
+            <a:r>
+              <a:rPr dirty="0" sz="3200"/>
+              <a:t>U</a:t>
+            </a:r>
+            <a:r>
+              <a:rPr dirty="0" sz="3200" spc="10"/>
+              <a:t>S</a:t>
+            </a:r>
+            <a:r>
+              <a:rPr dirty="0" sz="3200" spc="-25"/>
+              <a:t>E</a:t>
+            </a:r>
+            <a:r>
+              <a:rPr dirty="0" sz="3200" spc="-10"/>
+              <a:t>R</a:t>
+            </a:r>
+            <a:r>
+              <a:rPr dirty="0" sz="3200" spc="5"/>
+              <a:t>S?</a:t>
+            </a:r>
+            <a:endParaRPr sz="3200"/>
+          </a:p>
+        </p:txBody>
+      </p:sp>
       <p:pic>
         <p:nvPicPr>
-          <p:cNvPr id="2097167" name="object 2"/>
+          <p:cNvPr id="2097167" name="object 6"/>
           <p:cNvPicPr>
             <a:picLocks/>
           </p:cNvPicPr>
@@ -7806,7 +6803,88 @@
         </p:blipFill>
         <p:spPr>
           <a:xfrm>
-            <a:off x="6657976" y="1480819"/>
+            <a:off x="723900" y="6172200"/>
+            <a:ext cx="2181225" cy="485775"/>
+          </a:xfrm>
+          <a:prstGeom prst="rect"/>
+        </p:spPr>
+      </p:pic>
+      <p:sp>
+        <p:nvSpPr>
+          <p:cNvPr id="1048679" name="object 8"/>
+          <p:cNvSpPr txBox="1">
+            <a:spLocks noGrp="1"/>
+          </p:cNvSpPr>
+          <p:nvPr>
+            <p:ph type="sldNum" sz="quarter" idx="7"/>
+          </p:nvPr>
+        </p:nvSpPr>
+        <p:spPr>
+          <a:prstGeom prst="rect"/>
+        </p:spPr>
+        <p:txBody>
+          <a:bodyPr bIns="0" lIns="0" rIns="0" rtlCol="0" tIns="6985" vert="horz" wrap="square">
+            <a:spAutoFit/>
+          </a:bodyPr>
+          <a:p>
+            <a:pPr marL="38100">
+              <a:lnSpc>
+                <a:spcPct val="100000"/>
+              </a:lnSpc>
+              <a:spcBef>
+                <a:spcPts val="55"/>
+              </a:spcBef>
+            </a:pPr>
+            <a:fld id="{81D60167-4931-47E6-BA6A-407CBD079E47}" type="slidenum">
+              <a:rPr dirty="0" spc="10"/>
+              <a:t>6</a:t>
+            </a:fld>
+            <a:endParaRPr dirty="0" spc="10"/>
+          </a:p>
+        </p:txBody>
+      </p:sp>
+    </p:spTree>
+  </p:cSld>
+  <p:clrMapOvr>
+    <a:masterClrMapping/>
+  </p:clrMapOvr>
+</p:sld>
+</file>
+
+<file path=ppt/slides/slide7.xml><?xml version="1.0" encoding="utf-8"?>
+<p:sld xmlns:a="http://schemas.openxmlformats.org/drawingml/2006/main" xmlns:r="http://schemas.openxmlformats.org/officeDocument/2006/relationships" xmlns:p="http://schemas.openxmlformats.org/presentationml/2006/main">
+  <p:cSld>
+    <p:spTree>
+      <p:nvGrpSpPr>
+        <p:cNvPr id="25" name=""/>
+        <p:cNvGrpSpPr/>
+        <p:nvPr/>
+      </p:nvGrpSpPr>
+      <p:grpSpPr>
+        <a:xfrm>
+          <a:off x="0" y="0"/>
+          <a:ext cx="0" cy="0"/>
+          <a:chOff x="0" y="0"/>
+          <a:chExt cx="0" cy="0"/>
+        </a:xfrm>
+      </p:grpSpPr>
+      <p:pic>
+        <p:nvPicPr>
+          <p:cNvPr id="2097155" name="object 2"/>
+          <p:cNvPicPr>
+            <a:picLocks/>
+          </p:cNvPicPr>
+          <p:nvPr/>
+        </p:nvPicPr>
+        <p:blipFill>
+          <a:blip xmlns:r="http://schemas.openxmlformats.org/officeDocument/2006/relationships" r:embed="rId1" cstate="print"/>
+          <a:stretch>
+            <a:fillRect/>
+          </a:stretch>
+        </p:blipFill>
+        <p:spPr>
+          <a:xfrm>
+            <a:off x="0" y="1476375"/>
             <a:ext cx="2695574" cy="3248025"/>
           </a:xfrm>
           <a:prstGeom prst="rect"/>
@@ -7814,7 +6892,7 @@
       </p:pic>
       <p:sp>
         <p:nvSpPr>
-          <p:cNvPr id="1048685" name="object 3"/>
+          <p:cNvPr id="1048617" name="object 3"/>
           <p:cNvSpPr/>
           <p:nvPr/>
         </p:nvSpPr>
@@ -7859,7 +6937,7 @@
       </p:sp>
       <p:sp>
         <p:nvSpPr>
-          <p:cNvPr id="1048686" name="object 4"/>
+          <p:cNvPr id="1048618" name="object 4"/>
           <p:cNvSpPr/>
           <p:nvPr/>
         </p:nvSpPr>
@@ -7904,7 +6982,7 @@
       </p:sp>
       <p:sp>
         <p:nvSpPr>
-          <p:cNvPr id="1048687" name="object 5"/>
+          <p:cNvPr id="1048619" name="object 5"/>
           <p:cNvSpPr/>
           <p:nvPr/>
         </p:nvSpPr>
@@ -7949,7 +7027,7 @@
       </p:sp>
       <p:sp>
         <p:nvSpPr>
-          <p:cNvPr id="1048688" name="object 6"/>
+          <p:cNvPr id="1048620" name="object 6"/>
           <p:cNvSpPr txBox="1">
             <a:spLocks noGrp="1"/>
           </p:cNvSpPr>
@@ -7987,7 +7065,7 @@
       </p:sp>
       <p:pic>
         <p:nvPicPr>
-          <p:cNvPr id="2097168" name="object 7"/>
+          <p:cNvPr id="2097156" name="object 7"/>
           <p:cNvPicPr>
             <a:picLocks/>
           </p:cNvPicPr>
@@ -8009,7 +7087,7 @@
       </p:pic>
       <p:sp>
         <p:nvSpPr>
-          <p:cNvPr id="1048689" name="object 9"/>
+          <p:cNvPr id="1048621" name="object 9"/>
           <p:cNvSpPr txBox="1">
             <a:spLocks noGrp="1"/>
           </p:cNvSpPr>
@@ -8038,1822 +7116,6 @@
               <a:t>7</a:t>
             </a:fld>
             <a:endParaRPr dirty="0" spc="10"/>
-          </a:p>
-        </p:txBody>
-      </p:sp>
-      <p:sp>
-        <p:nvSpPr>
-          <p:cNvPr id="1048690" name=""/>
-          <p:cNvSpPr txBox="1"/>
-          <p:nvPr/>
-        </p:nvSpPr>
-        <p:spPr>
-          <a:xfrm>
-            <a:off x="676275" y="1597659"/>
-            <a:ext cx="9294415" cy="5260340"/>
-          </a:xfrm>
-          <a:prstGeom prst="rect"/>
-        </p:spPr>
-        <p:txBody>
-          <a:bodyPr rtlCol="0" wrap="square">
-            <a:spAutoFit/>
-          </a:bodyPr>
-          <a:p>
-            <a:r>
-              <a:rPr altLang="en-GB" sz="2800" lang="en-US">
-                <a:solidFill>
-                  <a:srgbClr val="000000"/>
-                </a:solidFill>
-              </a:rPr>
-              <a:t> </a:t>
-            </a:r>
-            <a:r>
-              <a:rPr altLang="en-GB" sz="2800" lang="en-US">
-                <a:solidFill>
-                  <a:srgbClr val="0000FF"/>
-                </a:solidFill>
-              </a:rPr>
-              <a:t>T</a:t>
-            </a:r>
-            <a:r>
-              <a:rPr altLang="en-GB" sz="2800" lang="en-US">
-                <a:solidFill>
-                  <a:srgbClr val="0000FF"/>
-                </a:solidFill>
-              </a:rPr>
-              <a:t>o</a:t>
-            </a:r>
-            <a:r>
-              <a:rPr altLang="en-GB" sz="2800" lang="en-US">
-                <a:solidFill>
-                  <a:srgbClr val="0000FF"/>
-                </a:solidFill>
-              </a:rPr>
-              <a:t>o</a:t>
-            </a:r>
-            <a:r>
-              <a:rPr altLang="en-GB" sz="2800" lang="en-US">
-                <a:solidFill>
-                  <a:srgbClr val="0000FF"/>
-                </a:solidFill>
-              </a:rPr>
-              <a:t>ls</a:t>
-            </a:r>
-            <a:r>
-              <a:rPr altLang="en-GB" sz="2800" lang="en-US">
-                <a:solidFill>
-                  <a:srgbClr val="0000FF"/>
-                </a:solidFill>
-              </a:rPr>
-              <a:t>:</a:t>
-            </a:r>
-            <a:endParaRPr sz="2800" lang="en-GB">
-              <a:solidFill>
-                <a:srgbClr val="000000"/>
-              </a:solidFill>
-            </a:endParaRPr>
-          </a:p>
-          <a:p>
-            <a:r>
-              <a:rPr altLang="en-GB" sz="2800" lang="en-US">
-                <a:solidFill>
-                  <a:srgbClr val="0000FF"/>
-                </a:solidFill>
-              </a:rPr>
-              <a:t> </a:t>
-            </a:r>
-            <a:r>
-              <a:rPr altLang="en-GB" sz="2800" lang="en-US">
-                <a:solidFill>
-                  <a:srgbClr val="0000FF"/>
-                </a:solidFill>
-              </a:rPr>
-              <a:t> </a:t>
-            </a:r>
-            <a:r>
-              <a:rPr altLang="en-GB" sz="2800" lang="en-US">
-                <a:solidFill>
-                  <a:srgbClr val="0000FF"/>
-                </a:solidFill>
-              </a:rPr>
-              <a:t> </a:t>
-            </a:r>
-            <a:r>
-              <a:rPr altLang="en-GB" sz="2800" lang="en-US">
-                <a:solidFill>
-                  <a:srgbClr val="0000FF"/>
-                </a:solidFill>
-              </a:rPr>
-              <a:t> </a:t>
-            </a:r>
-            <a:r>
-              <a:rPr altLang="en-GB" sz="2800" lang="en-US">
-                <a:solidFill>
-                  <a:srgbClr val="0000FF"/>
-                </a:solidFill>
-              </a:rPr>
-              <a:t> </a:t>
-            </a:r>
-            <a:r>
-              <a:rPr altLang="en-GB" sz="2800" lang="en-US">
-                <a:solidFill>
-                  <a:srgbClr val="0000FF"/>
-                </a:solidFill>
-              </a:rPr>
-              <a:t> </a:t>
-            </a:r>
-            <a:r>
-              <a:rPr altLang="en-GB" sz="2800" lang="en-US">
-                <a:solidFill>
-                  <a:srgbClr val="0000FF"/>
-                </a:solidFill>
-              </a:rPr>
-              <a:t> </a:t>
-            </a:r>
-            <a:r>
-              <a:rPr altLang="en-GB" sz="2800" lang="en-US">
-                <a:solidFill>
-                  <a:srgbClr val="0000FF"/>
-                </a:solidFill>
-              </a:rPr>
-              <a:t> </a:t>
-            </a:r>
-            <a:r>
-              <a:rPr altLang="en-GB" sz="2800" lang="en-US">
-                <a:solidFill>
-                  <a:srgbClr val="0000FF"/>
-                </a:solidFill>
-              </a:rPr>
-              <a:t> </a:t>
-            </a:r>
-            <a:r>
-              <a:rPr altLang="en-GB" sz="2800" lang="en-US">
-                <a:solidFill>
-                  <a:srgbClr val="000000"/>
-                </a:solidFill>
-              </a:rPr>
-              <a:t>C</a:t>
-            </a:r>
-            <a:r>
-              <a:rPr altLang="en-GB" sz="2800" lang="en-US">
-                <a:solidFill>
-                  <a:srgbClr val="000000"/>
-                </a:solidFill>
-              </a:rPr>
-              <a:t>o</a:t>
-            </a:r>
-            <a:r>
-              <a:rPr altLang="en-GB" sz="2800" lang="en-US">
-                <a:solidFill>
-                  <a:srgbClr val="000000"/>
-                </a:solidFill>
-              </a:rPr>
-              <a:t>d</a:t>
-            </a:r>
-            <a:r>
-              <a:rPr altLang="en-GB" sz="2800" lang="en-US">
-                <a:solidFill>
-                  <a:srgbClr val="000000"/>
-                </a:solidFill>
-              </a:rPr>
-              <a:t>e</a:t>
-            </a:r>
-            <a:r>
-              <a:rPr altLang="en-GB" sz="2800" lang="en-US">
-                <a:solidFill>
-                  <a:srgbClr val="000000"/>
-                </a:solidFill>
-              </a:rPr>
-              <a:t> </a:t>
-            </a:r>
-            <a:r>
-              <a:rPr altLang="en-GB" sz="2800" lang="en-US">
-                <a:solidFill>
-                  <a:srgbClr val="000000"/>
-                </a:solidFill>
-              </a:rPr>
-              <a:t>editor</a:t>
-            </a:r>
-            <a:r>
-              <a:rPr altLang="en-GB" sz="2800" lang="en-US">
-                <a:solidFill>
-                  <a:srgbClr val="000000"/>
-                </a:solidFill>
-              </a:rPr>
-              <a:t>s</a:t>
-            </a:r>
-            <a:r>
-              <a:rPr altLang="en-GB" sz="2800" lang="en-US">
-                <a:solidFill>
-                  <a:srgbClr val="000000"/>
-                </a:solidFill>
-              </a:rPr>
-              <a:t> </a:t>
-            </a:r>
-            <a:r>
-              <a:rPr altLang="en-GB" sz="2800" lang="en-US">
-                <a:solidFill>
-                  <a:srgbClr val="000000"/>
-                </a:solidFill>
-              </a:rPr>
-              <a:t>a</a:t>
-            </a:r>
-            <a:r>
-              <a:rPr altLang="en-GB" sz="2800" lang="en-US">
-                <a:solidFill>
-                  <a:srgbClr val="000000"/>
-                </a:solidFill>
-              </a:rPr>
-              <a:t>nd </a:t>
-            </a:r>
-            <a:r>
-              <a:rPr altLang="en-GB" sz="2800" lang="en-US">
-                <a:solidFill>
-                  <a:srgbClr val="000000"/>
-                </a:solidFill>
-              </a:rPr>
-              <a:t>I</a:t>
-            </a:r>
-            <a:r>
-              <a:rPr altLang="en-GB" sz="2800" lang="en-US">
-                <a:solidFill>
-                  <a:srgbClr val="000000"/>
-                </a:solidFill>
-              </a:rPr>
-              <a:t>D</a:t>
-            </a:r>
-            <a:r>
-              <a:rPr altLang="en-GB" sz="2800" lang="en-US">
-                <a:solidFill>
-                  <a:srgbClr val="000000"/>
-                </a:solidFill>
-              </a:rPr>
-              <a:t>E</a:t>
-            </a:r>
-            <a:r>
-              <a:rPr altLang="en-GB" sz="2800" lang="en-US">
-                <a:solidFill>
-                  <a:srgbClr val="000000"/>
-                </a:solidFill>
-              </a:rPr>
-              <a:t>s</a:t>
-            </a:r>
-            <a:r>
-              <a:rPr altLang="en-GB" sz="2800" lang="en-US">
-                <a:solidFill>
-                  <a:srgbClr val="000000"/>
-                </a:solidFill>
-              </a:rPr>
-              <a:t>.</a:t>
-            </a:r>
-            <a:endParaRPr sz="2800" lang="en-GB">
-              <a:solidFill>
-                <a:srgbClr val="000000"/>
-              </a:solidFill>
-            </a:endParaRPr>
-          </a:p>
-          <a:p>
-            <a:r>
-              <a:rPr altLang="en-GB" sz="2800" lang="en-US">
-                <a:solidFill>
-                  <a:srgbClr val="000000"/>
-                </a:solidFill>
-              </a:rPr>
-              <a:t> </a:t>
-            </a:r>
-            <a:r>
-              <a:rPr altLang="en-GB" sz="2800" lang="en-US">
-                <a:solidFill>
-                  <a:srgbClr val="000000"/>
-                </a:solidFill>
-              </a:rPr>
-              <a:t> </a:t>
-            </a:r>
-            <a:r>
-              <a:rPr altLang="en-GB" sz="2800" lang="en-US">
-                <a:solidFill>
-                  <a:srgbClr val="000000"/>
-                </a:solidFill>
-              </a:rPr>
-              <a:t> </a:t>
-            </a:r>
-            <a:r>
-              <a:rPr altLang="en-GB" sz="2800" lang="en-US">
-                <a:solidFill>
-                  <a:srgbClr val="000000"/>
-                </a:solidFill>
-              </a:rPr>
-              <a:t> </a:t>
-            </a:r>
-            <a:r>
-              <a:rPr altLang="en-GB" sz="2800" lang="en-US">
-                <a:solidFill>
-                  <a:srgbClr val="000000"/>
-                </a:solidFill>
-              </a:rPr>
-              <a:t> </a:t>
-            </a:r>
-            <a:r>
-              <a:rPr altLang="en-GB" sz="2800" lang="en-US">
-                <a:solidFill>
-                  <a:srgbClr val="000000"/>
-                </a:solidFill>
-              </a:rPr>
-              <a:t> </a:t>
-            </a:r>
-            <a:r>
-              <a:rPr altLang="en-GB" sz="2800" lang="en-US">
-                <a:solidFill>
-                  <a:srgbClr val="000000"/>
-                </a:solidFill>
-              </a:rPr>
-              <a:t> </a:t>
-            </a:r>
-            <a:r>
-              <a:rPr altLang="en-GB" sz="2800" lang="en-US">
-                <a:solidFill>
-                  <a:srgbClr val="000000"/>
-                </a:solidFill>
-              </a:rPr>
-              <a:t> </a:t>
-            </a:r>
-            <a:r>
-              <a:rPr altLang="en-GB" sz="2800" lang="en-US">
-                <a:solidFill>
-                  <a:srgbClr val="000000"/>
-                </a:solidFill>
-              </a:rPr>
-              <a:t> </a:t>
-            </a:r>
-            <a:r>
-              <a:rPr altLang="en-GB" sz="2800" lang="en-US">
-                <a:solidFill>
-                  <a:srgbClr val="000000"/>
-                </a:solidFill>
-              </a:rPr>
-              <a:t> </a:t>
-            </a:r>
-            <a:r>
-              <a:rPr altLang="en-GB" sz="2800" lang="en-US">
-                <a:solidFill>
-                  <a:srgbClr val="000000"/>
-                </a:solidFill>
-              </a:rPr>
-              <a:t>P</a:t>
-            </a:r>
-            <a:r>
-              <a:rPr altLang="en-GB" sz="2800" lang="en-US">
-                <a:solidFill>
-                  <a:srgbClr val="000000"/>
-                </a:solidFill>
-              </a:rPr>
-              <a:t>a</a:t>
-            </a:r>
-            <a:r>
-              <a:rPr altLang="en-GB" sz="2800" lang="en-US">
-                <a:solidFill>
-                  <a:srgbClr val="000000"/>
-                </a:solidFill>
-              </a:rPr>
-              <a:t>c</a:t>
-            </a:r>
-            <a:r>
-              <a:rPr altLang="en-GB" sz="2800" lang="en-US">
-                <a:solidFill>
-                  <a:srgbClr val="000000"/>
-                </a:solidFill>
-              </a:rPr>
-              <a:t>k</a:t>
-            </a:r>
-            <a:r>
-              <a:rPr altLang="en-GB" sz="2800" lang="en-US">
-                <a:solidFill>
-                  <a:srgbClr val="000000"/>
-                </a:solidFill>
-              </a:rPr>
-              <a:t>age </a:t>
-            </a:r>
-            <a:r>
-              <a:rPr altLang="en-GB" sz="2800" lang="en-US">
-                <a:solidFill>
-                  <a:srgbClr val="000000"/>
-                </a:solidFill>
-              </a:rPr>
-              <a:t>m</a:t>
-            </a:r>
-            <a:r>
-              <a:rPr altLang="en-GB" sz="2800" lang="en-US">
-                <a:solidFill>
-                  <a:srgbClr val="000000"/>
-                </a:solidFill>
-              </a:rPr>
-              <a:t>a</a:t>
-            </a:r>
-            <a:r>
-              <a:rPr altLang="en-GB" sz="2800" lang="en-US">
-                <a:solidFill>
-                  <a:srgbClr val="000000"/>
-                </a:solidFill>
-              </a:rPr>
-              <a:t>n</a:t>
-            </a:r>
-            <a:r>
-              <a:rPr altLang="en-GB" sz="2800" lang="en-US">
-                <a:solidFill>
-                  <a:srgbClr val="000000"/>
-                </a:solidFill>
-              </a:rPr>
-              <a:t>a</a:t>
-            </a:r>
-            <a:r>
-              <a:rPr altLang="en-GB" sz="2800" lang="en-US">
-                <a:solidFill>
-                  <a:srgbClr val="000000"/>
-                </a:solidFill>
-              </a:rPr>
-              <a:t>g</a:t>
-            </a:r>
-            <a:r>
-              <a:rPr altLang="en-GB" sz="2800" lang="en-US">
-                <a:solidFill>
-                  <a:srgbClr val="000000"/>
-                </a:solidFill>
-              </a:rPr>
-              <a:t>e</a:t>
-            </a:r>
-            <a:r>
-              <a:rPr altLang="en-GB" sz="2800" lang="en-US">
-                <a:solidFill>
-                  <a:srgbClr val="000000"/>
-                </a:solidFill>
-              </a:rPr>
-              <a:t>r</a:t>
-            </a:r>
-            <a:r>
-              <a:rPr altLang="en-GB" sz="2800" lang="en-US">
-                <a:solidFill>
-                  <a:srgbClr val="000000"/>
-                </a:solidFill>
-              </a:rPr>
-              <a:t>s</a:t>
-            </a:r>
-            <a:r>
-              <a:rPr altLang="en-GB" sz="2800" lang="en-US">
-                <a:solidFill>
-                  <a:srgbClr val="000000"/>
-                </a:solidFill>
-              </a:rPr>
-              <a:t>.</a:t>
-            </a:r>
-            <a:endParaRPr sz="2800" lang="en-GB">
-              <a:solidFill>
-                <a:srgbClr val="000000"/>
-              </a:solidFill>
-            </a:endParaRPr>
-          </a:p>
-          <a:p>
-            <a:r>
-              <a:rPr altLang="en-GB" sz="2800" lang="en-US">
-                <a:solidFill>
-                  <a:srgbClr val="000000"/>
-                </a:solidFill>
-              </a:rPr>
-              <a:t> </a:t>
-            </a:r>
-            <a:r>
-              <a:rPr altLang="en-GB" sz="2800" lang="en-US">
-                <a:solidFill>
-                  <a:srgbClr val="000000"/>
-                </a:solidFill>
-              </a:rPr>
-              <a:t> </a:t>
-            </a:r>
-            <a:r>
-              <a:rPr altLang="en-GB" sz="2800" lang="en-US">
-                <a:solidFill>
-                  <a:srgbClr val="000000"/>
-                </a:solidFill>
-              </a:rPr>
-              <a:t> </a:t>
-            </a:r>
-            <a:r>
-              <a:rPr altLang="en-GB" sz="2800" lang="en-US">
-                <a:solidFill>
-                  <a:srgbClr val="000000"/>
-                </a:solidFill>
-              </a:rPr>
-              <a:t> </a:t>
-            </a:r>
-            <a:r>
-              <a:rPr altLang="en-GB" sz="2800" lang="en-US">
-                <a:solidFill>
-                  <a:srgbClr val="000000"/>
-                </a:solidFill>
-              </a:rPr>
-              <a:t> </a:t>
-            </a:r>
-            <a:r>
-              <a:rPr altLang="en-GB" sz="2800" lang="en-US">
-                <a:solidFill>
-                  <a:srgbClr val="000000"/>
-                </a:solidFill>
-              </a:rPr>
-              <a:t> </a:t>
-            </a:r>
-            <a:r>
-              <a:rPr altLang="en-GB" sz="2800" lang="en-US">
-                <a:solidFill>
-                  <a:srgbClr val="000000"/>
-                </a:solidFill>
-              </a:rPr>
-              <a:t> </a:t>
-            </a:r>
-            <a:r>
-              <a:rPr altLang="en-GB" sz="2800" lang="en-US">
-                <a:solidFill>
-                  <a:srgbClr val="000000"/>
-                </a:solidFill>
-              </a:rPr>
-              <a:t> </a:t>
-            </a:r>
-            <a:r>
-              <a:rPr altLang="en-GB" sz="2800" lang="en-US">
-                <a:solidFill>
-                  <a:srgbClr val="000000"/>
-                </a:solidFill>
-              </a:rPr>
-              <a:t> </a:t>
-            </a:r>
-            <a:r>
-              <a:rPr altLang="en-GB" sz="2800" lang="en-US">
-                <a:solidFill>
-                  <a:srgbClr val="000000"/>
-                </a:solidFill>
-              </a:rPr>
-              <a:t> </a:t>
-            </a:r>
-            <a:r>
-              <a:rPr altLang="en-GB" sz="2800" lang="en-US">
-                <a:solidFill>
-                  <a:srgbClr val="000000"/>
-                </a:solidFill>
-              </a:rPr>
-              <a:t>B</a:t>
-            </a:r>
-            <a:r>
-              <a:rPr altLang="en-GB" sz="2800" lang="en-US">
-                <a:solidFill>
-                  <a:srgbClr val="000000"/>
-                </a:solidFill>
-              </a:rPr>
-              <a:t>u</a:t>
-            </a:r>
-            <a:r>
-              <a:rPr altLang="en-GB" sz="2800" lang="en-US">
-                <a:solidFill>
-                  <a:srgbClr val="000000"/>
-                </a:solidFill>
-              </a:rPr>
-              <a:t>i</a:t>
-            </a:r>
-            <a:r>
-              <a:rPr altLang="en-GB" sz="2800" lang="en-US">
-                <a:solidFill>
-                  <a:srgbClr val="000000"/>
-                </a:solidFill>
-              </a:rPr>
-              <a:t>l</a:t>
-            </a:r>
-            <a:r>
-              <a:rPr altLang="en-GB" sz="2800" lang="en-US">
-                <a:solidFill>
-                  <a:srgbClr val="000000"/>
-                </a:solidFill>
-              </a:rPr>
-              <a:t>d </a:t>
-            </a:r>
-            <a:r>
-              <a:rPr altLang="en-GB" sz="2800" lang="en-US">
-                <a:solidFill>
-                  <a:srgbClr val="000000"/>
-                </a:solidFill>
-              </a:rPr>
-              <a:t>t</a:t>
-            </a:r>
-            <a:r>
-              <a:rPr altLang="en-GB" sz="2800" lang="en-US">
-                <a:solidFill>
-                  <a:srgbClr val="000000"/>
-                </a:solidFill>
-              </a:rPr>
-              <a:t>o</a:t>
-            </a:r>
-            <a:r>
-              <a:rPr altLang="en-GB" sz="2800" lang="en-US">
-                <a:solidFill>
-                  <a:srgbClr val="000000"/>
-                </a:solidFill>
-              </a:rPr>
-              <a:t>o</a:t>
-            </a:r>
-            <a:r>
-              <a:rPr altLang="en-GB" sz="2800" lang="en-US">
-                <a:solidFill>
-                  <a:srgbClr val="000000"/>
-                </a:solidFill>
-              </a:rPr>
-              <a:t>l</a:t>
-            </a:r>
-            <a:r>
-              <a:rPr altLang="en-GB" sz="2800" lang="en-US">
-                <a:solidFill>
-                  <a:srgbClr val="000000"/>
-                </a:solidFill>
-              </a:rPr>
-              <a:t>s</a:t>
-            </a:r>
-            <a:r>
-              <a:rPr altLang="en-GB" sz="2800" lang="en-US">
-                <a:solidFill>
-                  <a:srgbClr val="000000"/>
-                </a:solidFill>
-              </a:rPr>
-              <a:t>.</a:t>
-            </a:r>
-            <a:endParaRPr sz="2800" lang="en-GB">
-              <a:solidFill>
-                <a:srgbClr val="000000"/>
-              </a:solidFill>
-            </a:endParaRPr>
-          </a:p>
-          <a:p>
-            <a:r>
-              <a:rPr altLang="en-GB" sz="2800" lang="en-US">
-                <a:solidFill>
-                  <a:srgbClr val="000000"/>
-                </a:solidFill>
-              </a:rPr>
-              <a:t> </a:t>
-            </a:r>
-            <a:r>
-              <a:rPr altLang="en-GB" sz="2800" lang="en-US">
-                <a:solidFill>
-                  <a:srgbClr val="000000"/>
-                </a:solidFill>
-              </a:rPr>
-              <a:t> </a:t>
-            </a:r>
-            <a:r>
-              <a:rPr altLang="en-GB" sz="2800" lang="en-US">
-                <a:solidFill>
-                  <a:srgbClr val="000000"/>
-                </a:solidFill>
-              </a:rPr>
-              <a:t> </a:t>
-            </a:r>
-            <a:r>
-              <a:rPr altLang="en-GB" sz="2800" lang="en-US">
-                <a:solidFill>
-                  <a:srgbClr val="000000"/>
-                </a:solidFill>
-              </a:rPr>
-              <a:t> </a:t>
-            </a:r>
-            <a:r>
-              <a:rPr altLang="en-GB" sz="2800" lang="en-US">
-                <a:solidFill>
-                  <a:srgbClr val="000000"/>
-                </a:solidFill>
-              </a:rPr>
-              <a:t> </a:t>
-            </a:r>
-            <a:r>
-              <a:rPr altLang="en-GB" sz="2800" lang="en-US">
-                <a:solidFill>
-                  <a:srgbClr val="000000"/>
-                </a:solidFill>
-              </a:rPr>
-              <a:t> </a:t>
-            </a:r>
-            <a:r>
-              <a:rPr altLang="en-GB" sz="2800" lang="en-US">
-                <a:solidFill>
-                  <a:srgbClr val="000000"/>
-                </a:solidFill>
-              </a:rPr>
-              <a:t> </a:t>
-            </a:r>
-            <a:r>
-              <a:rPr altLang="en-GB" sz="2800" lang="en-US">
-                <a:solidFill>
-                  <a:srgbClr val="000000"/>
-                </a:solidFill>
-              </a:rPr>
-              <a:t> </a:t>
-            </a:r>
-            <a:r>
-              <a:rPr altLang="en-GB" sz="2800" lang="en-US">
-                <a:solidFill>
-                  <a:srgbClr val="000000"/>
-                </a:solidFill>
-              </a:rPr>
-              <a:t> </a:t>
-            </a:r>
-            <a:r>
-              <a:rPr altLang="en-GB" sz="2800" lang="en-US">
-                <a:solidFill>
-                  <a:srgbClr val="000000"/>
-                </a:solidFill>
-              </a:rPr>
-              <a:t> </a:t>
-            </a:r>
-            <a:r>
-              <a:rPr altLang="en-GB" sz="2800" lang="en-US">
-                <a:solidFill>
-                  <a:srgbClr val="000000"/>
-                </a:solidFill>
-              </a:rPr>
-              <a:t>V</a:t>
-            </a:r>
-            <a:r>
-              <a:rPr altLang="en-GB" sz="2800" lang="en-US">
-                <a:solidFill>
-                  <a:srgbClr val="000000"/>
-                </a:solidFill>
-              </a:rPr>
-              <a:t>e</a:t>
-            </a:r>
-            <a:r>
-              <a:rPr altLang="en-GB" sz="2800" lang="en-US">
-                <a:solidFill>
-                  <a:srgbClr val="000000"/>
-                </a:solidFill>
-              </a:rPr>
-              <a:t>r</a:t>
-            </a:r>
-            <a:r>
-              <a:rPr altLang="en-GB" sz="2800" lang="en-US">
-                <a:solidFill>
-                  <a:srgbClr val="000000"/>
-                </a:solidFill>
-              </a:rPr>
-              <a:t>s</a:t>
-            </a:r>
-            <a:r>
-              <a:rPr altLang="en-GB" sz="2800" lang="en-US">
-                <a:solidFill>
-                  <a:srgbClr val="000000"/>
-                </a:solidFill>
-              </a:rPr>
-              <a:t>ion </a:t>
-            </a:r>
-            <a:r>
-              <a:rPr altLang="en-GB" sz="2800" lang="en-US">
-                <a:solidFill>
-                  <a:srgbClr val="000000"/>
-                </a:solidFill>
-              </a:rPr>
-              <a:t>c</a:t>
-            </a:r>
-            <a:r>
-              <a:rPr altLang="en-GB" sz="2800" lang="en-US">
-                <a:solidFill>
-                  <a:srgbClr val="000000"/>
-                </a:solidFill>
-              </a:rPr>
-              <a:t>o</a:t>
-            </a:r>
-            <a:r>
-              <a:rPr altLang="en-GB" sz="2800" lang="en-US">
-                <a:solidFill>
-                  <a:srgbClr val="000000"/>
-                </a:solidFill>
-              </a:rPr>
-              <a:t>n</a:t>
-            </a:r>
-            <a:r>
-              <a:rPr altLang="en-GB" sz="2800" lang="en-US">
-                <a:solidFill>
-                  <a:srgbClr val="000000"/>
-                </a:solidFill>
-              </a:rPr>
-              <a:t>t</a:t>
-            </a:r>
-            <a:r>
-              <a:rPr altLang="en-GB" sz="2800" lang="en-US">
-                <a:solidFill>
-                  <a:srgbClr val="000000"/>
-                </a:solidFill>
-              </a:rPr>
-              <a:t>r</a:t>
-            </a:r>
-            <a:r>
-              <a:rPr altLang="en-GB" sz="2800" lang="en-US">
-                <a:solidFill>
-                  <a:srgbClr val="000000"/>
-                </a:solidFill>
-              </a:rPr>
-              <a:t>ol</a:t>
-            </a:r>
-            <a:r>
-              <a:rPr altLang="en-GB" sz="2800" lang="en-US">
-                <a:solidFill>
-                  <a:srgbClr val="000000"/>
-                </a:solidFill>
-              </a:rPr>
-              <a:t>.</a:t>
-            </a:r>
-            <a:endParaRPr sz="2800" lang="en-GB">
-              <a:solidFill>
-                <a:srgbClr val="000000"/>
-              </a:solidFill>
-            </a:endParaRPr>
-          </a:p>
-          <a:p>
-            <a:r>
-              <a:rPr altLang="en-GB" sz="2800" lang="en-US">
-                <a:solidFill>
-                  <a:srgbClr val="000000"/>
-                </a:solidFill>
-              </a:rPr>
-              <a:t> </a:t>
-            </a:r>
-            <a:r>
-              <a:rPr altLang="en-GB" sz="2800" lang="en-US">
-                <a:solidFill>
-                  <a:srgbClr val="000000"/>
-                </a:solidFill>
-              </a:rPr>
-              <a:t> </a:t>
-            </a:r>
-            <a:r>
-              <a:rPr altLang="en-GB" sz="2800" lang="en-US">
-                <a:solidFill>
-                  <a:srgbClr val="000000"/>
-                </a:solidFill>
-              </a:rPr>
-              <a:t> </a:t>
-            </a:r>
-            <a:r>
-              <a:rPr altLang="en-GB" sz="2800" lang="en-US">
-                <a:solidFill>
-                  <a:srgbClr val="000000"/>
-                </a:solidFill>
-              </a:rPr>
-              <a:t> </a:t>
-            </a:r>
-            <a:r>
-              <a:rPr altLang="en-GB" sz="2800" lang="en-US">
-                <a:solidFill>
-                  <a:srgbClr val="000000"/>
-                </a:solidFill>
-              </a:rPr>
-              <a:t> </a:t>
-            </a:r>
-            <a:r>
-              <a:rPr altLang="en-GB" sz="2800" lang="en-US">
-                <a:solidFill>
-                  <a:srgbClr val="000000"/>
-                </a:solidFill>
-              </a:rPr>
-              <a:t> </a:t>
-            </a:r>
-            <a:r>
-              <a:rPr altLang="en-GB" sz="2800" lang="en-US">
-                <a:solidFill>
-                  <a:srgbClr val="000000"/>
-                </a:solidFill>
-              </a:rPr>
-              <a:t> </a:t>
-            </a:r>
-            <a:r>
-              <a:rPr altLang="en-GB" sz="2800" lang="en-US">
-                <a:solidFill>
-                  <a:srgbClr val="000000"/>
-                </a:solidFill>
-              </a:rPr>
-              <a:t> </a:t>
-            </a:r>
-            <a:r>
-              <a:rPr altLang="en-GB" sz="2800" lang="en-US">
-                <a:solidFill>
-                  <a:srgbClr val="000000"/>
-                </a:solidFill>
-              </a:rPr>
-              <a:t> </a:t>
-            </a:r>
-            <a:r>
-              <a:rPr altLang="en-GB" sz="2800" lang="en-US">
-                <a:solidFill>
-                  <a:srgbClr val="000000"/>
-                </a:solidFill>
-              </a:rPr>
-              <a:t> </a:t>
-            </a:r>
-            <a:r>
-              <a:rPr altLang="en-GB" sz="2800" lang="en-US">
-                <a:solidFill>
-                  <a:srgbClr val="000000"/>
-                </a:solidFill>
-              </a:rPr>
-              <a:t>S</a:t>
-            </a:r>
-            <a:r>
-              <a:rPr altLang="en-GB" sz="2800" lang="en-US">
-                <a:solidFill>
-                  <a:srgbClr val="000000"/>
-                </a:solidFill>
-              </a:rPr>
-              <a:t>t</a:t>
-            </a:r>
-            <a:r>
-              <a:rPr altLang="en-GB" sz="2800" lang="en-US">
-                <a:solidFill>
-                  <a:srgbClr val="000000"/>
-                </a:solidFill>
-              </a:rPr>
-              <a:t>ate </a:t>
-            </a:r>
-            <a:r>
-              <a:rPr altLang="en-GB" sz="2800" lang="en-US">
-                <a:solidFill>
-                  <a:srgbClr val="000000"/>
-                </a:solidFill>
-              </a:rPr>
-              <a:t>m</a:t>
-            </a:r>
-            <a:r>
-              <a:rPr altLang="en-GB" sz="2800" lang="en-US">
-                <a:solidFill>
-                  <a:srgbClr val="000000"/>
-                </a:solidFill>
-              </a:rPr>
-              <a:t>a</a:t>
-            </a:r>
-            <a:r>
-              <a:rPr altLang="en-GB" sz="2800" lang="en-US">
-                <a:solidFill>
-                  <a:srgbClr val="000000"/>
-                </a:solidFill>
-              </a:rPr>
-              <a:t>n</a:t>
-            </a:r>
-            <a:r>
-              <a:rPr altLang="en-GB" sz="2800" lang="en-US">
-                <a:solidFill>
-                  <a:srgbClr val="000000"/>
-                </a:solidFill>
-              </a:rPr>
-              <a:t>a</a:t>
-            </a:r>
-            <a:r>
-              <a:rPr altLang="en-GB" sz="2800" lang="en-US">
-                <a:solidFill>
-                  <a:srgbClr val="000000"/>
-                </a:solidFill>
-              </a:rPr>
-              <a:t>g</a:t>
-            </a:r>
-            <a:r>
-              <a:rPr altLang="en-GB" sz="2800" lang="en-US">
-                <a:solidFill>
-                  <a:srgbClr val="000000"/>
-                </a:solidFill>
-              </a:rPr>
-              <a:t>e</a:t>
-            </a:r>
-            <a:r>
-              <a:rPr altLang="en-GB" sz="2800" lang="en-US">
-                <a:solidFill>
-                  <a:srgbClr val="000000"/>
-                </a:solidFill>
-              </a:rPr>
-              <a:t>ment </a:t>
-            </a:r>
-            <a:r>
-              <a:rPr altLang="en-GB" sz="2800" lang="en-US">
-                <a:solidFill>
-                  <a:srgbClr val="000000"/>
-                </a:solidFill>
-              </a:rPr>
-              <a:t>l</a:t>
-            </a:r>
-            <a:r>
-              <a:rPr altLang="en-GB" sz="2800" lang="en-US">
-                <a:solidFill>
-                  <a:srgbClr val="000000"/>
-                </a:solidFill>
-              </a:rPr>
-              <a:t>i</a:t>
-            </a:r>
-            <a:r>
-              <a:rPr altLang="en-GB" sz="2800" lang="en-US">
-                <a:solidFill>
-                  <a:srgbClr val="000000"/>
-                </a:solidFill>
-              </a:rPr>
-              <a:t>a</a:t>
-            </a:r>
-            <a:r>
-              <a:rPr altLang="en-GB" sz="2800" lang="en-US">
-                <a:solidFill>
-                  <a:srgbClr val="000000"/>
-                </a:solidFill>
-              </a:rPr>
-              <a:t>b</a:t>
-            </a:r>
-            <a:r>
-              <a:rPr altLang="en-GB" sz="2800" lang="en-US">
-                <a:solidFill>
-                  <a:srgbClr val="000000"/>
-                </a:solidFill>
-              </a:rPr>
-              <a:t>r</a:t>
-            </a:r>
-            <a:r>
-              <a:rPr altLang="en-GB" sz="2800" lang="en-US">
-                <a:solidFill>
-                  <a:srgbClr val="000000"/>
-                </a:solidFill>
-              </a:rPr>
-              <a:t>a</a:t>
-            </a:r>
-            <a:r>
-              <a:rPr altLang="en-GB" sz="2800" lang="en-US">
-                <a:solidFill>
-                  <a:srgbClr val="000000"/>
-                </a:solidFill>
-              </a:rPr>
-              <a:t>ries</a:t>
-            </a:r>
-            <a:r>
-              <a:rPr altLang="en-GB" sz="2800" lang="en-US">
-                <a:solidFill>
-                  <a:srgbClr val="000000"/>
-                </a:solidFill>
-              </a:rPr>
-              <a:t>.</a:t>
-            </a:r>
-            <a:endParaRPr sz="2800" lang="en-GB">
-              <a:solidFill>
-                <a:srgbClr val="000000"/>
-              </a:solidFill>
-            </a:endParaRPr>
-          </a:p>
-          <a:p>
-            <a:r>
-              <a:rPr altLang="en-GB" sz="2800" lang="en-US">
-                <a:solidFill>
-                  <a:srgbClr val="0000FF"/>
-                </a:solidFill>
-              </a:rPr>
-              <a:t>T</a:t>
-            </a:r>
-            <a:r>
-              <a:rPr altLang="en-GB" sz="2800" lang="en-US">
-                <a:solidFill>
-                  <a:srgbClr val="0000FF"/>
-                </a:solidFill>
-              </a:rPr>
-              <a:t>e</a:t>
-            </a:r>
-            <a:r>
-              <a:rPr altLang="en-GB" sz="2800" lang="en-US">
-                <a:solidFill>
-                  <a:srgbClr val="0000FF"/>
-                </a:solidFill>
-              </a:rPr>
-              <a:t>c</a:t>
-            </a:r>
-            <a:r>
-              <a:rPr altLang="en-GB" sz="2800" lang="en-US">
-                <a:solidFill>
-                  <a:srgbClr val="0000FF"/>
-                </a:solidFill>
-              </a:rPr>
-              <a:t>h</a:t>
-            </a:r>
-            <a:r>
-              <a:rPr altLang="en-GB" sz="2800" lang="en-US">
-                <a:solidFill>
-                  <a:srgbClr val="0000FF"/>
-                </a:solidFill>
-              </a:rPr>
-              <a:t>niques</a:t>
-            </a:r>
-            <a:r>
-              <a:rPr altLang="en-GB" sz="2800" lang="en-US">
-                <a:solidFill>
-                  <a:srgbClr val="0000FF"/>
-                </a:solidFill>
-              </a:rPr>
-              <a:t>:</a:t>
-            </a:r>
-            <a:endParaRPr sz="2800" lang="en-GB">
-              <a:solidFill>
-                <a:srgbClr val="000000"/>
-              </a:solidFill>
-            </a:endParaRPr>
-          </a:p>
-          <a:p>
-            <a:r>
-              <a:rPr altLang="en-GB" sz="2800" lang="en-US">
-                <a:solidFill>
-                  <a:srgbClr val="0000FF"/>
-                </a:solidFill>
-              </a:rPr>
-              <a:t> </a:t>
-            </a:r>
-            <a:r>
-              <a:rPr altLang="en-GB" sz="2800" lang="en-US">
-                <a:solidFill>
-                  <a:srgbClr val="0000FF"/>
-                </a:solidFill>
-              </a:rPr>
-              <a:t> </a:t>
-            </a:r>
-            <a:r>
-              <a:rPr altLang="en-GB" sz="2800" lang="en-US">
-                <a:solidFill>
-                  <a:srgbClr val="0000FF"/>
-                </a:solidFill>
-              </a:rPr>
-              <a:t> </a:t>
-            </a:r>
-            <a:r>
-              <a:rPr altLang="en-GB" sz="2800" lang="en-US">
-                <a:solidFill>
-                  <a:srgbClr val="0000FF"/>
-                </a:solidFill>
-              </a:rPr>
-              <a:t> </a:t>
-            </a:r>
-            <a:r>
-              <a:rPr altLang="en-GB" sz="2800" lang="en-US">
-                <a:solidFill>
-                  <a:srgbClr val="0000FF"/>
-                </a:solidFill>
-              </a:rPr>
-              <a:t> </a:t>
-            </a:r>
-            <a:r>
-              <a:rPr altLang="en-GB" sz="2800" lang="en-US">
-                <a:solidFill>
-                  <a:srgbClr val="0000FF"/>
-                </a:solidFill>
-              </a:rPr>
-              <a:t> </a:t>
-            </a:r>
-            <a:r>
-              <a:rPr altLang="en-GB" sz="2800" lang="en-US">
-                <a:solidFill>
-                  <a:srgbClr val="0000FF"/>
-                </a:solidFill>
-              </a:rPr>
-              <a:t> </a:t>
-            </a:r>
-            <a:r>
-              <a:rPr altLang="en-GB" sz="2800" lang="en-US">
-                <a:solidFill>
-                  <a:srgbClr val="0000FF"/>
-                </a:solidFill>
-              </a:rPr>
-              <a:t> </a:t>
-            </a:r>
-            <a:r>
-              <a:rPr altLang="en-GB" sz="2800" lang="en-US">
-                <a:solidFill>
-                  <a:srgbClr val="0000FF"/>
-                </a:solidFill>
-              </a:rPr>
-              <a:t> </a:t>
-            </a:r>
-            <a:r>
-              <a:rPr altLang="en-GB" sz="2800" lang="en-US">
-                <a:solidFill>
-                  <a:srgbClr val="0000FF"/>
-                </a:solidFill>
-              </a:rPr>
-              <a:t> </a:t>
-            </a:r>
-            <a:r>
-              <a:rPr altLang="en-GB" sz="2800" lang="en-US">
-                <a:solidFill>
-                  <a:srgbClr val="000000"/>
-                </a:solidFill>
-              </a:rPr>
-              <a:t>Component </a:t>
-            </a:r>
-            <a:r>
-              <a:rPr altLang="en-GB" sz="2800" lang="en-US">
-                <a:solidFill>
-                  <a:srgbClr val="000000"/>
-                </a:solidFill>
-              </a:rPr>
-              <a:t>b</a:t>
-            </a:r>
-            <a:r>
-              <a:rPr altLang="en-GB" sz="2800" lang="en-US">
-                <a:solidFill>
-                  <a:srgbClr val="000000"/>
-                </a:solidFill>
-              </a:rPr>
-              <a:t>a</a:t>
-            </a:r>
-            <a:r>
-              <a:rPr altLang="en-GB" sz="2800" lang="en-US">
-                <a:solidFill>
-                  <a:srgbClr val="000000"/>
-                </a:solidFill>
-              </a:rPr>
-              <a:t>s</a:t>
-            </a:r>
-            <a:r>
-              <a:rPr altLang="en-GB" sz="2800" lang="en-US">
-                <a:solidFill>
-                  <a:srgbClr val="000000"/>
-                </a:solidFill>
-              </a:rPr>
-              <a:t>e</a:t>
-            </a:r>
-            <a:r>
-              <a:rPr altLang="en-GB" sz="2800" lang="en-US">
-                <a:solidFill>
-                  <a:srgbClr val="000000"/>
-                </a:solidFill>
-              </a:rPr>
-              <a:t>d</a:t>
-            </a:r>
-            <a:r>
-              <a:rPr altLang="en-GB" sz="2800" lang="en-US">
-                <a:solidFill>
-                  <a:srgbClr val="000000"/>
-                </a:solidFill>
-              </a:rPr>
-              <a:t> </a:t>
-            </a:r>
-            <a:r>
-              <a:rPr altLang="en-GB" sz="2800" lang="en-US">
-                <a:solidFill>
-                  <a:srgbClr val="000000"/>
-                </a:solidFill>
-              </a:rPr>
-              <a:t>a</a:t>
-            </a:r>
-            <a:r>
-              <a:rPr altLang="en-GB" sz="2800" lang="en-US">
-                <a:solidFill>
-                  <a:srgbClr val="000000"/>
-                </a:solidFill>
-              </a:rPr>
-              <a:t>r</a:t>
-            </a:r>
-            <a:r>
-              <a:rPr altLang="en-GB" sz="2800" lang="en-US">
-                <a:solidFill>
-                  <a:srgbClr val="000000"/>
-                </a:solidFill>
-              </a:rPr>
-              <a:t>c</a:t>
-            </a:r>
-            <a:r>
-              <a:rPr altLang="en-GB" sz="2800" lang="en-US">
-                <a:solidFill>
-                  <a:srgbClr val="000000"/>
-                </a:solidFill>
-              </a:rPr>
-              <a:t>h</a:t>
-            </a:r>
-            <a:r>
-              <a:rPr altLang="en-GB" sz="2800" lang="en-US">
-                <a:solidFill>
-                  <a:srgbClr val="000000"/>
-                </a:solidFill>
-              </a:rPr>
-              <a:t>i</a:t>
-            </a:r>
-            <a:r>
-              <a:rPr altLang="en-GB" sz="2800" lang="en-US">
-                <a:solidFill>
-                  <a:srgbClr val="000000"/>
-                </a:solidFill>
-              </a:rPr>
-              <a:t>tecture</a:t>
-            </a:r>
-            <a:r>
-              <a:rPr altLang="en-GB" sz="2800" lang="en-US">
-                <a:solidFill>
-                  <a:srgbClr val="000000"/>
-                </a:solidFill>
-              </a:rPr>
-              <a:t>.</a:t>
-            </a:r>
-            <a:endParaRPr sz="2800" lang="en-GB">
-              <a:solidFill>
-                <a:srgbClr val="000000"/>
-              </a:solidFill>
-            </a:endParaRPr>
-          </a:p>
-          <a:p>
-            <a:r>
-              <a:rPr altLang="en-GB" sz="2800" lang="en-US">
-                <a:solidFill>
-                  <a:srgbClr val="000000"/>
-                </a:solidFill>
-              </a:rPr>
-              <a:t> </a:t>
-            </a:r>
-            <a:r>
-              <a:rPr altLang="en-GB" sz="2800" lang="en-US">
-                <a:solidFill>
-                  <a:srgbClr val="000000"/>
-                </a:solidFill>
-              </a:rPr>
-              <a:t> </a:t>
-            </a:r>
-            <a:r>
-              <a:rPr altLang="en-GB" sz="2800" lang="en-US">
-                <a:solidFill>
-                  <a:srgbClr val="000000"/>
-                </a:solidFill>
-              </a:rPr>
-              <a:t> </a:t>
-            </a:r>
-            <a:r>
-              <a:rPr altLang="en-GB" sz="2800" lang="en-US">
-                <a:solidFill>
-                  <a:srgbClr val="000000"/>
-                </a:solidFill>
-              </a:rPr>
-              <a:t> </a:t>
-            </a:r>
-            <a:r>
-              <a:rPr altLang="en-GB" sz="2800" lang="en-US">
-                <a:solidFill>
-                  <a:srgbClr val="000000"/>
-                </a:solidFill>
-              </a:rPr>
-              <a:t> </a:t>
-            </a:r>
-            <a:r>
-              <a:rPr altLang="en-GB" sz="2800" lang="en-US">
-                <a:solidFill>
-                  <a:srgbClr val="000000"/>
-                </a:solidFill>
-              </a:rPr>
-              <a:t> </a:t>
-            </a:r>
-            <a:r>
-              <a:rPr altLang="en-GB" sz="2800" lang="en-US">
-                <a:solidFill>
-                  <a:srgbClr val="000000"/>
-                </a:solidFill>
-              </a:rPr>
-              <a:t> </a:t>
-            </a:r>
-            <a:r>
-              <a:rPr altLang="en-GB" sz="2800" lang="en-US">
-                <a:solidFill>
-                  <a:srgbClr val="000000"/>
-                </a:solidFill>
-              </a:rPr>
-              <a:t> </a:t>
-            </a:r>
-            <a:r>
-              <a:rPr altLang="en-GB" sz="2800" lang="en-US">
-                <a:solidFill>
-                  <a:srgbClr val="000000"/>
-                </a:solidFill>
-              </a:rPr>
-              <a:t> </a:t>
-            </a:r>
-            <a:r>
-              <a:rPr altLang="en-GB" sz="2800" lang="en-US">
-                <a:solidFill>
-                  <a:srgbClr val="000000"/>
-                </a:solidFill>
-              </a:rPr>
-              <a:t> </a:t>
-            </a:r>
-            <a:r>
-              <a:rPr altLang="en-GB" sz="2800" lang="en-US">
-                <a:solidFill>
-                  <a:srgbClr val="000000"/>
-                </a:solidFill>
-              </a:rPr>
-              <a:t>S</a:t>
-            </a:r>
-            <a:r>
-              <a:rPr altLang="en-GB" sz="2800" lang="en-US">
-                <a:solidFill>
-                  <a:srgbClr val="000000"/>
-                </a:solidFill>
-              </a:rPr>
-              <a:t>t</a:t>
-            </a:r>
-            <a:r>
-              <a:rPr altLang="en-GB" sz="2800" lang="en-US">
-                <a:solidFill>
-                  <a:srgbClr val="000000"/>
-                </a:solidFill>
-              </a:rPr>
-              <a:t>a</a:t>
-            </a:r>
-            <a:r>
-              <a:rPr altLang="en-GB" sz="2800" lang="en-US">
-                <a:solidFill>
-                  <a:srgbClr val="000000"/>
-                </a:solidFill>
-              </a:rPr>
-              <a:t>te </a:t>
-            </a:r>
-            <a:r>
-              <a:rPr altLang="en-GB" sz="2800" lang="en-US">
-                <a:solidFill>
-                  <a:srgbClr val="000000"/>
-                </a:solidFill>
-              </a:rPr>
-              <a:t>management</a:t>
-            </a:r>
-            <a:r>
-              <a:rPr altLang="en-GB" sz="2800" lang="en-US">
-                <a:solidFill>
-                  <a:srgbClr val="000000"/>
-                </a:solidFill>
-              </a:rPr>
-              <a:t>.</a:t>
-            </a:r>
-            <a:endParaRPr sz="2800" lang="en-GB">
-              <a:solidFill>
-                <a:srgbClr val="000000"/>
-              </a:solidFill>
-            </a:endParaRPr>
-          </a:p>
-          <a:p>
-            <a:r>
-              <a:rPr altLang="en-GB" sz="2800" lang="en-US">
-                <a:solidFill>
-                  <a:srgbClr val="000000"/>
-                </a:solidFill>
-              </a:rPr>
-              <a:t> </a:t>
-            </a:r>
-            <a:r>
-              <a:rPr altLang="en-GB" sz="2800" lang="en-US">
-                <a:solidFill>
-                  <a:srgbClr val="000000"/>
-                </a:solidFill>
-              </a:rPr>
-              <a:t> </a:t>
-            </a:r>
-            <a:r>
-              <a:rPr altLang="en-GB" sz="2800" lang="en-US">
-                <a:solidFill>
-                  <a:srgbClr val="000000"/>
-                </a:solidFill>
-              </a:rPr>
-              <a:t> </a:t>
-            </a:r>
-            <a:r>
-              <a:rPr altLang="en-GB" sz="2800" lang="en-US">
-                <a:solidFill>
-                  <a:srgbClr val="000000"/>
-                </a:solidFill>
-              </a:rPr>
-              <a:t> </a:t>
-            </a:r>
-            <a:r>
-              <a:rPr altLang="en-GB" sz="2800" lang="en-US">
-                <a:solidFill>
-                  <a:srgbClr val="000000"/>
-                </a:solidFill>
-              </a:rPr>
-              <a:t> </a:t>
-            </a:r>
-            <a:r>
-              <a:rPr altLang="en-GB" sz="2800" lang="en-US">
-                <a:solidFill>
-                  <a:srgbClr val="000000"/>
-                </a:solidFill>
-              </a:rPr>
-              <a:t> </a:t>
-            </a:r>
-            <a:r>
-              <a:rPr altLang="en-GB" sz="2800" lang="en-US">
-                <a:solidFill>
-                  <a:srgbClr val="000000"/>
-                </a:solidFill>
-              </a:rPr>
-              <a:t> </a:t>
-            </a:r>
-            <a:r>
-              <a:rPr altLang="en-GB" sz="2800" lang="en-US">
-                <a:solidFill>
-                  <a:srgbClr val="000000"/>
-                </a:solidFill>
-              </a:rPr>
-              <a:t> </a:t>
-            </a:r>
-            <a:r>
-              <a:rPr altLang="en-GB" sz="2800" lang="en-US">
-                <a:solidFill>
-                  <a:srgbClr val="000000"/>
-                </a:solidFill>
-              </a:rPr>
-              <a:t> </a:t>
-            </a:r>
-            <a:r>
-              <a:rPr altLang="en-GB" sz="2800" lang="en-US">
-                <a:solidFill>
-                  <a:srgbClr val="000000"/>
-                </a:solidFill>
-              </a:rPr>
-              <a:t> </a:t>
-            </a:r>
-            <a:r>
-              <a:rPr altLang="en-GB" sz="2800" lang="en-US">
-                <a:solidFill>
-                  <a:srgbClr val="000000"/>
-                </a:solidFill>
-              </a:rPr>
-              <a:t>V</a:t>
-            </a:r>
-            <a:r>
-              <a:rPr altLang="en-GB" sz="2800" lang="en-US">
-                <a:solidFill>
-                  <a:srgbClr val="000000"/>
-                </a:solidFill>
-              </a:rPr>
-              <a:t>i</a:t>
-            </a:r>
-            <a:r>
-              <a:rPr altLang="en-GB" sz="2800" lang="en-US">
-                <a:solidFill>
-                  <a:srgbClr val="000000"/>
-                </a:solidFill>
-              </a:rPr>
-              <a:t>r</a:t>
-            </a:r>
-            <a:r>
-              <a:rPr altLang="en-GB" sz="2800" lang="en-US">
-                <a:solidFill>
-                  <a:srgbClr val="000000"/>
-                </a:solidFill>
-              </a:rPr>
-              <a:t>t</a:t>
-            </a:r>
-            <a:r>
-              <a:rPr altLang="en-GB" sz="2800" lang="en-US">
-                <a:solidFill>
-                  <a:srgbClr val="000000"/>
-                </a:solidFill>
-              </a:rPr>
-              <a:t>ual </a:t>
-            </a:r>
-            <a:r>
-              <a:rPr altLang="en-GB" sz="2800" lang="en-US">
-                <a:solidFill>
-                  <a:srgbClr val="000000"/>
-                </a:solidFill>
-              </a:rPr>
-              <a:t>DOM</a:t>
-            </a:r>
-            <a:r>
-              <a:rPr altLang="en-GB" sz="2800" lang="en-US">
-                <a:solidFill>
-                  <a:srgbClr val="000000"/>
-                </a:solidFill>
-              </a:rPr>
-              <a:t>.</a:t>
-            </a:r>
-            <a:endParaRPr sz="2800" lang="en-GB">
-              <a:solidFill>
-                <a:srgbClr val="000000"/>
-              </a:solidFill>
-            </a:endParaRPr>
-          </a:p>
-          <a:p>
-            <a:r>
-              <a:rPr altLang="en-GB" sz="2800" lang="en-US">
-                <a:solidFill>
-                  <a:srgbClr val="000000"/>
-                </a:solidFill>
-              </a:rPr>
-              <a:t> </a:t>
-            </a:r>
-            <a:r>
-              <a:rPr altLang="en-GB" sz="2800" lang="en-US">
-                <a:solidFill>
-                  <a:srgbClr val="000000"/>
-                </a:solidFill>
-              </a:rPr>
-              <a:t> </a:t>
-            </a:r>
-            <a:r>
-              <a:rPr altLang="en-GB" sz="2800" lang="en-US">
-                <a:solidFill>
-                  <a:srgbClr val="000000"/>
-                </a:solidFill>
-              </a:rPr>
-              <a:t> </a:t>
-            </a:r>
-            <a:r>
-              <a:rPr altLang="en-GB" sz="2800" lang="en-US">
-                <a:solidFill>
-                  <a:srgbClr val="000000"/>
-                </a:solidFill>
-              </a:rPr>
-              <a:t> </a:t>
-            </a:r>
-            <a:r>
-              <a:rPr altLang="en-GB" sz="2800" lang="en-US">
-                <a:solidFill>
-                  <a:srgbClr val="000000"/>
-                </a:solidFill>
-              </a:rPr>
-              <a:t> </a:t>
-            </a:r>
-            <a:r>
-              <a:rPr altLang="en-GB" sz="2800" lang="en-US">
-                <a:solidFill>
-                  <a:srgbClr val="000000"/>
-                </a:solidFill>
-              </a:rPr>
-              <a:t> </a:t>
-            </a:r>
-            <a:r>
-              <a:rPr altLang="en-GB" sz="2800" lang="en-US">
-                <a:solidFill>
-                  <a:srgbClr val="000000"/>
-                </a:solidFill>
-              </a:rPr>
-              <a:t> </a:t>
-            </a:r>
-            <a:r>
-              <a:rPr altLang="en-GB" sz="2800" lang="en-US">
-                <a:solidFill>
-                  <a:srgbClr val="000000"/>
-                </a:solidFill>
-              </a:rPr>
-              <a:t> </a:t>
-            </a:r>
-            <a:r>
-              <a:rPr altLang="en-GB" sz="2800" lang="en-US">
-                <a:solidFill>
-                  <a:srgbClr val="000000"/>
-                </a:solidFill>
-              </a:rPr>
-              <a:t> </a:t>
-            </a:r>
-            <a:r>
-              <a:rPr altLang="en-GB" sz="2800" lang="en-US">
-                <a:solidFill>
-                  <a:srgbClr val="000000"/>
-                </a:solidFill>
-              </a:rPr>
-              <a:t> </a:t>
-            </a:r>
-            <a:r>
-              <a:rPr altLang="en-GB" sz="2800" lang="en-US">
-                <a:solidFill>
-                  <a:srgbClr val="000000"/>
-                </a:solidFill>
-              </a:rPr>
-              <a:t> </a:t>
-            </a:r>
-            <a:r>
-              <a:rPr altLang="en-GB" sz="2800" lang="en-US">
-                <a:solidFill>
-                  <a:srgbClr val="000000"/>
-                </a:solidFill>
-              </a:rPr>
-              <a:t>T</a:t>
-            </a:r>
-            <a:r>
-              <a:rPr altLang="en-GB" sz="2800" lang="en-US">
-                <a:solidFill>
-                  <a:srgbClr val="000000"/>
-                </a:solidFill>
-              </a:rPr>
-              <a:t>w</a:t>
-            </a:r>
-            <a:r>
-              <a:rPr altLang="en-GB" sz="2800" lang="en-US">
-                <a:solidFill>
-                  <a:srgbClr val="000000"/>
-                </a:solidFill>
-              </a:rPr>
-              <a:t>o</a:t>
-            </a:r>
-            <a:r>
-              <a:rPr altLang="en-GB" sz="2800" lang="en-US">
-                <a:solidFill>
-                  <a:srgbClr val="000000"/>
-                </a:solidFill>
-              </a:rPr>
-              <a:t> </a:t>
-            </a:r>
-            <a:r>
-              <a:rPr altLang="en-GB" sz="2800" lang="en-US">
-                <a:solidFill>
-                  <a:srgbClr val="000000"/>
-                </a:solidFill>
-              </a:rPr>
-              <a:t>way </a:t>
-            </a:r>
-            <a:r>
-              <a:rPr altLang="en-GB" sz="2800" lang="en-US">
-                <a:solidFill>
-                  <a:srgbClr val="000000"/>
-                </a:solidFill>
-              </a:rPr>
-              <a:t>d</a:t>
-            </a:r>
-            <a:r>
-              <a:rPr altLang="en-GB" sz="2800" lang="en-US">
-                <a:solidFill>
-                  <a:srgbClr val="000000"/>
-                </a:solidFill>
-              </a:rPr>
-              <a:t>a</a:t>
-            </a:r>
-            <a:r>
-              <a:rPr altLang="en-GB" sz="2800" lang="en-US">
-                <a:solidFill>
-                  <a:srgbClr val="000000"/>
-                </a:solidFill>
-              </a:rPr>
-              <a:t>t</a:t>
-            </a:r>
-            <a:r>
-              <a:rPr altLang="en-GB" sz="2800" lang="en-US">
-                <a:solidFill>
-                  <a:srgbClr val="000000"/>
-                </a:solidFill>
-              </a:rPr>
-              <a:t>a</a:t>
-            </a:r>
-            <a:r>
-              <a:rPr altLang="en-GB" sz="2800" lang="en-US">
-                <a:solidFill>
-                  <a:srgbClr val="000000"/>
-                </a:solidFill>
-              </a:rPr>
-              <a:t> </a:t>
-            </a:r>
-            <a:r>
-              <a:rPr altLang="en-GB" sz="2800" lang="en-US">
-                <a:solidFill>
-                  <a:srgbClr val="000000"/>
-                </a:solidFill>
-              </a:rPr>
-              <a:t>b</a:t>
-            </a:r>
-            <a:r>
-              <a:rPr altLang="en-GB" sz="2800" lang="en-US">
-                <a:solidFill>
-                  <a:srgbClr val="000000"/>
-                </a:solidFill>
-              </a:rPr>
-              <a:t>i</a:t>
-            </a:r>
-            <a:r>
-              <a:rPr altLang="en-GB" sz="2800" lang="en-US">
-                <a:solidFill>
-                  <a:srgbClr val="000000"/>
-                </a:solidFill>
-              </a:rPr>
-              <a:t>n</a:t>
-            </a:r>
-            <a:r>
-              <a:rPr altLang="en-GB" sz="2800" lang="en-US">
-                <a:solidFill>
-                  <a:srgbClr val="000000"/>
-                </a:solidFill>
-              </a:rPr>
-              <a:t>d</a:t>
-            </a:r>
-            <a:r>
-              <a:rPr altLang="en-GB" sz="2800" lang="en-US">
-                <a:solidFill>
-                  <a:srgbClr val="000000"/>
-                </a:solidFill>
-              </a:rPr>
-              <a:t>ing</a:t>
-            </a:r>
-            <a:r>
-              <a:rPr altLang="en-GB" sz="2800" lang="en-US">
-                <a:solidFill>
-                  <a:srgbClr val="000000"/>
-                </a:solidFill>
-              </a:rPr>
-              <a:t>.</a:t>
-            </a:r>
-            <a:endParaRPr sz="2800" lang="en-GB">
-              <a:solidFill>
-                <a:srgbClr val="000000"/>
-              </a:solidFill>
-            </a:endParaRPr>
           </a:p>
         </p:txBody>
       </p:sp>
@@ -9884,7 +7146,7 @@
       </p:grpSpPr>
       <p:sp>
         <p:nvSpPr>
-          <p:cNvPr id="1048617" name="object 5"/>
+          <p:cNvPr id="1048613" name="object 5"/>
           <p:cNvSpPr/>
           <p:nvPr/>
         </p:nvSpPr>
@@ -9929,7 +7191,7 @@
       </p:sp>
       <p:pic>
         <p:nvPicPr>
-          <p:cNvPr id="2097155" name="object 6"/>
+          <p:cNvPr id="2097154" name="object 6"/>
           <p:cNvPicPr>
             <a:picLocks/>
           </p:cNvPicPr>
@@ -9951,7 +7213,7 @@
       </p:pic>
       <p:sp>
         <p:nvSpPr>
-          <p:cNvPr id="1048618" name="object 9"/>
+          <p:cNvPr id="1048614" name="object 9"/>
           <p:cNvSpPr txBox="1"/>
           <p:nvPr/>
         </p:nvSpPr>
@@ -9994,7 +7256,7 @@
       </p:sp>
       <p:sp>
         <p:nvSpPr>
-          <p:cNvPr id="1048619" name="object 8"/>
+          <p:cNvPr id="1048615" name="object 8"/>
           <p:cNvSpPr txBox="1"/>
           <p:nvPr/>
         </p:nvSpPr>
@@ -10034,7 +7296,7 @@
       </p:sp>
       <p:sp>
         <p:nvSpPr>
-          <p:cNvPr id="1048620" name="object 3"/>
+          <p:cNvPr id="1048616" name="object 3"/>
           <p:cNvSpPr/>
           <p:nvPr/>
         </p:nvSpPr>
@@ -10075,366 +7337,6 @@
         <p:txBody>
           <a:bodyPr bIns="0" lIns="0" rIns="0" rtlCol="0" tIns="0" wrap="square"/>
           <a:p/>
-        </p:txBody>
-      </p:sp>
-      <p:sp>
-        <p:nvSpPr>
-          <p:cNvPr id="1048621" name=""/>
-          <p:cNvSpPr txBox="1"/>
-          <p:nvPr/>
-        </p:nvSpPr>
-        <p:spPr>
-          <a:xfrm>
-            <a:off x="339007" y="1207135"/>
-            <a:ext cx="11513985" cy="5260340"/>
-          </a:xfrm>
-          <a:prstGeom prst="rect"/>
-        </p:spPr>
-        <p:txBody>
-          <a:bodyPr rtlCol="0" wrap="square">
-            <a:spAutoFit/>
-          </a:bodyPr>
-          <a:p>
-            <a:r>
-              <a:rPr altLang="en-GB" sz="2800" lang="en-US">
-                <a:solidFill>
-                  <a:srgbClr val="0000FF"/>
-                </a:solidFill>
-              </a:rPr>
-              <a:t>1</a:t>
-            </a:r>
-            <a:r>
-              <a:rPr altLang="en-GB" sz="2800" lang="en-US">
-                <a:solidFill>
-                  <a:srgbClr val="0000FF"/>
-                </a:solidFill>
-              </a:rPr>
-              <a:t>.</a:t>
-            </a:r>
-            <a:r>
-              <a:rPr altLang="en-GB" sz="2800" lang="en-US">
-                <a:solidFill>
-                  <a:srgbClr val="0000FF"/>
-                </a:solidFill>
-              </a:rPr>
-              <a:t>H</a:t>
-            </a:r>
-            <a:r>
-              <a:rPr altLang="en-GB" sz="2800" lang="en-US">
-                <a:solidFill>
-                  <a:srgbClr val="0000FF"/>
-                </a:solidFill>
-              </a:rPr>
-              <a:t>o</a:t>
-            </a:r>
-            <a:r>
-              <a:rPr altLang="en-GB" sz="2800" lang="en-US">
-                <a:solidFill>
-                  <a:srgbClr val="0000FF"/>
-                </a:solidFill>
-              </a:rPr>
-              <a:t>m</a:t>
-            </a:r>
-            <a:r>
-              <a:rPr altLang="en-GB" sz="2800" lang="en-US">
-                <a:solidFill>
-                  <a:srgbClr val="0000FF"/>
-                </a:solidFill>
-              </a:rPr>
-              <a:t>e</a:t>
-            </a:r>
-            <a:r>
-              <a:rPr altLang="en-GB" sz="2800" lang="en-US">
-                <a:solidFill>
-                  <a:srgbClr val="0000FF"/>
-                </a:solidFill>
-              </a:rPr>
-              <a:t>/</a:t>
-            </a:r>
-            <a:r>
-              <a:rPr altLang="en-GB" sz="2800" lang="en-US">
-                <a:solidFill>
-                  <a:srgbClr val="0000FF"/>
-                </a:solidFill>
-              </a:rPr>
-              <a:t>I</a:t>
-            </a:r>
-            <a:r>
-              <a:rPr altLang="en-GB" sz="2800" lang="en-US">
-                <a:solidFill>
-                  <a:srgbClr val="0000FF"/>
-                </a:solidFill>
-              </a:rPr>
-              <a:t>n</a:t>
-            </a:r>
-            <a:r>
-              <a:rPr altLang="en-GB" sz="2800" lang="en-US">
-                <a:solidFill>
-                  <a:srgbClr val="0000FF"/>
-                </a:solidFill>
-              </a:rPr>
-              <a:t>t</a:t>
-            </a:r>
-            <a:r>
-              <a:rPr altLang="en-GB" sz="2800" lang="en-US">
-                <a:solidFill>
-                  <a:srgbClr val="0000FF"/>
-                </a:solidFill>
-              </a:rPr>
-              <a:t>r</a:t>
-            </a:r>
-            <a:r>
-              <a:rPr altLang="en-GB" sz="2800" lang="en-US">
-                <a:solidFill>
-                  <a:srgbClr val="0000FF"/>
-                </a:solidFill>
-              </a:rPr>
-              <a:t>oduction </a:t>
-            </a:r>
-            <a:r>
-              <a:rPr sz="2800" lang="en-GB">
-                <a:solidFill>
-                  <a:srgbClr val="000000"/>
-                </a:solidFill>
-              </a:rPr>
-              <a:t>
-Brief intro with animated typing effect (using React or Vue).  
-Showcase key skills with smooth fade-ins or slides</a:t>
-            </a:r>
-            <a:endParaRPr sz="2800" lang="en-GB">
-              <a:solidFill>
-                <a:srgbClr val="000000"/>
-              </a:solidFill>
-            </a:endParaRPr>
-          </a:p>
-          <a:p>
-            <a:r>
-              <a:rPr altLang="en-GB" sz="2800" lang="en-US">
-                <a:solidFill>
-                  <a:srgbClr val="0000FF"/>
-                </a:solidFill>
-              </a:rPr>
-              <a:t>2</a:t>
-            </a:r>
-            <a:r>
-              <a:rPr altLang="en-GB" sz="2800" lang="en-US">
-                <a:solidFill>
-                  <a:srgbClr val="0000FF"/>
-                </a:solidFill>
-              </a:rPr>
-              <a:t>.</a:t>
-            </a:r>
-            <a:r>
-              <a:rPr altLang="en-GB" sz="2800" lang="en-US">
-                <a:solidFill>
-                  <a:srgbClr val="0000FF"/>
-                </a:solidFill>
-              </a:rPr>
-              <a:t>A</a:t>
-            </a:r>
-            <a:r>
-              <a:rPr altLang="en-GB" sz="2800" lang="en-US">
-                <a:solidFill>
-                  <a:srgbClr val="0000FF"/>
-                </a:solidFill>
-              </a:rPr>
-              <a:t>b</a:t>
-            </a:r>
-            <a:r>
-              <a:rPr altLang="en-GB" sz="2800" lang="en-US">
-                <a:solidFill>
-                  <a:srgbClr val="0000FF"/>
-                </a:solidFill>
-              </a:rPr>
-              <a:t>o</a:t>
-            </a:r>
-            <a:r>
-              <a:rPr altLang="en-GB" sz="2800" lang="en-US">
-                <a:solidFill>
-                  <a:srgbClr val="0000FF"/>
-                </a:solidFill>
-              </a:rPr>
-              <a:t>u</a:t>
-            </a:r>
-            <a:r>
-              <a:rPr altLang="en-GB" sz="2800" lang="en-US">
-                <a:solidFill>
-                  <a:srgbClr val="0000FF"/>
-                </a:solidFill>
-              </a:rPr>
-              <a:t>t</a:t>
-            </a:r>
-            <a:r>
-              <a:rPr altLang="en-GB" sz="2800" lang="en-US">
-                <a:solidFill>
-                  <a:srgbClr val="0000FF"/>
-                </a:solidFill>
-              </a:rPr>
-              <a:t> </a:t>
-            </a:r>
-            <a:r>
-              <a:rPr altLang="en-GB" sz="2800" lang="en-US">
-                <a:solidFill>
-                  <a:srgbClr val="0000FF"/>
-                </a:solidFill>
-              </a:rPr>
-              <a:t>m</a:t>
-            </a:r>
-            <a:r>
-              <a:rPr altLang="en-GB" sz="2800" lang="en-US">
-                <a:solidFill>
-                  <a:srgbClr val="0000FF"/>
-                </a:solidFill>
-              </a:rPr>
-              <a:t>e</a:t>
-            </a:r>
-            <a:r>
-              <a:rPr sz="2800" lang="en-GB">
-                <a:solidFill>
-                  <a:srgbClr val="000000"/>
-                </a:solidFill>
-              </a:rPr>
-              <a:t>
-Interactive timeline or card layout with hover animations.  
-Use transitions for profile picture and skill badges.
-</a:t>
-            </a:r>
-            <a:r>
-              <a:rPr altLang="en-GB" sz="2800" lang="en-US">
-                <a:solidFill>
-                  <a:srgbClr val="0000FF"/>
-                </a:solidFill>
-              </a:rPr>
-              <a:t>3</a:t>
-            </a:r>
-            <a:r>
-              <a:rPr altLang="en-GB" sz="2800" lang="en-US">
-                <a:solidFill>
-                  <a:srgbClr val="0000FF"/>
-                </a:solidFill>
-              </a:rPr>
-              <a:t>.</a:t>
-            </a:r>
-            <a:r>
-              <a:rPr altLang="en-GB" sz="2800" lang="en-US">
-                <a:solidFill>
-                  <a:srgbClr val="0000FF"/>
-                </a:solidFill>
-              </a:rPr>
-              <a:t>P</a:t>
-            </a:r>
-            <a:r>
-              <a:rPr altLang="en-GB" sz="2800" lang="en-US">
-                <a:solidFill>
-                  <a:srgbClr val="0000FF"/>
-                </a:solidFill>
-              </a:rPr>
-              <a:t>r</a:t>
-            </a:r>
-            <a:r>
-              <a:rPr altLang="en-GB" sz="2800" lang="en-US">
-                <a:solidFill>
-                  <a:srgbClr val="0000FF"/>
-                </a:solidFill>
-              </a:rPr>
-              <a:t>o</a:t>
-            </a:r>
-            <a:r>
-              <a:rPr altLang="en-GB" sz="2800" lang="en-US">
-                <a:solidFill>
-                  <a:srgbClr val="0000FF"/>
-                </a:solidFill>
-              </a:rPr>
-              <a:t>j</a:t>
-            </a:r>
-            <a:r>
-              <a:rPr altLang="en-GB" sz="2800" lang="en-US">
-                <a:solidFill>
-                  <a:srgbClr val="0000FF"/>
-                </a:solidFill>
-              </a:rPr>
-              <a:t>e</a:t>
-            </a:r>
-            <a:r>
-              <a:rPr altLang="en-GB" sz="2800" lang="en-US">
-                <a:solidFill>
-                  <a:srgbClr val="0000FF"/>
-                </a:solidFill>
-              </a:rPr>
-              <a:t>c</a:t>
-            </a:r>
-            <a:r>
-              <a:rPr altLang="en-GB" sz="2800" lang="en-US">
-                <a:solidFill>
-                  <a:srgbClr val="0000FF"/>
-                </a:solidFill>
-              </a:rPr>
-              <a:t>t</a:t>
-            </a:r>
-            <a:r>
-              <a:rPr altLang="en-GB" sz="2800" lang="en-US">
-                <a:solidFill>
-                  <a:srgbClr val="0000FF"/>
-                </a:solidFill>
-              </a:rPr>
-              <a:t> </a:t>
-            </a:r>
-            <a:r>
-              <a:rPr altLang="en-GB" sz="2800" lang="en-US">
-                <a:solidFill>
-                  <a:srgbClr val="0000FF"/>
-                </a:solidFill>
-              </a:rPr>
-              <a:t>s</a:t>
-            </a:r>
-            <a:r>
-              <a:rPr altLang="en-GB" sz="2800" lang="en-US">
-                <a:solidFill>
-                  <a:srgbClr val="0000FF"/>
-                </a:solidFill>
-              </a:rPr>
-              <a:t>e</a:t>
-            </a:r>
-            <a:r>
-              <a:rPr altLang="en-GB" sz="2800" lang="en-US">
-                <a:solidFill>
-                  <a:srgbClr val="0000FF"/>
-                </a:solidFill>
-              </a:rPr>
-              <a:t>c</a:t>
-            </a:r>
-            <a:r>
-              <a:rPr altLang="en-GB" sz="2800" lang="en-US">
-                <a:solidFill>
-                  <a:srgbClr val="0000FF"/>
-                </a:solidFill>
-              </a:rPr>
-              <a:t>t</a:t>
-            </a:r>
-            <a:r>
-              <a:rPr altLang="en-GB" sz="2800" lang="en-US">
-                <a:solidFill>
-                  <a:srgbClr val="0000FF"/>
-                </a:solidFill>
-              </a:rPr>
-              <a:t>ion </a:t>
-            </a:r>
-            <a:r>
-              <a:rPr sz="2800" lang="en-GB">
-                <a:solidFill>
-                  <a:srgbClr val="000000"/>
-                </a:solidFill>
-              </a:rPr>
-              <a:t>
-Grid or carousel of projects built with different frameworks (React, Angular, Vue).  
-Each project card includes animated hover effects and modal pop-ups with details.</a:t>
-            </a:r>
-            <a:endParaRPr sz="2800" lang="en-GB">
-              <a:solidFill>
-                <a:srgbClr val="000000"/>
-              </a:solidFill>
-            </a:endParaRPr>
-          </a:p>
         </p:txBody>
       </p:sp>
     </p:spTree>
@@ -10464,7 +7366,7 @@
       </p:grpSpPr>
       <p:sp>
         <p:nvSpPr>
-          <p:cNvPr id="1048608" name="Title 1"/>
+          <p:cNvPr id="1048607" name="Title 1"/>
           <p:cNvSpPr>
             <a:spLocks noGrp="1"/>
           </p:cNvSpPr>
@@ -10485,1739 +7387,6 @@
               <a:rPr dirty="0" lang="en-IN"/>
               <a:t>FEATURES AND FUNCTIONALITY</a:t>
             </a:r>
-          </a:p>
-        </p:txBody>
-      </p:sp>
-      <p:sp>
-        <p:nvSpPr>
-          <p:cNvPr id="1048609" name=""/>
-          <p:cNvSpPr txBox="1"/>
-          <p:nvPr/>
-        </p:nvSpPr>
-        <p:spPr>
-          <a:xfrm>
-            <a:off x="381164" y="1531778"/>
-            <a:ext cx="9500916" cy="1031240"/>
-          </a:xfrm>
-          <a:prstGeom prst="rect"/>
-        </p:spPr>
-        <p:txBody>
-          <a:bodyPr rtlCol="0" wrap="square">
-            <a:spAutoFit/>
-          </a:bodyPr>
-          <a:p>
-            <a:r>
-              <a:rPr altLang="en-GB" sz="2800" lang="en-US">
-                <a:solidFill>
-                  <a:srgbClr val="0000FF"/>
-                </a:solidFill>
-              </a:rPr>
-              <a:t>C</a:t>
-            </a:r>
-            <a:r>
-              <a:rPr altLang="en-GB" sz="2800" lang="en-US">
-                <a:solidFill>
-                  <a:srgbClr val="0000FF"/>
-                </a:solidFill>
-              </a:rPr>
-              <a:t>o</a:t>
-            </a:r>
-            <a:r>
-              <a:rPr altLang="en-GB" sz="2800" lang="en-US">
-                <a:solidFill>
-                  <a:srgbClr val="0000FF"/>
-                </a:solidFill>
-              </a:rPr>
-              <a:t>m</a:t>
-            </a:r>
-            <a:r>
-              <a:rPr altLang="en-GB" sz="2800" lang="en-US">
-                <a:solidFill>
-                  <a:srgbClr val="0000FF"/>
-                </a:solidFill>
-              </a:rPr>
-              <a:t>p</a:t>
-            </a:r>
-            <a:r>
-              <a:rPr altLang="en-GB" sz="2800" lang="en-US">
-                <a:solidFill>
-                  <a:srgbClr val="0000FF"/>
-                </a:solidFill>
-              </a:rPr>
-              <a:t>o</a:t>
-            </a:r>
-            <a:r>
-              <a:rPr altLang="en-GB" sz="2800" lang="en-US">
-                <a:solidFill>
-                  <a:srgbClr val="0000FF"/>
-                </a:solidFill>
-              </a:rPr>
-              <a:t>n</a:t>
-            </a:r>
-            <a:r>
-              <a:rPr altLang="en-GB" sz="2800" lang="en-US">
-                <a:solidFill>
-                  <a:srgbClr val="0000FF"/>
-                </a:solidFill>
-              </a:rPr>
-              <a:t>ent</a:t>
-            </a:r>
-            <a:r>
-              <a:rPr altLang="en-GB" sz="2800" lang="en-US">
-                <a:solidFill>
-                  <a:srgbClr val="0000FF"/>
-                </a:solidFill>
-              </a:rPr>
-              <a:t> b</a:t>
-            </a:r>
-            <a:r>
-              <a:rPr altLang="en-GB" sz="2800" lang="en-US">
-                <a:solidFill>
-                  <a:srgbClr val="0000FF"/>
-                </a:solidFill>
-              </a:rPr>
-              <a:t>a</a:t>
-            </a:r>
-            <a:r>
-              <a:rPr altLang="en-GB" sz="2800" lang="en-US">
-                <a:solidFill>
-                  <a:srgbClr val="0000FF"/>
-                </a:solidFill>
-              </a:rPr>
-              <a:t>s</a:t>
-            </a:r>
-            <a:r>
-              <a:rPr altLang="en-GB" sz="2800" lang="en-US">
-                <a:solidFill>
-                  <a:srgbClr val="0000FF"/>
-                </a:solidFill>
-              </a:rPr>
-              <a:t>e</a:t>
-            </a:r>
-            <a:r>
-              <a:rPr altLang="en-GB" sz="2800" lang="en-US">
-                <a:solidFill>
-                  <a:srgbClr val="0000FF"/>
-                </a:solidFill>
-              </a:rPr>
-              <a:t>d</a:t>
-            </a:r>
-            <a:r>
-              <a:rPr altLang="en-GB" sz="2800" lang="en-US">
-                <a:solidFill>
-                  <a:srgbClr val="0000FF"/>
-                </a:solidFill>
-              </a:rPr>
-              <a:t>:</a:t>
-            </a:r>
-            <a:r>
-              <a:rPr sz="2800" lang="en-GB">
-                <a:solidFill>
-                  <a:srgbClr val="000000"/>
-                </a:solidFill>
-              </a:rPr>
-              <a:t>
- </a:t>
-            </a:r>
-            <a:r>
-              <a:rPr altLang="en-GB" sz="2800" lang="en-US">
-                <a:solidFill>
-                  <a:srgbClr val="000000"/>
-                </a:solidFill>
-              </a:rPr>
-              <a:t> </a:t>
-            </a:r>
-            <a:r>
-              <a:rPr altLang="en-GB" sz="2800" lang="en-US">
-                <a:solidFill>
-                  <a:srgbClr val="000000"/>
-                </a:solidFill>
-              </a:rPr>
-              <a:t> </a:t>
-            </a:r>
-            <a:r>
-              <a:rPr altLang="en-GB" sz="2800" lang="en-US">
-                <a:solidFill>
-                  <a:srgbClr val="000000"/>
-                </a:solidFill>
-              </a:rPr>
-              <a:t> </a:t>
-            </a:r>
-            <a:r>
-              <a:rPr altLang="en-GB" sz="2800" lang="en-US">
-                <a:solidFill>
-                  <a:srgbClr val="000000"/>
-                </a:solidFill>
-              </a:rPr>
-              <a:t> </a:t>
-            </a:r>
-            <a:r>
-              <a:rPr altLang="en-GB" sz="2800" lang="en-US">
-                <a:solidFill>
-                  <a:srgbClr val="000000"/>
-                </a:solidFill>
-              </a:rPr>
-              <a:t> </a:t>
-            </a:r>
-            <a:r>
-              <a:rPr altLang="en-GB" sz="2800" lang="en-US">
-                <a:solidFill>
-                  <a:srgbClr val="000000"/>
-                </a:solidFill>
-              </a:rPr>
-              <a:t> </a:t>
-            </a:r>
-            <a:r>
-              <a:rPr altLang="en-GB" sz="2800" lang="en-US">
-                <a:solidFill>
-                  <a:srgbClr val="000000"/>
-                </a:solidFill>
-              </a:rPr>
-              <a:t> </a:t>
-            </a:r>
-            <a:r>
-              <a:rPr altLang="en-GB" sz="2800" lang="en-US">
-                <a:solidFill>
-                  <a:srgbClr val="000000"/>
-                </a:solidFill>
-              </a:rPr>
-              <a:t> </a:t>
-            </a:r>
-            <a:r>
-              <a:rPr altLang="en-GB" sz="2800" lang="en-US">
-                <a:solidFill>
-                  <a:srgbClr val="000000"/>
-                </a:solidFill>
-              </a:rPr>
-              <a:t> </a:t>
-            </a:r>
-            <a:r>
-              <a:rPr altLang="en-GB" sz="2800" lang="en-US">
-                <a:solidFill>
-                  <a:srgbClr val="000000"/>
-                </a:solidFill>
-              </a:rPr>
-              <a:t> </a:t>
-            </a:r>
-            <a:r>
-              <a:rPr altLang="en-GB" sz="2800" lang="en-US">
-                <a:solidFill>
-                  <a:srgbClr val="000000"/>
-                </a:solidFill>
-              </a:rPr>
-              <a:t>b</a:t>
-            </a:r>
-            <a:r>
-              <a:rPr altLang="en-GB" sz="2800" lang="en-US">
-                <a:solidFill>
-                  <a:srgbClr val="000000"/>
-                </a:solidFill>
-              </a:rPr>
-              <a:t>r</a:t>
-            </a:r>
-            <a:r>
-              <a:rPr altLang="en-GB" sz="2800" lang="en-US">
-                <a:solidFill>
-                  <a:srgbClr val="000000"/>
-                </a:solidFill>
-              </a:rPr>
-              <a:t>e</a:t>
-            </a:r>
-            <a:r>
-              <a:rPr altLang="en-GB" sz="2800" lang="en-US">
-                <a:solidFill>
-                  <a:srgbClr val="000000"/>
-                </a:solidFill>
-              </a:rPr>
-              <a:t>a</a:t>
-            </a:r>
-            <a:r>
-              <a:rPr sz="2800" lang="en-GB">
-                <a:solidFill>
-                  <a:srgbClr val="000000"/>
-                </a:solidFill>
-              </a:rPr>
-              <a:t>ks UI into reusable, self-contained components.</a:t>
-            </a:r>
-            <a:endParaRPr sz="2800" lang="en-GB">
-              <a:solidFill>
-                <a:srgbClr val="000000"/>
-              </a:solidFill>
-            </a:endParaRPr>
-          </a:p>
-        </p:txBody>
-      </p:sp>
-      <p:sp>
-        <p:nvSpPr>
-          <p:cNvPr id="1048610" name=""/>
-          <p:cNvSpPr txBox="1"/>
-          <p:nvPr/>
-        </p:nvSpPr>
-        <p:spPr>
-          <a:xfrm>
-            <a:off x="381164" y="2909253"/>
-            <a:ext cx="9094759" cy="1501140"/>
-          </a:xfrm>
-          <a:prstGeom prst="rect"/>
-        </p:spPr>
-        <p:txBody>
-          <a:bodyPr rtlCol="0" wrap="square">
-            <a:spAutoFit/>
-          </a:bodyPr>
-          <a:p>
-            <a:r>
-              <a:rPr altLang="en-GB" sz="2800" lang="en-US">
-                <a:solidFill>
-                  <a:srgbClr val="0000FF"/>
-                </a:solidFill>
-              </a:rPr>
-              <a:t>D</a:t>
-            </a:r>
-            <a:r>
-              <a:rPr altLang="en-GB" sz="2800" lang="en-US">
-                <a:solidFill>
-                  <a:srgbClr val="0000FF"/>
-                </a:solidFill>
-              </a:rPr>
-              <a:t>e</a:t>
-            </a:r>
-            <a:r>
-              <a:rPr altLang="en-GB" sz="2800" lang="en-US">
-                <a:solidFill>
-                  <a:srgbClr val="0000FF"/>
-                </a:solidFill>
-              </a:rPr>
-              <a:t>c</a:t>
-            </a:r>
-            <a:r>
-              <a:rPr altLang="en-GB" sz="2800" lang="en-US">
-                <a:solidFill>
-                  <a:srgbClr val="0000FF"/>
-                </a:solidFill>
-              </a:rPr>
-              <a:t>l</a:t>
-            </a:r>
-            <a:r>
-              <a:rPr altLang="en-GB" sz="2800" lang="en-US">
-                <a:solidFill>
-                  <a:srgbClr val="0000FF"/>
-                </a:solidFill>
-              </a:rPr>
-              <a:t>a</a:t>
-            </a:r>
-            <a:r>
-              <a:rPr altLang="en-GB" sz="2800" lang="en-US">
-                <a:solidFill>
-                  <a:srgbClr val="0000FF"/>
-                </a:solidFill>
-              </a:rPr>
-              <a:t>r</a:t>
-            </a:r>
-            <a:r>
-              <a:rPr altLang="en-GB" sz="2800" lang="en-US">
-                <a:solidFill>
-                  <a:srgbClr val="0000FF"/>
-                </a:solidFill>
-              </a:rPr>
-              <a:t>a</a:t>
-            </a:r>
-            <a:r>
-              <a:rPr altLang="en-GB" sz="2800" lang="en-US">
-                <a:solidFill>
-                  <a:srgbClr val="0000FF"/>
-                </a:solidFill>
-              </a:rPr>
-              <a:t>t</a:t>
-            </a:r>
-            <a:r>
-              <a:rPr altLang="en-GB" sz="2800" lang="en-US">
-                <a:solidFill>
-                  <a:srgbClr val="0000FF"/>
-                </a:solidFill>
-              </a:rPr>
-              <a:t>i</a:t>
-            </a:r>
-            <a:r>
-              <a:rPr altLang="en-GB" sz="2800" lang="en-US">
-                <a:solidFill>
-                  <a:srgbClr val="0000FF"/>
-                </a:solidFill>
-              </a:rPr>
-              <a:t>v</a:t>
-            </a:r>
-            <a:r>
-              <a:rPr altLang="en-GB" sz="2800" lang="en-US">
-                <a:solidFill>
-                  <a:srgbClr val="0000FF"/>
-                </a:solidFill>
-              </a:rPr>
-              <a:t>e</a:t>
-            </a:r>
-            <a:r>
-              <a:rPr altLang="en-GB" sz="2800" lang="en-US">
-                <a:solidFill>
-                  <a:srgbClr val="0000FF"/>
-                </a:solidFill>
-              </a:rPr>
-              <a:t> </a:t>
-            </a:r>
-            <a:r>
-              <a:rPr altLang="en-GB" sz="2800" lang="en-US">
-                <a:solidFill>
-                  <a:srgbClr val="0000FF"/>
-                </a:solidFill>
-              </a:rPr>
-              <a:t>p</a:t>
-            </a:r>
-            <a:r>
-              <a:rPr altLang="en-GB" sz="2800" lang="en-US">
-                <a:solidFill>
-                  <a:srgbClr val="0000FF"/>
-                </a:solidFill>
-              </a:rPr>
-              <a:t>r</a:t>
-            </a:r>
-            <a:r>
-              <a:rPr altLang="en-GB" sz="2800" lang="en-US">
-                <a:solidFill>
-                  <a:srgbClr val="0000FF"/>
-                </a:solidFill>
-              </a:rPr>
-              <a:t>o</a:t>
-            </a:r>
-            <a:r>
-              <a:rPr altLang="en-GB" sz="2800" lang="en-US">
-                <a:solidFill>
-                  <a:srgbClr val="0000FF"/>
-                </a:solidFill>
-              </a:rPr>
-              <a:t>g</a:t>
-            </a:r>
-            <a:r>
-              <a:rPr altLang="en-GB" sz="2800" lang="en-US">
-                <a:solidFill>
-                  <a:srgbClr val="0000FF"/>
-                </a:solidFill>
-              </a:rPr>
-              <a:t>r</a:t>
-            </a:r>
-            <a:r>
-              <a:rPr altLang="en-GB" sz="2800" lang="en-US">
-                <a:solidFill>
-                  <a:srgbClr val="0000FF"/>
-                </a:solidFill>
-              </a:rPr>
-              <a:t>a</a:t>
-            </a:r>
-            <a:r>
-              <a:rPr altLang="en-GB" sz="2800" lang="en-US">
-                <a:solidFill>
-                  <a:srgbClr val="0000FF"/>
-                </a:solidFill>
-              </a:rPr>
-              <a:t>m</a:t>
-            </a:r>
-            <a:r>
-              <a:rPr altLang="en-GB" sz="2800" lang="en-US">
-                <a:solidFill>
-                  <a:srgbClr val="0000FF"/>
-                </a:solidFill>
-              </a:rPr>
-              <a:t>m</a:t>
-            </a:r>
-            <a:r>
-              <a:rPr altLang="en-GB" sz="2800" lang="en-US">
-                <a:solidFill>
-                  <a:srgbClr val="0000FF"/>
-                </a:solidFill>
-              </a:rPr>
-              <a:t>i</a:t>
-            </a:r>
-            <a:r>
-              <a:rPr altLang="en-GB" sz="2800" lang="en-US">
-                <a:solidFill>
-                  <a:srgbClr val="0000FF"/>
-                </a:solidFill>
-              </a:rPr>
-              <a:t>ng</a:t>
-            </a:r>
-            <a:r>
-              <a:rPr altLang="en-GB" sz="2800" lang="en-US">
-                <a:solidFill>
-                  <a:srgbClr val="0000FF"/>
-                </a:solidFill>
-              </a:rPr>
-              <a:t>:</a:t>
-            </a:r>
-            <a:endParaRPr sz="2800" lang="en-GB">
-              <a:solidFill>
-                <a:srgbClr val="000000"/>
-              </a:solidFill>
-            </a:endParaRPr>
-          </a:p>
-          <a:p>
-            <a:r>
-              <a:rPr altLang="en-GB" sz="2800" lang="en-US">
-                <a:solidFill>
-                  <a:srgbClr val="000000"/>
-                </a:solidFill>
-              </a:rPr>
-              <a:t> </a:t>
-            </a:r>
-            <a:r>
-              <a:rPr altLang="en-GB" sz="2800" lang="en-US">
-                <a:solidFill>
-                  <a:srgbClr val="000000"/>
-                </a:solidFill>
-              </a:rPr>
-              <a:t> </a:t>
-            </a:r>
-            <a:r>
-              <a:rPr altLang="en-GB" sz="2800" lang="en-US">
-                <a:solidFill>
-                  <a:srgbClr val="000000"/>
-                </a:solidFill>
-              </a:rPr>
-              <a:t> </a:t>
-            </a:r>
-            <a:r>
-              <a:rPr altLang="en-GB" sz="2800" lang="en-US">
-                <a:solidFill>
-                  <a:srgbClr val="000000"/>
-                </a:solidFill>
-              </a:rPr>
-              <a:t> </a:t>
-            </a:r>
-            <a:r>
-              <a:rPr altLang="en-GB" sz="2800" lang="en-US">
-                <a:solidFill>
-                  <a:srgbClr val="000000"/>
-                </a:solidFill>
-              </a:rPr>
-              <a:t> </a:t>
-            </a:r>
-            <a:r>
-              <a:rPr altLang="en-GB" sz="2800" lang="en-US">
-                <a:solidFill>
-                  <a:srgbClr val="000000"/>
-                </a:solidFill>
-              </a:rPr>
-              <a:t> </a:t>
-            </a:r>
-            <a:r>
-              <a:rPr altLang="en-GB" sz="2800" lang="en-US">
-                <a:solidFill>
-                  <a:srgbClr val="000000"/>
-                </a:solidFill>
-              </a:rPr>
-              <a:t> </a:t>
-            </a:r>
-            <a:r>
-              <a:rPr altLang="en-GB" sz="2800" lang="en-US">
-                <a:solidFill>
-                  <a:srgbClr val="000000"/>
-                </a:solidFill>
-              </a:rPr>
-              <a:t> </a:t>
-            </a:r>
-            <a:r>
-              <a:rPr altLang="en-GB" sz="2800" lang="en-US">
-                <a:solidFill>
-                  <a:srgbClr val="000000"/>
-                </a:solidFill>
-              </a:rPr>
-              <a:t> </a:t>
-            </a:r>
-            <a:r>
-              <a:rPr altLang="en-GB" sz="2800" lang="en-US">
-                <a:solidFill>
-                  <a:srgbClr val="000000"/>
-                </a:solidFill>
-              </a:rPr>
-              <a:t> </a:t>
-            </a:r>
-            <a:r>
-              <a:rPr altLang="en-GB" sz="2800" lang="en-US">
-                <a:solidFill>
-                  <a:srgbClr val="000000"/>
-                </a:solidFill>
-              </a:rPr>
-              <a:t>A</a:t>
-            </a:r>
-            <a:r>
-              <a:rPr altLang="en-GB" sz="2800" lang="en-US">
-                <a:solidFill>
-                  <a:srgbClr val="000000"/>
-                </a:solidFill>
-              </a:rPr>
-              <a:t>l</a:t>
-            </a:r>
-            <a:r>
-              <a:rPr altLang="en-GB" sz="2800" lang="en-US">
-                <a:solidFill>
-                  <a:srgbClr val="000000"/>
-                </a:solidFill>
-              </a:rPr>
-              <a:t>l</a:t>
-            </a:r>
-            <a:r>
-              <a:rPr altLang="en-GB" sz="2800" lang="en-US">
-                <a:solidFill>
-                  <a:srgbClr val="000000"/>
-                </a:solidFill>
-              </a:rPr>
-              <a:t>o</a:t>
-            </a:r>
-            <a:r>
-              <a:rPr altLang="en-GB" sz="2800" lang="en-US">
-                <a:solidFill>
-                  <a:srgbClr val="000000"/>
-                </a:solidFill>
-              </a:rPr>
-              <a:t>w </a:t>
-            </a:r>
-            <a:r>
-              <a:rPr altLang="en-GB" sz="2800" lang="en-US">
-                <a:solidFill>
-                  <a:srgbClr val="000000"/>
-                </a:solidFill>
-              </a:rPr>
-              <a:t>d</a:t>
-            </a:r>
-            <a:r>
-              <a:rPr altLang="en-GB" sz="2800" lang="en-US">
-                <a:solidFill>
-                  <a:srgbClr val="000000"/>
-                </a:solidFill>
-              </a:rPr>
-              <a:t>e</a:t>
-            </a:r>
-            <a:r>
-              <a:rPr altLang="en-GB" sz="2800" lang="en-US">
-                <a:solidFill>
-                  <a:srgbClr val="000000"/>
-                </a:solidFill>
-              </a:rPr>
-              <a:t>v</a:t>
-            </a:r>
-            <a:r>
-              <a:rPr altLang="en-GB" sz="2800" lang="en-US">
-                <a:solidFill>
-                  <a:srgbClr val="000000"/>
-                </a:solidFill>
-              </a:rPr>
-              <a:t>e</a:t>
-            </a:r>
-            <a:r>
-              <a:rPr altLang="en-GB" sz="2800" lang="en-US">
-                <a:solidFill>
-                  <a:srgbClr val="000000"/>
-                </a:solidFill>
-              </a:rPr>
-              <a:t>loper </a:t>
-            </a:r>
-            <a:r>
-              <a:rPr altLang="en-GB" sz="2800" lang="en-US">
-                <a:solidFill>
-                  <a:srgbClr val="000000"/>
-                </a:solidFill>
-              </a:rPr>
-              <a:t>t</a:t>
-            </a:r>
-            <a:r>
-              <a:rPr altLang="en-GB" sz="2800" lang="en-US">
-                <a:solidFill>
-                  <a:srgbClr val="000000"/>
-                </a:solidFill>
-              </a:rPr>
-              <a:t>o</a:t>
-            </a:r>
-            <a:r>
-              <a:rPr altLang="en-GB" sz="2800" lang="en-US">
-                <a:solidFill>
-                  <a:srgbClr val="000000"/>
-                </a:solidFill>
-              </a:rPr>
-              <a:t> </a:t>
-            </a:r>
-            <a:r>
-              <a:rPr altLang="en-GB" sz="2800" lang="en-US">
-                <a:solidFill>
-                  <a:srgbClr val="000000"/>
-                </a:solidFill>
-              </a:rPr>
-              <a:t>d</a:t>
-            </a:r>
-            <a:r>
-              <a:rPr altLang="en-GB" sz="2800" lang="en-US">
-                <a:solidFill>
-                  <a:srgbClr val="000000"/>
-                </a:solidFill>
-              </a:rPr>
-              <a:t>e</a:t>
-            </a:r>
-            <a:r>
-              <a:rPr altLang="en-GB" sz="2800" lang="en-US">
-                <a:solidFill>
-                  <a:srgbClr val="000000"/>
-                </a:solidFill>
-              </a:rPr>
-              <a:t>s</a:t>
-            </a:r>
-            <a:r>
-              <a:rPr altLang="en-GB" sz="2800" lang="en-US">
-                <a:solidFill>
-                  <a:srgbClr val="000000"/>
-                </a:solidFill>
-              </a:rPr>
-              <a:t>cribe </a:t>
-            </a:r>
-            <a:r>
-              <a:rPr altLang="en-GB" sz="2800" lang="en-US">
-                <a:solidFill>
-                  <a:srgbClr val="000000"/>
-                </a:solidFill>
-              </a:rPr>
-              <a:t>the </a:t>
-            </a:r>
-            <a:r>
-              <a:rPr altLang="en-GB" sz="2800" lang="en-US">
-                <a:solidFill>
-                  <a:srgbClr val="000000"/>
-                </a:solidFill>
-              </a:rPr>
-              <a:t>U</a:t>
-            </a:r>
-            <a:r>
-              <a:rPr altLang="en-GB" sz="2800" lang="en-US">
-                <a:solidFill>
-                  <a:srgbClr val="000000"/>
-                </a:solidFill>
-              </a:rPr>
-              <a:t>I</a:t>
-            </a:r>
-            <a:r>
-              <a:rPr altLang="en-GB" sz="2800" lang="en-US">
-                <a:solidFill>
-                  <a:srgbClr val="000000"/>
-                </a:solidFill>
-              </a:rPr>
-              <a:t> </a:t>
-            </a:r>
-            <a:r>
-              <a:rPr altLang="en-GB" sz="2800" lang="en-US">
-                <a:solidFill>
-                  <a:srgbClr val="000000"/>
-                </a:solidFill>
-              </a:rPr>
-              <a:t>s</a:t>
-            </a:r>
-            <a:r>
-              <a:rPr altLang="en-GB" sz="2800" lang="en-US">
-                <a:solidFill>
-                  <a:srgbClr val="000000"/>
-                </a:solidFill>
-              </a:rPr>
-              <a:t>t</a:t>
-            </a:r>
-            <a:r>
-              <a:rPr altLang="en-GB" sz="2800" lang="en-US">
-                <a:solidFill>
-                  <a:srgbClr val="000000"/>
-                </a:solidFill>
-              </a:rPr>
-              <a:t>a</a:t>
-            </a:r>
-            <a:r>
-              <a:rPr altLang="en-GB" sz="2800" lang="en-US">
-                <a:solidFill>
-                  <a:srgbClr val="000000"/>
-                </a:solidFill>
-              </a:rPr>
-              <a:t>t</a:t>
-            </a:r>
-            <a:r>
-              <a:rPr altLang="en-GB" sz="2800" lang="en-US">
-                <a:solidFill>
-                  <a:srgbClr val="000000"/>
-                </a:solidFill>
-              </a:rPr>
-              <a:t>e</a:t>
-            </a:r>
-            <a:r>
-              <a:rPr altLang="en-GB" sz="2800" lang="en-US">
-                <a:solidFill>
-                  <a:srgbClr val="000000"/>
-                </a:solidFill>
-              </a:rPr>
-              <a:t>,</a:t>
-            </a:r>
-            <a:r>
-              <a:rPr altLang="en-GB" sz="2800" lang="en-US">
-                <a:solidFill>
-                  <a:srgbClr val="000000"/>
-                </a:solidFill>
-              </a:rPr>
-              <a:t>a</a:t>
-            </a:r>
-            <a:r>
-              <a:rPr altLang="en-GB" sz="2800" lang="en-US">
-                <a:solidFill>
-                  <a:srgbClr val="000000"/>
-                </a:solidFill>
-              </a:rPr>
-              <a:t>n</a:t>
-            </a:r>
-            <a:r>
-              <a:rPr altLang="en-GB" sz="2800" lang="en-US">
-                <a:solidFill>
-                  <a:srgbClr val="000000"/>
-                </a:solidFill>
-              </a:rPr>
-              <a:t>d</a:t>
-            </a:r>
-            <a:r>
-              <a:rPr altLang="en-GB" sz="2800" lang="en-US">
-                <a:solidFill>
-                  <a:srgbClr val="000000"/>
-                </a:solidFill>
-              </a:rPr>
-              <a:t> </a:t>
-            </a:r>
-            <a:r>
-              <a:rPr altLang="en-GB" sz="2800" lang="en-US">
-                <a:solidFill>
-                  <a:srgbClr val="000000"/>
-                </a:solidFill>
-              </a:rPr>
-              <a:t>t</a:t>
-            </a:r>
-            <a:r>
-              <a:rPr altLang="en-GB" sz="2800" lang="en-US">
-                <a:solidFill>
-                  <a:srgbClr val="000000"/>
-                </a:solidFill>
-              </a:rPr>
-              <a:t>h</a:t>
-            </a:r>
-            <a:r>
-              <a:rPr altLang="en-GB" sz="2800" lang="en-US">
-                <a:solidFill>
-                  <a:srgbClr val="000000"/>
-                </a:solidFill>
-              </a:rPr>
-              <a:t>e</a:t>
-            </a:r>
-            <a:r>
-              <a:rPr altLang="en-GB" sz="2800" lang="en-US">
-                <a:solidFill>
-                  <a:srgbClr val="000000"/>
-                </a:solidFill>
-              </a:rPr>
-              <a:t> </a:t>
-            </a:r>
-            <a:r>
-              <a:rPr altLang="en-GB" sz="2800" lang="en-US">
-                <a:solidFill>
-                  <a:srgbClr val="000000"/>
-                </a:solidFill>
-              </a:rPr>
-              <a:t>f</a:t>
-            </a:r>
-            <a:r>
-              <a:rPr altLang="en-GB" sz="2800" lang="en-US">
-                <a:solidFill>
-                  <a:srgbClr val="000000"/>
-                </a:solidFill>
-              </a:rPr>
-              <a:t>r</a:t>
-            </a:r>
-            <a:r>
-              <a:rPr altLang="en-GB" sz="2800" lang="en-US">
-                <a:solidFill>
-                  <a:srgbClr val="000000"/>
-                </a:solidFill>
-              </a:rPr>
-              <a:t>a</a:t>
-            </a:r>
-            <a:r>
-              <a:rPr altLang="en-GB" sz="2800" lang="en-US">
-                <a:solidFill>
-                  <a:srgbClr val="000000"/>
-                </a:solidFill>
-              </a:rPr>
-              <a:t>m</a:t>
-            </a:r>
-            <a:r>
-              <a:rPr altLang="en-GB" sz="2800" lang="en-US">
-                <a:solidFill>
-                  <a:srgbClr val="000000"/>
-                </a:solidFill>
-              </a:rPr>
-              <a:t>e</a:t>
-            </a:r>
-            <a:r>
-              <a:rPr altLang="en-GB" sz="2800" lang="en-US">
-                <a:solidFill>
-                  <a:srgbClr val="000000"/>
-                </a:solidFill>
-              </a:rPr>
-              <a:t>w</a:t>
-            </a:r>
-            <a:r>
-              <a:rPr altLang="en-GB" sz="2800" lang="en-US">
-                <a:solidFill>
-                  <a:srgbClr val="000000"/>
-                </a:solidFill>
-              </a:rPr>
-              <a:t>ork </a:t>
-            </a:r>
-            <a:r>
-              <a:rPr altLang="en-GB" sz="2800" lang="en-US">
-                <a:solidFill>
-                  <a:srgbClr val="000000"/>
-                </a:solidFill>
-              </a:rPr>
-              <a:t>h</a:t>
-            </a:r>
-            <a:r>
-              <a:rPr altLang="en-GB" sz="2800" lang="en-US">
-                <a:solidFill>
-                  <a:srgbClr val="000000"/>
-                </a:solidFill>
-              </a:rPr>
-              <a:t>a</a:t>
-            </a:r>
-            <a:r>
-              <a:rPr altLang="en-GB" sz="2800" lang="en-US">
-                <a:solidFill>
-                  <a:srgbClr val="000000"/>
-                </a:solidFill>
-              </a:rPr>
-              <a:t>n</a:t>
-            </a:r>
-            <a:r>
-              <a:rPr altLang="en-GB" sz="2800" lang="en-US">
-                <a:solidFill>
-                  <a:srgbClr val="000000"/>
-                </a:solidFill>
-              </a:rPr>
-              <a:t>d</a:t>
-            </a:r>
-            <a:r>
-              <a:rPr altLang="en-GB" sz="2800" lang="en-US">
-                <a:solidFill>
-                  <a:srgbClr val="000000"/>
-                </a:solidFill>
-              </a:rPr>
-              <a:t>l</a:t>
-            </a:r>
-            <a:r>
-              <a:rPr altLang="en-GB" sz="2800" lang="en-US">
-                <a:solidFill>
-                  <a:srgbClr val="000000"/>
-                </a:solidFill>
-              </a:rPr>
-              <a:t>e</a:t>
-            </a:r>
-            <a:r>
-              <a:rPr altLang="en-GB" sz="2800" lang="en-US">
-                <a:solidFill>
-                  <a:srgbClr val="000000"/>
-                </a:solidFill>
-              </a:rPr>
-              <a:t>s</a:t>
-            </a:r>
-            <a:r>
-              <a:rPr altLang="en-GB" sz="2800" lang="en-US">
-                <a:solidFill>
-                  <a:srgbClr val="000000"/>
-                </a:solidFill>
-              </a:rPr>
-              <a:t> </a:t>
-            </a:r>
-            <a:r>
-              <a:rPr altLang="en-GB" sz="2800" lang="en-US">
-                <a:solidFill>
-                  <a:srgbClr val="000000"/>
-                </a:solidFill>
-              </a:rPr>
-              <a:t>r</a:t>
-            </a:r>
-            <a:r>
-              <a:rPr altLang="en-GB" sz="2800" lang="en-US">
-                <a:solidFill>
-                  <a:srgbClr val="000000"/>
-                </a:solidFill>
-              </a:rPr>
-              <a:t>e</a:t>
-            </a:r>
-            <a:r>
-              <a:rPr altLang="en-GB" sz="2800" lang="en-US">
-                <a:solidFill>
-                  <a:srgbClr val="000000"/>
-                </a:solidFill>
-              </a:rPr>
-              <a:t>n</a:t>
-            </a:r>
-            <a:r>
-              <a:rPr altLang="en-GB" sz="2800" lang="en-US">
-                <a:solidFill>
-                  <a:srgbClr val="000000"/>
-                </a:solidFill>
-              </a:rPr>
-              <a:t>d</a:t>
-            </a:r>
-            <a:r>
-              <a:rPr altLang="en-GB" sz="2800" lang="en-US">
-                <a:solidFill>
-                  <a:srgbClr val="000000"/>
-                </a:solidFill>
-              </a:rPr>
-              <a:t>e</a:t>
-            </a:r>
-            <a:r>
-              <a:rPr altLang="en-GB" sz="2800" lang="en-US">
-                <a:solidFill>
-                  <a:srgbClr val="000000"/>
-                </a:solidFill>
-              </a:rPr>
-              <a:t>r</a:t>
-            </a:r>
-            <a:r>
-              <a:rPr altLang="en-GB" sz="2800" lang="en-US">
-                <a:solidFill>
-                  <a:srgbClr val="000000"/>
-                </a:solidFill>
-              </a:rPr>
-              <a:t>ing </a:t>
-            </a:r>
-            <a:endParaRPr sz="2800" lang="en-GB">
-              <a:solidFill>
-                <a:srgbClr val="000000"/>
-              </a:solidFill>
-            </a:endParaRPr>
-          </a:p>
-        </p:txBody>
-      </p:sp>
-      <p:sp>
-        <p:nvSpPr>
-          <p:cNvPr id="1048611" name=""/>
-          <p:cNvSpPr txBox="1"/>
-          <p:nvPr/>
-        </p:nvSpPr>
-        <p:spPr>
-          <a:xfrm>
-            <a:off x="381164" y="4641217"/>
-            <a:ext cx="10044046" cy="1501140"/>
-          </a:xfrm>
-          <a:prstGeom prst="rect"/>
-        </p:spPr>
-        <p:txBody>
-          <a:bodyPr rtlCol="0" wrap="square">
-            <a:spAutoFit/>
-          </a:bodyPr>
-          <a:p>
-            <a:r>
-              <a:rPr altLang="en-GB" sz="2800" lang="en-US">
-                <a:solidFill>
-                  <a:srgbClr val="0000FF"/>
-                </a:solidFill>
-              </a:rPr>
-              <a:t>E</a:t>
-            </a:r>
-            <a:r>
-              <a:rPr altLang="en-GB" sz="2800" lang="en-US">
-                <a:solidFill>
-                  <a:srgbClr val="0000FF"/>
-                </a:solidFill>
-              </a:rPr>
-              <a:t>f</a:t>
-            </a:r>
-            <a:r>
-              <a:rPr altLang="en-GB" sz="2800" lang="en-US">
-                <a:solidFill>
-                  <a:srgbClr val="0000FF"/>
-                </a:solidFill>
-              </a:rPr>
-              <a:t>f</a:t>
-            </a:r>
-            <a:r>
-              <a:rPr altLang="en-GB" sz="2800" lang="en-US">
-                <a:solidFill>
-                  <a:srgbClr val="0000FF"/>
-                </a:solidFill>
-              </a:rPr>
-              <a:t>i</a:t>
-            </a:r>
-            <a:r>
-              <a:rPr altLang="en-GB" sz="2800" lang="en-US">
-                <a:solidFill>
-                  <a:srgbClr val="0000FF"/>
-                </a:solidFill>
-              </a:rPr>
-              <a:t>cient </a:t>
-            </a:r>
-            <a:r>
-              <a:rPr altLang="en-GB" sz="2800" lang="en-US">
-                <a:solidFill>
-                  <a:srgbClr val="0000FF"/>
-                </a:solidFill>
-              </a:rPr>
-              <a:t>D</a:t>
-            </a:r>
-            <a:r>
-              <a:rPr altLang="en-GB" sz="2800" lang="en-US">
-                <a:solidFill>
-                  <a:srgbClr val="0000FF"/>
-                </a:solidFill>
-              </a:rPr>
-              <a:t>O</a:t>
-            </a:r>
-            <a:r>
-              <a:rPr altLang="en-GB" sz="2800" lang="en-US">
-                <a:solidFill>
-                  <a:srgbClr val="0000FF"/>
-                </a:solidFill>
-              </a:rPr>
-              <a:t>M</a:t>
-            </a:r>
-            <a:r>
-              <a:rPr altLang="en-GB" sz="2800" lang="en-US">
-                <a:solidFill>
-                  <a:srgbClr val="0000FF"/>
-                </a:solidFill>
-              </a:rPr>
-              <a:t> </a:t>
-            </a:r>
-            <a:r>
-              <a:rPr altLang="en-GB" sz="2800" lang="en-US">
-                <a:solidFill>
-                  <a:srgbClr val="0000FF"/>
-                </a:solidFill>
-              </a:rPr>
-              <a:t>m</a:t>
-            </a:r>
-            <a:r>
-              <a:rPr altLang="en-GB" sz="2800" lang="en-US">
-                <a:solidFill>
-                  <a:srgbClr val="0000FF"/>
-                </a:solidFill>
-              </a:rPr>
-              <a:t>a</a:t>
-            </a:r>
-            <a:r>
-              <a:rPr altLang="en-GB" sz="2800" lang="en-US">
-                <a:solidFill>
-                  <a:srgbClr val="0000FF"/>
-                </a:solidFill>
-              </a:rPr>
-              <a:t>n</a:t>
-            </a:r>
-            <a:r>
-              <a:rPr altLang="en-GB" sz="2800" lang="en-US">
-                <a:solidFill>
-                  <a:srgbClr val="0000FF"/>
-                </a:solidFill>
-              </a:rPr>
-              <a:t>i</a:t>
-            </a:r>
-            <a:r>
-              <a:rPr altLang="en-GB" sz="2800" lang="en-US">
-                <a:solidFill>
-                  <a:srgbClr val="0000FF"/>
-                </a:solidFill>
-              </a:rPr>
-              <a:t>p</a:t>
-            </a:r>
-            <a:r>
-              <a:rPr altLang="en-GB" sz="2800" lang="en-US">
-                <a:solidFill>
-                  <a:srgbClr val="0000FF"/>
-                </a:solidFill>
-              </a:rPr>
-              <a:t>u</a:t>
-            </a:r>
-            <a:r>
-              <a:rPr altLang="en-GB" sz="2800" lang="en-US">
-                <a:solidFill>
-                  <a:srgbClr val="0000FF"/>
-                </a:solidFill>
-              </a:rPr>
-              <a:t>l</a:t>
-            </a:r>
-            <a:r>
-              <a:rPr altLang="en-GB" sz="2800" lang="en-US">
-                <a:solidFill>
-                  <a:srgbClr val="0000FF"/>
-                </a:solidFill>
-              </a:rPr>
-              <a:t>ation</a:t>
-            </a:r>
-            <a:r>
-              <a:rPr altLang="en-GB" sz="2800" lang="en-US">
-                <a:solidFill>
-                  <a:srgbClr val="0000FF"/>
-                </a:solidFill>
-              </a:rPr>
-              <a:t>:</a:t>
-            </a:r>
-            <a:endParaRPr sz="2800" lang="en-GB">
-              <a:solidFill>
-                <a:srgbClr val="000000"/>
-              </a:solidFill>
-            </a:endParaRPr>
-          </a:p>
-          <a:p>
-            <a:r>
-              <a:rPr altLang="en-GB" sz="2800" lang="en-US">
-                <a:solidFill>
-                  <a:srgbClr val="000000"/>
-                </a:solidFill>
-              </a:rPr>
-              <a:t> </a:t>
-            </a:r>
-            <a:r>
-              <a:rPr altLang="en-GB" sz="2800" lang="en-US">
-                <a:solidFill>
-                  <a:srgbClr val="000000"/>
-                </a:solidFill>
-              </a:rPr>
-              <a:t> </a:t>
-            </a:r>
-            <a:r>
-              <a:rPr altLang="en-GB" sz="2800" lang="en-US">
-                <a:solidFill>
-                  <a:srgbClr val="000000"/>
-                </a:solidFill>
-              </a:rPr>
-              <a:t> </a:t>
-            </a:r>
-            <a:r>
-              <a:rPr altLang="en-GB" sz="2800" lang="en-US">
-                <a:solidFill>
-                  <a:srgbClr val="000000"/>
-                </a:solidFill>
-              </a:rPr>
-              <a:t> </a:t>
-            </a:r>
-            <a:r>
-              <a:rPr altLang="en-GB" sz="2800" lang="en-US">
-                <a:solidFill>
-                  <a:srgbClr val="000000"/>
-                </a:solidFill>
-              </a:rPr>
-              <a:t> </a:t>
-            </a:r>
-            <a:r>
-              <a:rPr altLang="en-GB" sz="2800" lang="en-US">
-                <a:solidFill>
-                  <a:srgbClr val="000000"/>
-                </a:solidFill>
-              </a:rPr>
-              <a:t> </a:t>
-            </a:r>
-            <a:r>
-              <a:rPr altLang="en-GB" sz="2800" lang="en-US">
-                <a:solidFill>
-                  <a:srgbClr val="000000"/>
-                </a:solidFill>
-              </a:rPr>
-              <a:t> </a:t>
-            </a:r>
-            <a:r>
-              <a:rPr altLang="en-GB" sz="2800" lang="en-US">
-                <a:solidFill>
-                  <a:srgbClr val="000000"/>
-                </a:solidFill>
-              </a:rPr>
-              <a:t> </a:t>
-            </a:r>
-            <a:r>
-              <a:rPr altLang="en-GB" sz="2800" lang="en-US">
-                <a:solidFill>
-                  <a:srgbClr val="000000"/>
-                </a:solidFill>
-              </a:rPr>
-              <a:t> </a:t>
-            </a:r>
-            <a:r>
-              <a:rPr altLang="en-GB" sz="2800" lang="en-US">
-                <a:solidFill>
-                  <a:srgbClr val="000000"/>
-                </a:solidFill>
-              </a:rPr>
-              <a:t> </a:t>
-            </a:r>
-            <a:r>
-              <a:rPr altLang="en-GB" sz="2800" lang="en-US">
-                <a:solidFill>
-                  <a:srgbClr val="000000"/>
-                </a:solidFill>
-              </a:rPr>
-              <a:t> </a:t>
-            </a:r>
-            <a:r>
-              <a:rPr altLang="en-GB" sz="2800" lang="en-US">
-                <a:solidFill>
-                  <a:srgbClr val="000000"/>
-                </a:solidFill>
-              </a:rPr>
-              <a:t> </a:t>
-            </a:r>
-            <a:r>
-              <a:rPr altLang="en-GB" sz="2800" lang="en-US">
-                <a:solidFill>
-                  <a:srgbClr val="000000"/>
-                </a:solidFill>
-              </a:rPr>
-              <a:t> </a:t>
-            </a:r>
-            <a:r>
-              <a:rPr altLang="en-GB" sz="2800" lang="en-US">
-                <a:solidFill>
-                  <a:srgbClr val="000000"/>
-                </a:solidFill>
-              </a:rPr>
-              <a:t>U</a:t>
-            </a:r>
-            <a:r>
-              <a:rPr altLang="en-GB" sz="2800" lang="en-US">
-                <a:solidFill>
-                  <a:srgbClr val="000000"/>
-                </a:solidFill>
-              </a:rPr>
-              <a:t>s</a:t>
-            </a:r>
-            <a:r>
-              <a:rPr altLang="en-GB" sz="2800" lang="en-US">
-                <a:solidFill>
-                  <a:srgbClr val="000000"/>
-                </a:solidFill>
-              </a:rPr>
-              <a:t>e</a:t>
-            </a:r>
-            <a:r>
-              <a:rPr altLang="en-GB" sz="2800" lang="en-US">
-                <a:solidFill>
-                  <a:srgbClr val="000000"/>
-                </a:solidFill>
-              </a:rPr>
-              <a:t>s</a:t>
-            </a:r>
-            <a:r>
-              <a:rPr altLang="en-GB" sz="2800" lang="en-US">
-                <a:solidFill>
-                  <a:srgbClr val="000000"/>
-                </a:solidFill>
-              </a:rPr>
-              <a:t> </a:t>
-            </a:r>
-            <a:r>
-              <a:rPr altLang="en-GB" sz="2800" lang="en-US">
-                <a:solidFill>
-                  <a:srgbClr val="000000"/>
-                </a:solidFill>
-              </a:rPr>
-              <a:t>t</a:t>
-            </a:r>
-            <a:r>
-              <a:rPr altLang="en-GB" sz="2800" lang="en-US">
-                <a:solidFill>
-                  <a:srgbClr val="000000"/>
-                </a:solidFill>
-              </a:rPr>
-              <a:t>e</a:t>
-            </a:r>
-            <a:r>
-              <a:rPr altLang="en-GB" sz="2800" lang="en-US">
-                <a:solidFill>
-                  <a:srgbClr val="000000"/>
-                </a:solidFill>
-              </a:rPr>
-              <a:t>c</a:t>
-            </a:r>
-            <a:r>
-              <a:rPr altLang="en-GB" sz="2800" lang="en-US">
-                <a:solidFill>
-                  <a:srgbClr val="000000"/>
-                </a:solidFill>
-              </a:rPr>
-              <a:t>h</a:t>
-            </a:r>
-            <a:r>
-              <a:rPr altLang="en-GB" sz="2800" lang="en-US">
-                <a:solidFill>
-                  <a:srgbClr val="000000"/>
-                </a:solidFill>
-              </a:rPr>
-              <a:t>no</a:t>
-            </a:r>
-            <a:r>
-              <a:rPr altLang="en-GB" sz="2800" lang="en-US">
-                <a:solidFill>
-                  <a:srgbClr val="000000"/>
-                </a:solidFill>
-              </a:rPr>
-              <a:t>i</a:t>
-            </a:r>
-            <a:r>
-              <a:rPr altLang="en-GB" sz="2800" lang="en-US">
-                <a:solidFill>
-                  <a:srgbClr val="000000"/>
-                </a:solidFill>
-              </a:rPr>
-              <a:t>q</a:t>
-            </a:r>
-            <a:r>
-              <a:rPr altLang="en-GB" sz="2800" lang="en-US">
-                <a:solidFill>
-                  <a:srgbClr val="000000"/>
-                </a:solidFill>
-              </a:rPr>
-              <a:t>u</a:t>
-            </a:r>
-            <a:r>
-              <a:rPr altLang="en-GB" sz="2800" lang="en-US">
-                <a:solidFill>
-                  <a:srgbClr val="000000"/>
-                </a:solidFill>
-              </a:rPr>
-              <a:t>e</a:t>
-            </a:r>
-            <a:r>
-              <a:rPr altLang="en-GB" sz="2800" lang="en-US">
-                <a:solidFill>
-                  <a:srgbClr val="000000"/>
-                </a:solidFill>
-              </a:rPr>
-              <a:t>s</a:t>
-            </a:r>
-            <a:r>
-              <a:rPr altLang="en-GB" sz="2800" lang="en-US">
-                <a:solidFill>
-                  <a:srgbClr val="000000"/>
-                </a:solidFill>
-              </a:rPr>
-              <a:t> </a:t>
-            </a:r>
-            <a:r>
-              <a:rPr altLang="en-GB" sz="2800" lang="en-US">
-                <a:solidFill>
-                  <a:srgbClr val="000000"/>
-                </a:solidFill>
-              </a:rPr>
-              <a:t>l</a:t>
-            </a:r>
-            <a:r>
-              <a:rPr altLang="en-GB" sz="2800" lang="en-US">
-                <a:solidFill>
-                  <a:srgbClr val="000000"/>
-                </a:solidFill>
-              </a:rPr>
-              <a:t>i</a:t>
-            </a:r>
-            <a:r>
-              <a:rPr altLang="en-GB" sz="2800" lang="en-US">
-                <a:solidFill>
-                  <a:srgbClr val="000000"/>
-                </a:solidFill>
-              </a:rPr>
-              <a:t>k</a:t>
-            </a:r>
-            <a:r>
-              <a:rPr altLang="en-GB" sz="2800" lang="en-US">
-                <a:solidFill>
-                  <a:srgbClr val="000000"/>
-                </a:solidFill>
-              </a:rPr>
-              <a:t>e </a:t>
-            </a:r>
-            <a:r>
-              <a:rPr altLang="en-GB" sz="2800" lang="en-US">
-                <a:solidFill>
-                  <a:srgbClr val="000000"/>
-                </a:solidFill>
-              </a:rPr>
-              <a:t>v</a:t>
-            </a:r>
-            <a:r>
-              <a:rPr altLang="en-GB" sz="2800" lang="en-US">
-                <a:solidFill>
-                  <a:srgbClr val="000000"/>
-                </a:solidFill>
-              </a:rPr>
-              <a:t>i</a:t>
-            </a:r>
-            <a:r>
-              <a:rPr altLang="en-GB" sz="2800" lang="en-US">
-                <a:solidFill>
-                  <a:srgbClr val="000000"/>
-                </a:solidFill>
-              </a:rPr>
-              <a:t>r</a:t>
-            </a:r>
-            <a:r>
-              <a:rPr altLang="en-GB" sz="2800" lang="en-US">
-                <a:solidFill>
-                  <a:srgbClr val="000000"/>
-                </a:solidFill>
-              </a:rPr>
-              <a:t>t</a:t>
-            </a:r>
-            <a:r>
-              <a:rPr altLang="en-GB" sz="2800" lang="en-US">
-                <a:solidFill>
-                  <a:srgbClr val="000000"/>
-                </a:solidFill>
-              </a:rPr>
-              <a:t>u</a:t>
-            </a:r>
-            <a:r>
-              <a:rPr altLang="en-GB" sz="2800" lang="en-US">
-                <a:solidFill>
-                  <a:srgbClr val="000000"/>
-                </a:solidFill>
-              </a:rPr>
-              <a:t>al </a:t>
-            </a:r>
-            <a:r>
-              <a:rPr altLang="en-GB" sz="2800" lang="en-US">
-                <a:solidFill>
-                  <a:srgbClr val="000000"/>
-                </a:solidFill>
-              </a:rPr>
-              <a:t>D</a:t>
-            </a:r>
-            <a:r>
-              <a:rPr altLang="en-GB" sz="2800" lang="en-US">
-                <a:solidFill>
-                  <a:srgbClr val="000000"/>
-                </a:solidFill>
-              </a:rPr>
-              <a:t>O</a:t>
-            </a:r>
-            <a:r>
-              <a:rPr altLang="en-GB" sz="2800" lang="en-US">
-                <a:solidFill>
-                  <a:srgbClr val="000000"/>
-                </a:solidFill>
-              </a:rPr>
-              <a:t>M</a:t>
-            </a:r>
-            <a:r>
-              <a:rPr altLang="en-GB" sz="2800" lang="en-US">
-                <a:solidFill>
-                  <a:srgbClr val="000000"/>
-                </a:solidFill>
-              </a:rPr>
-              <a:t> </a:t>
-            </a:r>
-            <a:r>
-              <a:rPr altLang="en-GB" sz="2800" lang="en-US">
-                <a:solidFill>
-                  <a:srgbClr val="000000"/>
-                </a:solidFill>
-              </a:rPr>
-              <a:t>t</a:t>
-            </a:r>
-            <a:r>
-              <a:rPr altLang="en-GB" sz="2800" lang="en-US">
-                <a:solidFill>
-                  <a:srgbClr val="000000"/>
-                </a:solidFill>
-              </a:rPr>
-              <a:t>o</a:t>
-            </a:r>
-            <a:r>
-              <a:rPr altLang="en-GB" sz="2800" lang="en-US">
-                <a:solidFill>
-                  <a:srgbClr val="000000"/>
-                </a:solidFill>
-              </a:rPr>
-              <a:t> </a:t>
-            </a:r>
-            <a:r>
-              <a:rPr altLang="en-GB" sz="2800" lang="en-US">
-                <a:solidFill>
-                  <a:srgbClr val="000000"/>
-                </a:solidFill>
-              </a:rPr>
-              <a:t>u</a:t>
-            </a:r>
-            <a:r>
-              <a:rPr altLang="en-GB" sz="2800" lang="en-US">
-                <a:solidFill>
-                  <a:srgbClr val="000000"/>
-                </a:solidFill>
-              </a:rPr>
-              <a:t>p</a:t>
-            </a:r>
-            <a:r>
-              <a:rPr altLang="en-GB" sz="2800" lang="en-US">
-                <a:solidFill>
-                  <a:srgbClr val="000000"/>
-                </a:solidFill>
-              </a:rPr>
-              <a:t>d</a:t>
-            </a:r>
-            <a:r>
-              <a:rPr altLang="en-GB" sz="2800" lang="en-US">
-                <a:solidFill>
-                  <a:srgbClr val="000000"/>
-                </a:solidFill>
-              </a:rPr>
-              <a:t>ate </a:t>
-            </a:r>
-            <a:r>
-              <a:rPr altLang="en-GB" sz="2800" lang="en-US">
-                <a:solidFill>
-                  <a:srgbClr val="000000"/>
-                </a:solidFill>
-              </a:rPr>
-              <a:t>o</a:t>
-            </a:r>
-            <a:r>
-              <a:rPr altLang="en-GB" sz="2800" lang="en-US">
-                <a:solidFill>
-                  <a:srgbClr val="000000"/>
-                </a:solidFill>
-              </a:rPr>
-              <a:t>n</a:t>
-            </a:r>
-            <a:r>
-              <a:rPr altLang="en-GB" sz="2800" lang="en-US">
-                <a:solidFill>
-                  <a:srgbClr val="000000"/>
-                </a:solidFill>
-              </a:rPr>
-              <a:t>l</a:t>
-            </a:r>
-            <a:r>
-              <a:rPr altLang="en-GB" sz="2800" lang="en-US">
-                <a:solidFill>
-                  <a:srgbClr val="000000"/>
-                </a:solidFill>
-              </a:rPr>
-              <a:t>y </a:t>
-            </a:r>
-            <a:r>
-              <a:rPr altLang="en-GB" sz="2800" lang="en-US">
-                <a:solidFill>
-                  <a:srgbClr val="000000"/>
-                </a:solidFill>
-              </a:rPr>
-              <a:t>necessary </a:t>
-            </a:r>
-            <a:r>
-              <a:rPr altLang="en-GB" sz="2800" lang="en-US">
-                <a:solidFill>
-                  <a:srgbClr val="000000"/>
-                </a:solidFill>
-              </a:rPr>
-              <a:t>p</a:t>
-            </a:r>
-            <a:r>
-              <a:rPr altLang="en-GB" sz="2800" lang="en-US">
-                <a:solidFill>
-                  <a:srgbClr val="000000"/>
-                </a:solidFill>
-              </a:rPr>
-              <a:t>a</a:t>
-            </a:r>
-            <a:r>
-              <a:rPr altLang="en-GB" sz="2800" lang="en-US">
-                <a:solidFill>
-                  <a:srgbClr val="000000"/>
-                </a:solidFill>
-              </a:rPr>
-              <a:t>r</a:t>
-            </a:r>
-            <a:r>
-              <a:rPr altLang="en-GB" sz="2800" lang="en-US">
-                <a:solidFill>
-                  <a:srgbClr val="000000"/>
-                </a:solidFill>
-              </a:rPr>
-              <a:t>t</a:t>
-            </a:r>
-            <a:r>
-              <a:rPr altLang="en-GB" sz="2800" lang="en-US">
-                <a:solidFill>
-                  <a:srgbClr val="000000"/>
-                </a:solidFill>
-              </a:rPr>
-              <a:t> </a:t>
-            </a:r>
-            <a:r>
-              <a:rPr altLang="en-GB" sz="2800" lang="en-US">
-                <a:solidFill>
-                  <a:srgbClr val="000000"/>
-                </a:solidFill>
-              </a:rPr>
-              <a:t>o</a:t>
-            </a:r>
-            <a:r>
-              <a:rPr altLang="en-GB" sz="2800" lang="en-US">
-                <a:solidFill>
-                  <a:srgbClr val="000000"/>
-                </a:solidFill>
-              </a:rPr>
-              <a:t>f </a:t>
-            </a:r>
-            <a:r>
-              <a:rPr altLang="en-GB" sz="2800" lang="en-US">
-                <a:solidFill>
-                  <a:srgbClr val="000000"/>
-                </a:solidFill>
-              </a:rPr>
-              <a:t>the </a:t>
-            </a:r>
-            <a:r>
-              <a:rPr altLang="en-GB" sz="2800" lang="en-US">
-                <a:solidFill>
-                  <a:srgbClr val="000000"/>
-                </a:solidFill>
-              </a:rPr>
-              <a:t>p</a:t>
-            </a:r>
-            <a:r>
-              <a:rPr altLang="en-GB" sz="2800" lang="en-US">
-                <a:solidFill>
-                  <a:srgbClr val="000000"/>
-                </a:solidFill>
-              </a:rPr>
-              <a:t>a</a:t>
-            </a:r>
-            <a:r>
-              <a:rPr altLang="en-GB" sz="2800" lang="en-US">
-                <a:solidFill>
-                  <a:srgbClr val="000000"/>
-                </a:solidFill>
-              </a:rPr>
-              <a:t>g</a:t>
-            </a:r>
-            <a:r>
-              <a:rPr altLang="en-GB" sz="2800" lang="en-US">
-                <a:solidFill>
-                  <a:srgbClr val="000000"/>
-                </a:solidFill>
-              </a:rPr>
-              <a:t>e</a:t>
-            </a:r>
-            <a:r>
-              <a:rPr altLang="en-GB" sz="2800" lang="en-US">
-                <a:solidFill>
-                  <a:srgbClr val="000000"/>
-                </a:solidFill>
-              </a:rPr>
-              <a:t> </a:t>
-            </a:r>
-            <a:endParaRPr sz="2800" lang="en-GB">
-              <a:solidFill>
-                <a:srgbClr val="000000"/>
-              </a:solidFill>
-            </a:endParaRPr>
           </a:p>
         </p:txBody>
       </p:sp>

--- a/PPT FWD TNSDC 2025 (1).pptx
+++ b/PPT FWD TNSDC 2025 (1).pptx
@@ -2,23 +2,23 @@
 <file path=ppt/presentation.xml><?xml version="1.0" encoding="utf-8"?>
 <p:presentation xmlns:p="http://schemas.openxmlformats.org/presentationml/2006/main" xmlns:r="http://schemas.openxmlformats.org/officeDocument/2006/relationships" xmlns:a="http://schemas.openxmlformats.org/drawingml/2006/main">
   <p:sldMasterIdLst>
-    <p:sldMasterId id="2147483648" r:id="rId1"/>
+    <p:sldMasterId id="2147483654" r:id="rId1"/>
   </p:sldMasterIdLst>
   <p:notesMasterIdLst>
     <p:notesMasterId r:id="rId2"/>
   </p:notesMasterIdLst>
   <p:sldIdLst>
-    <p:sldId id="257" r:id="rId3"/>
-    <p:sldId id="258" r:id="rId4"/>
-    <p:sldId id="259" r:id="rId5"/>
-    <p:sldId id="260" r:id="rId6"/>
-    <p:sldId id="261" r:id="rId7"/>
-    <p:sldId id="262" r:id="rId8"/>
-    <p:sldId id="263" r:id="rId9"/>
-    <p:sldId id="264" r:id="rId10"/>
-    <p:sldId id="265" r:id="rId11"/>
-    <p:sldId id="266" r:id="rId12"/>
-    <p:sldId id="267" r:id="rId13"/>
+    <p:sldId id="270" r:id="rId3"/>
+    <p:sldId id="271" r:id="rId4"/>
+    <p:sldId id="272" r:id="rId5"/>
+    <p:sldId id="273" r:id="rId6"/>
+    <p:sldId id="274" r:id="rId7"/>
+    <p:sldId id="275" r:id="rId8"/>
+    <p:sldId id="276" r:id="rId9"/>
+    <p:sldId id="277" r:id="rId10"/>
+    <p:sldId id="278" r:id="rId11"/>
+    <p:sldId id="279" r:id="rId12"/>
+    <p:sldId id="281" r:id="rId13"/>
   </p:sldIdLst>
   <p:sldSz type="screen16x9" cy="6858000" cx="12192000"/>
   <p:notesSz cx="12192000" cy="6858000"/>
@@ -144,7 +144,7 @@
       </p:grpSpPr>
       <p:sp>
         <p:nvSpPr>
-          <p:cNvPr id="1048694" name="Header Placeholder 1"/>
+          <p:cNvPr id="1048705" name="Header Placeholder 1"/>
           <p:cNvSpPr>
             <a:spLocks noGrp="1"/>
           </p:cNvSpPr>
@@ -173,7 +173,7 @@
       </p:sp>
       <p:sp>
         <p:nvSpPr>
-          <p:cNvPr id="1048695" name="Date Placeholder 2"/>
+          <p:cNvPr id="1048706" name="Date Placeholder 2"/>
           <p:cNvSpPr>
             <a:spLocks noGrp="1"/>
           </p:cNvSpPr>
@@ -206,7 +206,7 @@
       </p:sp>
       <p:sp>
         <p:nvSpPr>
-          <p:cNvPr id="1048696" name="Slide Image Placeholder 3"/>
+          <p:cNvPr id="1048707" name="Slide Image Placeholder 3"/>
           <p:cNvSpPr>
             <a:spLocks noChangeAspect="1" noRot="1" noGrp="1"/>
           </p:cNvSpPr>
@@ -236,7 +236,7 @@
       </p:sp>
       <p:sp>
         <p:nvSpPr>
-          <p:cNvPr id="1048697" name="Notes Placeholder 4"/>
+          <p:cNvPr id="1048708" name="Notes Placeholder 4"/>
           <p:cNvSpPr>
             <a:spLocks noGrp="1"/>
           </p:cNvSpPr>
@@ -293,7 +293,7 @@
       </p:sp>
       <p:sp>
         <p:nvSpPr>
-          <p:cNvPr id="1048698" name="Footer Placeholder 5"/>
+          <p:cNvPr id="1048709" name="Footer Placeholder 5"/>
           <p:cNvSpPr>
             <a:spLocks noGrp="1"/>
           </p:cNvSpPr>
@@ -322,7 +322,7 @@
       </p:sp>
       <p:sp>
         <p:nvSpPr>
-          <p:cNvPr id="1048699" name="Slide Number Placeholder 6"/>
+          <p:cNvPr id="1048710" name="Slide Number Placeholder 6"/>
           <p:cNvSpPr>
             <a:spLocks noGrp="1"/>
           </p:cNvSpPr>
@@ -456,7 +456,7 @@
   <p:cSld>
     <p:spTree>
       <p:nvGrpSpPr>
-        <p:cNvPr id="29" name=""/>
+        <p:cNvPr id="22" name=""/>
         <p:cNvGrpSpPr/>
         <p:nvPr/>
       </p:nvGrpSpPr>
@@ -470,7 +470,7 @@
       </p:grpSpPr>
       <p:sp>
         <p:nvSpPr>
-          <p:cNvPr id="1048629" name="Slide Image Placeholder 1"/>
+          <p:cNvPr id="1048603" name="Slide Image Placeholder 1"/>
           <p:cNvSpPr>
             <a:spLocks noChangeAspect="1" noRot="1" noGrp="1"/>
           </p:cNvSpPr>
@@ -482,7 +482,7 @@
       </p:sp>
       <p:sp>
         <p:nvSpPr>
-          <p:cNvPr id="1048630" name="Notes Placeholder 2"/>
+          <p:cNvPr id="1048604" name="Notes Placeholder 2"/>
           <p:cNvSpPr>
             <a:spLocks noGrp="1"/>
           </p:cNvSpPr>
@@ -500,7 +500,7 @@
       </p:sp>
       <p:sp>
         <p:nvSpPr>
-          <p:cNvPr id="1048631" name="Slide Number Placeholder 3"/>
+          <p:cNvPr id="1048605" name="Slide Number Placeholder 3"/>
           <p:cNvSpPr>
             <a:spLocks noGrp="1"/>
           </p:cNvSpPr>
@@ -533,7 +533,7 @@
   <p:cSld name="Title Slide">
     <p:spTree>
       <p:nvGrpSpPr>
-        <p:cNvPr id="23" name=""/>
+        <p:cNvPr id="18" name=""/>
         <p:cNvGrpSpPr/>
         <p:nvPr/>
       </p:nvGrpSpPr>
@@ -547,7 +547,7 @@
       </p:grpSpPr>
       <p:sp>
         <p:nvSpPr>
-          <p:cNvPr id="1048608" name="Holder 2"/>
+          <p:cNvPr id="1048591" name="Holder 2"/>
           <p:cNvSpPr>
             <a:spLocks noGrp="1"/>
           </p:cNvSpPr>
@@ -582,7 +582,7 @@
       </p:sp>
       <p:sp>
         <p:nvSpPr>
-          <p:cNvPr id="1048609" name="Holder 3"/>
+          <p:cNvPr id="1048592" name="Holder 3"/>
           <p:cNvSpPr>
             <a:spLocks noGrp="1"/>
           </p:cNvSpPr>
@@ -606,7 +606,7 @@
       </p:sp>
       <p:sp>
         <p:nvSpPr>
-          <p:cNvPr id="1048610" name="Holder 4"/>
+          <p:cNvPr id="1048593" name="Holder 4"/>
           <p:cNvSpPr>
             <a:spLocks noGrp="1"/>
           </p:cNvSpPr>
@@ -633,7 +633,7 @@
       </p:sp>
       <p:sp>
         <p:nvSpPr>
-          <p:cNvPr id="1048611" name="Holder 5"/>
+          <p:cNvPr id="1048594" name="Holder 5"/>
           <p:cNvSpPr>
             <a:spLocks noGrp="1"/>
           </p:cNvSpPr>
@@ -666,7 +666,7 @@
       </p:sp>
       <p:sp>
         <p:nvSpPr>
-          <p:cNvPr id="1048612" name="Holder 6"/>
+          <p:cNvPr id="1048595" name="Holder 6"/>
           <p:cNvSpPr>
             <a:spLocks noGrp="1"/>
           </p:cNvSpPr>
@@ -732,7 +732,7 @@
       </p:grpSpPr>
       <p:sp>
         <p:nvSpPr>
-          <p:cNvPr id="1048680" name="Holder 2"/>
+          <p:cNvPr id="1048691" name="Holder 2"/>
           <p:cNvSpPr>
             <a:spLocks noGrp="1"/>
           </p:cNvSpPr>
@@ -759,7 +759,7 @@
       </p:sp>
       <p:sp>
         <p:nvSpPr>
-          <p:cNvPr id="1048681" name="Holder 3"/>
+          <p:cNvPr id="1048692" name="Holder 3"/>
           <p:cNvSpPr>
             <a:spLocks noGrp="1"/>
           </p:cNvSpPr>
@@ -775,7 +775,7 @@
       </p:sp>
       <p:sp>
         <p:nvSpPr>
-          <p:cNvPr id="1048682" name="Holder 4"/>
+          <p:cNvPr id="1048693" name="Holder 4"/>
           <p:cNvSpPr>
             <a:spLocks noGrp="1"/>
           </p:cNvSpPr>
@@ -802,7 +802,7 @@
       </p:sp>
       <p:sp>
         <p:nvSpPr>
-          <p:cNvPr id="1048683" name="Holder 5"/>
+          <p:cNvPr id="1048694" name="Holder 5"/>
           <p:cNvSpPr>
             <a:spLocks noGrp="1"/>
           </p:cNvSpPr>
@@ -835,7 +835,7 @@
       </p:sp>
       <p:sp>
         <p:nvSpPr>
-          <p:cNvPr id="1048684" name="Holder 6"/>
+          <p:cNvPr id="1048695" name="Holder 6"/>
           <p:cNvSpPr>
             <a:spLocks noGrp="1"/>
           </p:cNvSpPr>
@@ -901,7 +901,7 @@
       </p:grpSpPr>
       <p:sp>
         <p:nvSpPr>
-          <p:cNvPr id="1048685" name="Holder 2"/>
+          <p:cNvPr id="1048696" name="Holder 2"/>
           <p:cNvSpPr>
             <a:spLocks noGrp="1"/>
           </p:cNvSpPr>
@@ -928,7 +928,7 @@
       </p:sp>
       <p:sp>
         <p:nvSpPr>
-          <p:cNvPr id="1048686" name="Holder 3"/>
+          <p:cNvPr id="1048697" name="Holder 3"/>
           <p:cNvSpPr>
             <a:spLocks noGrp="1"/>
           </p:cNvSpPr>
@@ -952,7 +952,7 @@
       </p:sp>
       <p:sp>
         <p:nvSpPr>
-          <p:cNvPr id="1048687" name="Holder 4"/>
+          <p:cNvPr id="1048698" name="Holder 4"/>
           <p:cNvSpPr>
             <a:spLocks noGrp="1"/>
           </p:cNvSpPr>
@@ -976,7 +976,7 @@
       </p:sp>
       <p:sp>
         <p:nvSpPr>
-          <p:cNvPr id="1048688" name="Holder 5"/>
+          <p:cNvPr id="1048699" name="Holder 5"/>
           <p:cNvSpPr>
             <a:spLocks noGrp="1"/>
           </p:cNvSpPr>
@@ -1003,7 +1003,7 @@
       </p:sp>
       <p:sp>
         <p:nvSpPr>
-          <p:cNvPr id="1048689" name="Holder 6"/>
+          <p:cNvPr id="1048700" name="Holder 6"/>
           <p:cNvSpPr>
             <a:spLocks noGrp="1"/>
           </p:cNvSpPr>
@@ -1036,7 +1036,7 @@
       </p:sp>
       <p:sp>
         <p:nvSpPr>
-          <p:cNvPr id="1048690" name="Holder 7"/>
+          <p:cNvPr id="1048701" name="Holder 7"/>
           <p:cNvSpPr>
             <a:spLocks noGrp="1"/>
           </p:cNvSpPr>
@@ -1088,7 +1088,7 @@
   <p:cSld name="Title Only">
     <p:spTree>
       <p:nvGrpSpPr>
-        <p:cNvPr id="18" name=""/>
+        <p:cNvPr id="24" name=""/>
         <p:cNvGrpSpPr/>
         <p:nvPr/>
       </p:nvGrpSpPr>
@@ -1102,7 +1102,7 @@
       </p:grpSpPr>
       <p:sp>
         <p:nvSpPr>
-          <p:cNvPr id="1048591" name="Holder 2"/>
+          <p:cNvPr id="1048606" name="Holder 2"/>
           <p:cNvSpPr>
             <a:spLocks noGrp="1"/>
           </p:cNvSpPr>
@@ -1129,7 +1129,7 @@
       </p:sp>
       <p:sp>
         <p:nvSpPr>
-          <p:cNvPr id="1048592" name="Holder 3"/>
+          <p:cNvPr id="1048607" name="Holder 3"/>
           <p:cNvSpPr>
             <a:spLocks noGrp="1"/>
           </p:cNvSpPr>
@@ -1156,7 +1156,7 @@
       </p:sp>
       <p:sp>
         <p:nvSpPr>
-          <p:cNvPr id="1048593" name="Holder 4"/>
+          <p:cNvPr id="1048608" name="Holder 4"/>
           <p:cNvSpPr>
             <a:spLocks noGrp="1"/>
           </p:cNvSpPr>
@@ -1189,7 +1189,7 @@
       </p:sp>
       <p:sp>
         <p:nvSpPr>
-          <p:cNvPr id="1048594" name="Holder 5"/>
+          <p:cNvPr id="1048609" name="Holder 5"/>
           <p:cNvSpPr>
             <a:spLocks noGrp="1"/>
           </p:cNvSpPr>
@@ -1255,7 +1255,7 @@
       </p:grpSpPr>
       <p:sp>
         <p:nvSpPr>
-          <p:cNvPr id="1048691" name="Holder 2"/>
+          <p:cNvPr id="1048702" name="Holder 2"/>
           <p:cNvSpPr>
             <a:spLocks noGrp="1"/>
           </p:cNvSpPr>
@@ -1282,7 +1282,7 @@
       </p:sp>
       <p:sp>
         <p:nvSpPr>
-          <p:cNvPr id="1048692" name="Holder 3"/>
+          <p:cNvPr id="1048703" name="Holder 3"/>
           <p:cNvSpPr>
             <a:spLocks noGrp="1"/>
           </p:cNvSpPr>
@@ -1315,7 +1315,7 @@
       </p:sp>
       <p:sp>
         <p:nvSpPr>
-          <p:cNvPr id="1048693" name="Holder 4"/>
+          <p:cNvPr id="1048704" name="Holder 4"/>
           <p:cNvSpPr>
             <a:spLocks noGrp="1"/>
           </p:cNvSpPr>
@@ -2016,11 +2016,11 @@
   </p:cSld>
   <p:clrMap accent1="accent1" accent2="accent2" accent3="accent3" accent4="accent4" accent5="accent5" accent6="accent6" bg1="lt1" bg2="lt2" tx1="dk1" tx2="dk2" hlink="hlink" folHlink="folHlink"/>
   <p:sldLayoutIdLst>
-    <p:sldLayoutId id="2147483649" r:id="rId1"/>
-    <p:sldLayoutId id="2147483650" r:id="rId2"/>
-    <p:sldLayoutId id="2147483651" r:id="rId3"/>
-    <p:sldLayoutId id="2147483652" r:id="rId4"/>
-    <p:sldLayoutId id="2147483653" r:id="rId5"/>
+    <p:sldLayoutId id="2147483655" r:id="rId1"/>
+    <p:sldLayoutId id="2147483656" r:id="rId2"/>
+    <p:sldLayoutId id="2147483657" r:id="rId3"/>
+    <p:sldLayoutId id="2147483658" r:id="rId4"/>
+    <p:sldLayoutId id="2147483659" r:id="rId5"/>
   </p:sldLayoutIdLst>
   <p:txStyles>
     <p:titleStyle>
@@ -2171,7 +2171,7 @@
   <p:cSld>
     <p:spTree>
       <p:nvGrpSpPr>
-        <p:cNvPr id="26" name=""/>
+        <p:cNvPr id="19" name=""/>
         <p:cNvGrpSpPr/>
         <p:nvPr/>
       </p:nvGrpSpPr>
@@ -2185,7 +2185,7 @@
       </p:grpSpPr>
       <p:grpSp>
         <p:nvGrpSpPr>
-          <p:cNvPr id="27" name="object 2"/>
+          <p:cNvPr id="20" name="object 2"/>
           <p:cNvGrpSpPr/>
           <p:nvPr/>
         </p:nvGrpSpPr>
@@ -2199,7 +2199,7 @@
         </p:grpSpPr>
         <p:sp>
           <p:nvSpPr>
-            <p:cNvPr id="1048622" name="object 3"/>
+            <p:cNvPr id="1048596" name="object 3"/>
             <p:cNvSpPr/>
             <p:nvPr/>
           </p:nvSpPr>
@@ -2250,7 +2250,7 @@
         </p:sp>
         <p:sp>
           <p:nvSpPr>
-            <p:cNvPr id="1048623" name="object 4"/>
+            <p:cNvPr id="1048597" name="object 4"/>
             <p:cNvSpPr/>
             <p:nvPr/>
           </p:nvSpPr>
@@ -2302,7 +2302,7 @@
       </p:grpSp>
       <p:sp>
         <p:nvSpPr>
-          <p:cNvPr id="1048624" name="object 5"/>
+          <p:cNvPr id="1048598" name="object 5"/>
           <p:cNvSpPr/>
           <p:nvPr/>
         </p:nvSpPr>
@@ -2353,7 +2353,7 @@
       </p:sp>
       <p:sp>
         <p:nvSpPr>
-          <p:cNvPr id="1048625" name="object 6"/>
+          <p:cNvPr id="1048599" name="object 6"/>
           <p:cNvSpPr/>
           <p:nvPr/>
         </p:nvSpPr>
@@ -2404,7 +2404,7 @@
       </p:sp>
       <p:sp>
         <p:nvSpPr>
-          <p:cNvPr id="1048626" name="object 7"/>
+          <p:cNvPr id="1048600" name="object 7"/>
           <p:cNvSpPr txBox="1">
             <a:spLocks noGrp="1"/>
           </p:cNvSpPr>
@@ -2455,7 +2455,7 @@
       </p:sp>
       <p:pic>
         <p:nvPicPr>
-          <p:cNvPr id="2097157" name="object 9"/>
+          <p:cNvPr id="2097152" name="object 9"/>
           <p:cNvPicPr>
             <a:picLocks/>
           </p:cNvPicPr>
@@ -2477,7 +2477,7 @@
       </p:pic>
       <p:sp>
         <p:nvSpPr>
-          <p:cNvPr id="1048627" name="object 11"/>
+          <p:cNvPr id="1048601" name="object 11"/>
           <p:cNvSpPr txBox="1">
             <a:spLocks noGrp="1"/>
           </p:cNvSpPr>
@@ -2511,14 +2511,14 @@
       </p:sp>
       <p:sp>
         <p:nvSpPr>
-          <p:cNvPr id="1048628" name="TextBox 13"/>
+          <p:cNvPr id="1048602" name="TextBox 13"/>
           <p:cNvSpPr txBox="1"/>
           <p:nvPr/>
         </p:nvSpPr>
         <p:spPr>
           <a:xfrm>
-            <a:off x="692837" y="3314150"/>
-            <a:ext cx="11632624" cy="2123440"/>
+            <a:off x="190499" y="2662946"/>
+            <a:ext cx="10934414" cy="2529840"/>
           </a:xfrm>
           <a:prstGeom prst="rect"/>
           <a:noFill/>
@@ -2542,7 +2542,15 @@
             </a:r>
             <a:r>
               <a:rPr altLang="en-GB" dirty="0" sz="2400" lang="en-US"/>
-              <a:t>IYA</a:t>
+              <a:t>I</a:t>
+            </a:r>
+            <a:r>
+              <a:rPr altLang="en-GB" dirty="0" sz="2400" lang="en-US"/>
+              <a:t>Y</a:t>
+            </a:r>
+            <a:r>
+              <a:rPr altLang="en-GB" dirty="0" sz="2400" lang="en-US"/>
+              <a:t>A</a:t>
             </a:r>
             <a:r>
               <a:rPr altLang="en-GB" dirty="0" sz="2400" lang="en-US"/>
@@ -2589,7 +2597,19 @@
             </a:r>
             <a:r>
               <a:rPr altLang="en-GB" dirty="0" sz="2400" lang="en-US"/>
+              <a:t>1</a:t>
+            </a:r>
+            <a:r>
+              <a:rPr altLang="en-GB" dirty="0" sz="2400" lang="en-US"/>
+              <a:t>8</a:t>
+            </a:r>
+            <a:r>
+              <a:rPr altLang="en-GB" dirty="0" sz="2400" lang="en-US"/>
               <a:t>0</a:t>
+            </a:r>
+            <a:r>
+              <a:rPr altLang="en-GB" dirty="0" sz="2400" lang="en-US"/>
+              <a:t>2</a:t>
             </a:r>
             <a:r>
               <a:rPr altLang="en-GB" dirty="0" sz="2400" lang="en-US"/>
@@ -2597,7 +2617,11 @@
             </a:r>
             <a:r>
               <a:rPr altLang="en-GB" dirty="0" sz="2400" lang="en-US"/>
-              <a:t>0</a:t>
+              <a:t>2</a:t>
+            </a:r>
+            <a:r>
+              <a:rPr altLang="en-GB" dirty="0" sz="2400" lang="en-US"/>
+              <a:t>2</a:t>
             </a:r>
             <a:r>
               <a:rPr altLang="en-GB" dirty="0" sz="2400" lang="en-US"/>
@@ -2605,7 +2629,7 @@
             </a:r>
             <a:r>
               <a:rPr altLang="en-GB" dirty="0" sz="2400" lang="en-US"/>
-              <a:t>1</a:t>
+              <a:t>4</a:t>
             </a:r>
             <a:r>
               <a:rPr altLang="en-GB" dirty="0" sz="2400" lang="en-US"/>
@@ -2613,19 +2637,23 @@
             </a:r>
             <a:r>
               <a:rPr altLang="en-GB" dirty="0" sz="2400" lang="en-US"/>
-              <a:t>2</a:t>
+              <a:t>A</a:t>
             </a:r>
             <a:r>
               <a:rPr altLang="en-GB" dirty="0" sz="2400" lang="en-US"/>
-              <a:t>0</a:t>
+              <a:t>N</a:t>
             </a:r>
             <a:r>
               <a:rPr altLang="en-GB" dirty="0" sz="2400" lang="en-US"/>
-              <a:t>4</a:t>
+              <a:t>D</a:t>
             </a:r>
             <a:r>
               <a:rPr altLang="en-GB" dirty="0" sz="2400" lang="en-US"/>
-              <a:t>2</a:t>
+              <a:t> </a:t>
+            </a:r>
+            <a:r>
+              <a:rPr altLang="en-GB" dirty="0" sz="2400" lang="en-US"/>
+              <a:t>49780A9C2537D5BB5B9471ACEC07261C</a:t>
             </a:r>
             <a:endParaRPr dirty="0" sz="2400" lang="en-US">
               <a:cs typeface="Calibri"/>
@@ -2871,7 +2899,7 @@
   <p:cSld>
     <p:spTree>
       <p:nvGrpSpPr>
-        <p:cNvPr id="19" name=""/>
+        <p:cNvPr id="39" name=""/>
         <p:cNvGrpSpPr/>
         <p:nvPr/>
       </p:nvGrpSpPr>
@@ -2885,7 +2913,7 @@
       </p:grpSpPr>
       <p:sp>
         <p:nvSpPr>
-          <p:cNvPr id="1048595" name="object 2"/>
+          <p:cNvPr id="1048678" name="object 2"/>
           <p:cNvSpPr txBox="1"/>
           <p:nvPr/>
         </p:nvSpPr>
@@ -3055,7 +3083,7 @@
       </p:sp>
       <p:sp>
         <p:nvSpPr>
-          <p:cNvPr id="1048596" name="object 3"/>
+          <p:cNvPr id="1048679" name="object 3"/>
           <p:cNvSpPr/>
           <p:nvPr/>
         </p:nvSpPr>
@@ -3100,7 +3128,7 @@
       </p:sp>
       <p:sp>
         <p:nvSpPr>
-          <p:cNvPr id="1048597" name="object 4"/>
+          <p:cNvPr id="1048680" name="object 4"/>
           <p:cNvSpPr/>
           <p:nvPr/>
         </p:nvSpPr>
@@ -3145,7 +3173,7 @@
       </p:sp>
       <p:sp>
         <p:nvSpPr>
-          <p:cNvPr id="1048598" name="object 5"/>
+          <p:cNvPr id="1048681" name="object 5"/>
           <p:cNvSpPr/>
           <p:nvPr/>
         </p:nvSpPr>
@@ -3190,7 +3218,7 @@
       </p:sp>
       <p:pic>
         <p:nvPicPr>
-          <p:cNvPr id="2097152" name="object 6"/>
+          <p:cNvPr id="2097166" name="object 6"/>
           <p:cNvPicPr>
             <a:picLocks/>
           </p:cNvPicPr>
@@ -3212,7 +3240,7 @@
       </p:pic>
       <p:sp>
         <p:nvSpPr>
-          <p:cNvPr id="1048599" name="object 7"/>
+          <p:cNvPr id="1048682" name="object 7"/>
           <p:cNvSpPr txBox="1">
             <a:spLocks noGrp="1"/>
           </p:cNvSpPr>
@@ -3250,7 +3278,7 @@
       </p:sp>
       <p:sp>
         <p:nvSpPr>
-          <p:cNvPr id="1048600" name="object 8"/>
+          <p:cNvPr id="1048683" name="object 8"/>
           <p:cNvSpPr txBox="1"/>
           <p:nvPr/>
         </p:nvSpPr>
@@ -3293,7 +3321,7 @@
       </p:sp>
       <p:sp>
         <p:nvSpPr>
-          <p:cNvPr id="1048601" name="TextBox 8"/>
+          <p:cNvPr id="1048684" name="TextBox 8"/>
           <p:cNvSpPr txBox="1"/>
           <p:nvPr/>
         </p:nvSpPr>
@@ -3331,6 +3359,29 @@
           </a:p>
         </p:txBody>
       </p:sp>
+      <p:pic>
+        <p:nvPicPr>
+          <p:cNvPr id="2097167" name=""/>
+          <p:cNvPicPr>
+            <a:picLocks/>
+          </p:cNvPicPr>
+          <p:nvPr/>
+        </p:nvPicPr>
+        <p:blipFill>
+          <a:blip xmlns:r="http://schemas.openxmlformats.org/officeDocument/2006/relationships" r:embed="rId2"/>
+          <a:srcRect l="0" t="18190" r="0" b="14565"/>
+          <a:stretch>
+            <a:fillRect/>
+          </a:stretch>
+        </p:blipFill>
+        <p:spPr>
+          <a:xfrm rot="357">
+            <a:off x="2695021" y="1971761"/>
+            <a:ext cx="5874986" cy="4228032"/>
+          </a:xfrm>
+          <a:prstGeom prst="rect"/>
+        </p:spPr>
+      </p:pic>
     </p:spTree>
   </p:cSld>
   <p:clrMapOvr>
@@ -3344,7 +3395,7 @@
   <p:cSld>
     <p:spTree>
       <p:nvGrpSpPr>
-        <p:cNvPr id="21" name=""/>
+        <p:cNvPr id="40" name=""/>
         <p:cNvGrpSpPr/>
         <p:nvPr/>
       </p:nvGrpSpPr>
@@ -3358,7 +3409,7 @@
       </p:grpSpPr>
       <p:sp>
         <p:nvSpPr>
-          <p:cNvPr id="1048602" name="object 3"/>
+          <p:cNvPr id="1048685" name="object 3"/>
           <p:cNvSpPr/>
           <p:nvPr/>
         </p:nvSpPr>
@@ -3403,7 +3454,7 @@
       </p:sp>
       <p:sp>
         <p:nvSpPr>
-          <p:cNvPr id="1048603" name="object 4"/>
+          <p:cNvPr id="1048686" name="object 4"/>
           <p:cNvSpPr/>
           <p:nvPr/>
         </p:nvSpPr>
@@ -3448,7 +3499,7 @@
       </p:sp>
       <p:sp>
         <p:nvSpPr>
-          <p:cNvPr id="1048604" name="object 5"/>
+          <p:cNvPr id="1048687" name="object 5"/>
           <p:cNvSpPr/>
           <p:nvPr/>
         </p:nvSpPr>
@@ -3493,7 +3544,7 @@
       </p:sp>
       <p:pic>
         <p:nvPicPr>
-          <p:cNvPr id="2097153" name="object 6"/>
+          <p:cNvPr id="2097168" name="object 6"/>
           <p:cNvPicPr>
             <a:picLocks/>
           </p:cNvPicPr>
@@ -3515,7 +3566,7 @@
       </p:pic>
       <p:sp>
         <p:nvSpPr>
-          <p:cNvPr id="1048605" name="object 7"/>
+          <p:cNvPr id="1048688" name="object 7"/>
           <p:cNvSpPr txBox="1">
             <a:spLocks noGrp="1"/>
           </p:cNvSpPr>
@@ -3553,7 +3604,7 @@
       </p:sp>
       <p:sp>
         <p:nvSpPr>
-          <p:cNvPr id="1048606" name="object 9"/>
+          <p:cNvPr id="1048689" name="object 9"/>
           <p:cNvSpPr txBox="1"/>
           <p:nvPr/>
         </p:nvSpPr>
@@ -3594,6 +3645,40 @@
           </a:p>
         </p:txBody>
       </p:sp>
+      <p:sp>
+        <p:nvSpPr>
+          <p:cNvPr id="1048690" name=""/>
+          <p:cNvSpPr txBox="1"/>
+          <p:nvPr/>
+        </p:nvSpPr>
+        <p:spPr>
+          <a:xfrm>
+            <a:off x="1003338" y="2059939"/>
+            <a:ext cx="8807412" cy="2910840"/>
+          </a:xfrm>
+          <a:prstGeom prst="rect"/>
+        </p:spPr>
+        <p:txBody>
+          <a:bodyPr rtlCol="0" wrap="square">
+            <a:spAutoFit/>
+          </a:bodyPr>
+          <a:p>
+            <a:r>
+              <a:rPr sz="2800" lang="en-GB">
+                <a:solidFill>
+                  <a:srgbClr val="000000"/>
+                </a:solidFill>
+              </a:rPr>
+              <a:t>JavaScript frameworks and libraries simplify web development by making code more organized, efficient, and scalable. They help build dynamic, responsive, and user-friendly applications faster. Choosing the right tool depends on your project needs.</a:t>
+            </a:r>
+            <a:endParaRPr sz="2800" lang="en-GB">
+              <a:solidFill>
+                <a:srgbClr val="000000"/>
+              </a:solidFill>
+            </a:endParaRPr>
+          </a:p>
+        </p:txBody>
+      </p:sp>
     </p:spTree>
   </p:cSld>
   <p:clrMapOvr>
@@ -3607,7 +3692,7 @@
   <p:cSld>
     <p:spTree>
       <p:nvGrpSpPr>
-        <p:cNvPr id="30" name=""/>
+        <p:cNvPr id="25" name=""/>
         <p:cNvGrpSpPr/>
         <p:nvPr/>
       </p:nvGrpSpPr>
@@ -3621,7 +3706,7 @@
       </p:grpSpPr>
       <p:sp>
         <p:nvSpPr>
-          <p:cNvPr id="1048632" name="object 2"/>
+          <p:cNvPr id="1048610" name="object 2"/>
           <p:cNvSpPr/>
           <p:nvPr/>
         </p:nvSpPr>
@@ -3663,105 +3748,105 @@
           <a:bodyPr bIns="0" lIns="0" rIns="0" rtlCol="0" tIns="0" wrap="square"/>
           <a:p>
             <a:pPr algn="ctr"/>
-            <a:endParaRPr dirty="0">
+            <a:endParaRPr b="1" dirty="0" sz="30000">
               <a:latin typeface="Times New Roman" panose="02020603050405020304" pitchFamily="18" charset="0"/>
               <a:cs typeface="Times New Roman" panose="02020603050405020304" pitchFamily="18" charset="0"/>
             </a:endParaRPr>
           </a:p>
           <a:p>
             <a:pPr algn="ctr"/>
-            <a:endParaRPr dirty="0">
+            <a:endParaRPr b="1" dirty="0" sz="30000">
               <a:latin typeface="Times New Roman" panose="02020603050405020304" pitchFamily="18" charset="0"/>
               <a:cs typeface="Times New Roman" panose="02020603050405020304" pitchFamily="18" charset="0"/>
             </a:endParaRPr>
           </a:p>
           <a:p>
             <a:pPr algn="ctr"/>
-            <a:endParaRPr dirty="0">
+            <a:endParaRPr b="1" dirty="0" sz="30000">
               <a:latin typeface="Times New Roman" panose="02020603050405020304" pitchFamily="18" charset="0"/>
               <a:cs typeface="Times New Roman" panose="02020603050405020304" pitchFamily="18" charset="0"/>
             </a:endParaRPr>
           </a:p>
           <a:p>
             <a:pPr algn="ctr"/>
-            <a:endParaRPr dirty="0">
+            <a:endParaRPr b="1" dirty="0" sz="30000">
               <a:latin typeface="Times New Roman" panose="02020603050405020304" pitchFamily="18" charset="0"/>
               <a:cs typeface="Times New Roman" panose="02020603050405020304" pitchFamily="18" charset="0"/>
             </a:endParaRPr>
           </a:p>
           <a:p>
             <a:pPr algn="ctr"/>
-            <a:endParaRPr dirty="0">
+            <a:endParaRPr b="1" dirty="0" sz="30000">
               <a:latin typeface="Times New Roman" panose="02020603050405020304" pitchFamily="18" charset="0"/>
               <a:cs typeface="Times New Roman" panose="02020603050405020304" pitchFamily="18" charset="0"/>
             </a:endParaRPr>
           </a:p>
           <a:p>
             <a:pPr algn="ctr"/>
-            <a:endParaRPr dirty="0">
+            <a:endParaRPr b="1" dirty="0" sz="30000">
               <a:latin typeface="Times New Roman" panose="02020603050405020304" pitchFamily="18" charset="0"/>
               <a:cs typeface="Times New Roman" panose="02020603050405020304" pitchFamily="18" charset="0"/>
             </a:endParaRPr>
           </a:p>
           <a:p>
             <a:pPr algn="ctr"/>
-            <a:endParaRPr dirty="0">
+            <a:endParaRPr b="1" dirty="0" sz="30000">
               <a:latin typeface="Times New Roman" panose="02020603050405020304" pitchFamily="18" charset="0"/>
               <a:cs typeface="Times New Roman" panose="02020603050405020304" pitchFamily="18" charset="0"/>
             </a:endParaRPr>
           </a:p>
           <a:p>
             <a:pPr algn="ctr"/>
-            <a:endParaRPr dirty="0">
+            <a:endParaRPr b="1" dirty="0" sz="30000">
               <a:latin typeface="Times New Roman" panose="02020603050405020304" pitchFamily="18" charset="0"/>
               <a:cs typeface="Times New Roman" panose="02020603050405020304" pitchFamily="18" charset="0"/>
             </a:endParaRPr>
           </a:p>
           <a:p>
             <a:pPr algn="ctr"/>
-            <a:endParaRPr dirty="0">
+            <a:endParaRPr b="1" dirty="0" sz="30000">
               <a:latin typeface="Times New Roman" panose="02020603050405020304" pitchFamily="18" charset="0"/>
               <a:cs typeface="Times New Roman" panose="02020603050405020304" pitchFamily="18" charset="0"/>
             </a:endParaRPr>
           </a:p>
           <a:p>
             <a:pPr algn="ctr"/>
-            <a:endParaRPr dirty="0">
+            <a:endParaRPr b="1" dirty="0" sz="30000">
               <a:latin typeface="Times New Roman" panose="02020603050405020304" pitchFamily="18" charset="0"/>
               <a:cs typeface="Times New Roman" panose="02020603050405020304" pitchFamily="18" charset="0"/>
             </a:endParaRPr>
           </a:p>
           <a:p>
             <a:pPr algn="ctr"/>
-            <a:endParaRPr dirty="0">
+            <a:endParaRPr b="1" dirty="0" sz="30000">
               <a:latin typeface="Times New Roman" panose="02020603050405020304" pitchFamily="18" charset="0"/>
               <a:cs typeface="Times New Roman" panose="02020603050405020304" pitchFamily="18" charset="0"/>
             </a:endParaRPr>
           </a:p>
           <a:p>
             <a:pPr algn="ctr"/>
-            <a:endParaRPr dirty="0">
+            <a:endParaRPr b="1" dirty="0" sz="30000">
               <a:latin typeface="Times New Roman" panose="02020603050405020304" pitchFamily="18" charset="0"/>
               <a:cs typeface="Times New Roman" panose="02020603050405020304" pitchFamily="18" charset="0"/>
             </a:endParaRPr>
           </a:p>
           <a:p>
             <a:pPr algn="ctr"/>
-            <a:endParaRPr dirty="0">
+            <a:endParaRPr b="1" dirty="0" sz="30000">
               <a:latin typeface="Times New Roman" panose="02020603050405020304" pitchFamily="18" charset="0"/>
               <a:cs typeface="Times New Roman" panose="02020603050405020304" pitchFamily="18" charset="0"/>
             </a:endParaRPr>
           </a:p>
           <a:p>
             <a:pPr algn="ctr"/>
-            <a:endParaRPr dirty="0">
+            <a:endParaRPr b="1" dirty="0" sz="30000">
               <a:latin typeface="Times New Roman" panose="02020603050405020304" pitchFamily="18" charset="0"/>
               <a:cs typeface="Times New Roman" panose="02020603050405020304" pitchFamily="18" charset="0"/>
             </a:endParaRPr>
           </a:p>
           <a:p>
             <a:pPr algn="ctr"/>
-            <a:endParaRPr dirty="0">
+            <a:endParaRPr b="1" dirty="0">
               <a:latin typeface="Times New Roman" panose="02020603050405020304" pitchFamily="18" charset="0"/>
               <a:cs typeface="Times New Roman" panose="02020603050405020304" pitchFamily="18" charset="0"/>
             </a:endParaRPr>
@@ -3770,7 +3855,7 @@
       </p:sp>
       <p:grpSp>
         <p:nvGrpSpPr>
-          <p:cNvPr id="31" name="object 3"/>
+          <p:cNvPr id="26" name="object 3"/>
           <p:cNvGrpSpPr/>
           <p:nvPr/>
         </p:nvGrpSpPr>
@@ -3784,7 +3869,7 @@
         </p:grpSpPr>
         <p:sp>
           <p:nvSpPr>
-            <p:cNvPr id="1048633" name="object 4"/>
+            <p:cNvPr id="1048611" name="object 4"/>
             <p:cNvSpPr/>
             <p:nvPr/>
           </p:nvSpPr>
@@ -3821,7 +3906,7 @@
         </p:sp>
         <p:sp>
           <p:nvSpPr>
-            <p:cNvPr id="1048634" name="object 5"/>
+            <p:cNvPr id="1048612" name="object 5"/>
             <p:cNvSpPr/>
             <p:nvPr/>
           </p:nvSpPr>
@@ -3858,7 +3943,7 @@
         </p:sp>
         <p:sp>
           <p:nvSpPr>
-            <p:cNvPr id="1048635" name="object 6"/>
+            <p:cNvPr id="1048613" name="object 6"/>
             <p:cNvSpPr/>
             <p:nvPr/>
           </p:nvSpPr>
@@ -3905,7 +3990,7 @@
         </p:sp>
         <p:sp>
           <p:nvSpPr>
-            <p:cNvPr id="1048636" name="object 7"/>
+            <p:cNvPr id="1048614" name="object 7"/>
             <p:cNvSpPr/>
             <p:nvPr/>
           </p:nvSpPr>
@@ -3952,7 +4037,7 @@
         </p:sp>
         <p:sp>
           <p:nvSpPr>
-            <p:cNvPr id="1048637" name="object 8"/>
+            <p:cNvPr id="1048615" name="object 8"/>
             <p:cNvSpPr/>
             <p:nvPr/>
           </p:nvSpPr>
@@ -3996,7 +4081,7 @@
         </p:sp>
         <p:sp>
           <p:nvSpPr>
-            <p:cNvPr id="1048638" name="object 9"/>
+            <p:cNvPr id="1048616" name="object 9"/>
             <p:cNvSpPr/>
             <p:nvPr/>
           </p:nvSpPr>
@@ -4043,7 +4128,7 @@
         </p:sp>
         <p:sp>
           <p:nvSpPr>
-            <p:cNvPr id="1048639" name="object 10"/>
+            <p:cNvPr id="1048617" name="object 10"/>
             <p:cNvSpPr/>
             <p:nvPr/>
           </p:nvSpPr>
@@ -4090,7 +4175,7 @@
         </p:sp>
         <p:sp>
           <p:nvSpPr>
-            <p:cNvPr id="1048640" name="object 11"/>
+            <p:cNvPr id="1048618" name="object 11"/>
             <p:cNvSpPr/>
             <p:nvPr/>
           </p:nvSpPr>
@@ -4137,7 +4222,7 @@
         </p:sp>
         <p:sp>
           <p:nvSpPr>
-            <p:cNvPr id="1048641" name="object 12"/>
+            <p:cNvPr id="1048619" name="object 12"/>
             <p:cNvSpPr/>
             <p:nvPr/>
           </p:nvSpPr>
@@ -4182,7 +4267,7 @@
       </p:grpSp>
       <p:sp>
         <p:nvSpPr>
-          <p:cNvPr id="1048642" name="object 13"/>
+          <p:cNvPr id="1048620" name="object 13"/>
           <p:cNvSpPr/>
           <p:nvPr/>
         </p:nvSpPr>
@@ -4226,7 +4311,7 @@
       </p:sp>
       <p:sp>
         <p:nvSpPr>
-          <p:cNvPr id="1048643" name="object 14"/>
+          <p:cNvPr id="1048621" name="object 14"/>
           <p:cNvSpPr/>
           <p:nvPr/>
         </p:nvSpPr>
@@ -4271,7 +4356,7 @@
       </p:sp>
       <p:sp>
         <p:nvSpPr>
-          <p:cNvPr id="1048644" name="object 15"/>
+          <p:cNvPr id="1048622" name="object 15"/>
           <p:cNvSpPr/>
           <p:nvPr/>
         </p:nvSpPr>
@@ -4316,7 +4401,7 @@
       </p:sp>
       <p:sp>
         <p:nvSpPr>
-          <p:cNvPr id="1048645" name="object 16"/>
+          <p:cNvPr id="1048623" name="object 16"/>
           <p:cNvSpPr/>
           <p:nvPr/>
         </p:nvSpPr>
@@ -4361,7 +4446,7 @@
       </p:sp>
       <p:sp>
         <p:nvSpPr>
-          <p:cNvPr id="1048646" name="object 17"/>
+          <p:cNvPr id="1048624" name="object 17"/>
           <p:cNvSpPr txBox="1">
             <a:spLocks noGrp="1"/>
           </p:cNvSpPr>
@@ -4407,7 +4492,7 @@
       </p:sp>
       <p:grpSp>
         <p:nvGrpSpPr>
-          <p:cNvPr id="32" name="object 18"/>
+          <p:cNvPr id="27" name="object 18"/>
           <p:cNvGrpSpPr/>
           <p:nvPr/>
         </p:nvGrpSpPr>
@@ -4421,7 +4506,7 @@
         </p:grpSpPr>
         <p:pic>
           <p:nvPicPr>
-            <p:cNvPr id="2097158" name="object 19"/>
+            <p:cNvPr id="2097153" name="object 19"/>
             <p:cNvPicPr>
               <a:picLocks/>
             </p:cNvPicPr>
@@ -4443,7 +4528,7 @@
         </p:pic>
         <p:pic>
           <p:nvPicPr>
-            <p:cNvPr id="2097159" name="object 20"/>
+            <p:cNvPr id="2097154" name="object 20"/>
             <p:cNvPicPr>
               <a:picLocks/>
             </p:cNvPicPr>
@@ -4466,7 +4551,7 @@
       </p:grpSp>
       <p:sp>
         <p:nvSpPr>
-          <p:cNvPr id="1048647" name="object 22"/>
+          <p:cNvPr id="1048625" name="object 22"/>
           <p:cNvSpPr txBox="1">
             <a:spLocks noGrp="1"/>
           </p:cNvSpPr>
@@ -4498,6 +4583,104 @@
           </a:p>
         </p:txBody>
       </p:sp>
+      <p:sp>
+        <p:nvSpPr>
+          <p:cNvPr id="1048626" name=""/>
+          <p:cNvSpPr txBox="1"/>
+          <p:nvPr/>
+        </p:nvSpPr>
+        <p:spPr>
+          <a:xfrm>
+            <a:off x="1454759" y="3078480"/>
+            <a:ext cx="11987706" cy="701040"/>
+          </a:xfrm>
+          <a:prstGeom prst="rect"/>
+        </p:spPr>
+        <p:txBody>
+          <a:bodyPr rtlCol="0" wrap="square">
+            <a:spAutoFit/>
+          </a:bodyPr>
+          <a:p>
+            <a:r>
+              <a:rPr altLang="en-GB" sz="3600" lang="en-US">
+                <a:solidFill>
+                  <a:srgbClr val="0000FF"/>
+                </a:solidFill>
+              </a:rPr>
+              <a:t>J</a:t>
+            </a:r>
+            <a:r>
+              <a:rPr altLang="en-GB" sz="3600" lang="en-US">
+                <a:solidFill>
+                  <a:srgbClr val="0000FF"/>
+                </a:solidFill>
+              </a:rPr>
+              <a:t>a</a:t>
+            </a:r>
+            <a:r>
+              <a:rPr altLang="en-GB" sz="3600" lang="en-US">
+                <a:solidFill>
+                  <a:srgbClr val="0000FF"/>
+                </a:solidFill>
+              </a:rPr>
+              <a:t>v</a:t>
+            </a:r>
+            <a:r>
+              <a:rPr altLang="en-GB" sz="3600" lang="en-US">
+                <a:solidFill>
+                  <a:srgbClr val="0000FF"/>
+                </a:solidFill>
+              </a:rPr>
+              <a:t>a</a:t>
+            </a:r>
+            <a:r>
+              <a:rPr altLang="en-GB" sz="3600" lang="en-US">
+                <a:solidFill>
+                  <a:srgbClr val="0000FF"/>
+                </a:solidFill>
+              </a:rPr>
+              <a:t>s</a:t>
+            </a:r>
+            <a:r>
+              <a:rPr altLang="en-GB" sz="3600" lang="en-US">
+                <a:solidFill>
+                  <a:srgbClr val="0000FF"/>
+                </a:solidFill>
+              </a:rPr>
+              <a:t>cript </a:t>
+            </a:r>
+            <a:r>
+              <a:rPr altLang="en-GB" sz="3600" lang="en-US">
+                <a:solidFill>
+                  <a:srgbClr val="0000FF"/>
+                </a:solidFill>
+              </a:rPr>
+              <a:t>framework </a:t>
+            </a:r>
+            <a:r>
+              <a:rPr altLang="en-GB" sz="3600" lang="en-US">
+                <a:solidFill>
+                  <a:srgbClr val="0000FF"/>
+                </a:solidFill>
+              </a:rPr>
+              <a:t>and </a:t>
+            </a:r>
+            <a:r>
+              <a:rPr altLang="en-GB" sz="3600" lang="en-US">
+                <a:solidFill>
+                  <a:srgbClr val="0000FF"/>
+                </a:solidFill>
+              </a:rPr>
+              <a:t>liabraries </a:t>
+            </a:r>
+            <a:endParaRPr sz="2800" lang="en-GB">
+              <a:solidFill>
+                <a:srgbClr val="000000"/>
+              </a:solidFill>
+            </a:endParaRPr>
+          </a:p>
+        </p:txBody>
+      </p:sp>
     </p:spTree>
   </p:cSld>
   <p:clrMapOvr>
@@ -4511,7 +4694,7 @@
   <p:cSld>
     <p:spTree>
       <p:nvGrpSpPr>
-        <p:cNvPr id="33" name=""/>
+        <p:cNvPr id="28" name=""/>
         <p:cNvGrpSpPr/>
         <p:nvPr/>
       </p:nvGrpSpPr>
@@ -4525,7 +4708,7 @@
       </p:grpSpPr>
       <p:sp>
         <p:nvSpPr>
-          <p:cNvPr id="1048648" name="object 2"/>
+          <p:cNvPr id="1048627" name="object 2"/>
           <p:cNvSpPr/>
           <p:nvPr/>
         </p:nvSpPr>
@@ -4572,7 +4755,7 @@
       </p:sp>
       <p:grpSp>
         <p:nvGrpSpPr>
-          <p:cNvPr id="34" name="object 3"/>
+          <p:cNvPr id="29" name="object 3"/>
           <p:cNvGrpSpPr/>
           <p:nvPr/>
         </p:nvGrpSpPr>
@@ -4586,7 +4769,7 @@
         </p:grpSpPr>
         <p:sp>
           <p:nvSpPr>
-            <p:cNvPr id="1048649" name="object 4"/>
+            <p:cNvPr id="1048628" name="object 4"/>
             <p:cNvSpPr/>
             <p:nvPr/>
           </p:nvSpPr>
@@ -4623,7 +4806,7 @@
         </p:sp>
         <p:sp>
           <p:nvSpPr>
-            <p:cNvPr id="1048650" name="object 5"/>
+            <p:cNvPr id="1048629" name="object 5"/>
             <p:cNvSpPr/>
             <p:nvPr/>
           </p:nvSpPr>
@@ -4660,7 +4843,7 @@
         </p:sp>
         <p:sp>
           <p:nvSpPr>
-            <p:cNvPr id="1048651" name="object 6"/>
+            <p:cNvPr id="1048630" name="object 6"/>
             <p:cNvSpPr/>
             <p:nvPr/>
           </p:nvSpPr>
@@ -4707,7 +4890,7 @@
         </p:sp>
         <p:sp>
           <p:nvSpPr>
-            <p:cNvPr id="1048652" name="object 7"/>
+            <p:cNvPr id="1048631" name="object 7"/>
             <p:cNvSpPr/>
             <p:nvPr/>
           </p:nvSpPr>
@@ -4754,7 +4937,7 @@
         </p:sp>
         <p:sp>
           <p:nvSpPr>
-            <p:cNvPr id="1048653" name="object 8"/>
+            <p:cNvPr id="1048632" name="object 8"/>
             <p:cNvSpPr/>
             <p:nvPr/>
           </p:nvSpPr>
@@ -4798,7 +4981,7 @@
         </p:sp>
         <p:sp>
           <p:nvSpPr>
-            <p:cNvPr id="1048654" name="object 9"/>
+            <p:cNvPr id="1048633" name="object 9"/>
             <p:cNvSpPr/>
             <p:nvPr/>
           </p:nvSpPr>
@@ -4845,7 +5028,7 @@
         </p:sp>
         <p:sp>
           <p:nvSpPr>
-            <p:cNvPr id="1048655" name="object 10"/>
+            <p:cNvPr id="1048634" name="object 10"/>
             <p:cNvSpPr/>
             <p:nvPr/>
           </p:nvSpPr>
@@ -4892,7 +5075,7 @@
         </p:sp>
         <p:sp>
           <p:nvSpPr>
-            <p:cNvPr id="1048656" name="object 11"/>
+            <p:cNvPr id="1048635" name="object 11"/>
             <p:cNvSpPr/>
             <p:nvPr/>
           </p:nvSpPr>
@@ -4939,7 +5122,7 @@
         </p:sp>
         <p:sp>
           <p:nvSpPr>
-            <p:cNvPr id="1048657" name="object 12"/>
+            <p:cNvPr id="1048636" name="object 12"/>
             <p:cNvSpPr/>
             <p:nvPr/>
           </p:nvSpPr>
@@ -4984,7 +5167,7 @@
       </p:grpSp>
       <p:sp>
         <p:nvSpPr>
-          <p:cNvPr id="1048658" name="object 13"/>
+          <p:cNvPr id="1048637" name="object 13"/>
           <p:cNvSpPr/>
           <p:nvPr/>
         </p:nvSpPr>
@@ -5028,7 +5211,7 @@
       </p:sp>
       <p:sp>
         <p:nvSpPr>
-          <p:cNvPr id="1048659" name="object 14"/>
+          <p:cNvPr id="1048638" name="object 14"/>
           <p:cNvSpPr txBox="1"/>
           <p:nvPr/>
         </p:nvSpPr>
@@ -5198,7 +5381,7 @@
       </p:sp>
       <p:sp>
         <p:nvSpPr>
-          <p:cNvPr id="1048660" name="object 15"/>
+          <p:cNvPr id="1048639" name="object 15"/>
           <p:cNvSpPr/>
           <p:nvPr/>
         </p:nvSpPr>
@@ -5303,7 +5486,7 @@
       </p:sp>
       <p:sp>
         <p:nvSpPr>
-          <p:cNvPr id="1048661" name="object 16"/>
+          <p:cNvPr id="1048640" name="object 16"/>
           <p:cNvSpPr/>
           <p:nvPr/>
         </p:nvSpPr>
@@ -5468,7 +5651,7 @@
       </p:sp>
       <p:pic>
         <p:nvPicPr>
-          <p:cNvPr id="2097160" name="object 17"/>
+          <p:cNvPr id="2097155" name="object 17"/>
           <p:cNvPicPr>
             <a:picLocks/>
           </p:cNvPicPr>
@@ -5490,7 +5673,7 @@
       </p:pic>
       <p:grpSp>
         <p:nvGrpSpPr>
-          <p:cNvPr id="35" name="object 18"/>
+          <p:cNvPr id="30" name="object 18"/>
           <p:cNvGrpSpPr/>
           <p:nvPr/>
         </p:nvGrpSpPr>
@@ -5504,7 +5687,7 @@
         </p:grpSpPr>
         <p:pic>
           <p:nvPicPr>
-            <p:cNvPr id="2097161" name="object 19"/>
+            <p:cNvPr id="2097156" name="object 19"/>
             <p:cNvPicPr>
               <a:picLocks/>
             </p:cNvPicPr>
@@ -5526,7 +5709,7 @@
         </p:pic>
         <p:pic>
           <p:nvPicPr>
-            <p:cNvPr id="2097162" name="object 20"/>
+            <p:cNvPr id="2097157" name="object 20"/>
             <p:cNvPicPr>
               <a:picLocks/>
             </p:cNvPicPr>
@@ -5549,7 +5732,7 @@
       </p:grpSp>
       <p:sp>
         <p:nvSpPr>
-          <p:cNvPr id="1048662" name="object 21"/>
+          <p:cNvPr id="1048641" name="object 21"/>
           <p:cNvSpPr txBox="1">
             <a:spLocks noGrp="1"/>
           </p:cNvSpPr>
@@ -5602,7 +5785,7 @@
       </p:sp>
       <p:sp>
         <p:nvSpPr>
-          <p:cNvPr id="1048663" name="object 22"/>
+          <p:cNvPr id="1048642" name="object 22"/>
           <p:cNvSpPr txBox="1">
             <a:spLocks noGrp="1"/>
           </p:cNvSpPr>
@@ -5636,7 +5819,7 @@
       </p:sp>
       <p:sp>
         <p:nvSpPr>
-          <p:cNvPr id="1048664" name="TextBox 22"/>
+          <p:cNvPr id="1048643" name="TextBox 22"/>
           <p:cNvSpPr txBox="1"/>
           <p:nvPr/>
         </p:nvSpPr>
@@ -5886,7 +6069,7 @@
   <p:cSld>
     <p:spTree>
       <p:nvGrpSpPr>
-        <p:cNvPr id="36" name=""/>
+        <p:cNvPr id="31" name=""/>
         <p:cNvGrpSpPr/>
         <p:nvPr/>
       </p:nvGrpSpPr>
@@ -5900,7 +6083,7 @@
       </p:grpSpPr>
       <p:grpSp>
         <p:nvGrpSpPr>
-          <p:cNvPr id="37" name="object 2"/>
+          <p:cNvPr id="32" name="object 2"/>
           <p:cNvGrpSpPr/>
           <p:nvPr/>
         </p:nvGrpSpPr>
@@ -5914,7 +6097,7 @@
         </p:grpSpPr>
         <p:sp>
           <p:nvSpPr>
-            <p:cNvPr id="1048665" name="object 3"/>
+            <p:cNvPr id="1048644" name="object 3"/>
             <p:cNvSpPr/>
             <p:nvPr/>
           </p:nvSpPr>
@@ -5959,7 +6142,7 @@
         </p:sp>
         <p:sp>
           <p:nvSpPr>
-            <p:cNvPr id="1048666" name="object 4"/>
+            <p:cNvPr id="1048645" name="object 4"/>
             <p:cNvSpPr/>
             <p:nvPr/>
           </p:nvSpPr>
@@ -6004,7 +6187,7 @@
         </p:sp>
         <p:pic>
           <p:nvPicPr>
-            <p:cNvPr id="2097163" name="object 5"/>
+            <p:cNvPr id="2097158" name="object 5"/>
             <p:cNvPicPr>
               <a:picLocks/>
             </p:cNvPicPr>
@@ -6027,7 +6210,7 @@
       </p:grpSp>
       <p:sp>
         <p:nvSpPr>
-          <p:cNvPr id="1048667" name="object 6"/>
+          <p:cNvPr id="1048646" name="object 6"/>
           <p:cNvSpPr/>
           <p:nvPr/>
         </p:nvSpPr>
@@ -6072,7 +6255,7 @@
       </p:sp>
       <p:sp>
         <p:nvSpPr>
-          <p:cNvPr id="1048668" name="object 7"/>
+          <p:cNvPr id="1048647" name="object 7"/>
           <p:cNvSpPr txBox="1">
             <a:spLocks noGrp="1"/>
           </p:cNvSpPr>
@@ -6161,7 +6344,7 @@
       </p:sp>
       <p:pic>
         <p:nvPicPr>
-          <p:cNvPr id="2097164" name="object 8"/>
+          <p:cNvPr id="2097159" name="object 8"/>
           <p:cNvPicPr>
             <a:picLocks/>
           </p:cNvPicPr>
@@ -6183,7 +6366,7 @@
       </p:pic>
       <p:sp>
         <p:nvSpPr>
-          <p:cNvPr id="1048669" name="object 10"/>
+          <p:cNvPr id="1048648" name="object 10"/>
           <p:cNvSpPr txBox="1">
             <a:spLocks noGrp="1"/>
           </p:cNvSpPr>
@@ -6215,6 +6398,56 @@
           </a:p>
         </p:txBody>
       </p:sp>
+      <p:sp>
+        <p:nvSpPr>
+          <p:cNvPr id="1048649" name=""/>
+          <p:cNvSpPr txBox="1"/>
+          <p:nvPr/>
+        </p:nvSpPr>
+        <p:spPr>
+          <a:xfrm rot="6919">
+            <a:off x="376521" y="1921191"/>
+            <a:ext cx="9429890" cy="4320540"/>
+          </a:xfrm>
+          <a:prstGeom prst="rect"/>
+        </p:spPr>
+        <p:txBody>
+          <a:bodyPr rtlCol="0" wrap="square">
+            <a:spAutoFit/>
+          </a:bodyPr>
+          <a:p>
+            <a:r>
+              <a:rPr altLang="en-GB" sz="2800" lang="en-US">
+                <a:solidFill>
+                  <a:srgbClr val="000000"/>
+                </a:solidFill>
+              </a:rPr>
+              <a:t>*“Modern web applications demand rich interactivity, high performan</a:t>
+            </a:r>
+            <a:r>
+              <a:rPr altLang="en-GB" sz="2800" lang="en-US">
+                <a:solidFill>
+                  <a:srgbClr val="000000"/>
+                </a:solidFill>
+              </a:rPr>
+              <a:t>c</a:t>
+            </a:r>
+            <a:r>
+              <a:rPr altLang="en-GB" sz="2800" lang="en-US">
+                <a:solidFill>
+                  <a:srgbClr val="000000"/>
+                </a:solidFill>
+              </a:rPr>
+              <a:t>e, and maintainable code. Traditional JavaScript, while powerful, becomes complex and hard to manage as application size grows. Developers face challenges like state management, DOM manipulation, and component reusability. This project explores how JavaScript frameworks and libraries (such as React, Angular, Vue, and jQuery) solve these challenges, streamline development, and improve user experience.”*</a:t>
+            </a:r>
+            <a:endParaRPr sz="2800" lang="en-GB">
+              <a:solidFill>
+                <a:srgbClr val="000000"/>
+              </a:solidFill>
+            </a:endParaRPr>
+          </a:p>
+        </p:txBody>
+      </p:sp>
     </p:spTree>
   </p:cSld>
   <p:clrMapOvr>
@@ -6228,7 +6461,7 @@
   <p:cSld>
     <p:spTree>
       <p:nvGrpSpPr>
-        <p:cNvPr id="38" name=""/>
+        <p:cNvPr id="33" name=""/>
         <p:cNvGrpSpPr/>
         <p:nvPr/>
       </p:nvGrpSpPr>
@@ -6242,21 +6475,21 @@
       </p:grpSpPr>
       <p:grpSp>
         <p:nvGrpSpPr>
-          <p:cNvPr id="39" name="object 2"/>
+          <p:cNvPr id="34" name="object 2"/>
           <p:cNvGrpSpPr/>
           <p:nvPr/>
         </p:nvGrpSpPr>
         <p:grpSpPr>
           <a:xfrm>
-            <a:off x="8658225" y="2647950"/>
-            <a:ext cx="3533775" cy="3810000"/>
-            <a:chOff x="8658225" y="2647950"/>
-            <a:chExt cx="3533775" cy="3810000"/>
+            <a:off x="9586531" y="0"/>
+            <a:ext cx="3533775" cy="5333999"/>
+            <a:chOff x="8338609" y="742951"/>
+            <a:chExt cx="3533775" cy="5333999"/>
           </a:xfrm>
         </p:grpSpPr>
         <p:sp>
           <p:nvSpPr>
-            <p:cNvPr id="1048670" name="object 3"/>
+            <p:cNvPr id="1048650" name="object 3"/>
             <p:cNvSpPr/>
             <p:nvPr/>
           </p:nvSpPr>
@@ -6301,7 +6534,7 @@
         </p:sp>
         <p:sp>
           <p:nvSpPr>
-            <p:cNvPr id="1048671" name="object 4"/>
+            <p:cNvPr id="1048651" name="object 4"/>
             <p:cNvSpPr/>
             <p:nvPr/>
           </p:nvSpPr>
@@ -6346,7 +6579,7 @@
         </p:sp>
         <p:pic>
           <p:nvPicPr>
-            <p:cNvPr id="2097165" name="object 5"/>
+            <p:cNvPr id="2097160" name="object 5"/>
             <p:cNvPicPr>
               <a:picLocks/>
             </p:cNvPicPr>
@@ -6360,7 +6593,7 @@
           </p:blipFill>
           <p:spPr>
             <a:xfrm>
-              <a:off x="8658225" y="2647950"/>
+              <a:off x="8338609" y="742951"/>
               <a:ext cx="3533775" cy="3810000"/>
             </a:xfrm>
             <a:prstGeom prst="rect"/>
@@ -6369,7 +6602,7 @@
       </p:grpSp>
       <p:sp>
         <p:nvSpPr>
-          <p:cNvPr id="1048672" name="object 6"/>
+          <p:cNvPr id="1048652" name="object 6"/>
           <p:cNvSpPr/>
           <p:nvPr/>
         </p:nvSpPr>
@@ -6414,7 +6647,7 @@
       </p:sp>
       <p:sp>
         <p:nvSpPr>
-          <p:cNvPr id="1048673" name="object 7"/>
+          <p:cNvPr id="1048653" name="object 7"/>
           <p:cNvSpPr txBox="1">
             <a:spLocks noGrp="1"/>
           </p:cNvSpPr>
@@ -6459,7 +6692,7 @@
       </p:sp>
       <p:pic>
         <p:nvPicPr>
-          <p:cNvPr id="2097166" name="object 8"/>
+          <p:cNvPr id="2097161" name="object 8"/>
           <p:cNvPicPr>
             <a:picLocks/>
           </p:cNvPicPr>
@@ -6481,7 +6714,7 @@
       </p:pic>
       <p:sp>
         <p:nvSpPr>
-          <p:cNvPr id="1048674" name="object 10"/>
+          <p:cNvPr id="1048654" name="object 10"/>
           <p:cNvSpPr txBox="1">
             <a:spLocks noGrp="1"/>
           </p:cNvSpPr>
@@ -6513,6 +6746,74 @@
           </a:p>
         </p:txBody>
       </p:sp>
+      <p:sp>
+        <p:nvSpPr>
+          <p:cNvPr id="1048655" name=""/>
+          <p:cNvSpPr txBox="1"/>
+          <p:nvPr/>
+        </p:nvSpPr>
+        <p:spPr>
+          <a:xfrm>
+            <a:off x="1466667" y="2013266"/>
+            <a:ext cx="8682404" cy="2440941"/>
+          </a:xfrm>
+          <a:prstGeom prst="rect"/>
+        </p:spPr>
+        <p:txBody>
+          <a:bodyPr rtlCol="0" wrap="square">
+            <a:spAutoFit/>
+          </a:bodyPr>
+          <a:p>
+            <a:r>
+              <a:rPr altLang="en-GB" sz="2800" lang="en-US">
+                <a:solidFill>
+                  <a:srgbClr val="000000"/>
+                </a:solidFill>
+              </a:rPr>
+              <a:t>This project focuses on exploring popular JavaScript frameworks and libraries that simplify and accelerate web development. It highlights the need for structured, efficient, and scalable code in modern web applications.</a:t>
+            </a:r>
+            <a:endParaRPr sz="2800" lang="en-GB">
+              <a:solidFill>
+                <a:srgbClr val="000000"/>
+              </a:solidFill>
+            </a:endParaRPr>
+          </a:p>
+        </p:txBody>
+      </p:sp>
+      <p:sp>
+        <p:nvSpPr>
+          <p:cNvPr id="1048656" name=""/>
+          <p:cNvSpPr txBox="1"/>
+          <p:nvPr/>
+        </p:nvSpPr>
+        <p:spPr>
+          <a:xfrm>
+            <a:off x="1466667" y="4684078"/>
+            <a:ext cx="8330044" cy="1971040"/>
+          </a:xfrm>
+          <a:prstGeom prst="rect"/>
+        </p:spPr>
+        <p:txBody>
+          <a:bodyPr rtlCol="0" wrap="square">
+            <a:spAutoFit/>
+          </a:bodyPr>
+          <a:p>
+            <a:r>
+              <a:rPr sz="2800" lang="en-GB">
+                <a:solidFill>
+                  <a:srgbClr val="000000"/>
+                </a:solidFill>
+              </a:rPr>
+              <a:t>The project provides a comparative study of key frameworks and libraries such as React, Angular, Vue.js, and jQuery—analyzing their core features, use cases, advantages, and limitations.</a:t>
+            </a:r>
+            <a:endParaRPr sz="2800" lang="en-GB">
+              <a:solidFill>
+                <a:srgbClr val="000000"/>
+              </a:solidFill>
+            </a:endParaRPr>
+          </a:p>
+        </p:txBody>
+      </p:sp>
     </p:spTree>
   </p:cSld>
   <p:clrMapOvr>
@@ -6526,7 +6827,7 @@
   <p:cSld>
     <p:spTree>
       <p:nvGrpSpPr>
-        <p:cNvPr id="40" name=""/>
+        <p:cNvPr id="35" name=""/>
         <p:cNvGrpSpPr/>
         <p:nvPr/>
       </p:nvGrpSpPr>
@@ -6540,7 +6841,7 @@
       </p:grpSpPr>
       <p:sp>
         <p:nvSpPr>
-          <p:cNvPr id="1048675" name="object 2"/>
+          <p:cNvPr id="1048657" name="object 2"/>
           <p:cNvSpPr/>
           <p:nvPr/>
         </p:nvSpPr>
@@ -6585,7 +6886,7 @@
       </p:sp>
       <p:sp>
         <p:nvSpPr>
-          <p:cNvPr id="1048676" name="object 3"/>
+          <p:cNvPr id="1048658" name="object 3"/>
           <p:cNvSpPr/>
           <p:nvPr/>
         </p:nvSpPr>
@@ -6630,7 +6931,7 @@
       </p:sp>
       <p:sp>
         <p:nvSpPr>
-          <p:cNvPr id="1048677" name="object 4"/>
+          <p:cNvPr id="1048659" name="object 4"/>
           <p:cNvSpPr/>
           <p:nvPr/>
         </p:nvSpPr>
@@ -6675,7 +6976,7 @@
       </p:sp>
       <p:sp>
         <p:nvSpPr>
-          <p:cNvPr id="1048678" name="object 5"/>
+          <p:cNvPr id="1048660" name="object 5"/>
           <p:cNvSpPr txBox="1">
             <a:spLocks noGrp="1"/>
           </p:cNvSpPr>
@@ -6789,7 +7090,7 @@
       </p:sp>
       <p:pic>
         <p:nvPicPr>
-          <p:cNvPr id="2097167" name="object 6"/>
+          <p:cNvPr id="2097162" name="object 6"/>
           <p:cNvPicPr>
             <a:picLocks/>
           </p:cNvPicPr>
@@ -6811,7 +7112,7 @@
       </p:pic>
       <p:sp>
         <p:nvSpPr>
-          <p:cNvPr id="1048679" name="object 8"/>
+          <p:cNvPr id="1048661" name="object 8"/>
           <p:cNvSpPr txBox="1">
             <a:spLocks noGrp="1"/>
           </p:cNvSpPr>
@@ -6843,6 +7144,615 @@
           </a:p>
         </p:txBody>
       </p:sp>
+      <p:sp>
+        <p:nvSpPr>
+          <p:cNvPr id="1048662" name=""/>
+          <p:cNvSpPr txBox="1"/>
+          <p:nvPr/>
+        </p:nvSpPr>
+        <p:spPr>
+          <a:xfrm rot="9658">
+            <a:off x="730612" y="2054551"/>
+            <a:ext cx="9268131" cy="4790440"/>
+          </a:xfrm>
+          <a:prstGeom prst="rect"/>
+        </p:spPr>
+        <p:txBody>
+          <a:bodyPr rtlCol="0" wrap="square">
+            <a:spAutoFit/>
+          </a:bodyPr>
+          <a:p>
+            <a:r>
+              <a:rPr altLang="en-GB" sz="2800" lang="en-US">
+                <a:solidFill>
+                  <a:srgbClr val="0000FF"/>
+                </a:solidFill>
+              </a:rPr>
+              <a:t>W</a:t>
+            </a:r>
+            <a:r>
+              <a:rPr altLang="en-GB" sz="2800" lang="en-US">
+                <a:solidFill>
+                  <a:srgbClr val="0000FF"/>
+                </a:solidFill>
+              </a:rPr>
+              <a:t>e</a:t>
+            </a:r>
+            <a:r>
+              <a:rPr altLang="en-GB" sz="2800" lang="en-US">
+                <a:solidFill>
+                  <a:srgbClr val="0000FF"/>
+                </a:solidFill>
+              </a:rPr>
+              <a:t>b</a:t>
+            </a:r>
+            <a:r>
+              <a:rPr altLang="en-GB" sz="2800" lang="en-US">
+                <a:solidFill>
+                  <a:srgbClr val="0000FF"/>
+                </a:solidFill>
+              </a:rPr>
+              <a:t> </a:t>
+            </a:r>
+            <a:r>
+              <a:rPr altLang="en-GB" sz="2800" lang="en-US">
+                <a:solidFill>
+                  <a:srgbClr val="0000FF"/>
+                </a:solidFill>
+              </a:rPr>
+              <a:t>d</a:t>
+            </a:r>
+            <a:r>
+              <a:rPr altLang="en-GB" sz="2800" lang="en-US">
+                <a:solidFill>
+                  <a:srgbClr val="0000FF"/>
+                </a:solidFill>
+              </a:rPr>
+              <a:t>e</a:t>
+            </a:r>
+            <a:r>
+              <a:rPr altLang="en-GB" sz="2800" lang="en-US">
+                <a:solidFill>
+                  <a:srgbClr val="0000FF"/>
+                </a:solidFill>
+              </a:rPr>
+              <a:t>v</a:t>
+            </a:r>
+            <a:r>
+              <a:rPr altLang="en-GB" sz="2800" lang="en-US">
+                <a:solidFill>
+                  <a:srgbClr val="0000FF"/>
+                </a:solidFill>
+              </a:rPr>
+              <a:t>eloper</a:t>
+            </a:r>
+            <a:r>
+              <a:rPr altLang="en-GB" sz="2800" lang="en-US">
+                <a:solidFill>
+                  <a:srgbClr val="0000FF"/>
+                </a:solidFill>
+              </a:rPr>
+              <a:t>s</a:t>
+            </a:r>
+            <a:r>
+              <a:rPr altLang="en-GB" sz="2800" lang="en-US">
+                <a:solidFill>
+                  <a:srgbClr val="0000FF"/>
+                </a:solidFill>
+              </a:rPr>
+              <a:t>:</a:t>
+            </a:r>
+            <a:endParaRPr sz="2800" lang="en-GB">
+              <a:solidFill>
+                <a:srgbClr val="000000"/>
+              </a:solidFill>
+            </a:endParaRPr>
+          </a:p>
+          <a:p>
+            <a:r>
+              <a:rPr altLang="en-GB" sz="2800" lang="en-US">
+                <a:solidFill>
+                  <a:srgbClr val="0000FF"/>
+                </a:solidFill>
+              </a:rPr>
+              <a:t> </a:t>
+            </a:r>
+            <a:r>
+              <a:rPr altLang="en-GB" sz="2800" lang="en-US">
+                <a:solidFill>
+                  <a:srgbClr val="0000FF"/>
+                </a:solidFill>
+              </a:rPr>
+              <a:t> </a:t>
+            </a:r>
+            <a:r>
+              <a:rPr altLang="en-GB" sz="2800" lang="en-US">
+                <a:solidFill>
+                  <a:srgbClr val="0000FF"/>
+                </a:solidFill>
+              </a:rPr>
+              <a:t> </a:t>
+            </a:r>
+            <a:r>
+              <a:rPr altLang="en-GB" sz="2800" lang="en-US">
+                <a:solidFill>
+                  <a:srgbClr val="0000FF"/>
+                </a:solidFill>
+              </a:rPr>
+              <a:t> </a:t>
+            </a:r>
+            <a:r>
+              <a:rPr altLang="en-GB" sz="2800" lang="en-US">
+                <a:solidFill>
+                  <a:srgbClr val="0000FF"/>
+                </a:solidFill>
+              </a:rPr>
+              <a:t> </a:t>
+            </a:r>
+            <a:r>
+              <a:rPr altLang="en-GB" sz="2800" lang="en-US">
+                <a:solidFill>
+                  <a:srgbClr val="0000FF"/>
+                </a:solidFill>
+              </a:rPr>
+              <a:t> </a:t>
+            </a:r>
+            <a:r>
+              <a:rPr altLang="en-GB" sz="2800" lang="en-US">
+                <a:solidFill>
+                  <a:srgbClr val="0000FF"/>
+                </a:solidFill>
+              </a:rPr>
+              <a:t> </a:t>
+            </a:r>
+            <a:r>
+              <a:rPr altLang="en-GB" sz="2800" lang="en-US">
+                <a:solidFill>
+                  <a:srgbClr val="0000FF"/>
+                </a:solidFill>
+              </a:rPr>
+              <a:t> </a:t>
+            </a:r>
+            <a:r>
+              <a:rPr altLang="en-GB" sz="2800" lang="en-US">
+                <a:solidFill>
+                  <a:srgbClr val="0000FF"/>
+                </a:solidFill>
+              </a:rPr>
+              <a:t> </a:t>
+            </a:r>
+            <a:r>
+              <a:rPr altLang="en-GB" sz="2800" lang="en-US">
+                <a:solidFill>
+                  <a:srgbClr val="0000FF"/>
+                </a:solidFill>
+              </a:rPr>
+              <a:t> </a:t>
+            </a:r>
+            <a:r>
+              <a:rPr sz="2800" lang="en-GB">
+                <a:solidFill>
+                  <a:srgbClr val="000000"/>
+                </a:solidFill>
+              </a:rPr>
+              <a:t>They use these tools to build interactive, efficient, and maintainable web applications.
+</a:t>
+            </a:r>
+            <a:r>
+              <a:rPr altLang="en-GB" sz="2800" lang="en-US">
+                <a:solidFill>
+                  <a:srgbClr val="0000FF"/>
+                </a:solidFill>
+              </a:rPr>
+              <a:t>B</a:t>
+            </a:r>
+            <a:r>
+              <a:rPr altLang="en-GB" sz="2800" lang="en-US">
+                <a:solidFill>
+                  <a:srgbClr val="0000FF"/>
+                </a:solidFill>
+              </a:rPr>
+              <a:t>u</a:t>
+            </a:r>
+            <a:r>
+              <a:rPr altLang="en-GB" sz="2800" lang="en-US">
+                <a:solidFill>
+                  <a:srgbClr val="0000FF"/>
+                </a:solidFill>
+              </a:rPr>
+              <a:t>s</a:t>
+            </a:r>
+            <a:r>
+              <a:rPr altLang="en-GB" sz="2800" lang="en-US">
+                <a:solidFill>
+                  <a:srgbClr val="0000FF"/>
+                </a:solidFill>
+              </a:rPr>
+              <a:t>inesses</a:t>
+            </a:r>
+            <a:r>
+              <a:rPr altLang="en-GB" sz="2800" lang="en-US">
+                <a:solidFill>
+                  <a:srgbClr val="0000FF"/>
+                </a:solidFill>
+              </a:rPr>
+              <a:t> a</a:t>
+            </a:r>
+            <a:r>
+              <a:rPr altLang="en-GB" sz="2800" lang="en-US">
+                <a:solidFill>
+                  <a:srgbClr val="0000FF"/>
+                </a:solidFill>
+              </a:rPr>
+              <a:t>n</a:t>
+            </a:r>
+            <a:r>
+              <a:rPr altLang="en-GB" sz="2800" lang="en-US">
+                <a:solidFill>
+                  <a:srgbClr val="0000FF"/>
+                </a:solidFill>
+              </a:rPr>
+              <a:t>d</a:t>
+            </a:r>
+            <a:r>
+              <a:rPr altLang="en-GB" sz="2800" lang="en-US">
+                <a:solidFill>
+                  <a:srgbClr val="0000FF"/>
+                </a:solidFill>
+              </a:rPr>
+              <a:t> o</a:t>
+            </a:r>
+            <a:r>
+              <a:rPr altLang="en-GB" sz="2800" lang="en-US">
+                <a:solidFill>
+                  <a:srgbClr val="0000FF"/>
+                </a:solidFill>
+              </a:rPr>
+              <a:t>r</a:t>
+            </a:r>
+            <a:r>
+              <a:rPr altLang="en-GB" sz="2800" lang="en-US">
+                <a:solidFill>
+                  <a:srgbClr val="0000FF"/>
+                </a:solidFill>
+              </a:rPr>
+              <a:t>ganisations</a:t>
+            </a:r>
+            <a:r>
+              <a:rPr altLang="en-GB" sz="2800" lang="en-US">
+                <a:solidFill>
+                  <a:srgbClr val="0000FF"/>
+                </a:solidFill>
+              </a:rPr>
+              <a:t>:</a:t>
+            </a:r>
+            <a:endParaRPr sz="2800" lang="en-GB">
+              <a:solidFill>
+                <a:srgbClr val="000000"/>
+              </a:solidFill>
+            </a:endParaRPr>
+          </a:p>
+          <a:p>
+            <a:r>
+              <a:rPr altLang="en-GB" sz="2800" lang="en-US">
+                <a:solidFill>
+                  <a:srgbClr val="0000FF"/>
+                </a:solidFill>
+              </a:rPr>
+              <a:t> </a:t>
+            </a:r>
+            <a:r>
+              <a:rPr altLang="en-GB" sz="2800" lang="en-US">
+                <a:solidFill>
+                  <a:srgbClr val="0000FF"/>
+                </a:solidFill>
+              </a:rPr>
+              <a:t> </a:t>
+            </a:r>
+            <a:r>
+              <a:rPr altLang="en-GB" sz="2800" lang="en-US">
+                <a:solidFill>
+                  <a:srgbClr val="0000FF"/>
+                </a:solidFill>
+              </a:rPr>
+              <a:t> </a:t>
+            </a:r>
+            <a:r>
+              <a:rPr altLang="en-GB" sz="2800" lang="en-US">
+                <a:solidFill>
+                  <a:srgbClr val="0000FF"/>
+                </a:solidFill>
+              </a:rPr>
+              <a:t> </a:t>
+            </a:r>
+            <a:r>
+              <a:rPr altLang="en-GB" sz="2800" lang="en-US">
+                <a:solidFill>
+                  <a:srgbClr val="0000FF"/>
+                </a:solidFill>
+              </a:rPr>
+              <a:t> </a:t>
+            </a:r>
+            <a:r>
+              <a:rPr altLang="en-GB" sz="2800" lang="en-US">
+                <a:solidFill>
+                  <a:srgbClr val="0000FF"/>
+                </a:solidFill>
+              </a:rPr>
+              <a:t> </a:t>
+            </a:r>
+            <a:r>
+              <a:rPr altLang="en-GB" sz="2800" lang="en-US">
+                <a:solidFill>
+                  <a:srgbClr val="0000FF"/>
+                </a:solidFill>
+              </a:rPr>
+              <a:t> </a:t>
+            </a:r>
+            <a:r>
+              <a:rPr altLang="en-GB" sz="2800" lang="en-US">
+                <a:solidFill>
+                  <a:srgbClr val="0000FF"/>
+                </a:solidFill>
+              </a:rPr>
+              <a:t> </a:t>
+            </a:r>
+            <a:r>
+              <a:rPr altLang="en-GB" sz="2800" lang="en-US">
+                <a:solidFill>
+                  <a:srgbClr val="0000FF"/>
+                </a:solidFill>
+              </a:rPr>
+              <a:t> </a:t>
+            </a:r>
+            <a:r>
+              <a:rPr altLang="en-GB" sz="2800" lang="en-US">
+                <a:solidFill>
+                  <a:srgbClr val="0000FF"/>
+                </a:solidFill>
+              </a:rPr>
+              <a:t> </a:t>
+            </a:r>
+            <a:r>
+              <a:rPr sz="2800" lang="en-GB">
+                <a:solidFill>
+                  <a:srgbClr val="000000"/>
+                </a:solidFill>
+              </a:rPr>
+              <a:t>They benefit from faster development cycles and better user experiences on their websites or web apps.
+</a:t>
+            </a:r>
+            <a:r>
+              <a:rPr altLang="en-GB" sz="2800" lang="en-US">
+                <a:solidFill>
+                  <a:srgbClr val="0000FF"/>
+                </a:solidFill>
+              </a:rPr>
+              <a:t>W</a:t>
+            </a:r>
+            <a:r>
+              <a:rPr altLang="en-GB" sz="2800" lang="en-US">
+                <a:solidFill>
+                  <a:srgbClr val="0000FF"/>
+                </a:solidFill>
+              </a:rPr>
+              <a:t>e</a:t>
+            </a:r>
+            <a:r>
+              <a:rPr altLang="en-GB" sz="2800" lang="en-US">
+                <a:solidFill>
+                  <a:srgbClr val="0000FF"/>
+                </a:solidFill>
+              </a:rPr>
+              <a:t>b</a:t>
+            </a:r>
+            <a:r>
+              <a:rPr altLang="en-GB" sz="2800" lang="en-US">
+                <a:solidFill>
+                  <a:srgbClr val="0000FF"/>
+                </a:solidFill>
+              </a:rPr>
+              <a:t>s</a:t>
+            </a:r>
+            <a:r>
+              <a:rPr altLang="en-GB" sz="2800" lang="en-US">
+                <a:solidFill>
+                  <a:srgbClr val="0000FF"/>
+                </a:solidFill>
+              </a:rPr>
+              <a:t>ite</a:t>
+            </a:r>
+            <a:r>
+              <a:rPr altLang="en-GB" sz="2800" lang="en-US">
+                <a:solidFill>
+                  <a:srgbClr val="0000FF"/>
+                </a:solidFill>
+              </a:rPr>
+              <a:t> v</a:t>
+            </a:r>
+            <a:r>
+              <a:rPr altLang="en-GB" sz="2800" lang="en-US">
+                <a:solidFill>
+                  <a:srgbClr val="0000FF"/>
+                </a:solidFill>
+              </a:rPr>
+              <a:t>i</a:t>
+            </a:r>
+            <a:r>
+              <a:rPr altLang="en-GB" sz="2800" lang="en-US">
+                <a:solidFill>
+                  <a:srgbClr val="0000FF"/>
+                </a:solidFill>
+              </a:rPr>
+              <a:t>s</a:t>
+            </a:r>
+            <a:r>
+              <a:rPr altLang="en-GB" sz="2800" lang="en-US">
+                <a:solidFill>
+                  <a:srgbClr val="0000FF"/>
+                </a:solidFill>
+              </a:rPr>
+              <a:t>itors</a:t>
+            </a:r>
+            <a:r>
+              <a:rPr altLang="en-GB" sz="2800" lang="en-US">
+                <a:solidFill>
+                  <a:srgbClr val="0000FF"/>
+                </a:solidFill>
+              </a:rPr>
+              <a:t>/</a:t>
+            </a:r>
+            <a:r>
+              <a:rPr altLang="en-GB" sz="2800" lang="en-US">
+                <a:solidFill>
+                  <a:srgbClr val="0000FF"/>
+                </a:solidFill>
+              </a:rPr>
+              <a:t>u</a:t>
+            </a:r>
+            <a:r>
+              <a:rPr altLang="en-GB" sz="2800" lang="en-US">
+                <a:solidFill>
+                  <a:srgbClr val="0000FF"/>
+                </a:solidFill>
+              </a:rPr>
+              <a:t>s</a:t>
+            </a:r>
+            <a:r>
+              <a:rPr altLang="en-GB" sz="2800" lang="en-US">
+                <a:solidFill>
+                  <a:srgbClr val="0000FF"/>
+                </a:solidFill>
+              </a:rPr>
+              <a:t>e</a:t>
+            </a:r>
+            <a:r>
+              <a:rPr altLang="en-GB" sz="2800" lang="en-US">
+                <a:solidFill>
+                  <a:srgbClr val="0000FF"/>
+                </a:solidFill>
+              </a:rPr>
+              <a:t>r</a:t>
+            </a:r>
+            <a:r>
+              <a:rPr altLang="en-GB" sz="2800" lang="en-US">
+                <a:solidFill>
+                  <a:srgbClr val="0000FF"/>
+                </a:solidFill>
+              </a:rPr>
+              <a:t>s</a:t>
+            </a:r>
+            <a:r>
+              <a:rPr altLang="en-GB" sz="2800" lang="en-US">
+                <a:solidFill>
+                  <a:srgbClr val="0000FF"/>
+                </a:solidFill>
+              </a:rPr>
+              <a:t>:</a:t>
+            </a:r>
+            <a:endParaRPr sz="2800" lang="en-GB">
+              <a:solidFill>
+                <a:srgbClr val="000000"/>
+              </a:solidFill>
+            </a:endParaRPr>
+          </a:p>
+          <a:p>
+            <a:r>
+              <a:rPr altLang="en-GB" sz="2800" lang="en-US">
+                <a:solidFill>
+                  <a:srgbClr val="0000FF"/>
+                </a:solidFill>
+              </a:rPr>
+              <a:t> </a:t>
+            </a:r>
+            <a:r>
+              <a:rPr altLang="en-GB" sz="2800" lang="en-US">
+                <a:solidFill>
+                  <a:srgbClr val="0000FF"/>
+                </a:solidFill>
+              </a:rPr>
+              <a:t> </a:t>
+            </a:r>
+            <a:r>
+              <a:rPr altLang="en-GB" sz="2800" lang="en-US">
+                <a:solidFill>
+                  <a:srgbClr val="0000FF"/>
+                </a:solidFill>
+              </a:rPr>
+              <a:t> </a:t>
+            </a:r>
+            <a:r>
+              <a:rPr altLang="en-GB" sz="2800" lang="en-US">
+                <a:solidFill>
+                  <a:srgbClr val="0000FF"/>
+                </a:solidFill>
+              </a:rPr>
+              <a:t> </a:t>
+            </a:r>
+            <a:r>
+              <a:rPr altLang="en-GB" sz="2800" lang="en-US">
+                <a:solidFill>
+                  <a:srgbClr val="0000FF"/>
+                </a:solidFill>
+              </a:rPr>
+              <a:t> </a:t>
+            </a:r>
+            <a:r>
+              <a:rPr altLang="en-GB" sz="2800" lang="en-US">
+                <a:solidFill>
+                  <a:srgbClr val="0000FF"/>
+                </a:solidFill>
+              </a:rPr>
+              <a:t> </a:t>
+            </a:r>
+            <a:r>
+              <a:rPr altLang="en-GB" sz="2800" lang="en-US">
+                <a:solidFill>
+                  <a:srgbClr val="0000FF"/>
+                </a:solidFill>
+              </a:rPr>
+              <a:t> </a:t>
+            </a:r>
+            <a:r>
+              <a:rPr altLang="en-GB" sz="2800" lang="en-US">
+                <a:solidFill>
+                  <a:srgbClr val="0000FF"/>
+                </a:solidFill>
+              </a:rPr>
+              <a:t> </a:t>
+            </a:r>
+            <a:r>
+              <a:rPr altLang="en-GB" sz="2800" lang="en-US">
+                <a:solidFill>
+                  <a:srgbClr val="0000FF"/>
+                </a:solidFill>
+              </a:rPr>
+              <a:t> </a:t>
+            </a:r>
+            <a:r>
+              <a:rPr altLang="en-GB" sz="2800" lang="en-US">
+                <a:solidFill>
+                  <a:srgbClr val="0000FF"/>
+                </a:solidFill>
+              </a:rPr>
+              <a:t> </a:t>
+            </a:r>
+            <a:r>
+              <a:rPr sz="2800" lang="en-GB">
+                <a:solidFill>
+                  <a:srgbClr val="000000"/>
+                </a:solidFill>
+              </a:rPr>
+              <a:t>They experience improved performance, responsiveness, and richer interfaces powered by these frameworks.</a:t>
+            </a:r>
+            <a:endParaRPr sz="2800" lang="en-GB">
+              <a:solidFill>
+                <a:srgbClr val="000000"/>
+              </a:solidFill>
+            </a:endParaRPr>
+          </a:p>
+        </p:txBody>
+      </p:sp>
     </p:spTree>
   </p:cSld>
   <p:clrMapOvr>
@@ -6856,7 +7766,7 @@
   <p:cSld>
     <p:spTree>
       <p:nvGrpSpPr>
-        <p:cNvPr id="25" name=""/>
+        <p:cNvPr id="36" name=""/>
         <p:cNvGrpSpPr/>
         <p:nvPr/>
       </p:nvGrpSpPr>
@@ -6870,7 +7780,7 @@
       </p:grpSpPr>
       <p:pic>
         <p:nvPicPr>
-          <p:cNvPr id="2097155" name="object 2"/>
+          <p:cNvPr id="2097163" name="object 2"/>
           <p:cNvPicPr>
             <a:picLocks/>
           </p:cNvPicPr>
@@ -6884,7 +7794,7 @@
         </p:blipFill>
         <p:spPr>
           <a:xfrm>
-            <a:off x="0" y="1476375"/>
+            <a:off x="6657976" y="1480819"/>
             <a:ext cx="2695574" cy="3248025"/>
           </a:xfrm>
           <a:prstGeom prst="rect"/>
@@ -6892,7 +7802,7 @@
       </p:pic>
       <p:sp>
         <p:nvSpPr>
-          <p:cNvPr id="1048617" name="object 3"/>
+          <p:cNvPr id="1048663" name="object 3"/>
           <p:cNvSpPr/>
           <p:nvPr/>
         </p:nvSpPr>
@@ -6937,7 +7847,7 @@
       </p:sp>
       <p:sp>
         <p:nvSpPr>
-          <p:cNvPr id="1048618" name="object 4"/>
+          <p:cNvPr id="1048664" name="object 4"/>
           <p:cNvSpPr/>
           <p:nvPr/>
         </p:nvSpPr>
@@ -6982,7 +7892,7 @@
       </p:sp>
       <p:sp>
         <p:nvSpPr>
-          <p:cNvPr id="1048619" name="object 5"/>
+          <p:cNvPr id="1048665" name="object 5"/>
           <p:cNvSpPr/>
           <p:nvPr/>
         </p:nvSpPr>
@@ -7027,7 +7937,7 @@
       </p:sp>
       <p:sp>
         <p:nvSpPr>
-          <p:cNvPr id="1048620" name="object 6"/>
+          <p:cNvPr id="1048666" name="object 6"/>
           <p:cNvSpPr txBox="1">
             <a:spLocks noGrp="1"/>
           </p:cNvSpPr>
@@ -7065,7 +7975,7 @@
       </p:sp>
       <p:pic>
         <p:nvPicPr>
-          <p:cNvPr id="2097156" name="object 7"/>
+          <p:cNvPr id="2097164" name="object 7"/>
           <p:cNvPicPr>
             <a:picLocks/>
           </p:cNvPicPr>
@@ -7087,7 +7997,7 @@
       </p:pic>
       <p:sp>
         <p:nvSpPr>
-          <p:cNvPr id="1048621" name="object 9"/>
+          <p:cNvPr id="1048667" name="object 9"/>
           <p:cNvSpPr txBox="1">
             <a:spLocks noGrp="1"/>
           </p:cNvSpPr>
@@ -7119,6 +8029,1822 @@
           </a:p>
         </p:txBody>
       </p:sp>
+      <p:sp>
+        <p:nvSpPr>
+          <p:cNvPr id="1048668" name=""/>
+          <p:cNvSpPr txBox="1"/>
+          <p:nvPr/>
+        </p:nvSpPr>
+        <p:spPr>
+          <a:xfrm>
+            <a:off x="676275" y="1597659"/>
+            <a:ext cx="9294415" cy="5260340"/>
+          </a:xfrm>
+          <a:prstGeom prst="rect"/>
+        </p:spPr>
+        <p:txBody>
+          <a:bodyPr rtlCol="0" wrap="square">
+            <a:spAutoFit/>
+          </a:bodyPr>
+          <a:p>
+            <a:r>
+              <a:rPr altLang="en-GB" sz="2800" lang="en-US">
+                <a:solidFill>
+                  <a:srgbClr val="000000"/>
+                </a:solidFill>
+              </a:rPr>
+              <a:t> </a:t>
+            </a:r>
+            <a:r>
+              <a:rPr altLang="en-GB" sz="2800" lang="en-US">
+                <a:solidFill>
+                  <a:srgbClr val="0000FF"/>
+                </a:solidFill>
+              </a:rPr>
+              <a:t>T</a:t>
+            </a:r>
+            <a:r>
+              <a:rPr altLang="en-GB" sz="2800" lang="en-US">
+                <a:solidFill>
+                  <a:srgbClr val="0000FF"/>
+                </a:solidFill>
+              </a:rPr>
+              <a:t>o</a:t>
+            </a:r>
+            <a:r>
+              <a:rPr altLang="en-GB" sz="2800" lang="en-US">
+                <a:solidFill>
+                  <a:srgbClr val="0000FF"/>
+                </a:solidFill>
+              </a:rPr>
+              <a:t>o</a:t>
+            </a:r>
+            <a:r>
+              <a:rPr altLang="en-GB" sz="2800" lang="en-US">
+                <a:solidFill>
+                  <a:srgbClr val="0000FF"/>
+                </a:solidFill>
+              </a:rPr>
+              <a:t>ls</a:t>
+            </a:r>
+            <a:r>
+              <a:rPr altLang="en-GB" sz="2800" lang="en-US">
+                <a:solidFill>
+                  <a:srgbClr val="0000FF"/>
+                </a:solidFill>
+              </a:rPr>
+              <a:t>:</a:t>
+            </a:r>
+            <a:endParaRPr sz="2800" lang="en-GB">
+              <a:solidFill>
+                <a:srgbClr val="000000"/>
+              </a:solidFill>
+            </a:endParaRPr>
+          </a:p>
+          <a:p>
+            <a:r>
+              <a:rPr altLang="en-GB" sz="2800" lang="en-US">
+                <a:solidFill>
+                  <a:srgbClr val="0000FF"/>
+                </a:solidFill>
+              </a:rPr>
+              <a:t> </a:t>
+            </a:r>
+            <a:r>
+              <a:rPr altLang="en-GB" sz="2800" lang="en-US">
+                <a:solidFill>
+                  <a:srgbClr val="0000FF"/>
+                </a:solidFill>
+              </a:rPr>
+              <a:t> </a:t>
+            </a:r>
+            <a:r>
+              <a:rPr altLang="en-GB" sz="2800" lang="en-US">
+                <a:solidFill>
+                  <a:srgbClr val="0000FF"/>
+                </a:solidFill>
+              </a:rPr>
+              <a:t> </a:t>
+            </a:r>
+            <a:r>
+              <a:rPr altLang="en-GB" sz="2800" lang="en-US">
+                <a:solidFill>
+                  <a:srgbClr val="0000FF"/>
+                </a:solidFill>
+              </a:rPr>
+              <a:t> </a:t>
+            </a:r>
+            <a:r>
+              <a:rPr altLang="en-GB" sz="2800" lang="en-US">
+                <a:solidFill>
+                  <a:srgbClr val="0000FF"/>
+                </a:solidFill>
+              </a:rPr>
+              <a:t> </a:t>
+            </a:r>
+            <a:r>
+              <a:rPr altLang="en-GB" sz="2800" lang="en-US">
+                <a:solidFill>
+                  <a:srgbClr val="0000FF"/>
+                </a:solidFill>
+              </a:rPr>
+              <a:t> </a:t>
+            </a:r>
+            <a:r>
+              <a:rPr altLang="en-GB" sz="2800" lang="en-US">
+                <a:solidFill>
+                  <a:srgbClr val="0000FF"/>
+                </a:solidFill>
+              </a:rPr>
+              <a:t> </a:t>
+            </a:r>
+            <a:r>
+              <a:rPr altLang="en-GB" sz="2800" lang="en-US">
+                <a:solidFill>
+                  <a:srgbClr val="0000FF"/>
+                </a:solidFill>
+              </a:rPr>
+              <a:t> </a:t>
+            </a:r>
+            <a:r>
+              <a:rPr altLang="en-GB" sz="2800" lang="en-US">
+                <a:solidFill>
+                  <a:srgbClr val="0000FF"/>
+                </a:solidFill>
+              </a:rPr>
+              <a:t> </a:t>
+            </a:r>
+            <a:r>
+              <a:rPr altLang="en-GB" sz="2800" lang="en-US">
+                <a:solidFill>
+                  <a:srgbClr val="000000"/>
+                </a:solidFill>
+              </a:rPr>
+              <a:t>C</a:t>
+            </a:r>
+            <a:r>
+              <a:rPr altLang="en-GB" sz="2800" lang="en-US">
+                <a:solidFill>
+                  <a:srgbClr val="000000"/>
+                </a:solidFill>
+              </a:rPr>
+              <a:t>o</a:t>
+            </a:r>
+            <a:r>
+              <a:rPr altLang="en-GB" sz="2800" lang="en-US">
+                <a:solidFill>
+                  <a:srgbClr val="000000"/>
+                </a:solidFill>
+              </a:rPr>
+              <a:t>d</a:t>
+            </a:r>
+            <a:r>
+              <a:rPr altLang="en-GB" sz="2800" lang="en-US">
+                <a:solidFill>
+                  <a:srgbClr val="000000"/>
+                </a:solidFill>
+              </a:rPr>
+              <a:t>e</a:t>
+            </a:r>
+            <a:r>
+              <a:rPr altLang="en-GB" sz="2800" lang="en-US">
+                <a:solidFill>
+                  <a:srgbClr val="000000"/>
+                </a:solidFill>
+              </a:rPr>
+              <a:t> </a:t>
+            </a:r>
+            <a:r>
+              <a:rPr altLang="en-GB" sz="2800" lang="en-US">
+                <a:solidFill>
+                  <a:srgbClr val="000000"/>
+                </a:solidFill>
+              </a:rPr>
+              <a:t>editor</a:t>
+            </a:r>
+            <a:r>
+              <a:rPr altLang="en-GB" sz="2800" lang="en-US">
+                <a:solidFill>
+                  <a:srgbClr val="000000"/>
+                </a:solidFill>
+              </a:rPr>
+              <a:t>s</a:t>
+            </a:r>
+            <a:r>
+              <a:rPr altLang="en-GB" sz="2800" lang="en-US">
+                <a:solidFill>
+                  <a:srgbClr val="000000"/>
+                </a:solidFill>
+              </a:rPr>
+              <a:t> </a:t>
+            </a:r>
+            <a:r>
+              <a:rPr altLang="en-GB" sz="2800" lang="en-US">
+                <a:solidFill>
+                  <a:srgbClr val="000000"/>
+                </a:solidFill>
+              </a:rPr>
+              <a:t>a</a:t>
+            </a:r>
+            <a:r>
+              <a:rPr altLang="en-GB" sz="2800" lang="en-US">
+                <a:solidFill>
+                  <a:srgbClr val="000000"/>
+                </a:solidFill>
+              </a:rPr>
+              <a:t>nd </a:t>
+            </a:r>
+            <a:r>
+              <a:rPr altLang="en-GB" sz="2800" lang="en-US">
+                <a:solidFill>
+                  <a:srgbClr val="000000"/>
+                </a:solidFill>
+              </a:rPr>
+              <a:t>I</a:t>
+            </a:r>
+            <a:r>
+              <a:rPr altLang="en-GB" sz="2800" lang="en-US">
+                <a:solidFill>
+                  <a:srgbClr val="000000"/>
+                </a:solidFill>
+              </a:rPr>
+              <a:t>D</a:t>
+            </a:r>
+            <a:r>
+              <a:rPr altLang="en-GB" sz="2800" lang="en-US">
+                <a:solidFill>
+                  <a:srgbClr val="000000"/>
+                </a:solidFill>
+              </a:rPr>
+              <a:t>E</a:t>
+            </a:r>
+            <a:r>
+              <a:rPr altLang="en-GB" sz="2800" lang="en-US">
+                <a:solidFill>
+                  <a:srgbClr val="000000"/>
+                </a:solidFill>
+              </a:rPr>
+              <a:t>s</a:t>
+            </a:r>
+            <a:r>
+              <a:rPr altLang="en-GB" sz="2800" lang="en-US">
+                <a:solidFill>
+                  <a:srgbClr val="000000"/>
+                </a:solidFill>
+              </a:rPr>
+              <a:t>.</a:t>
+            </a:r>
+            <a:endParaRPr sz="2800" lang="en-GB">
+              <a:solidFill>
+                <a:srgbClr val="000000"/>
+              </a:solidFill>
+            </a:endParaRPr>
+          </a:p>
+          <a:p>
+            <a:r>
+              <a:rPr altLang="en-GB" sz="2800" lang="en-US">
+                <a:solidFill>
+                  <a:srgbClr val="000000"/>
+                </a:solidFill>
+              </a:rPr>
+              <a:t> </a:t>
+            </a:r>
+            <a:r>
+              <a:rPr altLang="en-GB" sz="2800" lang="en-US">
+                <a:solidFill>
+                  <a:srgbClr val="000000"/>
+                </a:solidFill>
+              </a:rPr>
+              <a:t> </a:t>
+            </a:r>
+            <a:r>
+              <a:rPr altLang="en-GB" sz="2800" lang="en-US">
+                <a:solidFill>
+                  <a:srgbClr val="000000"/>
+                </a:solidFill>
+              </a:rPr>
+              <a:t> </a:t>
+            </a:r>
+            <a:r>
+              <a:rPr altLang="en-GB" sz="2800" lang="en-US">
+                <a:solidFill>
+                  <a:srgbClr val="000000"/>
+                </a:solidFill>
+              </a:rPr>
+              <a:t> </a:t>
+            </a:r>
+            <a:r>
+              <a:rPr altLang="en-GB" sz="2800" lang="en-US">
+                <a:solidFill>
+                  <a:srgbClr val="000000"/>
+                </a:solidFill>
+              </a:rPr>
+              <a:t> </a:t>
+            </a:r>
+            <a:r>
+              <a:rPr altLang="en-GB" sz="2800" lang="en-US">
+                <a:solidFill>
+                  <a:srgbClr val="000000"/>
+                </a:solidFill>
+              </a:rPr>
+              <a:t> </a:t>
+            </a:r>
+            <a:r>
+              <a:rPr altLang="en-GB" sz="2800" lang="en-US">
+                <a:solidFill>
+                  <a:srgbClr val="000000"/>
+                </a:solidFill>
+              </a:rPr>
+              <a:t> </a:t>
+            </a:r>
+            <a:r>
+              <a:rPr altLang="en-GB" sz="2800" lang="en-US">
+                <a:solidFill>
+                  <a:srgbClr val="000000"/>
+                </a:solidFill>
+              </a:rPr>
+              <a:t> </a:t>
+            </a:r>
+            <a:r>
+              <a:rPr altLang="en-GB" sz="2800" lang="en-US">
+                <a:solidFill>
+                  <a:srgbClr val="000000"/>
+                </a:solidFill>
+              </a:rPr>
+              <a:t> </a:t>
+            </a:r>
+            <a:r>
+              <a:rPr altLang="en-GB" sz="2800" lang="en-US">
+                <a:solidFill>
+                  <a:srgbClr val="000000"/>
+                </a:solidFill>
+              </a:rPr>
+              <a:t> </a:t>
+            </a:r>
+            <a:r>
+              <a:rPr altLang="en-GB" sz="2800" lang="en-US">
+                <a:solidFill>
+                  <a:srgbClr val="000000"/>
+                </a:solidFill>
+              </a:rPr>
+              <a:t>P</a:t>
+            </a:r>
+            <a:r>
+              <a:rPr altLang="en-GB" sz="2800" lang="en-US">
+                <a:solidFill>
+                  <a:srgbClr val="000000"/>
+                </a:solidFill>
+              </a:rPr>
+              <a:t>a</a:t>
+            </a:r>
+            <a:r>
+              <a:rPr altLang="en-GB" sz="2800" lang="en-US">
+                <a:solidFill>
+                  <a:srgbClr val="000000"/>
+                </a:solidFill>
+              </a:rPr>
+              <a:t>c</a:t>
+            </a:r>
+            <a:r>
+              <a:rPr altLang="en-GB" sz="2800" lang="en-US">
+                <a:solidFill>
+                  <a:srgbClr val="000000"/>
+                </a:solidFill>
+              </a:rPr>
+              <a:t>k</a:t>
+            </a:r>
+            <a:r>
+              <a:rPr altLang="en-GB" sz="2800" lang="en-US">
+                <a:solidFill>
+                  <a:srgbClr val="000000"/>
+                </a:solidFill>
+              </a:rPr>
+              <a:t>age </a:t>
+            </a:r>
+            <a:r>
+              <a:rPr altLang="en-GB" sz="2800" lang="en-US">
+                <a:solidFill>
+                  <a:srgbClr val="000000"/>
+                </a:solidFill>
+              </a:rPr>
+              <a:t>m</a:t>
+            </a:r>
+            <a:r>
+              <a:rPr altLang="en-GB" sz="2800" lang="en-US">
+                <a:solidFill>
+                  <a:srgbClr val="000000"/>
+                </a:solidFill>
+              </a:rPr>
+              <a:t>a</a:t>
+            </a:r>
+            <a:r>
+              <a:rPr altLang="en-GB" sz="2800" lang="en-US">
+                <a:solidFill>
+                  <a:srgbClr val="000000"/>
+                </a:solidFill>
+              </a:rPr>
+              <a:t>n</a:t>
+            </a:r>
+            <a:r>
+              <a:rPr altLang="en-GB" sz="2800" lang="en-US">
+                <a:solidFill>
+                  <a:srgbClr val="000000"/>
+                </a:solidFill>
+              </a:rPr>
+              <a:t>a</a:t>
+            </a:r>
+            <a:r>
+              <a:rPr altLang="en-GB" sz="2800" lang="en-US">
+                <a:solidFill>
+                  <a:srgbClr val="000000"/>
+                </a:solidFill>
+              </a:rPr>
+              <a:t>g</a:t>
+            </a:r>
+            <a:r>
+              <a:rPr altLang="en-GB" sz="2800" lang="en-US">
+                <a:solidFill>
+                  <a:srgbClr val="000000"/>
+                </a:solidFill>
+              </a:rPr>
+              <a:t>e</a:t>
+            </a:r>
+            <a:r>
+              <a:rPr altLang="en-GB" sz="2800" lang="en-US">
+                <a:solidFill>
+                  <a:srgbClr val="000000"/>
+                </a:solidFill>
+              </a:rPr>
+              <a:t>r</a:t>
+            </a:r>
+            <a:r>
+              <a:rPr altLang="en-GB" sz="2800" lang="en-US">
+                <a:solidFill>
+                  <a:srgbClr val="000000"/>
+                </a:solidFill>
+              </a:rPr>
+              <a:t>s</a:t>
+            </a:r>
+            <a:r>
+              <a:rPr altLang="en-GB" sz="2800" lang="en-US">
+                <a:solidFill>
+                  <a:srgbClr val="000000"/>
+                </a:solidFill>
+              </a:rPr>
+              <a:t>.</a:t>
+            </a:r>
+            <a:endParaRPr sz="2800" lang="en-GB">
+              <a:solidFill>
+                <a:srgbClr val="000000"/>
+              </a:solidFill>
+            </a:endParaRPr>
+          </a:p>
+          <a:p>
+            <a:r>
+              <a:rPr altLang="en-GB" sz="2800" lang="en-US">
+                <a:solidFill>
+                  <a:srgbClr val="000000"/>
+                </a:solidFill>
+              </a:rPr>
+              <a:t> </a:t>
+            </a:r>
+            <a:r>
+              <a:rPr altLang="en-GB" sz="2800" lang="en-US">
+                <a:solidFill>
+                  <a:srgbClr val="000000"/>
+                </a:solidFill>
+              </a:rPr>
+              <a:t> </a:t>
+            </a:r>
+            <a:r>
+              <a:rPr altLang="en-GB" sz="2800" lang="en-US">
+                <a:solidFill>
+                  <a:srgbClr val="000000"/>
+                </a:solidFill>
+              </a:rPr>
+              <a:t> </a:t>
+            </a:r>
+            <a:r>
+              <a:rPr altLang="en-GB" sz="2800" lang="en-US">
+                <a:solidFill>
+                  <a:srgbClr val="000000"/>
+                </a:solidFill>
+              </a:rPr>
+              <a:t> </a:t>
+            </a:r>
+            <a:r>
+              <a:rPr altLang="en-GB" sz="2800" lang="en-US">
+                <a:solidFill>
+                  <a:srgbClr val="000000"/>
+                </a:solidFill>
+              </a:rPr>
+              <a:t> </a:t>
+            </a:r>
+            <a:r>
+              <a:rPr altLang="en-GB" sz="2800" lang="en-US">
+                <a:solidFill>
+                  <a:srgbClr val="000000"/>
+                </a:solidFill>
+              </a:rPr>
+              <a:t> </a:t>
+            </a:r>
+            <a:r>
+              <a:rPr altLang="en-GB" sz="2800" lang="en-US">
+                <a:solidFill>
+                  <a:srgbClr val="000000"/>
+                </a:solidFill>
+              </a:rPr>
+              <a:t> </a:t>
+            </a:r>
+            <a:r>
+              <a:rPr altLang="en-GB" sz="2800" lang="en-US">
+                <a:solidFill>
+                  <a:srgbClr val="000000"/>
+                </a:solidFill>
+              </a:rPr>
+              <a:t> </a:t>
+            </a:r>
+            <a:r>
+              <a:rPr altLang="en-GB" sz="2800" lang="en-US">
+                <a:solidFill>
+                  <a:srgbClr val="000000"/>
+                </a:solidFill>
+              </a:rPr>
+              <a:t> </a:t>
+            </a:r>
+            <a:r>
+              <a:rPr altLang="en-GB" sz="2800" lang="en-US">
+                <a:solidFill>
+                  <a:srgbClr val="000000"/>
+                </a:solidFill>
+              </a:rPr>
+              <a:t> </a:t>
+            </a:r>
+            <a:r>
+              <a:rPr altLang="en-GB" sz="2800" lang="en-US">
+                <a:solidFill>
+                  <a:srgbClr val="000000"/>
+                </a:solidFill>
+              </a:rPr>
+              <a:t>B</a:t>
+            </a:r>
+            <a:r>
+              <a:rPr altLang="en-GB" sz="2800" lang="en-US">
+                <a:solidFill>
+                  <a:srgbClr val="000000"/>
+                </a:solidFill>
+              </a:rPr>
+              <a:t>u</a:t>
+            </a:r>
+            <a:r>
+              <a:rPr altLang="en-GB" sz="2800" lang="en-US">
+                <a:solidFill>
+                  <a:srgbClr val="000000"/>
+                </a:solidFill>
+              </a:rPr>
+              <a:t>i</a:t>
+            </a:r>
+            <a:r>
+              <a:rPr altLang="en-GB" sz="2800" lang="en-US">
+                <a:solidFill>
+                  <a:srgbClr val="000000"/>
+                </a:solidFill>
+              </a:rPr>
+              <a:t>l</a:t>
+            </a:r>
+            <a:r>
+              <a:rPr altLang="en-GB" sz="2800" lang="en-US">
+                <a:solidFill>
+                  <a:srgbClr val="000000"/>
+                </a:solidFill>
+              </a:rPr>
+              <a:t>d </a:t>
+            </a:r>
+            <a:r>
+              <a:rPr altLang="en-GB" sz="2800" lang="en-US">
+                <a:solidFill>
+                  <a:srgbClr val="000000"/>
+                </a:solidFill>
+              </a:rPr>
+              <a:t>t</a:t>
+            </a:r>
+            <a:r>
+              <a:rPr altLang="en-GB" sz="2800" lang="en-US">
+                <a:solidFill>
+                  <a:srgbClr val="000000"/>
+                </a:solidFill>
+              </a:rPr>
+              <a:t>o</a:t>
+            </a:r>
+            <a:r>
+              <a:rPr altLang="en-GB" sz="2800" lang="en-US">
+                <a:solidFill>
+                  <a:srgbClr val="000000"/>
+                </a:solidFill>
+              </a:rPr>
+              <a:t>o</a:t>
+            </a:r>
+            <a:r>
+              <a:rPr altLang="en-GB" sz="2800" lang="en-US">
+                <a:solidFill>
+                  <a:srgbClr val="000000"/>
+                </a:solidFill>
+              </a:rPr>
+              <a:t>l</a:t>
+            </a:r>
+            <a:r>
+              <a:rPr altLang="en-GB" sz="2800" lang="en-US">
+                <a:solidFill>
+                  <a:srgbClr val="000000"/>
+                </a:solidFill>
+              </a:rPr>
+              <a:t>s</a:t>
+            </a:r>
+            <a:r>
+              <a:rPr altLang="en-GB" sz="2800" lang="en-US">
+                <a:solidFill>
+                  <a:srgbClr val="000000"/>
+                </a:solidFill>
+              </a:rPr>
+              <a:t>.</a:t>
+            </a:r>
+            <a:endParaRPr sz="2800" lang="en-GB">
+              <a:solidFill>
+                <a:srgbClr val="000000"/>
+              </a:solidFill>
+            </a:endParaRPr>
+          </a:p>
+          <a:p>
+            <a:r>
+              <a:rPr altLang="en-GB" sz="2800" lang="en-US">
+                <a:solidFill>
+                  <a:srgbClr val="000000"/>
+                </a:solidFill>
+              </a:rPr>
+              <a:t> </a:t>
+            </a:r>
+            <a:r>
+              <a:rPr altLang="en-GB" sz="2800" lang="en-US">
+                <a:solidFill>
+                  <a:srgbClr val="000000"/>
+                </a:solidFill>
+              </a:rPr>
+              <a:t> </a:t>
+            </a:r>
+            <a:r>
+              <a:rPr altLang="en-GB" sz="2800" lang="en-US">
+                <a:solidFill>
+                  <a:srgbClr val="000000"/>
+                </a:solidFill>
+              </a:rPr>
+              <a:t> </a:t>
+            </a:r>
+            <a:r>
+              <a:rPr altLang="en-GB" sz="2800" lang="en-US">
+                <a:solidFill>
+                  <a:srgbClr val="000000"/>
+                </a:solidFill>
+              </a:rPr>
+              <a:t> </a:t>
+            </a:r>
+            <a:r>
+              <a:rPr altLang="en-GB" sz="2800" lang="en-US">
+                <a:solidFill>
+                  <a:srgbClr val="000000"/>
+                </a:solidFill>
+              </a:rPr>
+              <a:t> </a:t>
+            </a:r>
+            <a:r>
+              <a:rPr altLang="en-GB" sz="2800" lang="en-US">
+                <a:solidFill>
+                  <a:srgbClr val="000000"/>
+                </a:solidFill>
+              </a:rPr>
+              <a:t> </a:t>
+            </a:r>
+            <a:r>
+              <a:rPr altLang="en-GB" sz="2800" lang="en-US">
+                <a:solidFill>
+                  <a:srgbClr val="000000"/>
+                </a:solidFill>
+              </a:rPr>
+              <a:t> </a:t>
+            </a:r>
+            <a:r>
+              <a:rPr altLang="en-GB" sz="2800" lang="en-US">
+                <a:solidFill>
+                  <a:srgbClr val="000000"/>
+                </a:solidFill>
+              </a:rPr>
+              <a:t> </a:t>
+            </a:r>
+            <a:r>
+              <a:rPr altLang="en-GB" sz="2800" lang="en-US">
+                <a:solidFill>
+                  <a:srgbClr val="000000"/>
+                </a:solidFill>
+              </a:rPr>
+              <a:t> </a:t>
+            </a:r>
+            <a:r>
+              <a:rPr altLang="en-GB" sz="2800" lang="en-US">
+                <a:solidFill>
+                  <a:srgbClr val="000000"/>
+                </a:solidFill>
+              </a:rPr>
+              <a:t> </a:t>
+            </a:r>
+            <a:r>
+              <a:rPr altLang="en-GB" sz="2800" lang="en-US">
+                <a:solidFill>
+                  <a:srgbClr val="000000"/>
+                </a:solidFill>
+              </a:rPr>
+              <a:t>V</a:t>
+            </a:r>
+            <a:r>
+              <a:rPr altLang="en-GB" sz="2800" lang="en-US">
+                <a:solidFill>
+                  <a:srgbClr val="000000"/>
+                </a:solidFill>
+              </a:rPr>
+              <a:t>e</a:t>
+            </a:r>
+            <a:r>
+              <a:rPr altLang="en-GB" sz="2800" lang="en-US">
+                <a:solidFill>
+                  <a:srgbClr val="000000"/>
+                </a:solidFill>
+              </a:rPr>
+              <a:t>r</a:t>
+            </a:r>
+            <a:r>
+              <a:rPr altLang="en-GB" sz="2800" lang="en-US">
+                <a:solidFill>
+                  <a:srgbClr val="000000"/>
+                </a:solidFill>
+              </a:rPr>
+              <a:t>s</a:t>
+            </a:r>
+            <a:r>
+              <a:rPr altLang="en-GB" sz="2800" lang="en-US">
+                <a:solidFill>
+                  <a:srgbClr val="000000"/>
+                </a:solidFill>
+              </a:rPr>
+              <a:t>ion </a:t>
+            </a:r>
+            <a:r>
+              <a:rPr altLang="en-GB" sz="2800" lang="en-US">
+                <a:solidFill>
+                  <a:srgbClr val="000000"/>
+                </a:solidFill>
+              </a:rPr>
+              <a:t>c</a:t>
+            </a:r>
+            <a:r>
+              <a:rPr altLang="en-GB" sz="2800" lang="en-US">
+                <a:solidFill>
+                  <a:srgbClr val="000000"/>
+                </a:solidFill>
+              </a:rPr>
+              <a:t>o</a:t>
+            </a:r>
+            <a:r>
+              <a:rPr altLang="en-GB" sz="2800" lang="en-US">
+                <a:solidFill>
+                  <a:srgbClr val="000000"/>
+                </a:solidFill>
+              </a:rPr>
+              <a:t>n</a:t>
+            </a:r>
+            <a:r>
+              <a:rPr altLang="en-GB" sz="2800" lang="en-US">
+                <a:solidFill>
+                  <a:srgbClr val="000000"/>
+                </a:solidFill>
+              </a:rPr>
+              <a:t>t</a:t>
+            </a:r>
+            <a:r>
+              <a:rPr altLang="en-GB" sz="2800" lang="en-US">
+                <a:solidFill>
+                  <a:srgbClr val="000000"/>
+                </a:solidFill>
+              </a:rPr>
+              <a:t>r</a:t>
+            </a:r>
+            <a:r>
+              <a:rPr altLang="en-GB" sz="2800" lang="en-US">
+                <a:solidFill>
+                  <a:srgbClr val="000000"/>
+                </a:solidFill>
+              </a:rPr>
+              <a:t>ol</a:t>
+            </a:r>
+            <a:r>
+              <a:rPr altLang="en-GB" sz="2800" lang="en-US">
+                <a:solidFill>
+                  <a:srgbClr val="000000"/>
+                </a:solidFill>
+              </a:rPr>
+              <a:t>.</a:t>
+            </a:r>
+            <a:endParaRPr sz="2800" lang="en-GB">
+              <a:solidFill>
+                <a:srgbClr val="000000"/>
+              </a:solidFill>
+            </a:endParaRPr>
+          </a:p>
+          <a:p>
+            <a:r>
+              <a:rPr altLang="en-GB" sz="2800" lang="en-US">
+                <a:solidFill>
+                  <a:srgbClr val="000000"/>
+                </a:solidFill>
+              </a:rPr>
+              <a:t> </a:t>
+            </a:r>
+            <a:r>
+              <a:rPr altLang="en-GB" sz="2800" lang="en-US">
+                <a:solidFill>
+                  <a:srgbClr val="000000"/>
+                </a:solidFill>
+              </a:rPr>
+              <a:t> </a:t>
+            </a:r>
+            <a:r>
+              <a:rPr altLang="en-GB" sz="2800" lang="en-US">
+                <a:solidFill>
+                  <a:srgbClr val="000000"/>
+                </a:solidFill>
+              </a:rPr>
+              <a:t> </a:t>
+            </a:r>
+            <a:r>
+              <a:rPr altLang="en-GB" sz="2800" lang="en-US">
+                <a:solidFill>
+                  <a:srgbClr val="000000"/>
+                </a:solidFill>
+              </a:rPr>
+              <a:t> </a:t>
+            </a:r>
+            <a:r>
+              <a:rPr altLang="en-GB" sz="2800" lang="en-US">
+                <a:solidFill>
+                  <a:srgbClr val="000000"/>
+                </a:solidFill>
+              </a:rPr>
+              <a:t> </a:t>
+            </a:r>
+            <a:r>
+              <a:rPr altLang="en-GB" sz="2800" lang="en-US">
+                <a:solidFill>
+                  <a:srgbClr val="000000"/>
+                </a:solidFill>
+              </a:rPr>
+              <a:t> </a:t>
+            </a:r>
+            <a:r>
+              <a:rPr altLang="en-GB" sz="2800" lang="en-US">
+                <a:solidFill>
+                  <a:srgbClr val="000000"/>
+                </a:solidFill>
+              </a:rPr>
+              <a:t> </a:t>
+            </a:r>
+            <a:r>
+              <a:rPr altLang="en-GB" sz="2800" lang="en-US">
+                <a:solidFill>
+                  <a:srgbClr val="000000"/>
+                </a:solidFill>
+              </a:rPr>
+              <a:t> </a:t>
+            </a:r>
+            <a:r>
+              <a:rPr altLang="en-GB" sz="2800" lang="en-US">
+                <a:solidFill>
+                  <a:srgbClr val="000000"/>
+                </a:solidFill>
+              </a:rPr>
+              <a:t> </a:t>
+            </a:r>
+            <a:r>
+              <a:rPr altLang="en-GB" sz="2800" lang="en-US">
+                <a:solidFill>
+                  <a:srgbClr val="000000"/>
+                </a:solidFill>
+              </a:rPr>
+              <a:t> </a:t>
+            </a:r>
+            <a:r>
+              <a:rPr altLang="en-GB" sz="2800" lang="en-US">
+                <a:solidFill>
+                  <a:srgbClr val="000000"/>
+                </a:solidFill>
+              </a:rPr>
+              <a:t>S</a:t>
+            </a:r>
+            <a:r>
+              <a:rPr altLang="en-GB" sz="2800" lang="en-US">
+                <a:solidFill>
+                  <a:srgbClr val="000000"/>
+                </a:solidFill>
+              </a:rPr>
+              <a:t>t</a:t>
+            </a:r>
+            <a:r>
+              <a:rPr altLang="en-GB" sz="2800" lang="en-US">
+                <a:solidFill>
+                  <a:srgbClr val="000000"/>
+                </a:solidFill>
+              </a:rPr>
+              <a:t>ate </a:t>
+            </a:r>
+            <a:r>
+              <a:rPr altLang="en-GB" sz="2800" lang="en-US">
+                <a:solidFill>
+                  <a:srgbClr val="000000"/>
+                </a:solidFill>
+              </a:rPr>
+              <a:t>m</a:t>
+            </a:r>
+            <a:r>
+              <a:rPr altLang="en-GB" sz="2800" lang="en-US">
+                <a:solidFill>
+                  <a:srgbClr val="000000"/>
+                </a:solidFill>
+              </a:rPr>
+              <a:t>a</a:t>
+            </a:r>
+            <a:r>
+              <a:rPr altLang="en-GB" sz="2800" lang="en-US">
+                <a:solidFill>
+                  <a:srgbClr val="000000"/>
+                </a:solidFill>
+              </a:rPr>
+              <a:t>n</a:t>
+            </a:r>
+            <a:r>
+              <a:rPr altLang="en-GB" sz="2800" lang="en-US">
+                <a:solidFill>
+                  <a:srgbClr val="000000"/>
+                </a:solidFill>
+              </a:rPr>
+              <a:t>a</a:t>
+            </a:r>
+            <a:r>
+              <a:rPr altLang="en-GB" sz="2800" lang="en-US">
+                <a:solidFill>
+                  <a:srgbClr val="000000"/>
+                </a:solidFill>
+              </a:rPr>
+              <a:t>g</a:t>
+            </a:r>
+            <a:r>
+              <a:rPr altLang="en-GB" sz="2800" lang="en-US">
+                <a:solidFill>
+                  <a:srgbClr val="000000"/>
+                </a:solidFill>
+              </a:rPr>
+              <a:t>e</a:t>
+            </a:r>
+            <a:r>
+              <a:rPr altLang="en-GB" sz="2800" lang="en-US">
+                <a:solidFill>
+                  <a:srgbClr val="000000"/>
+                </a:solidFill>
+              </a:rPr>
+              <a:t>ment </a:t>
+            </a:r>
+            <a:r>
+              <a:rPr altLang="en-GB" sz="2800" lang="en-US">
+                <a:solidFill>
+                  <a:srgbClr val="000000"/>
+                </a:solidFill>
+              </a:rPr>
+              <a:t>l</a:t>
+            </a:r>
+            <a:r>
+              <a:rPr altLang="en-GB" sz="2800" lang="en-US">
+                <a:solidFill>
+                  <a:srgbClr val="000000"/>
+                </a:solidFill>
+              </a:rPr>
+              <a:t>i</a:t>
+            </a:r>
+            <a:r>
+              <a:rPr altLang="en-GB" sz="2800" lang="en-US">
+                <a:solidFill>
+                  <a:srgbClr val="000000"/>
+                </a:solidFill>
+              </a:rPr>
+              <a:t>a</a:t>
+            </a:r>
+            <a:r>
+              <a:rPr altLang="en-GB" sz="2800" lang="en-US">
+                <a:solidFill>
+                  <a:srgbClr val="000000"/>
+                </a:solidFill>
+              </a:rPr>
+              <a:t>b</a:t>
+            </a:r>
+            <a:r>
+              <a:rPr altLang="en-GB" sz="2800" lang="en-US">
+                <a:solidFill>
+                  <a:srgbClr val="000000"/>
+                </a:solidFill>
+              </a:rPr>
+              <a:t>r</a:t>
+            </a:r>
+            <a:r>
+              <a:rPr altLang="en-GB" sz="2800" lang="en-US">
+                <a:solidFill>
+                  <a:srgbClr val="000000"/>
+                </a:solidFill>
+              </a:rPr>
+              <a:t>a</a:t>
+            </a:r>
+            <a:r>
+              <a:rPr altLang="en-GB" sz="2800" lang="en-US">
+                <a:solidFill>
+                  <a:srgbClr val="000000"/>
+                </a:solidFill>
+              </a:rPr>
+              <a:t>ries</a:t>
+            </a:r>
+            <a:r>
+              <a:rPr altLang="en-GB" sz="2800" lang="en-US">
+                <a:solidFill>
+                  <a:srgbClr val="000000"/>
+                </a:solidFill>
+              </a:rPr>
+              <a:t>.</a:t>
+            </a:r>
+            <a:endParaRPr sz="2800" lang="en-GB">
+              <a:solidFill>
+                <a:srgbClr val="000000"/>
+              </a:solidFill>
+            </a:endParaRPr>
+          </a:p>
+          <a:p>
+            <a:r>
+              <a:rPr altLang="en-GB" sz="2800" lang="en-US">
+                <a:solidFill>
+                  <a:srgbClr val="0000FF"/>
+                </a:solidFill>
+              </a:rPr>
+              <a:t>T</a:t>
+            </a:r>
+            <a:r>
+              <a:rPr altLang="en-GB" sz="2800" lang="en-US">
+                <a:solidFill>
+                  <a:srgbClr val="0000FF"/>
+                </a:solidFill>
+              </a:rPr>
+              <a:t>e</a:t>
+            </a:r>
+            <a:r>
+              <a:rPr altLang="en-GB" sz="2800" lang="en-US">
+                <a:solidFill>
+                  <a:srgbClr val="0000FF"/>
+                </a:solidFill>
+              </a:rPr>
+              <a:t>c</a:t>
+            </a:r>
+            <a:r>
+              <a:rPr altLang="en-GB" sz="2800" lang="en-US">
+                <a:solidFill>
+                  <a:srgbClr val="0000FF"/>
+                </a:solidFill>
+              </a:rPr>
+              <a:t>h</a:t>
+            </a:r>
+            <a:r>
+              <a:rPr altLang="en-GB" sz="2800" lang="en-US">
+                <a:solidFill>
+                  <a:srgbClr val="0000FF"/>
+                </a:solidFill>
+              </a:rPr>
+              <a:t>niques</a:t>
+            </a:r>
+            <a:r>
+              <a:rPr altLang="en-GB" sz="2800" lang="en-US">
+                <a:solidFill>
+                  <a:srgbClr val="0000FF"/>
+                </a:solidFill>
+              </a:rPr>
+              <a:t>:</a:t>
+            </a:r>
+            <a:endParaRPr sz="2800" lang="en-GB">
+              <a:solidFill>
+                <a:srgbClr val="000000"/>
+              </a:solidFill>
+            </a:endParaRPr>
+          </a:p>
+          <a:p>
+            <a:r>
+              <a:rPr altLang="en-GB" sz="2800" lang="en-US">
+                <a:solidFill>
+                  <a:srgbClr val="0000FF"/>
+                </a:solidFill>
+              </a:rPr>
+              <a:t> </a:t>
+            </a:r>
+            <a:r>
+              <a:rPr altLang="en-GB" sz="2800" lang="en-US">
+                <a:solidFill>
+                  <a:srgbClr val="0000FF"/>
+                </a:solidFill>
+              </a:rPr>
+              <a:t> </a:t>
+            </a:r>
+            <a:r>
+              <a:rPr altLang="en-GB" sz="2800" lang="en-US">
+                <a:solidFill>
+                  <a:srgbClr val="0000FF"/>
+                </a:solidFill>
+              </a:rPr>
+              <a:t> </a:t>
+            </a:r>
+            <a:r>
+              <a:rPr altLang="en-GB" sz="2800" lang="en-US">
+                <a:solidFill>
+                  <a:srgbClr val="0000FF"/>
+                </a:solidFill>
+              </a:rPr>
+              <a:t> </a:t>
+            </a:r>
+            <a:r>
+              <a:rPr altLang="en-GB" sz="2800" lang="en-US">
+                <a:solidFill>
+                  <a:srgbClr val="0000FF"/>
+                </a:solidFill>
+              </a:rPr>
+              <a:t> </a:t>
+            </a:r>
+            <a:r>
+              <a:rPr altLang="en-GB" sz="2800" lang="en-US">
+                <a:solidFill>
+                  <a:srgbClr val="0000FF"/>
+                </a:solidFill>
+              </a:rPr>
+              <a:t> </a:t>
+            </a:r>
+            <a:r>
+              <a:rPr altLang="en-GB" sz="2800" lang="en-US">
+                <a:solidFill>
+                  <a:srgbClr val="0000FF"/>
+                </a:solidFill>
+              </a:rPr>
+              <a:t> </a:t>
+            </a:r>
+            <a:r>
+              <a:rPr altLang="en-GB" sz="2800" lang="en-US">
+                <a:solidFill>
+                  <a:srgbClr val="0000FF"/>
+                </a:solidFill>
+              </a:rPr>
+              <a:t> </a:t>
+            </a:r>
+            <a:r>
+              <a:rPr altLang="en-GB" sz="2800" lang="en-US">
+                <a:solidFill>
+                  <a:srgbClr val="0000FF"/>
+                </a:solidFill>
+              </a:rPr>
+              <a:t> </a:t>
+            </a:r>
+            <a:r>
+              <a:rPr altLang="en-GB" sz="2800" lang="en-US">
+                <a:solidFill>
+                  <a:srgbClr val="0000FF"/>
+                </a:solidFill>
+              </a:rPr>
+              <a:t> </a:t>
+            </a:r>
+            <a:r>
+              <a:rPr altLang="en-GB" sz="2800" lang="en-US">
+                <a:solidFill>
+                  <a:srgbClr val="000000"/>
+                </a:solidFill>
+              </a:rPr>
+              <a:t>Component </a:t>
+            </a:r>
+            <a:r>
+              <a:rPr altLang="en-GB" sz="2800" lang="en-US">
+                <a:solidFill>
+                  <a:srgbClr val="000000"/>
+                </a:solidFill>
+              </a:rPr>
+              <a:t>b</a:t>
+            </a:r>
+            <a:r>
+              <a:rPr altLang="en-GB" sz="2800" lang="en-US">
+                <a:solidFill>
+                  <a:srgbClr val="000000"/>
+                </a:solidFill>
+              </a:rPr>
+              <a:t>a</a:t>
+            </a:r>
+            <a:r>
+              <a:rPr altLang="en-GB" sz="2800" lang="en-US">
+                <a:solidFill>
+                  <a:srgbClr val="000000"/>
+                </a:solidFill>
+              </a:rPr>
+              <a:t>s</a:t>
+            </a:r>
+            <a:r>
+              <a:rPr altLang="en-GB" sz="2800" lang="en-US">
+                <a:solidFill>
+                  <a:srgbClr val="000000"/>
+                </a:solidFill>
+              </a:rPr>
+              <a:t>e</a:t>
+            </a:r>
+            <a:r>
+              <a:rPr altLang="en-GB" sz="2800" lang="en-US">
+                <a:solidFill>
+                  <a:srgbClr val="000000"/>
+                </a:solidFill>
+              </a:rPr>
+              <a:t>d</a:t>
+            </a:r>
+            <a:r>
+              <a:rPr altLang="en-GB" sz="2800" lang="en-US">
+                <a:solidFill>
+                  <a:srgbClr val="000000"/>
+                </a:solidFill>
+              </a:rPr>
+              <a:t> </a:t>
+            </a:r>
+            <a:r>
+              <a:rPr altLang="en-GB" sz="2800" lang="en-US">
+                <a:solidFill>
+                  <a:srgbClr val="000000"/>
+                </a:solidFill>
+              </a:rPr>
+              <a:t>a</a:t>
+            </a:r>
+            <a:r>
+              <a:rPr altLang="en-GB" sz="2800" lang="en-US">
+                <a:solidFill>
+                  <a:srgbClr val="000000"/>
+                </a:solidFill>
+              </a:rPr>
+              <a:t>r</a:t>
+            </a:r>
+            <a:r>
+              <a:rPr altLang="en-GB" sz="2800" lang="en-US">
+                <a:solidFill>
+                  <a:srgbClr val="000000"/>
+                </a:solidFill>
+              </a:rPr>
+              <a:t>c</a:t>
+            </a:r>
+            <a:r>
+              <a:rPr altLang="en-GB" sz="2800" lang="en-US">
+                <a:solidFill>
+                  <a:srgbClr val="000000"/>
+                </a:solidFill>
+              </a:rPr>
+              <a:t>h</a:t>
+            </a:r>
+            <a:r>
+              <a:rPr altLang="en-GB" sz="2800" lang="en-US">
+                <a:solidFill>
+                  <a:srgbClr val="000000"/>
+                </a:solidFill>
+              </a:rPr>
+              <a:t>i</a:t>
+            </a:r>
+            <a:r>
+              <a:rPr altLang="en-GB" sz="2800" lang="en-US">
+                <a:solidFill>
+                  <a:srgbClr val="000000"/>
+                </a:solidFill>
+              </a:rPr>
+              <a:t>tecture</a:t>
+            </a:r>
+            <a:r>
+              <a:rPr altLang="en-GB" sz="2800" lang="en-US">
+                <a:solidFill>
+                  <a:srgbClr val="000000"/>
+                </a:solidFill>
+              </a:rPr>
+              <a:t>.</a:t>
+            </a:r>
+            <a:endParaRPr sz="2800" lang="en-GB">
+              <a:solidFill>
+                <a:srgbClr val="000000"/>
+              </a:solidFill>
+            </a:endParaRPr>
+          </a:p>
+          <a:p>
+            <a:r>
+              <a:rPr altLang="en-GB" sz="2800" lang="en-US">
+                <a:solidFill>
+                  <a:srgbClr val="000000"/>
+                </a:solidFill>
+              </a:rPr>
+              <a:t> </a:t>
+            </a:r>
+            <a:r>
+              <a:rPr altLang="en-GB" sz="2800" lang="en-US">
+                <a:solidFill>
+                  <a:srgbClr val="000000"/>
+                </a:solidFill>
+              </a:rPr>
+              <a:t> </a:t>
+            </a:r>
+            <a:r>
+              <a:rPr altLang="en-GB" sz="2800" lang="en-US">
+                <a:solidFill>
+                  <a:srgbClr val="000000"/>
+                </a:solidFill>
+              </a:rPr>
+              <a:t> </a:t>
+            </a:r>
+            <a:r>
+              <a:rPr altLang="en-GB" sz="2800" lang="en-US">
+                <a:solidFill>
+                  <a:srgbClr val="000000"/>
+                </a:solidFill>
+              </a:rPr>
+              <a:t> </a:t>
+            </a:r>
+            <a:r>
+              <a:rPr altLang="en-GB" sz="2800" lang="en-US">
+                <a:solidFill>
+                  <a:srgbClr val="000000"/>
+                </a:solidFill>
+              </a:rPr>
+              <a:t> </a:t>
+            </a:r>
+            <a:r>
+              <a:rPr altLang="en-GB" sz="2800" lang="en-US">
+                <a:solidFill>
+                  <a:srgbClr val="000000"/>
+                </a:solidFill>
+              </a:rPr>
+              <a:t> </a:t>
+            </a:r>
+            <a:r>
+              <a:rPr altLang="en-GB" sz="2800" lang="en-US">
+                <a:solidFill>
+                  <a:srgbClr val="000000"/>
+                </a:solidFill>
+              </a:rPr>
+              <a:t> </a:t>
+            </a:r>
+            <a:r>
+              <a:rPr altLang="en-GB" sz="2800" lang="en-US">
+                <a:solidFill>
+                  <a:srgbClr val="000000"/>
+                </a:solidFill>
+              </a:rPr>
+              <a:t> </a:t>
+            </a:r>
+            <a:r>
+              <a:rPr altLang="en-GB" sz="2800" lang="en-US">
+                <a:solidFill>
+                  <a:srgbClr val="000000"/>
+                </a:solidFill>
+              </a:rPr>
+              <a:t> </a:t>
+            </a:r>
+            <a:r>
+              <a:rPr altLang="en-GB" sz="2800" lang="en-US">
+                <a:solidFill>
+                  <a:srgbClr val="000000"/>
+                </a:solidFill>
+              </a:rPr>
+              <a:t> </a:t>
+            </a:r>
+            <a:r>
+              <a:rPr altLang="en-GB" sz="2800" lang="en-US">
+                <a:solidFill>
+                  <a:srgbClr val="000000"/>
+                </a:solidFill>
+              </a:rPr>
+              <a:t>S</a:t>
+            </a:r>
+            <a:r>
+              <a:rPr altLang="en-GB" sz="2800" lang="en-US">
+                <a:solidFill>
+                  <a:srgbClr val="000000"/>
+                </a:solidFill>
+              </a:rPr>
+              <a:t>t</a:t>
+            </a:r>
+            <a:r>
+              <a:rPr altLang="en-GB" sz="2800" lang="en-US">
+                <a:solidFill>
+                  <a:srgbClr val="000000"/>
+                </a:solidFill>
+              </a:rPr>
+              <a:t>a</a:t>
+            </a:r>
+            <a:r>
+              <a:rPr altLang="en-GB" sz="2800" lang="en-US">
+                <a:solidFill>
+                  <a:srgbClr val="000000"/>
+                </a:solidFill>
+              </a:rPr>
+              <a:t>te </a:t>
+            </a:r>
+            <a:r>
+              <a:rPr altLang="en-GB" sz="2800" lang="en-US">
+                <a:solidFill>
+                  <a:srgbClr val="000000"/>
+                </a:solidFill>
+              </a:rPr>
+              <a:t>management</a:t>
+            </a:r>
+            <a:r>
+              <a:rPr altLang="en-GB" sz="2800" lang="en-US">
+                <a:solidFill>
+                  <a:srgbClr val="000000"/>
+                </a:solidFill>
+              </a:rPr>
+              <a:t>.</a:t>
+            </a:r>
+            <a:endParaRPr sz="2800" lang="en-GB">
+              <a:solidFill>
+                <a:srgbClr val="000000"/>
+              </a:solidFill>
+            </a:endParaRPr>
+          </a:p>
+          <a:p>
+            <a:r>
+              <a:rPr altLang="en-GB" sz="2800" lang="en-US">
+                <a:solidFill>
+                  <a:srgbClr val="000000"/>
+                </a:solidFill>
+              </a:rPr>
+              <a:t> </a:t>
+            </a:r>
+            <a:r>
+              <a:rPr altLang="en-GB" sz="2800" lang="en-US">
+                <a:solidFill>
+                  <a:srgbClr val="000000"/>
+                </a:solidFill>
+              </a:rPr>
+              <a:t> </a:t>
+            </a:r>
+            <a:r>
+              <a:rPr altLang="en-GB" sz="2800" lang="en-US">
+                <a:solidFill>
+                  <a:srgbClr val="000000"/>
+                </a:solidFill>
+              </a:rPr>
+              <a:t> </a:t>
+            </a:r>
+            <a:r>
+              <a:rPr altLang="en-GB" sz="2800" lang="en-US">
+                <a:solidFill>
+                  <a:srgbClr val="000000"/>
+                </a:solidFill>
+              </a:rPr>
+              <a:t> </a:t>
+            </a:r>
+            <a:r>
+              <a:rPr altLang="en-GB" sz="2800" lang="en-US">
+                <a:solidFill>
+                  <a:srgbClr val="000000"/>
+                </a:solidFill>
+              </a:rPr>
+              <a:t> </a:t>
+            </a:r>
+            <a:r>
+              <a:rPr altLang="en-GB" sz="2800" lang="en-US">
+                <a:solidFill>
+                  <a:srgbClr val="000000"/>
+                </a:solidFill>
+              </a:rPr>
+              <a:t> </a:t>
+            </a:r>
+            <a:r>
+              <a:rPr altLang="en-GB" sz="2800" lang="en-US">
+                <a:solidFill>
+                  <a:srgbClr val="000000"/>
+                </a:solidFill>
+              </a:rPr>
+              <a:t> </a:t>
+            </a:r>
+            <a:r>
+              <a:rPr altLang="en-GB" sz="2800" lang="en-US">
+                <a:solidFill>
+                  <a:srgbClr val="000000"/>
+                </a:solidFill>
+              </a:rPr>
+              <a:t> </a:t>
+            </a:r>
+            <a:r>
+              <a:rPr altLang="en-GB" sz="2800" lang="en-US">
+                <a:solidFill>
+                  <a:srgbClr val="000000"/>
+                </a:solidFill>
+              </a:rPr>
+              <a:t> </a:t>
+            </a:r>
+            <a:r>
+              <a:rPr altLang="en-GB" sz="2800" lang="en-US">
+                <a:solidFill>
+                  <a:srgbClr val="000000"/>
+                </a:solidFill>
+              </a:rPr>
+              <a:t> </a:t>
+            </a:r>
+            <a:r>
+              <a:rPr altLang="en-GB" sz="2800" lang="en-US">
+                <a:solidFill>
+                  <a:srgbClr val="000000"/>
+                </a:solidFill>
+              </a:rPr>
+              <a:t>V</a:t>
+            </a:r>
+            <a:r>
+              <a:rPr altLang="en-GB" sz="2800" lang="en-US">
+                <a:solidFill>
+                  <a:srgbClr val="000000"/>
+                </a:solidFill>
+              </a:rPr>
+              <a:t>i</a:t>
+            </a:r>
+            <a:r>
+              <a:rPr altLang="en-GB" sz="2800" lang="en-US">
+                <a:solidFill>
+                  <a:srgbClr val="000000"/>
+                </a:solidFill>
+              </a:rPr>
+              <a:t>r</a:t>
+            </a:r>
+            <a:r>
+              <a:rPr altLang="en-GB" sz="2800" lang="en-US">
+                <a:solidFill>
+                  <a:srgbClr val="000000"/>
+                </a:solidFill>
+              </a:rPr>
+              <a:t>t</a:t>
+            </a:r>
+            <a:r>
+              <a:rPr altLang="en-GB" sz="2800" lang="en-US">
+                <a:solidFill>
+                  <a:srgbClr val="000000"/>
+                </a:solidFill>
+              </a:rPr>
+              <a:t>ual </a:t>
+            </a:r>
+            <a:r>
+              <a:rPr altLang="en-GB" sz="2800" lang="en-US">
+                <a:solidFill>
+                  <a:srgbClr val="000000"/>
+                </a:solidFill>
+              </a:rPr>
+              <a:t>DOM</a:t>
+            </a:r>
+            <a:r>
+              <a:rPr altLang="en-GB" sz="2800" lang="en-US">
+                <a:solidFill>
+                  <a:srgbClr val="000000"/>
+                </a:solidFill>
+              </a:rPr>
+              <a:t>.</a:t>
+            </a:r>
+            <a:endParaRPr sz="2800" lang="en-GB">
+              <a:solidFill>
+                <a:srgbClr val="000000"/>
+              </a:solidFill>
+            </a:endParaRPr>
+          </a:p>
+          <a:p>
+            <a:r>
+              <a:rPr altLang="en-GB" sz="2800" lang="en-US">
+                <a:solidFill>
+                  <a:srgbClr val="000000"/>
+                </a:solidFill>
+              </a:rPr>
+              <a:t> </a:t>
+            </a:r>
+            <a:r>
+              <a:rPr altLang="en-GB" sz="2800" lang="en-US">
+                <a:solidFill>
+                  <a:srgbClr val="000000"/>
+                </a:solidFill>
+              </a:rPr>
+              <a:t> </a:t>
+            </a:r>
+            <a:r>
+              <a:rPr altLang="en-GB" sz="2800" lang="en-US">
+                <a:solidFill>
+                  <a:srgbClr val="000000"/>
+                </a:solidFill>
+              </a:rPr>
+              <a:t> </a:t>
+            </a:r>
+            <a:r>
+              <a:rPr altLang="en-GB" sz="2800" lang="en-US">
+                <a:solidFill>
+                  <a:srgbClr val="000000"/>
+                </a:solidFill>
+              </a:rPr>
+              <a:t> </a:t>
+            </a:r>
+            <a:r>
+              <a:rPr altLang="en-GB" sz="2800" lang="en-US">
+                <a:solidFill>
+                  <a:srgbClr val="000000"/>
+                </a:solidFill>
+              </a:rPr>
+              <a:t> </a:t>
+            </a:r>
+            <a:r>
+              <a:rPr altLang="en-GB" sz="2800" lang="en-US">
+                <a:solidFill>
+                  <a:srgbClr val="000000"/>
+                </a:solidFill>
+              </a:rPr>
+              <a:t> </a:t>
+            </a:r>
+            <a:r>
+              <a:rPr altLang="en-GB" sz="2800" lang="en-US">
+                <a:solidFill>
+                  <a:srgbClr val="000000"/>
+                </a:solidFill>
+              </a:rPr>
+              <a:t> </a:t>
+            </a:r>
+            <a:r>
+              <a:rPr altLang="en-GB" sz="2800" lang="en-US">
+                <a:solidFill>
+                  <a:srgbClr val="000000"/>
+                </a:solidFill>
+              </a:rPr>
+              <a:t> </a:t>
+            </a:r>
+            <a:r>
+              <a:rPr altLang="en-GB" sz="2800" lang="en-US">
+                <a:solidFill>
+                  <a:srgbClr val="000000"/>
+                </a:solidFill>
+              </a:rPr>
+              <a:t> </a:t>
+            </a:r>
+            <a:r>
+              <a:rPr altLang="en-GB" sz="2800" lang="en-US">
+                <a:solidFill>
+                  <a:srgbClr val="000000"/>
+                </a:solidFill>
+              </a:rPr>
+              <a:t> </a:t>
+            </a:r>
+            <a:r>
+              <a:rPr altLang="en-GB" sz="2800" lang="en-US">
+                <a:solidFill>
+                  <a:srgbClr val="000000"/>
+                </a:solidFill>
+              </a:rPr>
+              <a:t> </a:t>
+            </a:r>
+            <a:r>
+              <a:rPr altLang="en-GB" sz="2800" lang="en-US">
+                <a:solidFill>
+                  <a:srgbClr val="000000"/>
+                </a:solidFill>
+              </a:rPr>
+              <a:t>T</a:t>
+            </a:r>
+            <a:r>
+              <a:rPr altLang="en-GB" sz="2800" lang="en-US">
+                <a:solidFill>
+                  <a:srgbClr val="000000"/>
+                </a:solidFill>
+              </a:rPr>
+              <a:t>w</a:t>
+            </a:r>
+            <a:r>
+              <a:rPr altLang="en-GB" sz="2800" lang="en-US">
+                <a:solidFill>
+                  <a:srgbClr val="000000"/>
+                </a:solidFill>
+              </a:rPr>
+              <a:t>o</a:t>
+            </a:r>
+            <a:r>
+              <a:rPr altLang="en-GB" sz="2800" lang="en-US">
+                <a:solidFill>
+                  <a:srgbClr val="000000"/>
+                </a:solidFill>
+              </a:rPr>
+              <a:t> </a:t>
+            </a:r>
+            <a:r>
+              <a:rPr altLang="en-GB" sz="2800" lang="en-US">
+                <a:solidFill>
+                  <a:srgbClr val="000000"/>
+                </a:solidFill>
+              </a:rPr>
+              <a:t>way </a:t>
+            </a:r>
+            <a:r>
+              <a:rPr altLang="en-GB" sz="2800" lang="en-US">
+                <a:solidFill>
+                  <a:srgbClr val="000000"/>
+                </a:solidFill>
+              </a:rPr>
+              <a:t>d</a:t>
+            </a:r>
+            <a:r>
+              <a:rPr altLang="en-GB" sz="2800" lang="en-US">
+                <a:solidFill>
+                  <a:srgbClr val="000000"/>
+                </a:solidFill>
+              </a:rPr>
+              <a:t>a</a:t>
+            </a:r>
+            <a:r>
+              <a:rPr altLang="en-GB" sz="2800" lang="en-US">
+                <a:solidFill>
+                  <a:srgbClr val="000000"/>
+                </a:solidFill>
+              </a:rPr>
+              <a:t>t</a:t>
+            </a:r>
+            <a:r>
+              <a:rPr altLang="en-GB" sz="2800" lang="en-US">
+                <a:solidFill>
+                  <a:srgbClr val="000000"/>
+                </a:solidFill>
+              </a:rPr>
+              <a:t>a</a:t>
+            </a:r>
+            <a:r>
+              <a:rPr altLang="en-GB" sz="2800" lang="en-US">
+                <a:solidFill>
+                  <a:srgbClr val="000000"/>
+                </a:solidFill>
+              </a:rPr>
+              <a:t> </a:t>
+            </a:r>
+            <a:r>
+              <a:rPr altLang="en-GB" sz="2800" lang="en-US">
+                <a:solidFill>
+                  <a:srgbClr val="000000"/>
+                </a:solidFill>
+              </a:rPr>
+              <a:t>b</a:t>
+            </a:r>
+            <a:r>
+              <a:rPr altLang="en-GB" sz="2800" lang="en-US">
+                <a:solidFill>
+                  <a:srgbClr val="000000"/>
+                </a:solidFill>
+              </a:rPr>
+              <a:t>i</a:t>
+            </a:r>
+            <a:r>
+              <a:rPr altLang="en-GB" sz="2800" lang="en-US">
+                <a:solidFill>
+                  <a:srgbClr val="000000"/>
+                </a:solidFill>
+              </a:rPr>
+              <a:t>n</a:t>
+            </a:r>
+            <a:r>
+              <a:rPr altLang="en-GB" sz="2800" lang="en-US">
+                <a:solidFill>
+                  <a:srgbClr val="000000"/>
+                </a:solidFill>
+              </a:rPr>
+              <a:t>d</a:t>
+            </a:r>
+            <a:r>
+              <a:rPr altLang="en-GB" sz="2800" lang="en-US">
+                <a:solidFill>
+                  <a:srgbClr val="000000"/>
+                </a:solidFill>
+              </a:rPr>
+              <a:t>ing</a:t>
+            </a:r>
+            <a:r>
+              <a:rPr altLang="en-GB" sz="2800" lang="en-US">
+                <a:solidFill>
+                  <a:srgbClr val="000000"/>
+                </a:solidFill>
+              </a:rPr>
+              <a:t>.</a:t>
+            </a:r>
+            <a:endParaRPr sz="2800" lang="en-GB">
+              <a:solidFill>
+                <a:srgbClr val="000000"/>
+              </a:solidFill>
+            </a:endParaRPr>
+          </a:p>
+        </p:txBody>
+      </p:sp>
     </p:spTree>
   </p:cSld>
   <p:clrMapOvr>
@@ -7132,7 +9858,7 @@
   <p:cSld>
     <p:spTree>
       <p:nvGrpSpPr>
-        <p:cNvPr id="24" name=""/>
+        <p:cNvPr id="37" name=""/>
         <p:cNvGrpSpPr/>
         <p:nvPr/>
       </p:nvGrpSpPr>
@@ -7146,7 +9872,7 @@
       </p:grpSpPr>
       <p:sp>
         <p:nvSpPr>
-          <p:cNvPr id="1048613" name="object 5"/>
+          <p:cNvPr id="1048669" name="object 5"/>
           <p:cNvSpPr/>
           <p:nvPr/>
         </p:nvSpPr>
@@ -7191,7 +9917,7 @@
       </p:sp>
       <p:pic>
         <p:nvPicPr>
-          <p:cNvPr id="2097154" name="object 6"/>
+          <p:cNvPr id="2097165" name="object 6"/>
           <p:cNvPicPr>
             <a:picLocks/>
           </p:cNvPicPr>
@@ -7213,7 +9939,7 @@
       </p:pic>
       <p:sp>
         <p:nvSpPr>
-          <p:cNvPr id="1048614" name="object 9"/>
+          <p:cNvPr id="1048670" name="object 9"/>
           <p:cNvSpPr txBox="1"/>
           <p:nvPr/>
         </p:nvSpPr>
@@ -7256,7 +9982,7 @@
       </p:sp>
       <p:sp>
         <p:nvSpPr>
-          <p:cNvPr id="1048615" name="object 8"/>
+          <p:cNvPr id="1048671" name="object 8"/>
           <p:cNvSpPr txBox="1"/>
           <p:nvPr/>
         </p:nvSpPr>
@@ -7296,7 +10022,7 @@
       </p:sp>
       <p:sp>
         <p:nvSpPr>
-          <p:cNvPr id="1048616" name="object 3"/>
+          <p:cNvPr id="1048672" name="object 3"/>
           <p:cNvSpPr/>
           <p:nvPr/>
         </p:nvSpPr>
@@ -7339,6 +10065,366 @@
           <a:p/>
         </p:txBody>
       </p:sp>
+      <p:sp>
+        <p:nvSpPr>
+          <p:cNvPr id="1048673" name=""/>
+          <p:cNvSpPr txBox="1"/>
+          <p:nvPr/>
+        </p:nvSpPr>
+        <p:spPr>
+          <a:xfrm>
+            <a:off x="339007" y="1207135"/>
+            <a:ext cx="11513985" cy="5260340"/>
+          </a:xfrm>
+          <a:prstGeom prst="rect"/>
+        </p:spPr>
+        <p:txBody>
+          <a:bodyPr rtlCol="0" wrap="square">
+            <a:spAutoFit/>
+          </a:bodyPr>
+          <a:p>
+            <a:r>
+              <a:rPr altLang="en-GB" sz="2800" lang="en-US">
+                <a:solidFill>
+                  <a:srgbClr val="0000FF"/>
+                </a:solidFill>
+              </a:rPr>
+              <a:t>1</a:t>
+            </a:r>
+            <a:r>
+              <a:rPr altLang="en-GB" sz="2800" lang="en-US">
+                <a:solidFill>
+                  <a:srgbClr val="0000FF"/>
+                </a:solidFill>
+              </a:rPr>
+              <a:t>.</a:t>
+            </a:r>
+            <a:r>
+              <a:rPr altLang="en-GB" sz="2800" lang="en-US">
+                <a:solidFill>
+                  <a:srgbClr val="0000FF"/>
+                </a:solidFill>
+              </a:rPr>
+              <a:t>H</a:t>
+            </a:r>
+            <a:r>
+              <a:rPr altLang="en-GB" sz="2800" lang="en-US">
+                <a:solidFill>
+                  <a:srgbClr val="0000FF"/>
+                </a:solidFill>
+              </a:rPr>
+              <a:t>o</a:t>
+            </a:r>
+            <a:r>
+              <a:rPr altLang="en-GB" sz="2800" lang="en-US">
+                <a:solidFill>
+                  <a:srgbClr val="0000FF"/>
+                </a:solidFill>
+              </a:rPr>
+              <a:t>m</a:t>
+            </a:r>
+            <a:r>
+              <a:rPr altLang="en-GB" sz="2800" lang="en-US">
+                <a:solidFill>
+                  <a:srgbClr val="0000FF"/>
+                </a:solidFill>
+              </a:rPr>
+              <a:t>e</a:t>
+            </a:r>
+            <a:r>
+              <a:rPr altLang="en-GB" sz="2800" lang="en-US">
+                <a:solidFill>
+                  <a:srgbClr val="0000FF"/>
+                </a:solidFill>
+              </a:rPr>
+              <a:t>/</a:t>
+            </a:r>
+            <a:r>
+              <a:rPr altLang="en-GB" sz="2800" lang="en-US">
+                <a:solidFill>
+                  <a:srgbClr val="0000FF"/>
+                </a:solidFill>
+              </a:rPr>
+              <a:t>I</a:t>
+            </a:r>
+            <a:r>
+              <a:rPr altLang="en-GB" sz="2800" lang="en-US">
+                <a:solidFill>
+                  <a:srgbClr val="0000FF"/>
+                </a:solidFill>
+              </a:rPr>
+              <a:t>n</a:t>
+            </a:r>
+            <a:r>
+              <a:rPr altLang="en-GB" sz="2800" lang="en-US">
+                <a:solidFill>
+                  <a:srgbClr val="0000FF"/>
+                </a:solidFill>
+              </a:rPr>
+              <a:t>t</a:t>
+            </a:r>
+            <a:r>
+              <a:rPr altLang="en-GB" sz="2800" lang="en-US">
+                <a:solidFill>
+                  <a:srgbClr val="0000FF"/>
+                </a:solidFill>
+              </a:rPr>
+              <a:t>r</a:t>
+            </a:r>
+            <a:r>
+              <a:rPr altLang="en-GB" sz="2800" lang="en-US">
+                <a:solidFill>
+                  <a:srgbClr val="0000FF"/>
+                </a:solidFill>
+              </a:rPr>
+              <a:t>oduction </a:t>
+            </a:r>
+            <a:r>
+              <a:rPr sz="2800" lang="en-GB">
+                <a:solidFill>
+                  <a:srgbClr val="000000"/>
+                </a:solidFill>
+              </a:rPr>
+              <a:t>
+Brief intro with animated typing effect (using React or Vue).  
+Showcase key skills with smooth fade-ins or slides</a:t>
+            </a:r>
+            <a:endParaRPr sz="2800" lang="en-GB">
+              <a:solidFill>
+                <a:srgbClr val="000000"/>
+              </a:solidFill>
+            </a:endParaRPr>
+          </a:p>
+          <a:p>
+            <a:r>
+              <a:rPr altLang="en-GB" sz="2800" lang="en-US">
+                <a:solidFill>
+                  <a:srgbClr val="0000FF"/>
+                </a:solidFill>
+              </a:rPr>
+              <a:t>2</a:t>
+            </a:r>
+            <a:r>
+              <a:rPr altLang="en-GB" sz="2800" lang="en-US">
+                <a:solidFill>
+                  <a:srgbClr val="0000FF"/>
+                </a:solidFill>
+              </a:rPr>
+              <a:t>.</a:t>
+            </a:r>
+            <a:r>
+              <a:rPr altLang="en-GB" sz="2800" lang="en-US">
+                <a:solidFill>
+                  <a:srgbClr val="0000FF"/>
+                </a:solidFill>
+              </a:rPr>
+              <a:t>A</a:t>
+            </a:r>
+            <a:r>
+              <a:rPr altLang="en-GB" sz="2800" lang="en-US">
+                <a:solidFill>
+                  <a:srgbClr val="0000FF"/>
+                </a:solidFill>
+              </a:rPr>
+              <a:t>b</a:t>
+            </a:r>
+            <a:r>
+              <a:rPr altLang="en-GB" sz="2800" lang="en-US">
+                <a:solidFill>
+                  <a:srgbClr val="0000FF"/>
+                </a:solidFill>
+              </a:rPr>
+              <a:t>o</a:t>
+            </a:r>
+            <a:r>
+              <a:rPr altLang="en-GB" sz="2800" lang="en-US">
+                <a:solidFill>
+                  <a:srgbClr val="0000FF"/>
+                </a:solidFill>
+              </a:rPr>
+              <a:t>u</a:t>
+            </a:r>
+            <a:r>
+              <a:rPr altLang="en-GB" sz="2800" lang="en-US">
+                <a:solidFill>
+                  <a:srgbClr val="0000FF"/>
+                </a:solidFill>
+              </a:rPr>
+              <a:t>t</a:t>
+            </a:r>
+            <a:r>
+              <a:rPr altLang="en-GB" sz="2800" lang="en-US">
+                <a:solidFill>
+                  <a:srgbClr val="0000FF"/>
+                </a:solidFill>
+              </a:rPr>
+              <a:t> </a:t>
+            </a:r>
+            <a:r>
+              <a:rPr altLang="en-GB" sz="2800" lang="en-US">
+                <a:solidFill>
+                  <a:srgbClr val="0000FF"/>
+                </a:solidFill>
+              </a:rPr>
+              <a:t>m</a:t>
+            </a:r>
+            <a:r>
+              <a:rPr altLang="en-GB" sz="2800" lang="en-US">
+                <a:solidFill>
+                  <a:srgbClr val="0000FF"/>
+                </a:solidFill>
+              </a:rPr>
+              <a:t>e</a:t>
+            </a:r>
+            <a:r>
+              <a:rPr sz="2800" lang="en-GB">
+                <a:solidFill>
+                  <a:srgbClr val="000000"/>
+                </a:solidFill>
+              </a:rPr>
+              <a:t>
+Interactive timeline or card layout with hover animations.  
+Use transitions for profile picture and skill badges.
+</a:t>
+            </a:r>
+            <a:r>
+              <a:rPr altLang="en-GB" sz="2800" lang="en-US">
+                <a:solidFill>
+                  <a:srgbClr val="0000FF"/>
+                </a:solidFill>
+              </a:rPr>
+              <a:t>3</a:t>
+            </a:r>
+            <a:r>
+              <a:rPr altLang="en-GB" sz="2800" lang="en-US">
+                <a:solidFill>
+                  <a:srgbClr val="0000FF"/>
+                </a:solidFill>
+              </a:rPr>
+              <a:t>.</a:t>
+            </a:r>
+            <a:r>
+              <a:rPr altLang="en-GB" sz="2800" lang="en-US">
+                <a:solidFill>
+                  <a:srgbClr val="0000FF"/>
+                </a:solidFill>
+              </a:rPr>
+              <a:t>P</a:t>
+            </a:r>
+            <a:r>
+              <a:rPr altLang="en-GB" sz="2800" lang="en-US">
+                <a:solidFill>
+                  <a:srgbClr val="0000FF"/>
+                </a:solidFill>
+              </a:rPr>
+              <a:t>r</a:t>
+            </a:r>
+            <a:r>
+              <a:rPr altLang="en-GB" sz="2800" lang="en-US">
+                <a:solidFill>
+                  <a:srgbClr val="0000FF"/>
+                </a:solidFill>
+              </a:rPr>
+              <a:t>o</a:t>
+            </a:r>
+            <a:r>
+              <a:rPr altLang="en-GB" sz="2800" lang="en-US">
+                <a:solidFill>
+                  <a:srgbClr val="0000FF"/>
+                </a:solidFill>
+              </a:rPr>
+              <a:t>j</a:t>
+            </a:r>
+            <a:r>
+              <a:rPr altLang="en-GB" sz="2800" lang="en-US">
+                <a:solidFill>
+                  <a:srgbClr val="0000FF"/>
+                </a:solidFill>
+              </a:rPr>
+              <a:t>e</a:t>
+            </a:r>
+            <a:r>
+              <a:rPr altLang="en-GB" sz="2800" lang="en-US">
+                <a:solidFill>
+                  <a:srgbClr val="0000FF"/>
+                </a:solidFill>
+              </a:rPr>
+              <a:t>c</a:t>
+            </a:r>
+            <a:r>
+              <a:rPr altLang="en-GB" sz="2800" lang="en-US">
+                <a:solidFill>
+                  <a:srgbClr val="0000FF"/>
+                </a:solidFill>
+              </a:rPr>
+              <a:t>t</a:t>
+            </a:r>
+            <a:r>
+              <a:rPr altLang="en-GB" sz="2800" lang="en-US">
+                <a:solidFill>
+                  <a:srgbClr val="0000FF"/>
+                </a:solidFill>
+              </a:rPr>
+              <a:t> </a:t>
+            </a:r>
+            <a:r>
+              <a:rPr altLang="en-GB" sz="2800" lang="en-US">
+                <a:solidFill>
+                  <a:srgbClr val="0000FF"/>
+                </a:solidFill>
+              </a:rPr>
+              <a:t>s</a:t>
+            </a:r>
+            <a:r>
+              <a:rPr altLang="en-GB" sz="2800" lang="en-US">
+                <a:solidFill>
+                  <a:srgbClr val="0000FF"/>
+                </a:solidFill>
+              </a:rPr>
+              <a:t>e</a:t>
+            </a:r>
+            <a:r>
+              <a:rPr altLang="en-GB" sz="2800" lang="en-US">
+                <a:solidFill>
+                  <a:srgbClr val="0000FF"/>
+                </a:solidFill>
+              </a:rPr>
+              <a:t>c</a:t>
+            </a:r>
+            <a:r>
+              <a:rPr altLang="en-GB" sz="2800" lang="en-US">
+                <a:solidFill>
+                  <a:srgbClr val="0000FF"/>
+                </a:solidFill>
+              </a:rPr>
+              <a:t>t</a:t>
+            </a:r>
+            <a:r>
+              <a:rPr altLang="en-GB" sz="2800" lang="en-US">
+                <a:solidFill>
+                  <a:srgbClr val="0000FF"/>
+                </a:solidFill>
+              </a:rPr>
+              <a:t>ion </a:t>
+            </a:r>
+            <a:r>
+              <a:rPr sz="2800" lang="en-GB">
+                <a:solidFill>
+                  <a:srgbClr val="000000"/>
+                </a:solidFill>
+              </a:rPr>
+              <a:t>
+Grid or carousel of projects built with different frameworks (React, Angular, Vue).  
+Each project card includes animated hover effects and modal pop-ups with details.</a:t>
+            </a:r>
+            <a:endParaRPr sz="2800" lang="en-GB">
+              <a:solidFill>
+                <a:srgbClr val="000000"/>
+              </a:solidFill>
+            </a:endParaRPr>
+          </a:p>
+        </p:txBody>
+      </p:sp>
     </p:spTree>
   </p:cSld>
   <p:clrMapOvr>
@@ -7352,7 +10438,7 @@
   <p:cSld>
     <p:spTree>
       <p:nvGrpSpPr>
-        <p:cNvPr id="22" name=""/>
+        <p:cNvPr id="38" name=""/>
         <p:cNvGrpSpPr/>
         <p:nvPr/>
       </p:nvGrpSpPr>
@@ -7366,7 +10452,7 @@
       </p:grpSpPr>
       <p:sp>
         <p:nvSpPr>
-          <p:cNvPr id="1048607" name="Title 1"/>
+          <p:cNvPr id="1048674" name="Title 1"/>
           <p:cNvSpPr>
             <a:spLocks noGrp="1"/>
           </p:cNvSpPr>
@@ -7387,6 +10473,1739 @@
               <a:rPr dirty="0" lang="en-IN"/>
               <a:t>FEATURES AND FUNCTIONALITY</a:t>
             </a:r>
+          </a:p>
+        </p:txBody>
+      </p:sp>
+      <p:sp>
+        <p:nvSpPr>
+          <p:cNvPr id="1048675" name=""/>
+          <p:cNvSpPr txBox="1"/>
+          <p:nvPr/>
+        </p:nvSpPr>
+        <p:spPr>
+          <a:xfrm>
+            <a:off x="381164" y="1531778"/>
+            <a:ext cx="9500916" cy="1031240"/>
+          </a:xfrm>
+          <a:prstGeom prst="rect"/>
+        </p:spPr>
+        <p:txBody>
+          <a:bodyPr rtlCol="0" wrap="square">
+            <a:spAutoFit/>
+          </a:bodyPr>
+          <a:p>
+            <a:r>
+              <a:rPr altLang="en-GB" sz="2800" lang="en-US">
+                <a:solidFill>
+                  <a:srgbClr val="0000FF"/>
+                </a:solidFill>
+              </a:rPr>
+              <a:t>C</a:t>
+            </a:r>
+            <a:r>
+              <a:rPr altLang="en-GB" sz="2800" lang="en-US">
+                <a:solidFill>
+                  <a:srgbClr val="0000FF"/>
+                </a:solidFill>
+              </a:rPr>
+              <a:t>o</a:t>
+            </a:r>
+            <a:r>
+              <a:rPr altLang="en-GB" sz="2800" lang="en-US">
+                <a:solidFill>
+                  <a:srgbClr val="0000FF"/>
+                </a:solidFill>
+              </a:rPr>
+              <a:t>m</a:t>
+            </a:r>
+            <a:r>
+              <a:rPr altLang="en-GB" sz="2800" lang="en-US">
+                <a:solidFill>
+                  <a:srgbClr val="0000FF"/>
+                </a:solidFill>
+              </a:rPr>
+              <a:t>p</a:t>
+            </a:r>
+            <a:r>
+              <a:rPr altLang="en-GB" sz="2800" lang="en-US">
+                <a:solidFill>
+                  <a:srgbClr val="0000FF"/>
+                </a:solidFill>
+              </a:rPr>
+              <a:t>o</a:t>
+            </a:r>
+            <a:r>
+              <a:rPr altLang="en-GB" sz="2800" lang="en-US">
+                <a:solidFill>
+                  <a:srgbClr val="0000FF"/>
+                </a:solidFill>
+              </a:rPr>
+              <a:t>n</a:t>
+            </a:r>
+            <a:r>
+              <a:rPr altLang="en-GB" sz="2800" lang="en-US">
+                <a:solidFill>
+                  <a:srgbClr val="0000FF"/>
+                </a:solidFill>
+              </a:rPr>
+              <a:t>ent</a:t>
+            </a:r>
+            <a:r>
+              <a:rPr altLang="en-GB" sz="2800" lang="en-US">
+                <a:solidFill>
+                  <a:srgbClr val="0000FF"/>
+                </a:solidFill>
+              </a:rPr>
+              <a:t> b</a:t>
+            </a:r>
+            <a:r>
+              <a:rPr altLang="en-GB" sz="2800" lang="en-US">
+                <a:solidFill>
+                  <a:srgbClr val="0000FF"/>
+                </a:solidFill>
+              </a:rPr>
+              <a:t>a</a:t>
+            </a:r>
+            <a:r>
+              <a:rPr altLang="en-GB" sz="2800" lang="en-US">
+                <a:solidFill>
+                  <a:srgbClr val="0000FF"/>
+                </a:solidFill>
+              </a:rPr>
+              <a:t>s</a:t>
+            </a:r>
+            <a:r>
+              <a:rPr altLang="en-GB" sz="2800" lang="en-US">
+                <a:solidFill>
+                  <a:srgbClr val="0000FF"/>
+                </a:solidFill>
+              </a:rPr>
+              <a:t>e</a:t>
+            </a:r>
+            <a:r>
+              <a:rPr altLang="en-GB" sz="2800" lang="en-US">
+                <a:solidFill>
+                  <a:srgbClr val="0000FF"/>
+                </a:solidFill>
+              </a:rPr>
+              <a:t>d</a:t>
+            </a:r>
+            <a:r>
+              <a:rPr altLang="en-GB" sz="2800" lang="en-US">
+                <a:solidFill>
+                  <a:srgbClr val="0000FF"/>
+                </a:solidFill>
+              </a:rPr>
+              <a:t>:</a:t>
+            </a:r>
+            <a:r>
+              <a:rPr sz="2800" lang="en-GB">
+                <a:solidFill>
+                  <a:srgbClr val="000000"/>
+                </a:solidFill>
+              </a:rPr>
+              <a:t>
+ </a:t>
+            </a:r>
+            <a:r>
+              <a:rPr altLang="en-GB" sz="2800" lang="en-US">
+                <a:solidFill>
+                  <a:srgbClr val="000000"/>
+                </a:solidFill>
+              </a:rPr>
+              <a:t> </a:t>
+            </a:r>
+            <a:r>
+              <a:rPr altLang="en-GB" sz="2800" lang="en-US">
+                <a:solidFill>
+                  <a:srgbClr val="000000"/>
+                </a:solidFill>
+              </a:rPr>
+              <a:t> </a:t>
+            </a:r>
+            <a:r>
+              <a:rPr altLang="en-GB" sz="2800" lang="en-US">
+                <a:solidFill>
+                  <a:srgbClr val="000000"/>
+                </a:solidFill>
+              </a:rPr>
+              <a:t> </a:t>
+            </a:r>
+            <a:r>
+              <a:rPr altLang="en-GB" sz="2800" lang="en-US">
+                <a:solidFill>
+                  <a:srgbClr val="000000"/>
+                </a:solidFill>
+              </a:rPr>
+              <a:t> </a:t>
+            </a:r>
+            <a:r>
+              <a:rPr altLang="en-GB" sz="2800" lang="en-US">
+                <a:solidFill>
+                  <a:srgbClr val="000000"/>
+                </a:solidFill>
+              </a:rPr>
+              <a:t> </a:t>
+            </a:r>
+            <a:r>
+              <a:rPr altLang="en-GB" sz="2800" lang="en-US">
+                <a:solidFill>
+                  <a:srgbClr val="000000"/>
+                </a:solidFill>
+              </a:rPr>
+              <a:t> </a:t>
+            </a:r>
+            <a:r>
+              <a:rPr altLang="en-GB" sz="2800" lang="en-US">
+                <a:solidFill>
+                  <a:srgbClr val="000000"/>
+                </a:solidFill>
+              </a:rPr>
+              <a:t> </a:t>
+            </a:r>
+            <a:r>
+              <a:rPr altLang="en-GB" sz="2800" lang="en-US">
+                <a:solidFill>
+                  <a:srgbClr val="000000"/>
+                </a:solidFill>
+              </a:rPr>
+              <a:t> </a:t>
+            </a:r>
+            <a:r>
+              <a:rPr altLang="en-GB" sz="2800" lang="en-US">
+                <a:solidFill>
+                  <a:srgbClr val="000000"/>
+                </a:solidFill>
+              </a:rPr>
+              <a:t> </a:t>
+            </a:r>
+            <a:r>
+              <a:rPr altLang="en-GB" sz="2800" lang="en-US">
+                <a:solidFill>
+                  <a:srgbClr val="000000"/>
+                </a:solidFill>
+              </a:rPr>
+              <a:t> </a:t>
+            </a:r>
+            <a:r>
+              <a:rPr altLang="en-GB" sz="2800" lang="en-US">
+                <a:solidFill>
+                  <a:srgbClr val="000000"/>
+                </a:solidFill>
+              </a:rPr>
+              <a:t>b</a:t>
+            </a:r>
+            <a:r>
+              <a:rPr altLang="en-GB" sz="2800" lang="en-US">
+                <a:solidFill>
+                  <a:srgbClr val="000000"/>
+                </a:solidFill>
+              </a:rPr>
+              <a:t>r</a:t>
+            </a:r>
+            <a:r>
+              <a:rPr altLang="en-GB" sz="2800" lang="en-US">
+                <a:solidFill>
+                  <a:srgbClr val="000000"/>
+                </a:solidFill>
+              </a:rPr>
+              <a:t>e</a:t>
+            </a:r>
+            <a:r>
+              <a:rPr altLang="en-GB" sz="2800" lang="en-US">
+                <a:solidFill>
+                  <a:srgbClr val="000000"/>
+                </a:solidFill>
+              </a:rPr>
+              <a:t>a</a:t>
+            </a:r>
+            <a:r>
+              <a:rPr sz="2800" lang="en-GB">
+                <a:solidFill>
+                  <a:srgbClr val="000000"/>
+                </a:solidFill>
+              </a:rPr>
+              <a:t>ks UI into reusable, self-contained components.</a:t>
+            </a:r>
+            <a:endParaRPr sz="2800" lang="en-GB">
+              <a:solidFill>
+                <a:srgbClr val="000000"/>
+              </a:solidFill>
+            </a:endParaRPr>
+          </a:p>
+        </p:txBody>
+      </p:sp>
+      <p:sp>
+        <p:nvSpPr>
+          <p:cNvPr id="1048676" name=""/>
+          <p:cNvSpPr txBox="1"/>
+          <p:nvPr/>
+        </p:nvSpPr>
+        <p:spPr>
+          <a:xfrm>
+            <a:off x="381164" y="2909253"/>
+            <a:ext cx="9094759" cy="1501140"/>
+          </a:xfrm>
+          <a:prstGeom prst="rect"/>
+        </p:spPr>
+        <p:txBody>
+          <a:bodyPr rtlCol="0" wrap="square">
+            <a:spAutoFit/>
+          </a:bodyPr>
+          <a:p>
+            <a:r>
+              <a:rPr altLang="en-GB" sz="2800" lang="en-US">
+                <a:solidFill>
+                  <a:srgbClr val="0000FF"/>
+                </a:solidFill>
+              </a:rPr>
+              <a:t>D</a:t>
+            </a:r>
+            <a:r>
+              <a:rPr altLang="en-GB" sz="2800" lang="en-US">
+                <a:solidFill>
+                  <a:srgbClr val="0000FF"/>
+                </a:solidFill>
+              </a:rPr>
+              <a:t>e</a:t>
+            </a:r>
+            <a:r>
+              <a:rPr altLang="en-GB" sz="2800" lang="en-US">
+                <a:solidFill>
+                  <a:srgbClr val="0000FF"/>
+                </a:solidFill>
+              </a:rPr>
+              <a:t>c</a:t>
+            </a:r>
+            <a:r>
+              <a:rPr altLang="en-GB" sz="2800" lang="en-US">
+                <a:solidFill>
+                  <a:srgbClr val="0000FF"/>
+                </a:solidFill>
+              </a:rPr>
+              <a:t>l</a:t>
+            </a:r>
+            <a:r>
+              <a:rPr altLang="en-GB" sz="2800" lang="en-US">
+                <a:solidFill>
+                  <a:srgbClr val="0000FF"/>
+                </a:solidFill>
+              </a:rPr>
+              <a:t>a</a:t>
+            </a:r>
+            <a:r>
+              <a:rPr altLang="en-GB" sz="2800" lang="en-US">
+                <a:solidFill>
+                  <a:srgbClr val="0000FF"/>
+                </a:solidFill>
+              </a:rPr>
+              <a:t>r</a:t>
+            </a:r>
+            <a:r>
+              <a:rPr altLang="en-GB" sz="2800" lang="en-US">
+                <a:solidFill>
+                  <a:srgbClr val="0000FF"/>
+                </a:solidFill>
+              </a:rPr>
+              <a:t>a</a:t>
+            </a:r>
+            <a:r>
+              <a:rPr altLang="en-GB" sz="2800" lang="en-US">
+                <a:solidFill>
+                  <a:srgbClr val="0000FF"/>
+                </a:solidFill>
+              </a:rPr>
+              <a:t>t</a:t>
+            </a:r>
+            <a:r>
+              <a:rPr altLang="en-GB" sz="2800" lang="en-US">
+                <a:solidFill>
+                  <a:srgbClr val="0000FF"/>
+                </a:solidFill>
+              </a:rPr>
+              <a:t>i</a:t>
+            </a:r>
+            <a:r>
+              <a:rPr altLang="en-GB" sz="2800" lang="en-US">
+                <a:solidFill>
+                  <a:srgbClr val="0000FF"/>
+                </a:solidFill>
+              </a:rPr>
+              <a:t>v</a:t>
+            </a:r>
+            <a:r>
+              <a:rPr altLang="en-GB" sz="2800" lang="en-US">
+                <a:solidFill>
+                  <a:srgbClr val="0000FF"/>
+                </a:solidFill>
+              </a:rPr>
+              <a:t>e</a:t>
+            </a:r>
+            <a:r>
+              <a:rPr altLang="en-GB" sz="2800" lang="en-US">
+                <a:solidFill>
+                  <a:srgbClr val="0000FF"/>
+                </a:solidFill>
+              </a:rPr>
+              <a:t> </a:t>
+            </a:r>
+            <a:r>
+              <a:rPr altLang="en-GB" sz="2800" lang="en-US">
+                <a:solidFill>
+                  <a:srgbClr val="0000FF"/>
+                </a:solidFill>
+              </a:rPr>
+              <a:t>p</a:t>
+            </a:r>
+            <a:r>
+              <a:rPr altLang="en-GB" sz="2800" lang="en-US">
+                <a:solidFill>
+                  <a:srgbClr val="0000FF"/>
+                </a:solidFill>
+              </a:rPr>
+              <a:t>r</a:t>
+            </a:r>
+            <a:r>
+              <a:rPr altLang="en-GB" sz="2800" lang="en-US">
+                <a:solidFill>
+                  <a:srgbClr val="0000FF"/>
+                </a:solidFill>
+              </a:rPr>
+              <a:t>o</a:t>
+            </a:r>
+            <a:r>
+              <a:rPr altLang="en-GB" sz="2800" lang="en-US">
+                <a:solidFill>
+                  <a:srgbClr val="0000FF"/>
+                </a:solidFill>
+              </a:rPr>
+              <a:t>g</a:t>
+            </a:r>
+            <a:r>
+              <a:rPr altLang="en-GB" sz="2800" lang="en-US">
+                <a:solidFill>
+                  <a:srgbClr val="0000FF"/>
+                </a:solidFill>
+              </a:rPr>
+              <a:t>r</a:t>
+            </a:r>
+            <a:r>
+              <a:rPr altLang="en-GB" sz="2800" lang="en-US">
+                <a:solidFill>
+                  <a:srgbClr val="0000FF"/>
+                </a:solidFill>
+              </a:rPr>
+              <a:t>a</a:t>
+            </a:r>
+            <a:r>
+              <a:rPr altLang="en-GB" sz="2800" lang="en-US">
+                <a:solidFill>
+                  <a:srgbClr val="0000FF"/>
+                </a:solidFill>
+              </a:rPr>
+              <a:t>m</a:t>
+            </a:r>
+            <a:r>
+              <a:rPr altLang="en-GB" sz="2800" lang="en-US">
+                <a:solidFill>
+                  <a:srgbClr val="0000FF"/>
+                </a:solidFill>
+              </a:rPr>
+              <a:t>m</a:t>
+            </a:r>
+            <a:r>
+              <a:rPr altLang="en-GB" sz="2800" lang="en-US">
+                <a:solidFill>
+                  <a:srgbClr val="0000FF"/>
+                </a:solidFill>
+              </a:rPr>
+              <a:t>i</a:t>
+            </a:r>
+            <a:r>
+              <a:rPr altLang="en-GB" sz="2800" lang="en-US">
+                <a:solidFill>
+                  <a:srgbClr val="0000FF"/>
+                </a:solidFill>
+              </a:rPr>
+              <a:t>ng</a:t>
+            </a:r>
+            <a:r>
+              <a:rPr altLang="en-GB" sz="2800" lang="en-US">
+                <a:solidFill>
+                  <a:srgbClr val="0000FF"/>
+                </a:solidFill>
+              </a:rPr>
+              <a:t>:</a:t>
+            </a:r>
+            <a:endParaRPr sz="2800" lang="en-GB">
+              <a:solidFill>
+                <a:srgbClr val="000000"/>
+              </a:solidFill>
+            </a:endParaRPr>
+          </a:p>
+          <a:p>
+            <a:r>
+              <a:rPr altLang="en-GB" sz="2800" lang="en-US">
+                <a:solidFill>
+                  <a:srgbClr val="000000"/>
+                </a:solidFill>
+              </a:rPr>
+              <a:t> </a:t>
+            </a:r>
+            <a:r>
+              <a:rPr altLang="en-GB" sz="2800" lang="en-US">
+                <a:solidFill>
+                  <a:srgbClr val="000000"/>
+                </a:solidFill>
+              </a:rPr>
+              <a:t> </a:t>
+            </a:r>
+            <a:r>
+              <a:rPr altLang="en-GB" sz="2800" lang="en-US">
+                <a:solidFill>
+                  <a:srgbClr val="000000"/>
+                </a:solidFill>
+              </a:rPr>
+              <a:t> </a:t>
+            </a:r>
+            <a:r>
+              <a:rPr altLang="en-GB" sz="2800" lang="en-US">
+                <a:solidFill>
+                  <a:srgbClr val="000000"/>
+                </a:solidFill>
+              </a:rPr>
+              <a:t> </a:t>
+            </a:r>
+            <a:r>
+              <a:rPr altLang="en-GB" sz="2800" lang="en-US">
+                <a:solidFill>
+                  <a:srgbClr val="000000"/>
+                </a:solidFill>
+              </a:rPr>
+              <a:t> </a:t>
+            </a:r>
+            <a:r>
+              <a:rPr altLang="en-GB" sz="2800" lang="en-US">
+                <a:solidFill>
+                  <a:srgbClr val="000000"/>
+                </a:solidFill>
+              </a:rPr>
+              <a:t> </a:t>
+            </a:r>
+            <a:r>
+              <a:rPr altLang="en-GB" sz="2800" lang="en-US">
+                <a:solidFill>
+                  <a:srgbClr val="000000"/>
+                </a:solidFill>
+              </a:rPr>
+              <a:t> </a:t>
+            </a:r>
+            <a:r>
+              <a:rPr altLang="en-GB" sz="2800" lang="en-US">
+                <a:solidFill>
+                  <a:srgbClr val="000000"/>
+                </a:solidFill>
+              </a:rPr>
+              <a:t> </a:t>
+            </a:r>
+            <a:r>
+              <a:rPr altLang="en-GB" sz="2800" lang="en-US">
+                <a:solidFill>
+                  <a:srgbClr val="000000"/>
+                </a:solidFill>
+              </a:rPr>
+              <a:t> </a:t>
+            </a:r>
+            <a:r>
+              <a:rPr altLang="en-GB" sz="2800" lang="en-US">
+                <a:solidFill>
+                  <a:srgbClr val="000000"/>
+                </a:solidFill>
+              </a:rPr>
+              <a:t> </a:t>
+            </a:r>
+            <a:r>
+              <a:rPr altLang="en-GB" sz="2800" lang="en-US">
+                <a:solidFill>
+                  <a:srgbClr val="000000"/>
+                </a:solidFill>
+              </a:rPr>
+              <a:t>A</a:t>
+            </a:r>
+            <a:r>
+              <a:rPr altLang="en-GB" sz="2800" lang="en-US">
+                <a:solidFill>
+                  <a:srgbClr val="000000"/>
+                </a:solidFill>
+              </a:rPr>
+              <a:t>l</a:t>
+            </a:r>
+            <a:r>
+              <a:rPr altLang="en-GB" sz="2800" lang="en-US">
+                <a:solidFill>
+                  <a:srgbClr val="000000"/>
+                </a:solidFill>
+              </a:rPr>
+              <a:t>l</a:t>
+            </a:r>
+            <a:r>
+              <a:rPr altLang="en-GB" sz="2800" lang="en-US">
+                <a:solidFill>
+                  <a:srgbClr val="000000"/>
+                </a:solidFill>
+              </a:rPr>
+              <a:t>o</a:t>
+            </a:r>
+            <a:r>
+              <a:rPr altLang="en-GB" sz="2800" lang="en-US">
+                <a:solidFill>
+                  <a:srgbClr val="000000"/>
+                </a:solidFill>
+              </a:rPr>
+              <a:t>w </a:t>
+            </a:r>
+            <a:r>
+              <a:rPr altLang="en-GB" sz="2800" lang="en-US">
+                <a:solidFill>
+                  <a:srgbClr val="000000"/>
+                </a:solidFill>
+              </a:rPr>
+              <a:t>d</a:t>
+            </a:r>
+            <a:r>
+              <a:rPr altLang="en-GB" sz="2800" lang="en-US">
+                <a:solidFill>
+                  <a:srgbClr val="000000"/>
+                </a:solidFill>
+              </a:rPr>
+              <a:t>e</a:t>
+            </a:r>
+            <a:r>
+              <a:rPr altLang="en-GB" sz="2800" lang="en-US">
+                <a:solidFill>
+                  <a:srgbClr val="000000"/>
+                </a:solidFill>
+              </a:rPr>
+              <a:t>v</a:t>
+            </a:r>
+            <a:r>
+              <a:rPr altLang="en-GB" sz="2800" lang="en-US">
+                <a:solidFill>
+                  <a:srgbClr val="000000"/>
+                </a:solidFill>
+              </a:rPr>
+              <a:t>e</a:t>
+            </a:r>
+            <a:r>
+              <a:rPr altLang="en-GB" sz="2800" lang="en-US">
+                <a:solidFill>
+                  <a:srgbClr val="000000"/>
+                </a:solidFill>
+              </a:rPr>
+              <a:t>loper </a:t>
+            </a:r>
+            <a:r>
+              <a:rPr altLang="en-GB" sz="2800" lang="en-US">
+                <a:solidFill>
+                  <a:srgbClr val="000000"/>
+                </a:solidFill>
+              </a:rPr>
+              <a:t>t</a:t>
+            </a:r>
+            <a:r>
+              <a:rPr altLang="en-GB" sz="2800" lang="en-US">
+                <a:solidFill>
+                  <a:srgbClr val="000000"/>
+                </a:solidFill>
+              </a:rPr>
+              <a:t>o</a:t>
+            </a:r>
+            <a:r>
+              <a:rPr altLang="en-GB" sz="2800" lang="en-US">
+                <a:solidFill>
+                  <a:srgbClr val="000000"/>
+                </a:solidFill>
+              </a:rPr>
+              <a:t> </a:t>
+            </a:r>
+            <a:r>
+              <a:rPr altLang="en-GB" sz="2800" lang="en-US">
+                <a:solidFill>
+                  <a:srgbClr val="000000"/>
+                </a:solidFill>
+              </a:rPr>
+              <a:t>d</a:t>
+            </a:r>
+            <a:r>
+              <a:rPr altLang="en-GB" sz="2800" lang="en-US">
+                <a:solidFill>
+                  <a:srgbClr val="000000"/>
+                </a:solidFill>
+              </a:rPr>
+              <a:t>e</a:t>
+            </a:r>
+            <a:r>
+              <a:rPr altLang="en-GB" sz="2800" lang="en-US">
+                <a:solidFill>
+                  <a:srgbClr val="000000"/>
+                </a:solidFill>
+              </a:rPr>
+              <a:t>s</a:t>
+            </a:r>
+            <a:r>
+              <a:rPr altLang="en-GB" sz="2800" lang="en-US">
+                <a:solidFill>
+                  <a:srgbClr val="000000"/>
+                </a:solidFill>
+              </a:rPr>
+              <a:t>cribe </a:t>
+            </a:r>
+            <a:r>
+              <a:rPr altLang="en-GB" sz="2800" lang="en-US">
+                <a:solidFill>
+                  <a:srgbClr val="000000"/>
+                </a:solidFill>
+              </a:rPr>
+              <a:t>the </a:t>
+            </a:r>
+            <a:r>
+              <a:rPr altLang="en-GB" sz="2800" lang="en-US">
+                <a:solidFill>
+                  <a:srgbClr val="000000"/>
+                </a:solidFill>
+              </a:rPr>
+              <a:t>U</a:t>
+            </a:r>
+            <a:r>
+              <a:rPr altLang="en-GB" sz="2800" lang="en-US">
+                <a:solidFill>
+                  <a:srgbClr val="000000"/>
+                </a:solidFill>
+              </a:rPr>
+              <a:t>I</a:t>
+            </a:r>
+            <a:r>
+              <a:rPr altLang="en-GB" sz="2800" lang="en-US">
+                <a:solidFill>
+                  <a:srgbClr val="000000"/>
+                </a:solidFill>
+              </a:rPr>
+              <a:t> </a:t>
+            </a:r>
+            <a:r>
+              <a:rPr altLang="en-GB" sz="2800" lang="en-US">
+                <a:solidFill>
+                  <a:srgbClr val="000000"/>
+                </a:solidFill>
+              </a:rPr>
+              <a:t>s</a:t>
+            </a:r>
+            <a:r>
+              <a:rPr altLang="en-GB" sz="2800" lang="en-US">
+                <a:solidFill>
+                  <a:srgbClr val="000000"/>
+                </a:solidFill>
+              </a:rPr>
+              <a:t>t</a:t>
+            </a:r>
+            <a:r>
+              <a:rPr altLang="en-GB" sz="2800" lang="en-US">
+                <a:solidFill>
+                  <a:srgbClr val="000000"/>
+                </a:solidFill>
+              </a:rPr>
+              <a:t>a</a:t>
+            </a:r>
+            <a:r>
+              <a:rPr altLang="en-GB" sz="2800" lang="en-US">
+                <a:solidFill>
+                  <a:srgbClr val="000000"/>
+                </a:solidFill>
+              </a:rPr>
+              <a:t>t</a:t>
+            </a:r>
+            <a:r>
+              <a:rPr altLang="en-GB" sz="2800" lang="en-US">
+                <a:solidFill>
+                  <a:srgbClr val="000000"/>
+                </a:solidFill>
+              </a:rPr>
+              <a:t>e</a:t>
+            </a:r>
+            <a:r>
+              <a:rPr altLang="en-GB" sz="2800" lang="en-US">
+                <a:solidFill>
+                  <a:srgbClr val="000000"/>
+                </a:solidFill>
+              </a:rPr>
+              <a:t>,</a:t>
+            </a:r>
+            <a:r>
+              <a:rPr altLang="en-GB" sz="2800" lang="en-US">
+                <a:solidFill>
+                  <a:srgbClr val="000000"/>
+                </a:solidFill>
+              </a:rPr>
+              <a:t>a</a:t>
+            </a:r>
+            <a:r>
+              <a:rPr altLang="en-GB" sz="2800" lang="en-US">
+                <a:solidFill>
+                  <a:srgbClr val="000000"/>
+                </a:solidFill>
+              </a:rPr>
+              <a:t>n</a:t>
+            </a:r>
+            <a:r>
+              <a:rPr altLang="en-GB" sz="2800" lang="en-US">
+                <a:solidFill>
+                  <a:srgbClr val="000000"/>
+                </a:solidFill>
+              </a:rPr>
+              <a:t>d</a:t>
+            </a:r>
+            <a:r>
+              <a:rPr altLang="en-GB" sz="2800" lang="en-US">
+                <a:solidFill>
+                  <a:srgbClr val="000000"/>
+                </a:solidFill>
+              </a:rPr>
+              <a:t> </a:t>
+            </a:r>
+            <a:r>
+              <a:rPr altLang="en-GB" sz="2800" lang="en-US">
+                <a:solidFill>
+                  <a:srgbClr val="000000"/>
+                </a:solidFill>
+              </a:rPr>
+              <a:t>t</a:t>
+            </a:r>
+            <a:r>
+              <a:rPr altLang="en-GB" sz="2800" lang="en-US">
+                <a:solidFill>
+                  <a:srgbClr val="000000"/>
+                </a:solidFill>
+              </a:rPr>
+              <a:t>h</a:t>
+            </a:r>
+            <a:r>
+              <a:rPr altLang="en-GB" sz="2800" lang="en-US">
+                <a:solidFill>
+                  <a:srgbClr val="000000"/>
+                </a:solidFill>
+              </a:rPr>
+              <a:t>e</a:t>
+            </a:r>
+            <a:r>
+              <a:rPr altLang="en-GB" sz="2800" lang="en-US">
+                <a:solidFill>
+                  <a:srgbClr val="000000"/>
+                </a:solidFill>
+              </a:rPr>
+              <a:t> </a:t>
+            </a:r>
+            <a:r>
+              <a:rPr altLang="en-GB" sz="2800" lang="en-US">
+                <a:solidFill>
+                  <a:srgbClr val="000000"/>
+                </a:solidFill>
+              </a:rPr>
+              <a:t>f</a:t>
+            </a:r>
+            <a:r>
+              <a:rPr altLang="en-GB" sz="2800" lang="en-US">
+                <a:solidFill>
+                  <a:srgbClr val="000000"/>
+                </a:solidFill>
+              </a:rPr>
+              <a:t>r</a:t>
+            </a:r>
+            <a:r>
+              <a:rPr altLang="en-GB" sz="2800" lang="en-US">
+                <a:solidFill>
+                  <a:srgbClr val="000000"/>
+                </a:solidFill>
+              </a:rPr>
+              <a:t>a</a:t>
+            </a:r>
+            <a:r>
+              <a:rPr altLang="en-GB" sz="2800" lang="en-US">
+                <a:solidFill>
+                  <a:srgbClr val="000000"/>
+                </a:solidFill>
+              </a:rPr>
+              <a:t>m</a:t>
+            </a:r>
+            <a:r>
+              <a:rPr altLang="en-GB" sz="2800" lang="en-US">
+                <a:solidFill>
+                  <a:srgbClr val="000000"/>
+                </a:solidFill>
+              </a:rPr>
+              <a:t>e</a:t>
+            </a:r>
+            <a:r>
+              <a:rPr altLang="en-GB" sz="2800" lang="en-US">
+                <a:solidFill>
+                  <a:srgbClr val="000000"/>
+                </a:solidFill>
+              </a:rPr>
+              <a:t>w</a:t>
+            </a:r>
+            <a:r>
+              <a:rPr altLang="en-GB" sz="2800" lang="en-US">
+                <a:solidFill>
+                  <a:srgbClr val="000000"/>
+                </a:solidFill>
+              </a:rPr>
+              <a:t>ork </a:t>
+            </a:r>
+            <a:r>
+              <a:rPr altLang="en-GB" sz="2800" lang="en-US">
+                <a:solidFill>
+                  <a:srgbClr val="000000"/>
+                </a:solidFill>
+              </a:rPr>
+              <a:t>h</a:t>
+            </a:r>
+            <a:r>
+              <a:rPr altLang="en-GB" sz="2800" lang="en-US">
+                <a:solidFill>
+                  <a:srgbClr val="000000"/>
+                </a:solidFill>
+              </a:rPr>
+              <a:t>a</a:t>
+            </a:r>
+            <a:r>
+              <a:rPr altLang="en-GB" sz="2800" lang="en-US">
+                <a:solidFill>
+                  <a:srgbClr val="000000"/>
+                </a:solidFill>
+              </a:rPr>
+              <a:t>n</a:t>
+            </a:r>
+            <a:r>
+              <a:rPr altLang="en-GB" sz="2800" lang="en-US">
+                <a:solidFill>
+                  <a:srgbClr val="000000"/>
+                </a:solidFill>
+              </a:rPr>
+              <a:t>d</a:t>
+            </a:r>
+            <a:r>
+              <a:rPr altLang="en-GB" sz="2800" lang="en-US">
+                <a:solidFill>
+                  <a:srgbClr val="000000"/>
+                </a:solidFill>
+              </a:rPr>
+              <a:t>l</a:t>
+            </a:r>
+            <a:r>
+              <a:rPr altLang="en-GB" sz="2800" lang="en-US">
+                <a:solidFill>
+                  <a:srgbClr val="000000"/>
+                </a:solidFill>
+              </a:rPr>
+              <a:t>e</a:t>
+            </a:r>
+            <a:r>
+              <a:rPr altLang="en-GB" sz="2800" lang="en-US">
+                <a:solidFill>
+                  <a:srgbClr val="000000"/>
+                </a:solidFill>
+              </a:rPr>
+              <a:t>s</a:t>
+            </a:r>
+            <a:r>
+              <a:rPr altLang="en-GB" sz="2800" lang="en-US">
+                <a:solidFill>
+                  <a:srgbClr val="000000"/>
+                </a:solidFill>
+              </a:rPr>
+              <a:t> </a:t>
+            </a:r>
+            <a:r>
+              <a:rPr altLang="en-GB" sz="2800" lang="en-US">
+                <a:solidFill>
+                  <a:srgbClr val="000000"/>
+                </a:solidFill>
+              </a:rPr>
+              <a:t>r</a:t>
+            </a:r>
+            <a:r>
+              <a:rPr altLang="en-GB" sz="2800" lang="en-US">
+                <a:solidFill>
+                  <a:srgbClr val="000000"/>
+                </a:solidFill>
+              </a:rPr>
+              <a:t>e</a:t>
+            </a:r>
+            <a:r>
+              <a:rPr altLang="en-GB" sz="2800" lang="en-US">
+                <a:solidFill>
+                  <a:srgbClr val="000000"/>
+                </a:solidFill>
+              </a:rPr>
+              <a:t>n</a:t>
+            </a:r>
+            <a:r>
+              <a:rPr altLang="en-GB" sz="2800" lang="en-US">
+                <a:solidFill>
+                  <a:srgbClr val="000000"/>
+                </a:solidFill>
+              </a:rPr>
+              <a:t>d</a:t>
+            </a:r>
+            <a:r>
+              <a:rPr altLang="en-GB" sz="2800" lang="en-US">
+                <a:solidFill>
+                  <a:srgbClr val="000000"/>
+                </a:solidFill>
+              </a:rPr>
+              <a:t>e</a:t>
+            </a:r>
+            <a:r>
+              <a:rPr altLang="en-GB" sz="2800" lang="en-US">
+                <a:solidFill>
+                  <a:srgbClr val="000000"/>
+                </a:solidFill>
+              </a:rPr>
+              <a:t>r</a:t>
+            </a:r>
+            <a:r>
+              <a:rPr altLang="en-GB" sz="2800" lang="en-US">
+                <a:solidFill>
+                  <a:srgbClr val="000000"/>
+                </a:solidFill>
+              </a:rPr>
+              <a:t>ing </a:t>
+            </a:r>
+            <a:endParaRPr sz="2800" lang="en-GB">
+              <a:solidFill>
+                <a:srgbClr val="000000"/>
+              </a:solidFill>
+            </a:endParaRPr>
+          </a:p>
+        </p:txBody>
+      </p:sp>
+      <p:sp>
+        <p:nvSpPr>
+          <p:cNvPr id="1048677" name=""/>
+          <p:cNvSpPr txBox="1"/>
+          <p:nvPr/>
+        </p:nvSpPr>
+        <p:spPr>
+          <a:xfrm>
+            <a:off x="381164" y="4641217"/>
+            <a:ext cx="10044046" cy="1501140"/>
+          </a:xfrm>
+          <a:prstGeom prst="rect"/>
+        </p:spPr>
+        <p:txBody>
+          <a:bodyPr rtlCol="0" wrap="square">
+            <a:spAutoFit/>
+          </a:bodyPr>
+          <a:p>
+            <a:r>
+              <a:rPr altLang="en-GB" sz="2800" lang="en-US">
+                <a:solidFill>
+                  <a:srgbClr val="0000FF"/>
+                </a:solidFill>
+              </a:rPr>
+              <a:t>E</a:t>
+            </a:r>
+            <a:r>
+              <a:rPr altLang="en-GB" sz="2800" lang="en-US">
+                <a:solidFill>
+                  <a:srgbClr val="0000FF"/>
+                </a:solidFill>
+              </a:rPr>
+              <a:t>f</a:t>
+            </a:r>
+            <a:r>
+              <a:rPr altLang="en-GB" sz="2800" lang="en-US">
+                <a:solidFill>
+                  <a:srgbClr val="0000FF"/>
+                </a:solidFill>
+              </a:rPr>
+              <a:t>f</a:t>
+            </a:r>
+            <a:r>
+              <a:rPr altLang="en-GB" sz="2800" lang="en-US">
+                <a:solidFill>
+                  <a:srgbClr val="0000FF"/>
+                </a:solidFill>
+              </a:rPr>
+              <a:t>i</a:t>
+            </a:r>
+            <a:r>
+              <a:rPr altLang="en-GB" sz="2800" lang="en-US">
+                <a:solidFill>
+                  <a:srgbClr val="0000FF"/>
+                </a:solidFill>
+              </a:rPr>
+              <a:t>cient </a:t>
+            </a:r>
+            <a:r>
+              <a:rPr altLang="en-GB" sz="2800" lang="en-US">
+                <a:solidFill>
+                  <a:srgbClr val="0000FF"/>
+                </a:solidFill>
+              </a:rPr>
+              <a:t>D</a:t>
+            </a:r>
+            <a:r>
+              <a:rPr altLang="en-GB" sz="2800" lang="en-US">
+                <a:solidFill>
+                  <a:srgbClr val="0000FF"/>
+                </a:solidFill>
+              </a:rPr>
+              <a:t>O</a:t>
+            </a:r>
+            <a:r>
+              <a:rPr altLang="en-GB" sz="2800" lang="en-US">
+                <a:solidFill>
+                  <a:srgbClr val="0000FF"/>
+                </a:solidFill>
+              </a:rPr>
+              <a:t>M</a:t>
+            </a:r>
+            <a:r>
+              <a:rPr altLang="en-GB" sz="2800" lang="en-US">
+                <a:solidFill>
+                  <a:srgbClr val="0000FF"/>
+                </a:solidFill>
+              </a:rPr>
+              <a:t> </a:t>
+            </a:r>
+            <a:r>
+              <a:rPr altLang="en-GB" sz="2800" lang="en-US">
+                <a:solidFill>
+                  <a:srgbClr val="0000FF"/>
+                </a:solidFill>
+              </a:rPr>
+              <a:t>m</a:t>
+            </a:r>
+            <a:r>
+              <a:rPr altLang="en-GB" sz="2800" lang="en-US">
+                <a:solidFill>
+                  <a:srgbClr val="0000FF"/>
+                </a:solidFill>
+              </a:rPr>
+              <a:t>a</a:t>
+            </a:r>
+            <a:r>
+              <a:rPr altLang="en-GB" sz="2800" lang="en-US">
+                <a:solidFill>
+                  <a:srgbClr val="0000FF"/>
+                </a:solidFill>
+              </a:rPr>
+              <a:t>n</a:t>
+            </a:r>
+            <a:r>
+              <a:rPr altLang="en-GB" sz="2800" lang="en-US">
+                <a:solidFill>
+                  <a:srgbClr val="0000FF"/>
+                </a:solidFill>
+              </a:rPr>
+              <a:t>i</a:t>
+            </a:r>
+            <a:r>
+              <a:rPr altLang="en-GB" sz="2800" lang="en-US">
+                <a:solidFill>
+                  <a:srgbClr val="0000FF"/>
+                </a:solidFill>
+              </a:rPr>
+              <a:t>p</a:t>
+            </a:r>
+            <a:r>
+              <a:rPr altLang="en-GB" sz="2800" lang="en-US">
+                <a:solidFill>
+                  <a:srgbClr val="0000FF"/>
+                </a:solidFill>
+              </a:rPr>
+              <a:t>u</a:t>
+            </a:r>
+            <a:r>
+              <a:rPr altLang="en-GB" sz="2800" lang="en-US">
+                <a:solidFill>
+                  <a:srgbClr val="0000FF"/>
+                </a:solidFill>
+              </a:rPr>
+              <a:t>l</a:t>
+            </a:r>
+            <a:r>
+              <a:rPr altLang="en-GB" sz="2800" lang="en-US">
+                <a:solidFill>
+                  <a:srgbClr val="0000FF"/>
+                </a:solidFill>
+              </a:rPr>
+              <a:t>ation</a:t>
+            </a:r>
+            <a:r>
+              <a:rPr altLang="en-GB" sz="2800" lang="en-US">
+                <a:solidFill>
+                  <a:srgbClr val="0000FF"/>
+                </a:solidFill>
+              </a:rPr>
+              <a:t>:</a:t>
+            </a:r>
+            <a:endParaRPr sz="2800" lang="en-GB">
+              <a:solidFill>
+                <a:srgbClr val="000000"/>
+              </a:solidFill>
+            </a:endParaRPr>
+          </a:p>
+          <a:p>
+            <a:r>
+              <a:rPr altLang="en-GB" sz="2800" lang="en-US">
+                <a:solidFill>
+                  <a:srgbClr val="000000"/>
+                </a:solidFill>
+              </a:rPr>
+              <a:t> </a:t>
+            </a:r>
+            <a:r>
+              <a:rPr altLang="en-GB" sz="2800" lang="en-US">
+                <a:solidFill>
+                  <a:srgbClr val="000000"/>
+                </a:solidFill>
+              </a:rPr>
+              <a:t> </a:t>
+            </a:r>
+            <a:r>
+              <a:rPr altLang="en-GB" sz="2800" lang="en-US">
+                <a:solidFill>
+                  <a:srgbClr val="000000"/>
+                </a:solidFill>
+              </a:rPr>
+              <a:t> </a:t>
+            </a:r>
+            <a:r>
+              <a:rPr altLang="en-GB" sz="2800" lang="en-US">
+                <a:solidFill>
+                  <a:srgbClr val="000000"/>
+                </a:solidFill>
+              </a:rPr>
+              <a:t> </a:t>
+            </a:r>
+            <a:r>
+              <a:rPr altLang="en-GB" sz="2800" lang="en-US">
+                <a:solidFill>
+                  <a:srgbClr val="000000"/>
+                </a:solidFill>
+              </a:rPr>
+              <a:t> </a:t>
+            </a:r>
+            <a:r>
+              <a:rPr altLang="en-GB" sz="2800" lang="en-US">
+                <a:solidFill>
+                  <a:srgbClr val="000000"/>
+                </a:solidFill>
+              </a:rPr>
+              <a:t> </a:t>
+            </a:r>
+            <a:r>
+              <a:rPr altLang="en-GB" sz="2800" lang="en-US">
+                <a:solidFill>
+                  <a:srgbClr val="000000"/>
+                </a:solidFill>
+              </a:rPr>
+              <a:t> </a:t>
+            </a:r>
+            <a:r>
+              <a:rPr altLang="en-GB" sz="2800" lang="en-US">
+                <a:solidFill>
+                  <a:srgbClr val="000000"/>
+                </a:solidFill>
+              </a:rPr>
+              <a:t> </a:t>
+            </a:r>
+            <a:r>
+              <a:rPr altLang="en-GB" sz="2800" lang="en-US">
+                <a:solidFill>
+                  <a:srgbClr val="000000"/>
+                </a:solidFill>
+              </a:rPr>
+              <a:t> </a:t>
+            </a:r>
+            <a:r>
+              <a:rPr altLang="en-GB" sz="2800" lang="en-US">
+                <a:solidFill>
+                  <a:srgbClr val="000000"/>
+                </a:solidFill>
+              </a:rPr>
+              <a:t> </a:t>
+            </a:r>
+            <a:r>
+              <a:rPr altLang="en-GB" sz="2800" lang="en-US">
+                <a:solidFill>
+                  <a:srgbClr val="000000"/>
+                </a:solidFill>
+              </a:rPr>
+              <a:t> </a:t>
+            </a:r>
+            <a:r>
+              <a:rPr altLang="en-GB" sz="2800" lang="en-US">
+                <a:solidFill>
+                  <a:srgbClr val="000000"/>
+                </a:solidFill>
+              </a:rPr>
+              <a:t> </a:t>
+            </a:r>
+            <a:r>
+              <a:rPr altLang="en-GB" sz="2800" lang="en-US">
+                <a:solidFill>
+                  <a:srgbClr val="000000"/>
+                </a:solidFill>
+              </a:rPr>
+              <a:t> </a:t>
+            </a:r>
+            <a:r>
+              <a:rPr altLang="en-GB" sz="2800" lang="en-US">
+                <a:solidFill>
+                  <a:srgbClr val="000000"/>
+                </a:solidFill>
+              </a:rPr>
+              <a:t>U</a:t>
+            </a:r>
+            <a:r>
+              <a:rPr altLang="en-GB" sz="2800" lang="en-US">
+                <a:solidFill>
+                  <a:srgbClr val="000000"/>
+                </a:solidFill>
+              </a:rPr>
+              <a:t>s</a:t>
+            </a:r>
+            <a:r>
+              <a:rPr altLang="en-GB" sz="2800" lang="en-US">
+                <a:solidFill>
+                  <a:srgbClr val="000000"/>
+                </a:solidFill>
+              </a:rPr>
+              <a:t>e</a:t>
+            </a:r>
+            <a:r>
+              <a:rPr altLang="en-GB" sz="2800" lang="en-US">
+                <a:solidFill>
+                  <a:srgbClr val="000000"/>
+                </a:solidFill>
+              </a:rPr>
+              <a:t>s</a:t>
+            </a:r>
+            <a:r>
+              <a:rPr altLang="en-GB" sz="2800" lang="en-US">
+                <a:solidFill>
+                  <a:srgbClr val="000000"/>
+                </a:solidFill>
+              </a:rPr>
+              <a:t> </a:t>
+            </a:r>
+            <a:r>
+              <a:rPr altLang="en-GB" sz="2800" lang="en-US">
+                <a:solidFill>
+                  <a:srgbClr val="000000"/>
+                </a:solidFill>
+              </a:rPr>
+              <a:t>t</a:t>
+            </a:r>
+            <a:r>
+              <a:rPr altLang="en-GB" sz="2800" lang="en-US">
+                <a:solidFill>
+                  <a:srgbClr val="000000"/>
+                </a:solidFill>
+              </a:rPr>
+              <a:t>e</a:t>
+            </a:r>
+            <a:r>
+              <a:rPr altLang="en-GB" sz="2800" lang="en-US">
+                <a:solidFill>
+                  <a:srgbClr val="000000"/>
+                </a:solidFill>
+              </a:rPr>
+              <a:t>c</a:t>
+            </a:r>
+            <a:r>
+              <a:rPr altLang="en-GB" sz="2800" lang="en-US">
+                <a:solidFill>
+                  <a:srgbClr val="000000"/>
+                </a:solidFill>
+              </a:rPr>
+              <a:t>h</a:t>
+            </a:r>
+            <a:r>
+              <a:rPr altLang="en-GB" sz="2800" lang="en-US">
+                <a:solidFill>
+                  <a:srgbClr val="000000"/>
+                </a:solidFill>
+              </a:rPr>
+              <a:t>no</a:t>
+            </a:r>
+            <a:r>
+              <a:rPr altLang="en-GB" sz="2800" lang="en-US">
+                <a:solidFill>
+                  <a:srgbClr val="000000"/>
+                </a:solidFill>
+              </a:rPr>
+              <a:t>i</a:t>
+            </a:r>
+            <a:r>
+              <a:rPr altLang="en-GB" sz="2800" lang="en-US">
+                <a:solidFill>
+                  <a:srgbClr val="000000"/>
+                </a:solidFill>
+              </a:rPr>
+              <a:t>q</a:t>
+            </a:r>
+            <a:r>
+              <a:rPr altLang="en-GB" sz="2800" lang="en-US">
+                <a:solidFill>
+                  <a:srgbClr val="000000"/>
+                </a:solidFill>
+              </a:rPr>
+              <a:t>u</a:t>
+            </a:r>
+            <a:r>
+              <a:rPr altLang="en-GB" sz="2800" lang="en-US">
+                <a:solidFill>
+                  <a:srgbClr val="000000"/>
+                </a:solidFill>
+              </a:rPr>
+              <a:t>e</a:t>
+            </a:r>
+            <a:r>
+              <a:rPr altLang="en-GB" sz="2800" lang="en-US">
+                <a:solidFill>
+                  <a:srgbClr val="000000"/>
+                </a:solidFill>
+              </a:rPr>
+              <a:t>s</a:t>
+            </a:r>
+            <a:r>
+              <a:rPr altLang="en-GB" sz="2800" lang="en-US">
+                <a:solidFill>
+                  <a:srgbClr val="000000"/>
+                </a:solidFill>
+              </a:rPr>
+              <a:t> </a:t>
+            </a:r>
+            <a:r>
+              <a:rPr altLang="en-GB" sz="2800" lang="en-US">
+                <a:solidFill>
+                  <a:srgbClr val="000000"/>
+                </a:solidFill>
+              </a:rPr>
+              <a:t>l</a:t>
+            </a:r>
+            <a:r>
+              <a:rPr altLang="en-GB" sz="2800" lang="en-US">
+                <a:solidFill>
+                  <a:srgbClr val="000000"/>
+                </a:solidFill>
+              </a:rPr>
+              <a:t>i</a:t>
+            </a:r>
+            <a:r>
+              <a:rPr altLang="en-GB" sz="2800" lang="en-US">
+                <a:solidFill>
+                  <a:srgbClr val="000000"/>
+                </a:solidFill>
+              </a:rPr>
+              <a:t>k</a:t>
+            </a:r>
+            <a:r>
+              <a:rPr altLang="en-GB" sz="2800" lang="en-US">
+                <a:solidFill>
+                  <a:srgbClr val="000000"/>
+                </a:solidFill>
+              </a:rPr>
+              <a:t>e </a:t>
+            </a:r>
+            <a:r>
+              <a:rPr altLang="en-GB" sz="2800" lang="en-US">
+                <a:solidFill>
+                  <a:srgbClr val="000000"/>
+                </a:solidFill>
+              </a:rPr>
+              <a:t>v</a:t>
+            </a:r>
+            <a:r>
+              <a:rPr altLang="en-GB" sz="2800" lang="en-US">
+                <a:solidFill>
+                  <a:srgbClr val="000000"/>
+                </a:solidFill>
+              </a:rPr>
+              <a:t>i</a:t>
+            </a:r>
+            <a:r>
+              <a:rPr altLang="en-GB" sz="2800" lang="en-US">
+                <a:solidFill>
+                  <a:srgbClr val="000000"/>
+                </a:solidFill>
+              </a:rPr>
+              <a:t>r</a:t>
+            </a:r>
+            <a:r>
+              <a:rPr altLang="en-GB" sz="2800" lang="en-US">
+                <a:solidFill>
+                  <a:srgbClr val="000000"/>
+                </a:solidFill>
+              </a:rPr>
+              <a:t>t</a:t>
+            </a:r>
+            <a:r>
+              <a:rPr altLang="en-GB" sz="2800" lang="en-US">
+                <a:solidFill>
+                  <a:srgbClr val="000000"/>
+                </a:solidFill>
+              </a:rPr>
+              <a:t>u</a:t>
+            </a:r>
+            <a:r>
+              <a:rPr altLang="en-GB" sz="2800" lang="en-US">
+                <a:solidFill>
+                  <a:srgbClr val="000000"/>
+                </a:solidFill>
+              </a:rPr>
+              <a:t>al </a:t>
+            </a:r>
+            <a:r>
+              <a:rPr altLang="en-GB" sz="2800" lang="en-US">
+                <a:solidFill>
+                  <a:srgbClr val="000000"/>
+                </a:solidFill>
+              </a:rPr>
+              <a:t>D</a:t>
+            </a:r>
+            <a:r>
+              <a:rPr altLang="en-GB" sz="2800" lang="en-US">
+                <a:solidFill>
+                  <a:srgbClr val="000000"/>
+                </a:solidFill>
+              </a:rPr>
+              <a:t>O</a:t>
+            </a:r>
+            <a:r>
+              <a:rPr altLang="en-GB" sz="2800" lang="en-US">
+                <a:solidFill>
+                  <a:srgbClr val="000000"/>
+                </a:solidFill>
+              </a:rPr>
+              <a:t>M</a:t>
+            </a:r>
+            <a:r>
+              <a:rPr altLang="en-GB" sz="2800" lang="en-US">
+                <a:solidFill>
+                  <a:srgbClr val="000000"/>
+                </a:solidFill>
+              </a:rPr>
+              <a:t> </a:t>
+            </a:r>
+            <a:r>
+              <a:rPr altLang="en-GB" sz="2800" lang="en-US">
+                <a:solidFill>
+                  <a:srgbClr val="000000"/>
+                </a:solidFill>
+              </a:rPr>
+              <a:t>t</a:t>
+            </a:r>
+            <a:r>
+              <a:rPr altLang="en-GB" sz="2800" lang="en-US">
+                <a:solidFill>
+                  <a:srgbClr val="000000"/>
+                </a:solidFill>
+              </a:rPr>
+              <a:t>o</a:t>
+            </a:r>
+            <a:r>
+              <a:rPr altLang="en-GB" sz="2800" lang="en-US">
+                <a:solidFill>
+                  <a:srgbClr val="000000"/>
+                </a:solidFill>
+              </a:rPr>
+              <a:t> </a:t>
+            </a:r>
+            <a:r>
+              <a:rPr altLang="en-GB" sz="2800" lang="en-US">
+                <a:solidFill>
+                  <a:srgbClr val="000000"/>
+                </a:solidFill>
+              </a:rPr>
+              <a:t>u</a:t>
+            </a:r>
+            <a:r>
+              <a:rPr altLang="en-GB" sz="2800" lang="en-US">
+                <a:solidFill>
+                  <a:srgbClr val="000000"/>
+                </a:solidFill>
+              </a:rPr>
+              <a:t>p</a:t>
+            </a:r>
+            <a:r>
+              <a:rPr altLang="en-GB" sz="2800" lang="en-US">
+                <a:solidFill>
+                  <a:srgbClr val="000000"/>
+                </a:solidFill>
+              </a:rPr>
+              <a:t>d</a:t>
+            </a:r>
+            <a:r>
+              <a:rPr altLang="en-GB" sz="2800" lang="en-US">
+                <a:solidFill>
+                  <a:srgbClr val="000000"/>
+                </a:solidFill>
+              </a:rPr>
+              <a:t>ate </a:t>
+            </a:r>
+            <a:r>
+              <a:rPr altLang="en-GB" sz="2800" lang="en-US">
+                <a:solidFill>
+                  <a:srgbClr val="000000"/>
+                </a:solidFill>
+              </a:rPr>
+              <a:t>o</a:t>
+            </a:r>
+            <a:r>
+              <a:rPr altLang="en-GB" sz="2800" lang="en-US">
+                <a:solidFill>
+                  <a:srgbClr val="000000"/>
+                </a:solidFill>
+              </a:rPr>
+              <a:t>n</a:t>
+            </a:r>
+            <a:r>
+              <a:rPr altLang="en-GB" sz="2800" lang="en-US">
+                <a:solidFill>
+                  <a:srgbClr val="000000"/>
+                </a:solidFill>
+              </a:rPr>
+              <a:t>l</a:t>
+            </a:r>
+            <a:r>
+              <a:rPr altLang="en-GB" sz="2800" lang="en-US">
+                <a:solidFill>
+                  <a:srgbClr val="000000"/>
+                </a:solidFill>
+              </a:rPr>
+              <a:t>y </a:t>
+            </a:r>
+            <a:r>
+              <a:rPr altLang="en-GB" sz="2800" lang="en-US">
+                <a:solidFill>
+                  <a:srgbClr val="000000"/>
+                </a:solidFill>
+              </a:rPr>
+              <a:t>necessary </a:t>
+            </a:r>
+            <a:r>
+              <a:rPr altLang="en-GB" sz="2800" lang="en-US">
+                <a:solidFill>
+                  <a:srgbClr val="000000"/>
+                </a:solidFill>
+              </a:rPr>
+              <a:t>p</a:t>
+            </a:r>
+            <a:r>
+              <a:rPr altLang="en-GB" sz="2800" lang="en-US">
+                <a:solidFill>
+                  <a:srgbClr val="000000"/>
+                </a:solidFill>
+              </a:rPr>
+              <a:t>a</a:t>
+            </a:r>
+            <a:r>
+              <a:rPr altLang="en-GB" sz="2800" lang="en-US">
+                <a:solidFill>
+                  <a:srgbClr val="000000"/>
+                </a:solidFill>
+              </a:rPr>
+              <a:t>r</a:t>
+            </a:r>
+            <a:r>
+              <a:rPr altLang="en-GB" sz="2800" lang="en-US">
+                <a:solidFill>
+                  <a:srgbClr val="000000"/>
+                </a:solidFill>
+              </a:rPr>
+              <a:t>t</a:t>
+            </a:r>
+            <a:r>
+              <a:rPr altLang="en-GB" sz="2800" lang="en-US">
+                <a:solidFill>
+                  <a:srgbClr val="000000"/>
+                </a:solidFill>
+              </a:rPr>
+              <a:t> </a:t>
+            </a:r>
+            <a:r>
+              <a:rPr altLang="en-GB" sz="2800" lang="en-US">
+                <a:solidFill>
+                  <a:srgbClr val="000000"/>
+                </a:solidFill>
+              </a:rPr>
+              <a:t>o</a:t>
+            </a:r>
+            <a:r>
+              <a:rPr altLang="en-GB" sz="2800" lang="en-US">
+                <a:solidFill>
+                  <a:srgbClr val="000000"/>
+                </a:solidFill>
+              </a:rPr>
+              <a:t>f </a:t>
+            </a:r>
+            <a:r>
+              <a:rPr altLang="en-GB" sz="2800" lang="en-US">
+                <a:solidFill>
+                  <a:srgbClr val="000000"/>
+                </a:solidFill>
+              </a:rPr>
+              <a:t>the </a:t>
+            </a:r>
+            <a:r>
+              <a:rPr altLang="en-GB" sz="2800" lang="en-US">
+                <a:solidFill>
+                  <a:srgbClr val="000000"/>
+                </a:solidFill>
+              </a:rPr>
+              <a:t>p</a:t>
+            </a:r>
+            <a:r>
+              <a:rPr altLang="en-GB" sz="2800" lang="en-US">
+                <a:solidFill>
+                  <a:srgbClr val="000000"/>
+                </a:solidFill>
+              </a:rPr>
+              <a:t>a</a:t>
+            </a:r>
+            <a:r>
+              <a:rPr altLang="en-GB" sz="2800" lang="en-US">
+                <a:solidFill>
+                  <a:srgbClr val="000000"/>
+                </a:solidFill>
+              </a:rPr>
+              <a:t>g</a:t>
+            </a:r>
+            <a:r>
+              <a:rPr altLang="en-GB" sz="2800" lang="en-US">
+                <a:solidFill>
+                  <a:srgbClr val="000000"/>
+                </a:solidFill>
+              </a:rPr>
+              <a:t>e</a:t>
+            </a:r>
+            <a:r>
+              <a:rPr altLang="en-GB" sz="2800" lang="en-US">
+                <a:solidFill>
+                  <a:srgbClr val="000000"/>
+                </a:solidFill>
+              </a:rPr>
+              <a:t> </a:t>
+            </a:r>
+            <a:endParaRPr sz="2800" lang="en-GB">
+              <a:solidFill>
+                <a:srgbClr val="000000"/>
+              </a:solidFill>
+            </a:endParaRPr>
           </a:p>
         </p:txBody>
       </p:sp>
